--- a/hogemonマニュアル.pptx
+++ b/hogemonマニュアル.pptx
@@ -11,24 +11,22 @@
     <p:sldId id="257" r:id="rId5"/>
     <p:sldId id="263" r:id="rId6"/>
     <p:sldId id="264" r:id="rId7"/>
-    <p:sldId id="265" r:id="rId8"/>
-    <p:sldId id="269" r:id="rId9"/>
-    <p:sldId id="267" r:id="rId10"/>
-    <p:sldId id="270" r:id="rId11"/>
-    <p:sldId id="271" r:id="rId12"/>
-    <p:sldId id="272" r:id="rId13"/>
-    <p:sldId id="273" r:id="rId14"/>
-    <p:sldId id="275" r:id="rId15"/>
-    <p:sldId id="276" r:id="rId16"/>
-    <p:sldId id="274" r:id="rId17"/>
-    <p:sldId id="278" r:id="rId18"/>
-    <p:sldId id="277" r:id="rId19"/>
-    <p:sldId id="279" r:id="rId20"/>
-    <p:sldId id="280" r:id="rId21"/>
-    <p:sldId id="281" r:id="rId22"/>
-    <p:sldId id="283" r:id="rId23"/>
-    <p:sldId id="282" r:id="rId24"/>
-    <p:sldId id="284" r:id="rId25"/>
+    <p:sldId id="267" r:id="rId8"/>
+    <p:sldId id="270" r:id="rId9"/>
+    <p:sldId id="271" r:id="rId10"/>
+    <p:sldId id="272" r:id="rId11"/>
+    <p:sldId id="273" r:id="rId12"/>
+    <p:sldId id="275" r:id="rId13"/>
+    <p:sldId id="276" r:id="rId14"/>
+    <p:sldId id="274" r:id="rId15"/>
+    <p:sldId id="278" r:id="rId16"/>
+    <p:sldId id="277" r:id="rId17"/>
+    <p:sldId id="279" r:id="rId18"/>
+    <p:sldId id="280" r:id="rId19"/>
+    <p:sldId id="281" r:id="rId20"/>
+    <p:sldId id="283" r:id="rId21"/>
+    <p:sldId id="282" r:id="rId22"/>
+    <p:sldId id="284" r:id="rId23"/>
   </p:sldIdLst>
   <p:sldSz cx="12192000" cy="6858000"/>
   <p:notesSz cx="6858000" cy="9144000"/>
@@ -323,7 +321,7 @@
           <a:p>
             <a:fld id="{0220298B-F54C-4F22-955E-C145C4BC94B2}" type="datetimeFigureOut">
               <a:rPr kumimoji="1" lang="ja-JP" altLang="en-US" smtClean="0"/>
-              <a:t>2023/1/15</a:t>
+              <a:t>2023/1/16</a:t>
             </a:fld>
             <a:endParaRPr kumimoji="1" lang="ja-JP" altLang="en-US"/>
           </a:p>
@@ -661,7 +659,7 @@
           <a:p>
             <a:fld id="{0220298B-F54C-4F22-955E-C145C4BC94B2}" type="datetimeFigureOut">
               <a:rPr kumimoji="1" lang="ja-JP" altLang="en-US" smtClean="0"/>
-              <a:t>2023/1/15</a:t>
+              <a:t>2023/1/16</a:t>
             </a:fld>
             <a:endParaRPr kumimoji="1" lang="ja-JP" altLang="en-US"/>
           </a:p>
@@ -1062,7 +1060,7 @@
           <a:p>
             <a:fld id="{0220298B-F54C-4F22-955E-C145C4BC94B2}" type="datetimeFigureOut">
               <a:rPr kumimoji="1" lang="ja-JP" altLang="en-US" smtClean="0"/>
-              <a:t>2023/1/15</a:t>
+              <a:t>2023/1/16</a:t>
             </a:fld>
             <a:endParaRPr kumimoji="1" lang="ja-JP" altLang="en-US"/>
           </a:p>
@@ -1398,7 +1396,7 @@
           <a:p>
             <a:fld id="{0220298B-F54C-4F22-955E-C145C4BC94B2}" type="datetimeFigureOut">
               <a:rPr kumimoji="1" lang="ja-JP" altLang="en-US" smtClean="0"/>
-              <a:t>2023/1/15</a:t>
+              <a:t>2023/1/16</a:t>
             </a:fld>
             <a:endParaRPr kumimoji="1" lang="ja-JP" altLang="en-US"/>
           </a:p>
@@ -1718,7 +1716,7 @@
           <a:p>
             <a:fld id="{0220298B-F54C-4F22-955E-C145C4BC94B2}" type="datetimeFigureOut">
               <a:rPr kumimoji="1" lang="ja-JP" altLang="en-US" smtClean="0"/>
-              <a:t>2023/1/15</a:t>
+              <a:t>2023/1/16</a:t>
             </a:fld>
             <a:endParaRPr kumimoji="1" lang="ja-JP" altLang="en-US"/>
           </a:p>
@@ -2114,7 +2112,7 @@
           <a:p>
             <a:fld id="{0220298B-F54C-4F22-955E-C145C4BC94B2}" type="datetimeFigureOut">
               <a:rPr kumimoji="1" lang="ja-JP" altLang="en-US" smtClean="0"/>
-              <a:t>2023/1/15</a:t>
+              <a:t>2023/1/16</a:t>
             </a:fld>
             <a:endParaRPr kumimoji="1" lang="ja-JP" altLang="en-US"/>
           </a:p>
@@ -2403,7 +2401,7 @@
           <a:p>
             <a:fld id="{0220298B-F54C-4F22-955E-C145C4BC94B2}" type="datetimeFigureOut">
               <a:rPr kumimoji="1" lang="ja-JP" altLang="en-US" smtClean="0"/>
-              <a:t>2023/1/15</a:t>
+              <a:t>2023/1/16</a:t>
             </a:fld>
             <a:endParaRPr kumimoji="1" lang="ja-JP" altLang="en-US"/>
           </a:p>
@@ -2697,7 +2695,7 @@
           <a:p>
             <a:fld id="{0220298B-F54C-4F22-955E-C145C4BC94B2}" type="datetimeFigureOut">
               <a:rPr kumimoji="1" lang="ja-JP" altLang="en-US" smtClean="0"/>
-              <a:t>2023/1/15</a:t>
+              <a:t>2023/1/16</a:t>
             </a:fld>
             <a:endParaRPr kumimoji="1" lang="ja-JP" altLang="en-US"/>
           </a:p>
@@ -2991,7 +2989,7 @@
           <a:p>
             <a:fld id="{0220298B-F54C-4F22-955E-C145C4BC94B2}" type="datetimeFigureOut">
               <a:rPr kumimoji="1" lang="ja-JP" altLang="en-US" smtClean="0"/>
-              <a:t>2023/1/15</a:t>
+              <a:t>2023/1/16</a:t>
             </a:fld>
             <a:endParaRPr kumimoji="1" lang="ja-JP" altLang="en-US"/>
           </a:p>
@@ -3320,7 +3318,7 @@
           <a:p>
             <a:fld id="{0220298B-F54C-4F22-955E-C145C4BC94B2}" type="datetimeFigureOut">
               <a:rPr kumimoji="1" lang="ja-JP" altLang="en-US" smtClean="0"/>
-              <a:t>2023/1/15</a:t>
+              <a:t>2023/1/16</a:t>
             </a:fld>
             <a:endParaRPr kumimoji="1" lang="ja-JP" altLang="en-US"/>
           </a:p>
@@ -3707,7 +3705,7 @@
           <a:p>
             <a:fld id="{0220298B-F54C-4F22-955E-C145C4BC94B2}" type="datetimeFigureOut">
               <a:rPr kumimoji="1" lang="ja-JP" altLang="en-US" smtClean="0"/>
-              <a:t>2023/1/15</a:t>
+              <a:t>2023/1/16</a:t>
             </a:fld>
             <a:endParaRPr kumimoji="1" lang="ja-JP" altLang="en-US"/>
           </a:p>
@@ -4228,7 +4226,7 @@
           <a:p>
             <a:fld id="{0220298B-F54C-4F22-955E-C145C4BC94B2}" type="datetimeFigureOut">
               <a:rPr kumimoji="1" lang="ja-JP" altLang="en-US" smtClean="0"/>
-              <a:t>2023/1/15</a:t>
+              <a:t>2023/1/16</a:t>
             </a:fld>
             <a:endParaRPr kumimoji="1" lang="ja-JP" altLang="en-US"/>
           </a:p>
@@ -4433,7 +4431,7 @@
           <a:p>
             <a:fld id="{0220298B-F54C-4F22-955E-C145C4BC94B2}" type="datetimeFigureOut">
               <a:rPr kumimoji="1" lang="ja-JP" altLang="en-US" smtClean="0"/>
-              <a:t>2023/1/15</a:t>
+              <a:t>2023/1/16</a:t>
             </a:fld>
             <a:endParaRPr kumimoji="1" lang="ja-JP" altLang="en-US"/>
           </a:p>
@@ -4610,7 +4608,7 @@
           <a:p>
             <a:fld id="{0220298B-F54C-4F22-955E-C145C4BC94B2}" type="datetimeFigureOut">
               <a:rPr kumimoji="1" lang="ja-JP" altLang="en-US" smtClean="0"/>
-              <a:t>2023/1/15</a:t>
+              <a:t>2023/1/16</a:t>
             </a:fld>
             <a:endParaRPr kumimoji="1" lang="ja-JP" altLang="en-US"/>
           </a:p>
@@ -4975,7 +4973,7 @@
           <a:p>
             <a:fld id="{0220298B-F54C-4F22-955E-C145C4BC94B2}" type="datetimeFigureOut">
               <a:rPr kumimoji="1" lang="ja-JP" altLang="en-US" smtClean="0"/>
-              <a:t>2023/1/15</a:t>
+              <a:t>2023/1/16</a:t>
             </a:fld>
             <a:endParaRPr kumimoji="1" lang="ja-JP" altLang="en-US"/>
           </a:p>
@@ -5320,7 +5318,7 @@
           <a:p>
             <a:fld id="{0220298B-F54C-4F22-955E-C145C4BC94B2}" type="datetimeFigureOut">
               <a:rPr kumimoji="1" lang="ja-JP" altLang="en-US" smtClean="0"/>
-              <a:t>2023/1/15</a:t>
+              <a:t>2023/1/16</a:t>
             </a:fld>
             <a:endParaRPr kumimoji="1" lang="ja-JP" altLang="en-US"/>
           </a:p>
@@ -7469,7 +7467,7 @@
           <a:p>
             <a:fld id="{0220298B-F54C-4F22-955E-C145C4BC94B2}" type="datetimeFigureOut">
               <a:rPr kumimoji="1" lang="ja-JP" altLang="en-US" smtClean="0"/>
-              <a:t>2023/1/15</a:t>
+              <a:t>2023/1/16</a:t>
             </a:fld>
             <a:endParaRPr kumimoji="1" lang="ja-JP" altLang="en-US"/>
           </a:p>
@@ -8117,6 +8115,2672 @@
           <a:chExt cx="0" cy="0"/>
         </a:xfrm>
       </p:grpSpPr>
+      <p:pic>
+        <p:nvPicPr>
+          <p:cNvPr id="4" name="図 3">
+            <a:extLst>
+              <a:ext uri="{FF2B5EF4-FFF2-40B4-BE49-F238E27FC236}">
+                <a16:creationId xmlns:a16="http://schemas.microsoft.com/office/drawing/2014/main" id="{43F69AE1-47B2-4BC5-6794-10DA0C958F07}"/>
+              </a:ext>
+            </a:extLst>
+          </p:cNvPr>
+          <p:cNvPicPr>
+            <a:picLocks noChangeAspect="1"/>
+          </p:cNvPicPr>
+          <p:nvPr/>
+        </p:nvPicPr>
+        <p:blipFill>
+          <a:blip r:embed="rId2">
+            <a:extLst>
+              <a:ext uri="{28A0092B-C50C-407E-A947-70E740481C1C}">
+                <a14:useLocalDpi xmlns:a14="http://schemas.microsoft.com/office/drawing/2010/main" val="0"/>
+              </a:ext>
+            </a:extLst>
+          </a:blip>
+          <a:stretch>
+            <a:fillRect/>
+          </a:stretch>
+        </p:blipFill>
+        <p:spPr>
+          <a:xfrm>
+            <a:off x="2075955" y="0"/>
+            <a:ext cx="6895767" cy="5881920"/>
+          </a:xfrm>
+          <a:prstGeom prst="rect">
+            <a:avLst/>
+          </a:prstGeom>
+        </p:spPr>
+      </p:pic>
+      <p:sp>
+        <p:nvSpPr>
+          <p:cNvPr id="2" name="テキスト ボックス 1">
+            <a:extLst>
+              <a:ext uri="{FF2B5EF4-FFF2-40B4-BE49-F238E27FC236}">
+                <a16:creationId xmlns:a16="http://schemas.microsoft.com/office/drawing/2014/main" id="{A5DB7B2B-061B-6EC4-A175-08EF0607A635}"/>
+              </a:ext>
+            </a:extLst>
+          </p:cNvPr>
+          <p:cNvSpPr txBox="1"/>
+          <p:nvPr/>
+        </p:nvSpPr>
+        <p:spPr>
+          <a:xfrm>
+            <a:off x="2075955" y="5536096"/>
+            <a:ext cx="10378422" cy="954107"/>
+          </a:xfrm>
+          <a:prstGeom prst="rect">
+            <a:avLst/>
+          </a:prstGeom>
+          <a:noFill/>
+        </p:spPr>
+        <p:txBody>
+          <a:bodyPr wrap="square" rtlCol="0">
+            <a:spAutoFit/>
+          </a:bodyPr>
+          <a:lstStyle/>
+          <a:p>
+            <a:r>
+              <a:rPr kumimoji="1" lang="ja-JP" altLang="en-US" sz="2800" dirty="0">
+                <a:latin typeface="BIZ UDPゴシック" panose="020B0400000000000000" pitchFamily="50" charset="-128"/>
+                <a:ea typeface="BIZ UDPゴシック" panose="020B0400000000000000" pitchFamily="50" charset="-128"/>
+              </a:rPr>
+              <a:t>この画面が表示されたらログイン成功です。</a:t>
+            </a:r>
+            <a:endParaRPr kumimoji="1" lang="en-US" altLang="ja-JP" sz="2800" dirty="0">
+              <a:latin typeface="BIZ UDPゴシック" panose="020B0400000000000000" pitchFamily="50" charset="-128"/>
+              <a:ea typeface="BIZ UDPゴシック" panose="020B0400000000000000" pitchFamily="50" charset="-128"/>
+            </a:endParaRPr>
+          </a:p>
+          <a:p>
+            <a:r>
+              <a:rPr kumimoji="1" lang="ja-JP" altLang="en-US" sz="2800" dirty="0">
+                <a:latin typeface="BIZ UDPゴシック" panose="020B0400000000000000" pitchFamily="50" charset="-128"/>
+                <a:ea typeface="BIZ UDPゴシック" panose="020B0400000000000000" pitchFamily="50" charset="-128"/>
+              </a:rPr>
+              <a:t>ゲームをお楽しみください。</a:t>
+            </a:r>
+          </a:p>
+        </p:txBody>
+      </p:sp>
+    </p:spTree>
+    <p:extLst>
+      <p:ext uri="{BB962C8B-B14F-4D97-AF65-F5344CB8AC3E}">
+        <p14:creationId xmlns:p14="http://schemas.microsoft.com/office/powerpoint/2010/main" val="3437822726"/>
+      </p:ext>
+    </p:extLst>
+  </p:cSld>
+  <p:clrMapOvr>
+    <a:masterClrMapping/>
+  </p:clrMapOvr>
+</p:sld>
+</file>
+
+<file path=ppt/slides/slide11.xml><?xml version="1.0" encoding="utf-8"?>
+<p:sld xmlns:a="http://schemas.openxmlformats.org/drawingml/2006/main" xmlns:r="http://schemas.openxmlformats.org/officeDocument/2006/relationships" xmlns:p="http://schemas.openxmlformats.org/presentationml/2006/main">
+  <p:cSld>
+    <p:spTree>
+      <p:nvGrpSpPr>
+        <p:cNvPr id="1" name=""/>
+        <p:cNvGrpSpPr/>
+        <p:nvPr/>
+      </p:nvGrpSpPr>
+      <p:grpSpPr>
+        <a:xfrm>
+          <a:off x="0" y="0"/>
+          <a:ext cx="0" cy="0"/>
+          <a:chOff x="0" y="0"/>
+          <a:chExt cx="0" cy="0"/>
+        </a:xfrm>
+      </p:grpSpPr>
+      <p:pic>
+        <p:nvPicPr>
+          <p:cNvPr id="4" name="図 3">
+            <a:extLst>
+              <a:ext uri="{FF2B5EF4-FFF2-40B4-BE49-F238E27FC236}">
+                <a16:creationId xmlns:a16="http://schemas.microsoft.com/office/drawing/2014/main" id="{F60BEB1C-2CE5-AD8C-7EFF-023E8BDEA769}"/>
+              </a:ext>
+            </a:extLst>
+          </p:cNvPr>
+          <p:cNvPicPr>
+            <a:picLocks noChangeAspect="1"/>
+          </p:cNvPicPr>
+          <p:nvPr/>
+        </p:nvPicPr>
+        <p:blipFill>
+          <a:blip r:embed="rId2">
+            <a:extLst>
+              <a:ext uri="{28A0092B-C50C-407E-A947-70E740481C1C}">
+                <a14:useLocalDpi xmlns:a14="http://schemas.microsoft.com/office/drawing/2010/main" val="0"/>
+              </a:ext>
+            </a:extLst>
+          </a:blip>
+          <a:stretch>
+            <a:fillRect/>
+          </a:stretch>
+        </p:blipFill>
+        <p:spPr>
+          <a:xfrm>
+            <a:off x="2075955" y="0"/>
+            <a:ext cx="8040090" cy="6858000"/>
+          </a:xfrm>
+          <a:prstGeom prst="rect">
+            <a:avLst/>
+          </a:prstGeom>
+        </p:spPr>
+      </p:pic>
+      <p:sp>
+        <p:nvSpPr>
+          <p:cNvPr id="2" name="テキスト ボックス 1">
+            <a:extLst>
+              <a:ext uri="{FF2B5EF4-FFF2-40B4-BE49-F238E27FC236}">
+                <a16:creationId xmlns:a16="http://schemas.microsoft.com/office/drawing/2014/main" id="{A5DB7B2B-061B-6EC4-A175-08EF0607A635}"/>
+              </a:ext>
+            </a:extLst>
+          </p:cNvPr>
+          <p:cNvSpPr txBox="1"/>
+          <p:nvPr/>
+        </p:nvSpPr>
+        <p:spPr>
+          <a:xfrm>
+            <a:off x="1940458" y="3637771"/>
+            <a:ext cx="10378422" cy="1384995"/>
+          </a:xfrm>
+          <a:prstGeom prst="rect">
+            <a:avLst/>
+          </a:prstGeom>
+          <a:noFill/>
+        </p:spPr>
+        <p:txBody>
+          <a:bodyPr wrap="square" rtlCol="0">
+            <a:spAutoFit/>
+          </a:bodyPr>
+          <a:lstStyle/>
+          <a:p>
+            <a:r>
+              <a:rPr kumimoji="1" lang="ja-JP" altLang="en-US" sz="2800" dirty="0">
+                <a:latin typeface="BIZ UDPゴシック" panose="020B0400000000000000" pitchFamily="50" charset="-128"/>
+                <a:ea typeface="BIZ UDPゴシック" panose="020B0400000000000000" pitchFamily="50" charset="-128"/>
+              </a:rPr>
+              <a:t>戦闘をクリックすると、モンスター選択画面が表示されます。</a:t>
+            </a:r>
+            <a:endParaRPr kumimoji="1" lang="en-US" altLang="ja-JP" sz="2800" dirty="0">
+              <a:latin typeface="BIZ UDPゴシック" panose="020B0400000000000000" pitchFamily="50" charset="-128"/>
+              <a:ea typeface="BIZ UDPゴシック" panose="020B0400000000000000" pitchFamily="50" charset="-128"/>
+            </a:endParaRPr>
+          </a:p>
+          <a:p>
+            <a:r>
+              <a:rPr kumimoji="1" lang="ja-JP" altLang="en-US" sz="2800" dirty="0">
+                <a:latin typeface="BIZ UDPゴシック" panose="020B0400000000000000" pitchFamily="50" charset="-128"/>
+                <a:ea typeface="BIZ UDPゴシック" panose="020B0400000000000000" pitchFamily="50" charset="-128"/>
+              </a:rPr>
+              <a:t>１～３のどれかを選び、詳細表示をクリックすることで、</a:t>
+            </a:r>
+            <a:endParaRPr kumimoji="1" lang="en-US" altLang="ja-JP" sz="2800" dirty="0">
+              <a:latin typeface="BIZ UDPゴシック" panose="020B0400000000000000" pitchFamily="50" charset="-128"/>
+              <a:ea typeface="BIZ UDPゴシック" panose="020B0400000000000000" pitchFamily="50" charset="-128"/>
+            </a:endParaRPr>
+          </a:p>
+          <a:p>
+            <a:r>
+              <a:rPr kumimoji="1" lang="ja-JP" altLang="en-US" sz="2800" dirty="0">
+                <a:latin typeface="BIZ UDPゴシック" panose="020B0400000000000000" pitchFamily="50" charset="-128"/>
+                <a:ea typeface="BIZ UDPゴシック" panose="020B0400000000000000" pitchFamily="50" charset="-128"/>
+              </a:rPr>
+              <a:t>エントリーが完了します。</a:t>
+            </a:r>
+            <a:endParaRPr kumimoji="1" lang="en-US" altLang="ja-JP" sz="2800" dirty="0">
+              <a:latin typeface="BIZ UDPゴシック" panose="020B0400000000000000" pitchFamily="50" charset="-128"/>
+              <a:ea typeface="BIZ UDPゴシック" panose="020B0400000000000000" pitchFamily="50" charset="-128"/>
+            </a:endParaRPr>
+          </a:p>
+        </p:txBody>
+      </p:sp>
+    </p:spTree>
+    <p:extLst>
+      <p:ext uri="{BB962C8B-B14F-4D97-AF65-F5344CB8AC3E}">
+        <p14:creationId xmlns:p14="http://schemas.microsoft.com/office/powerpoint/2010/main" val="1202511982"/>
+      </p:ext>
+    </p:extLst>
+  </p:cSld>
+  <p:clrMapOvr>
+    <a:masterClrMapping/>
+  </p:clrMapOvr>
+</p:sld>
+</file>
+
+<file path=ppt/slides/slide12.xml><?xml version="1.0" encoding="utf-8"?>
+<p:sld xmlns:a="http://schemas.openxmlformats.org/drawingml/2006/main" xmlns:r="http://schemas.openxmlformats.org/officeDocument/2006/relationships" xmlns:p="http://schemas.openxmlformats.org/presentationml/2006/main">
+  <p:cSld>
+    <p:spTree>
+      <p:nvGrpSpPr>
+        <p:cNvPr id="1" name=""/>
+        <p:cNvGrpSpPr/>
+        <p:nvPr/>
+      </p:nvGrpSpPr>
+      <p:grpSpPr>
+        <a:xfrm>
+          <a:off x="0" y="0"/>
+          <a:ext cx="0" cy="0"/>
+          <a:chOff x="0" y="0"/>
+          <a:chExt cx="0" cy="0"/>
+        </a:xfrm>
+      </p:grpSpPr>
+      <p:pic>
+        <p:nvPicPr>
+          <p:cNvPr id="4" name="図 3">
+            <a:extLst>
+              <a:ext uri="{FF2B5EF4-FFF2-40B4-BE49-F238E27FC236}">
+                <a16:creationId xmlns:a16="http://schemas.microsoft.com/office/drawing/2014/main" id="{83EB71E4-B4E1-77F3-3DF0-6160B9D260C3}"/>
+              </a:ext>
+            </a:extLst>
+          </p:cNvPr>
+          <p:cNvPicPr>
+            <a:picLocks noChangeAspect="1"/>
+          </p:cNvPicPr>
+          <p:nvPr/>
+        </p:nvPicPr>
+        <p:blipFill>
+          <a:blip r:embed="rId2">
+            <a:extLst>
+              <a:ext uri="{28A0092B-C50C-407E-A947-70E740481C1C}">
+                <a14:useLocalDpi xmlns:a14="http://schemas.microsoft.com/office/drawing/2010/main" val="0"/>
+              </a:ext>
+            </a:extLst>
+          </a:blip>
+          <a:stretch>
+            <a:fillRect/>
+          </a:stretch>
+        </p:blipFill>
+        <p:spPr>
+          <a:xfrm>
+            <a:off x="2849942" y="0"/>
+            <a:ext cx="6492115" cy="6858000"/>
+          </a:xfrm>
+          <a:prstGeom prst="rect">
+            <a:avLst/>
+          </a:prstGeom>
+        </p:spPr>
+      </p:pic>
+      <p:sp>
+        <p:nvSpPr>
+          <p:cNvPr id="2" name="テキスト ボックス 1">
+            <a:extLst>
+              <a:ext uri="{FF2B5EF4-FFF2-40B4-BE49-F238E27FC236}">
+                <a16:creationId xmlns:a16="http://schemas.microsoft.com/office/drawing/2014/main" id="{A5DB7B2B-061B-6EC4-A175-08EF0607A635}"/>
+              </a:ext>
+            </a:extLst>
+          </p:cNvPr>
+          <p:cNvSpPr txBox="1"/>
+          <p:nvPr/>
+        </p:nvSpPr>
+        <p:spPr>
+          <a:xfrm>
+            <a:off x="3027136" y="4976240"/>
+            <a:ext cx="5467507" cy="954107"/>
+          </a:xfrm>
+          <a:prstGeom prst="rect">
+            <a:avLst/>
+          </a:prstGeom>
+          <a:noFill/>
+        </p:spPr>
+        <p:txBody>
+          <a:bodyPr wrap="square" rtlCol="0">
+            <a:spAutoFit/>
+          </a:bodyPr>
+          <a:lstStyle/>
+          <a:p>
+            <a:r>
+              <a:rPr kumimoji="1" lang="ja-JP" altLang="en-US" sz="2800" dirty="0">
+                <a:latin typeface="BIZ UDPゴシック" panose="020B0400000000000000" pitchFamily="50" charset="-128"/>
+                <a:ea typeface="BIZ UDPゴシック" panose="020B0400000000000000" pitchFamily="50" charset="-128"/>
+              </a:rPr>
+              <a:t>対戦相手がまだ来ていない場合は、対戦相手を選びます。</a:t>
+            </a:r>
+          </a:p>
+        </p:txBody>
+      </p:sp>
+    </p:spTree>
+    <p:extLst>
+      <p:ext uri="{BB962C8B-B14F-4D97-AF65-F5344CB8AC3E}">
+        <p14:creationId xmlns:p14="http://schemas.microsoft.com/office/powerpoint/2010/main" val="767542833"/>
+      </p:ext>
+    </p:extLst>
+  </p:cSld>
+  <p:clrMapOvr>
+    <a:masterClrMapping/>
+  </p:clrMapOvr>
+</p:sld>
+</file>
+
+<file path=ppt/slides/slide13.xml><?xml version="1.0" encoding="utf-8"?>
+<p:sld xmlns:a="http://schemas.openxmlformats.org/drawingml/2006/main" xmlns:r="http://schemas.openxmlformats.org/officeDocument/2006/relationships" xmlns:p="http://schemas.openxmlformats.org/presentationml/2006/main">
+  <p:cSld>
+    <p:spTree>
+      <p:nvGrpSpPr>
+        <p:cNvPr id="1" name=""/>
+        <p:cNvGrpSpPr/>
+        <p:nvPr/>
+      </p:nvGrpSpPr>
+      <p:grpSpPr>
+        <a:xfrm>
+          <a:off x="0" y="0"/>
+          <a:ext cx="0" cy="0"/>
+          <a:chOff x="0" y="0"/>
+          <a:chExt cx="0" cy="0"/>
+        </a:xfrm>
+      </p:grpSpPr>
+      <p:pic>
+        <p:nvPicPr>
+          <p:cNvPr id="5" name="図 4">
+            <a:extLst>
+              <a:ext uri="{FF2B5EF4-FFF2-40B4-BE49-F238E27FC236}">
+                <a16:creationId xmlns:a16="http://schemas.microsoft.com/office/drawing/2014/main" id="{6EAB845D-46D5-0CD9-B7C1-B18A2C39E1DF}"/>
+              </a:ext>
+            </a:extLst>
+          </p:cNvPr>
+          <p:cNvPicPr>
+            <a:picLocks noChangeAspect="1"/>
+          </p:cNvPicPr>
+          <p:nvPr/>
+        </p:nvPicPr>
+        <p:blipFill>
+          <a:blip r:embed="rId2">
+            <a:extLst>
+              <a:ext uri="{28A0092B-C50C-407E-A947-70E740481C1C}">
+                <a14:useLocalDpi xmlns:a14="http://schemas.microsoft.com/office/drawing/2010/main" val="0"/>
+              </a:ext>
+            </a:extLst>
+          </a:blip>
+          <a:stretch>
+            <a:fillRect/>
+          </a:stretch>
+        </p:blipFill>
+        <p:spPr>
+          <a:xfrm>
+            <a:off x="2849942" y="0"/>
+            <a:ext cx="6492115" cy="6858000"/>
+          </a:xfrm>
+          <a:prstGeom prst="rect">
+            <a:avLst/>
+          </a:prstGeom>
+        </p:spPr>
+      </p:pic>
+      <p:sp>
+        <p:nvSpPr>
+          <p:cNvPr id="2" name="テキスト ボックス 1">
+            <a:extLst>
+              <a:ext uri="{FF2B5EF4-FFF2-40B4-BE49-F238E27FC236}">
+                <a16:creationId xmlns:a16="http://schemas.microsoft.com/office/drawing/2014/main" id="{A5DB7B2B-061B-6EC4-A175-08EF0607A635}"/>
+              </a:ext>
+            </a:extLst>
+          </p:cNvPr>
+          <p:cNvSpPr txBox="1"/>
+          <p:nvPr/>
+        </p:nvSpPr>
+        <p:spPr>
+          <a:xfrm>
+            <a:off x="2510302" y="4711197"/>
+            <a:ext cx="10378422" cy="523220"/>
+          </a:xfrm>
+          <a:prstGeom prst="rect">
+            <a:avLst/>
+          </a:prstGeom>
+          <a:noFill/>
+        </p:spPr>
+        <p:txBody>
+          <a:bodyPr wrap="square" rtlCol="0">
+            <a:spAutoFit/>
+          </a:bodyPr>
+          <a:lstStyle/>
+          <a:p>
+            <a:r>
+              <a:rPr kumimoji="1" lang="ja-JP" altLang="en-US" sz="2800" dirty="0">
+                <a:latin typeface="BIZ UDPゴシック" panose="020B0400000000000000" pitchFamily="50" charset="-128"/>
+                <a:ea typeface="BIZ UDPゴシック" panose="020B0400000000000000" pitchFamily="50" charset="-128"/>
+              </a:rPr>
+              <a:t>対戦相手がまだ来ていない場合は、この画面が表示されます。</a:t>
+            </a:r>
+          </a:p>
+        </p:txBody>
+      </p:sp>
+    </p:spTree>
+    <p:extLst>
+      <p:ext uri="{BB962C8B-B14F-4D97-AF65-F5344CB8AC3E}">
+        <p14:creationId xmlns:p14="http://schemas.microsoft.com/office/powerpoint/2010/main" val="485777945"/>
+      </p:ext>
+    </p:extLst>
+  </p:cSld>
+  <p:clrMapOvr>
+    <a:masterClrMapping/>
+  </p:clrMapOvr>
+</p:sld>
+</file>
+
+<file path=ppt/slides/slide14.xml><?xml version="1.0" encoding="utf-8"?>
+<p:sld xmlns:a="http://schemas.openxmlformats.org/drawingml/2006/main" xmlns:r="http://schemas.openxmlformats.org/officeDocument/2006/relationships" xmlns:p="http://schemas.openxmlformats.org/presentationml/2006/main">
+  <p:cSld>
+    <p:spTree>
+      <p:nvGrpSpPr>
+        <p:cNvPr id="1" name=""/>
+        <p:cNvGrpSpPr/>
+        <p:nvPr/>
+      </p:nvGrpSpPr>
+      <p:grpSpPr>
+        <a:xfrm>
+          <a:off x="0" y="0"/>
+          <a:ext cx="0" cy="0"/>
+          <a:chOff x="0" y="0"/>
+          <a:chExt cx="0" cy="0"/>
+        </a:xfrm>
+      </p:grpSpPr>
+      <p:sp>
+        <p:nvSpPr>
+          <p:cNvPr id="2" name="テキスト ボックス 1">
+            <a:extLst>
+              <a:ext uri="{FF2B5EF4-FFF2-40B4-BE49-F238E27FC236}">
+                <a16:creationId xmlns:a16="http://schemas.microsoft.com/office/drawing/2014/main" id="{A5DB7B2B-061B-6EC4-A175-08EF0607A635}"/>
+              </a:ext>
+            </a:extLst>
+          </p:cNvPr>
+          <p:cNvSpPr txBox="1"/>
+          <p:nvPr/>
+        </p:nvSpPr>
+        <p:spPr>
+          <a:xfrm>
+            <a:off x="1251345" y="5937073"/>
+            <a:ext cx="10378422" cy="954107"/>
+          </a:xfrm>
+          <a:prstGeom prst="rect">
+            <a:avLst/>
+          </a:prstGeom>
+          <a:noFill/>
+        </p:spPr>
+        <p:txBody>
+          <a:bodyPr wrap="square" rtlCol="0">
+            <a:spAutoFit/>
+          </a:bodyPr>
+          <a:lstStyle/>
+          <a:p>
+            <a:r>
+              <a:rPr kumimoji="1" lang="ja-JP" altLang="en-US" sz="2800" dirty="0">
+                <a:latin typeface="BIZ UDPゴシック" panose="020B0400000000000000" pitchFamily="50" charset="-128"/>
+                <a:ea typeface="BIZ UDPゴシック" panose="020B0400000000000000" pitchFamily="50" charset="-128"/>
+              </a:rPr>
+              <a:t>対戦申請がすでに来ている場合も同様に、</a:t>
+            </a:r>
+            <a:endParaRPr kumimoji="1" lang="en-US" altLang="ja-JP" sz="2800" dirty="0">
+              <a:latin typeface="BIZ UDPゴシック" panose="020B0400000000000000" pitchFamily="50" charset="-128"/>
+              <a:ea typeface="BIZ UDPゴシック" panose="020B0400000000000000" pitchFamily="50" charset="-128"/>
+            </a:endParaRPr>
+          </a:p>
+          <a:p>
+            <a:r>
+              <a:rPr kumimoji="1" lang="ja-JP" altLang="en-US" sz="2800" dirty="0">
+                <a:latin typeface="BIZ UDPゴシック" panose="020B0400000000000000" pitchFamily="50" charset="-128"/>
+                <a:ea typeface="BIZ UDPゴシック" panose="020B0400000000000000" pitchFamily="50" charset="-128"/>
+              </a:rPr>
+              <a:t>モンスターを選択したら詳細表示をクリックしてください。</a:t>
+            </a:r>
+          </a:p>
+        </p:txBody>
+      </p:sp>
+      <p:pic>
+        <p:nvPicPr>
+          <p:cNvPr id="4" name="図 3">
+            <a:extLst>
+              <a:ext uri="{FF2B5EF4-FFF2-40B4-BE49-F238E27FC236}">
+                <a16:creationId xmlns:a16="http://schemas.microsoft.com/office/drawing/2014/main" id="{8C554F8F-14EB-CA2C-126B-9D4B945BD4E5}"/>
+              </a:ext>
+            </a:extLst>
+          </p:cNvPr>
+          <p:cNvPicPr>
+            <a:picLocks noChangeAspect="1"/>
+          </p:cNvPicPr>
+          <p:nvPr/>
+        </p:nvPicPr>
+        <p:blipFill>
+          <a:blip r:embed="rId2">
+            <a:extLst>
+              <a:ext uri="{28A0092B-C50C-407E-A947-70E740481C1C}">
+                <a14:useLocalDpi xmlns:a14="http://schemas.microsoft.com/office/drawing/2010/main" val="0"/>
+              </a:ext>
+            </a:extLst>
+          </a:blip>
+          <a:stretch>
+            <a:fillRect/>
+          </a:stretch>
+        </p:blipFill>
+        <p:spPr>
+          <a:xfrm>
+            <a:off x="2849943" y="0"/>
+            <a:ext cx="5664182" cy="5983406"/>
+          </a:xfrm>
+          <a:prstGeom prst="rect">
+            <a:avLst/>
+          </a:prstGeom>
+        </p:spPr>
+      </p:pic>
+    </p:spTree>
+    <p:extLst>
+      <p:ext uri="{BB962C8B-B14F-4D97-AF65-F5344CB8AC3E}">
+        <p14:creationId xmlns:p14="http://schemas.microsoft.com/office/powerpoint/2010/main" val="1496104876"/>
+      </p:ext>
+    </p:extLst>
+  </p:cSld>
+  <p:clrMapOvr>
+    <a:masterClrMapping/>
+  </p:clrMapOvr>
+</p:sld>
+</file>
+
+<file path=ppt/slides/slide15.xml><?xml version="1.0" encoding="utf-8"?>
+<p:sld xmlns:a="http://schemas.openxmlformats.org/drawingml/2006/main" xmlns:r="http://schemas.openxmlformats.org/officeDocument/2006/relationships" xmlns:p="http://schemas.openxmlformats.org/presentationml/2006/main">
+  <p:cSld>
+    <p:spTree>
+      <p:nvGrpSpPr>
+        <p:cNvPr id="1" name=""/>
+        <p:cNvGrpSpPr/>
+        <p:nvPr/>
+      </p:nvGrpSpPr>
+      <p:grpSpPr>
+        <a:xfrm>
+          <a:off x="0" y="0"/>
+          <a:ext cx="0" cy="0"/>
+          <a:chOff x="0" y="0"/>
+          <a:chExt cx="0" cy="0"/>
+        </a:xfrm>
+      </p:grpSpPr>
+      <p:pic>
+        <p:nvPicPr>
+          <p:cNvPr id="4" name="図 3">
+            <a:extLst>
+              <a:ext uri="{FF2B5EF4-FFF2-40B4-BE49-F238E27FC236}">
+                <a16:creationId xmlns:a16="http://schemas.microsoft.com/office/drawing/2014/main" id="{6888757C-359C-2D30-B553-A90736C024B3}"/>
+              </a:ext>
+            </a:extLst>
+          </p:cNvPr>
+          <p:cNvPicPr>
+            <a:picLocks noChangeAspect="1"/>
+          </p:cNvPicPr>
+          <p:nvPr/>
+        </p:nvPicPr>
+        <p:blipFill>
+          <a:blip r:embed="rId2">
+            <a:extLst>
+              <a:ext uri="{28A0092B-C50C-407E-A947-70E740481C1C}">
+                <a14:useLocalDpi xmlns:a14="http://schemas.microsoft.com/office/drawing/2010/main" val="0"/>
+              </a:ext>
+            </a:extLst>
+          </a:blip>
+          <a:stretch>
+            <a:fillRect/>
+          </a:stretch>
+        </p:blipFill>
+        <p:spPr>
+          <a:xfrm>
+            <a:off x="2075955" y="0"/>
+            <a:ext cx="6829506" cy="5825401"/>
+          </a:xfrm>
+          <a:prstGeom prst="rect">
+            <a:avLst/>
+          </a:prstGeom>
+        </p:spPr>
+      </p:pic>
+      <p:sp>
+        <p:nvSpPr>
+          <p:cNvPr id="2" name="テキスト ボックス 1">
+            <a:extLst>
+              <a:ext uri="{FF2B5EF4-FFF2-40B4-BE49-F238E27FC236}">
+                <a16:creationId xmlns:a16="http://schemas.microsoft.com/office/drawing/2014/main" id="{A5DB7B2B-061B-6EC4-A175-08EF0607A635}"/>
+              </a:ext>
+            </a:extLst>
+          </p:cNvPr>
+          <p:cNvSpPr txBox="1"/>
+          <p:nvPr/>
+        </p:nvSpPr>
+        <p:spPr>
+          <a:xfrm>
+            <a:off x="1291102" y="4167858"/>
+            <a:ext cx="10378422" cy="1815882"/>
+          </a:xfrm>
+          <a:prstGeom prst="rect">
+            <a:avLst/>
+          </a:prstGeom>
+          <a:noFill/>
+        </p:spPr>
+        <p:txBody>
+          <a:bodyPr wrap="square" rtlCol="0">
+            <a:spAutoFit/>
+          </a:bodyPr>
+          <a:lstStyle/>
+          <a:p>
+            <a:r>
+              <a:rPr kumimoji="1" lang="ja-JP" altLang="en-US" sz="2800" dirty="0">
+                <a:latin typeface="BIZ UDPゴシック" panose="020B0400000000000000" pitchFamily="50" charset="-128"/>
+                <a:ea typeface="BIZ UDPゴシック" panose="020B0400000000000000" pitchFamily="50" charset="-128"/>
+              </a:rPr>
+              <a:t>戦闘画面では、手持ちモンスター名と</a:t>
+            </a:r>
+            <a:r>
+              <a:rPr kumimoji="1" lang="en-US" altLang="ja-JP" sz="2800" dirty="0">
+                <a:latin typeface="BIZ UDPゴシック" panose="020B0400000000000000" pitchFamily="50" charset="-128"/>
+                <a:ea typeface="BIZ UDPゴシック" panose="020B0400000000000000" pitchFamily="50" charset="-128"/>
+              </a:rPr>
+              <a:t>HP</a:t>
+            </a:r>
+            <a:r>
+              <a:rPr kumimoji="1" lang="ja-JP" altLang="en-US" sz="2800" dirty="0">
+                <a:latin typeface="BIZ UDPゴシック" panose="020B0400000000000000" pitchFamily="50" charset="-128"/>
+                <a:ea typeface="BIZ UDPゴシック" panose="020B0400000000000000" pitchFamily="50" charset="-128"/>
+              </a:rPr>
+              <a:t>、攻撃力</a:t>
+            </a:r>
+            <a:r>
+              <a:rPr kumimoji="1" lang="en-US" altLang="ja-JP" sz="2800" dirty="0">
+                <a:latin typeface="BIZ UDPゴシック" panose="020B0400000000000000" pitchFamily="50" charset="-128"/>
+                <a:ea typeface="BIZ UDPゴシック" panose="020B0400000000000000" pitchFamily="50" charset="-128"/>
+              </a:rPr>
+              <a:t>(ATK)</a:t>
+            </a:r>
+            <a:r>
+              <a:rPr kumimoji="1" lang="ja-JP" altLang="en-US" sz="2800" dirty="0">
+                <a:latin typeface="BIZ UDPゴシック" panose="020B0400000000000000" pitchFamily="50" charset="-128"/>
+                <a:ea typeface="BIZ UDPゴシック" panose="020B0400000000000000" pitchFamily="50" charset="-128"/>
+              </a:rPr>
+              <a:t>、防御力</a:t>
+            </a:r>
+            <a:r>
+              <a:rPr kumimoji="1" lang="en-US" altLang="ja-JP" sz="2800" dirty="0">
+                <a:latin typeface="BIZ UDPゴシック" panose="020B0400000000000000" pitchFamily="50" charset="-128"/>
+                <a:ea typeface="BIZ UDPゴシック" panose="020B0400000000000000" pitchFamily="50" charset="-128"/>
+              </a:rPr>
+              <a:t>(DEF)</a:t>
+            </a:r>
+            <a:r>
+              <a:rPr kumimoji="1" lang="ja-JP" altLang="en-US" sz="2800" dirty="0">
+                <a:latin typeface="BIZ UDPゴシック" panose="020B0400000000000000" pitchFamily="50" charset="-128"/>
+                <a:ea typeface="BIZ UDPゴシック" panose="020B0400000000000000" pitchFamily="50" charset="-128"/>
+              </a:rPr>
+              <a:t>と４つのスキルが表示されています。</a:t>
+            </a:r>
+            <a:endParaRPr kumimoji="1" lang="en-US" altLang="ja-JP" sz="2800" dirty="0">
+              <a:latin typeface="BIZ UDPゴシック" panose="020B0400000000000000" pitchFamily="50" charset="-128"/>
+              <a:ea typeface="BIZ UDPゴシック" panose="020B0400000000000000" pitchFamily="50" charset="-128"/>
+            </a:endParaRPr>
+          </a:p>
+          <a:p>
+            <a:r>
+              <a:rPr kumimoji="1" lang="ja-JP" altLang="en-US" sz="2800" dirty="0">
+                <a:latin typeface="BIZ UDPゴシック" panose="020B0400000000000000" pitchFamily="50" charset="-128"/>
+                <a:ea typeface="BIZ UDPゴシック" panose="020B0400000000000000" pitchFamily="50" charset="-128"/>
+              </a:rPr>
+              <a:t>スキル名をクリックすることで、相手にダメージを与えることができ、先行と後攻で交互にダメージを与えあいます。</a:t>
+            </a:r>
+          </a:p>
+        </p:txBody>
+      </p:sp>
+    </p:spTree>
+    <p:extLst>
+      <p:ext uri="{BB962C8B-B14F-4D97-AF65-F5344CB8AC3E}">
+        <p14:creationId xmlns:p14="http://schemas.microsoft.com/office/powerpoint/2010/main" val="3502395780"/>
+      </p:ext>
+    </p:extLst>
+  </p:cSld>
+  <p:clrMapOvr>
+    <a:masterClrMapping/>
+  </p:clrMapOvr>
+</p:sld>
+</file>
+
+<file path=ppt/slides/slide16.xml><?xml version="1.0" encoding="utf-8"?>
+<p:sld xmlns:a="http://schemas.openxmlformats.org/drawingml/2006/main" xmlns:r="http://schemas.openxmlformats.org/officeDocument/2006/relationships" xmlns:p="http://schemas.openxmlformats.org/presentationml/2006/main">
+  <p:cSld>
+    <p:spTree>
+      <p:nvGrpSpPr>
+        <p:cNvPr id="1" name=""/>
+        <p:cNvGrpSpPr/>
+        <p:nvPr/>
+      </p:nvGrpSpPr>
+      <p:grpSpPr>
+        <a:xfrm>
+          <a:off x="0" y="0"/>
+          <a:ext cx="0" cy="0"/>
+          <a:chOff x="0" y="0"/>
+          <a:chExt cx="0" cy="0"/>
+        </a:xfrm>
+      </p:grpSpPr>
+      <p:pic>
+        <p:nvPicPr>
+          <p:cNvPr id="4" name="図 3">
+            <a:extLst>
+              <a:ext uri="{FF2B5EF4-FFF2-40B4-BE49-F238E27FC236}">
+                <a16:creationId xmlns:a16="http://schemas.microsoft.com/office/drawing/2014/main" id="{962AF0AE-FA66-A785-73AD-6889F8F443A8}"/>
+              </a:ext>
+            </a:extLst>
+          </p:cNvPr>
+          <p:cNvPicPr>
+            <a:picLocks noChangeAspect="1"/>
+          </p:cNvPicPr>
+          <p:nvPr/>
+        </p:nvPicPr>
+        <p:blipFill>
+          <a:blip r:embed="rId2">
+            <a:extLst>
+              <a:ext uri="{28A0092B-C50C-407E-A947-70E740481C1C}">
+                <a14:useLocalDpi xmlns:a14="http://schemas.microsoft.com/office/drawing/2010/main" val="0"/>
+              </a:ext>
+            </a:extLst>
+          </a:blip>
+          <a:stretch>
+            <a:fillRect/>
+          </a:stretch>
+        </p:blipFill>
+        <p:spPr>
+          <a:xfrm>
+            <a:off x="2075955" y="0"/>
+            <a:ext cx="7014745" cy="5983406"/>
+          </a:xfrm>
+          <a:prstGeom prst="rect">
+            <a:avLst/>
+          </a:prstGeom>
+        </p:spPr>
+      </p:pic>
+      <p:sp>
+        <p:nvSpPr>
+          <p:cNvPr id="2" name="テキスト ボックス 1">
+            <a:extLst>
+              <a:ext uri="{FF2B5EF4-FFF2-40B4-BE49-F238E27FC236}">
+                <a16:creationId xmlns:a16="http://schemas.microsoft.com/office/drawing/2014/main" id="{A5DB7B2B-061B-6EC4-A175-08EF0607A635}"/>
+              </a:ext>
+            </a:extLst>
+          </p:cNvPr>
+          <p:cNvSpPr txBox="1"/>
+          <p:nvPr/>
+        </p:nvSpPr>
+        <p:spPr>
+          <a:xfrm>
+            <a:off x="2075955" y="4326884"/>
+            <a:ext cx="9069123" cy="523220"/>
+          </a:xfrm>
+          <a:prstGeom prst="rect">
+            <a:avLst/>
+          </a:prstGeom>
+          <a:noFill/>
+        </p:spPr>
+        <p:txBody>
+          <a:bodyPr wrap="square" rtlCol="0">
+            <a:spAutoFit/>
+          </a:bodyPr>
+          <a:lstStyle/>
+          <a:p>
+            <a:r>
+              <a:rPr kumimoji="1" lang="ja-JP" altLang="en-US" sz="2800" dirty="0">
+                <a:latin typeface="BIZ UDPゴシック" panose="020B0400000000000000" pitchFamily="50" charset="-128"/>
+                <a:ea typeface="BIZ UDPゴシック" panose="020B0400000000000000" pitchFamily="50" charset="-128"/>
+              </a:rPr>
+              <a:t>攻撃ごとにダメージ履歴が表示されます。</a:t>
+            </a:r>
+          </a:p>
+        </p:txBody>
+      </p:sp>
+    </p:spTree>
+    <p:extLst>
+      <p:ext uri="{BB962C8B-B14F-4D97-AF65-F5344CB8AC3E}">
+        <p14:creationId xmlns:p14="http://schemas.microsoft.com/office/powerpoint/2010/main" val="3270865851"/>
+      </p:ext>
+    </p:extLst>
+  </p:cSld>
+  <p:clrMapOvr>
+    <a:masterClrMapping/>
+  </p:clrMapOvr>
+</p:sld>
+</file>
+
+<file path=ppt/slides/slide17.xml><?xml version="1.0" encoding="utf-8"?>
+<p:sld xmlns:a="http://schemas.openxmlformats.org/drawingml/2006/main" xmlns:r="http://schemas.openxmlformats.org/officeDocument/2006/relationships" xmlns:p="http://schemas.openxmlformats.org/presentationml/2006/main">
+  <p:cSld>
+    <p:spTree>
+      <p:nvGrpSpPr>
+        <p:cNvPr id="1" name=""/>
+        <p:cNvGrpSpPr/>
+        <p:nvPr/>
+      </p:nvGrpSpPr>
+      <p:grpSpPr>
+        <a:xfrm>
+          <a:off x="0" y="0"/>
+          <a:ext cx="0" cy="0"/>
+          <a:chOff x="0" y="0"/>
+          <a:chExt cx="0" cy="0"/>
+        </a:xfrm>
+      </p:grpSpPr>
+      <p:pic>
+        <p:nvPicPr>
+          <p:cNvPr id="4" name="図 3">
+            <a:extLst>
+              <a:ext uri="{FF2B5EF4-FFF2-40B4-BE49-F238E27FC236}">
+                <a16:creationId xmlns:a16="http://schemas.microsoft.com/office/drawing/2014/main" id="{0F9096B9-21E2-FF8D-E54B-5E9B919BF64E}"/>
+              </a:ext>
+            </a:extLst>
+          </p:cNvPr>
+          <p:cNvPicPr>
+            <a:picLocks noChangeAspect="1"/>
+          </p:cNvPicPr>
+          <p:nvPr/>
+        </p:nvPicPr>
+        <p:blipFill>
+          <a:blip r:embed="rId2">
+            <a:extLst>
+              <a:ext uri="{28A0092B-C50C-407E-A947-70E740481C1C}">
+                <a14:useLocalDpi xmlns:a14="http://schemas.microsoft.com/office/drawing/2010/main" val="0"/>
+              </a:ext>
+            </a:extLst>
+          </a:blip>
+          <a:stretch>
+            <a:fillRect/>
+          </a:stretch>
+        </p:blipFill>
+        <p:spPr>
+          <a:xfrm>
+            <a:off x="2849943" y="0"/>
+            <a:ext cx="5664182" cy="5983406"/>
+          </a:xfrm>
+          <a:prstGeom prst="rect">
+            <a:avLst/>
+          </a:prstGeom>
+        </p:spPr>
+      </p:pic>
+      <p:sp>
+        <p:nvSpPr>
+          <p:cNvPr id="2" name="テキスト ボックス 1">
+            <a:extLst>
+              <a:ext uri="{FF2B5EF4-FFF2-40B4-BE49-F238E27FC236}">
+                <a16:creationId xmlns:a16="http://schemas.microsoft.com/office/drawing/2014/main" id="{A5DB7B2B-061B-6EC4-A175-08EF0607A635}"/>
+              </a:ext>
+            </a:extLst>
+          </p:cNvPr>
+          <p:cNvSpPr txBox="1"/>
+          <p:nvPr/>
+        </p:nvSpPr>
+        <p:spPr>
+          <a:xfrm>
+            <a:off x="1715171" y="4446154"/>
+            <a:ext cx="10378422" cy="523220"/>
+          </a:xfrm>
+          <a:prstGeom prst="rect">
+            <a:avLst/>
+          </a:prstGeom>
+          <a:noFill/>
+        </p:spPr>
+        <p:txBody>
+          <a:bodyPr wrap="square" rtlCol="0">
+            <a:spAutoFit/>
+          </a:bodyPr>
+          <a:lstStyle/>
+          <a:p>
+            <a:r>
+              <a:rPr kumimoji="1" lang="ja-JP" altLang="en-US" sz="2800" dirty="0">
+                <a:latin typeface="BIZ UDPゴシック" panose="020B0400000000000000" pitchFamily="50" charset="-128"/>
+                <a:ea typeface="BIZ UDPゴシック" panose="020B0400000000000000" pitchFamily="50" charset="-128"/>
+              </a:rPr>
+              <a:t>相手の手を待っている間はこのような画面になります。</a:t>
+            </a:r>
+          </a:p>
+        </p:txBody>
+      </p:sp>
+    </p:spTree>
+    <p:extLst>
+      <p:ext uri="{BB962C8B-B14F-4D97-AF65-F5344CB8AC3E}">
+        <p14:creationId xmlns:p14="http://schemas.microsoft.com/office/powerpoint/2010/main" val="3647995512"/>
+      </p:ext>
+    </p:extLst>
+  </p:cSld>
+  <p:clrMapOvr>
+    <a:masterClrMapping/>
+  </p:clrMapOvr>
+</p:sld>
+</file>
+
+<file path=ppt/slides/slide18.xml><?xml version="1.0" encoding="utf-8"?>
+<p:sld xmlns:a="http://schemas.openxmlformats.org/drawingml/2006/main" xmlns:r="http://schemas.openxmlformats.org/officeDocument/2006/relationships" xmlns:p="http://schemas.openxmlformats.org/presentationml/2006/main">
+  <p:cSld>
+    <p:spTree>
+      <p:nvGrpSpPr>
+        <p:cNvPr id="1" name=""/>
+        <p:cNvGrpSpPr/>
+        <p:nvPr/>
+      </p:nvGrpSpPr>
+      <p:grpSpPr>
+        <a:xfrm>
+          <a:off x="0" y="0"/>
+          <a:ext cx="0" cy="0"/>
+          <a:chOff x="0" y="0"/>
+          <a:chExt cx="0" cy="0"/>
+        </a:xfrm>
+      </p:grpSpPr>
+      <p:pic>
+        <p:nvPicPr>
+          <p:cNvPr id="4" name="図 3">
+            <a:extLst>
+              <a:ext uri="{FF2B5EF4-FFF2-40B4-BE49-F238E27FC236}">
+                <a16:creationId xmlns:a16="http://schemas.microsoft.com/office/drawing/2014/main" id="{5431D6C9-62A0-C40E-98BC-7DAFFB7926EB}"/>
+              </a:ext>
+            </a:extLst>
+          </p:cNvPr>
+          <p:cNvPicPr>
+            <a:picLocks noChangeAspect="1"/>
+          </p:cNvPicPr>
+          <p:nvPr/>
+        </p:nvPicPr>
+        <p:blipFill>
+          <a:blip r:embed="rId2">
+            <a:extLst>
+              <a:ext uri="{28A0092B-C50C-407E-A947-70E740481C1C}">
+                <a14:useLocalDpi xmlns:a14="http://schemas.microsoft.com/office/drawing/2010/main" val="0"/>
+              </a:ext>
+            </a:extLst>
+          </a:blip>
+          <a:stretch>
+            <a:fillRect/>
+          </a:stretch>
+        </p:blipFill>
+        <p:spPr>
+          <a:xfrm>
+            <a:off x="2075955" y="0"/>
+            <a:ext cx="6882515" cy="5870617"/>
+          </a:xfrm>
+          <a:prstGeom prst="rect">
+            <a:avLst/>
+          </a:prstGeom>
+        </p:spPr>
+      </p:pic>
+      <p:sp>
+        <p:nvSpPr>
+          <p:cNvPr id="2" name="テキスト ボックス 1">
+            <a:extLst>
+              <a:ext uri="{FF2B5EF4-FFF2-40B4-BE49-F238E27FC236}">
+                <a16:creationId xmlns:a16="http://schemas.microsoft.com/office/drawing/2014/main" id="{A5DB7B2B-061B-6EC4-A175-08EF0607A635}"/>
+              </a:ext>
+            </a:extLst>
+          </p:cNvPr>
+          <p:cNvSpPr txBox="1"/>
+          <p:nvPr/>
+        </p:nvSpPr>
+        <p:spPr>
+          <a:xfrm>
+            <a:off x="2075955" y="3743789"/>
+            <a:ext cx="10378422" cy="954107"/>
+          </a:xfrm>
+          <a:prstGeom prst="rect">
+            <a:avLst/>
+          </a:prstGeom>
+          <a:noFill/>
+        </p:spPr>
+        <p:txBody>
+          <a:bodyPr wrap="square" rtlCol="0">
+            <a:spAutoFit/>
+          </a:bodyPr>
+          <a:lstStyle/>
+          <a:p>
+            <a:r>
+              <a:rPr kumimoji="1" lang="ja-JP" altLang="en-US" sz="2800" dirty="0">
+                <a:latin typeface="BIZ UDPゴシック" panose="020B0400000000000000" pitchFamily="50" charset="-128"/>
+                <a:ea typeface="BIZ UDPゴシック" panose="020B0400000000000000" pitchFamily="50" charset="-128"/>
+              </a:rPr>
+              <a:t>どちらかのモンスターの</a:t>
+            </a:r>
+            <a:r>
+              <a:rPr kumimoji="1" lang="en-US" altLang="ja-JP" sz="2800" dirty="0">
+                <a:latin typeface="BIZ UDPゴシック" panose="020B0400000000000000" pitchFamily="50" charset="-128"/>
+                <a:ea typeface="BIZ UDPゴシック" panose="020B0400000000000000" pitchFamily="50" charset="-128"/>
+              </a:rPr>
+              <a:t>HP</a:t>
+            </a:r>
+            <a:r>
+              <a:rPr kumimoji="1" lang="ja-JP" altLang="en-US" sz="2800" dirty="0">
+                <a:latin typeface="BIZ UDPゴシック" panose="020B0400000000000000" pitchFamily="50" charset="-128"/>
+                <a:ea typeface="BIZ UDPゴシック" panose="020B0400000000000000" pitchFamily="50" charset="-128"/>
+              </a:rPr>
+              <a:t>がなくなると、勝敗が表示されます。</a:t>
+            </a:r>
+            <a:endParaRPr kumimoji="1" lang="en-US" altLang="ja-JP" sz="2800" dirty="0">
+              <a:latin typeface="BIZ UDPゴシック" panose="020B0400000000000000" pitchFamily="50" charset="-128"/>
+              <a:ea typeface="BIZ UDPゴシック" panose="020B0400000000000000" pitchFamily="50" charset="-128"/>
+            </a:endParaRPr>
+          </a:p>
+          <a:p>
+            <a:r>
+              <a:rPr kumimoji="1" lang="ja-JP" altLang="en-US" sz="2800" dirty="0">
+                <a:latin typeface="BIZ UDPゴシック" panose="020B0400000000000000" pitchFamily="50" charset="-128"/>
+                <a:ea typeface="BIZ UDPゴシック" panose="020B0400000000000000" pitchFamily="50" charset="-128"/>
+              </a:rPr>
+              <a:t>この画面になったら、メニューに戻るをクリックしましょう。</a:t>
+            </a:r>
+          </a:p>
+        </p:txBody>
+      </p:sp>
+    </p:spTree>
+    <p:extLst>
+      <p:ext uri="{BB962C8B-B14F-4D97-AF65-F5344CB8AC3E}">
+        <p14:creationId xmlns:p14="http://schemas.microsoft.com/office/powerpoint/2010/main" val="3561849517"/>
+      </p:ext>
+    </p:extLst>
+  </p:cSld>
+  <p:clrMapOvr>
+    <a:masterClrMapping/>
+  </p:clrMapOvr>
+</p:sld>
+</file>
+
+<file path=ppt/slides/slide19.xml><?xml version="1.0" encoding="utf-8"?>
+<p:sld xmlns:a="http://schemas.openxmlformats.org/drawingml/2006/main" xmlns:r="http://schemas.openxmlformats.org/officeDocument/2006/relationships" xmlns:p="http://schemas.openxmlformats.org/presentationml/2006/main">
+  <p:cSld>
+    <p:spTree>
+      <p:nvGrpSpPr>
+        <p:cNvPr id="1" name=""/>
+        <p:cNvGrpSpPr/>
+        <p:nvPr/>
+      </p:nvGrpSpPr>
+      <p:grpSpPr>
+        <a:xfrm>
+          <a:off x="0" y="0"/>
+          <a:ext cx="0" cy="0"/>
+          <a:chOff x="0" y="0"/>
+          <a:chExt cx="0" cy="0"/>
+        </a:xfrm>
+      </p:grpSpPr>
+      <p:sp>
+        <p:nvSpPr>
+          <p:cNvPr id="2" name="テキスト ボックス 1">
+            <a:extLst>
+              <a:ext uri="{FF2B5EF4-FFF2-40B4-BE49-F238E27FC236}">
+                <a16:creationId xmlns:a16="http://schemas.microsoft.com/office/drawing/2014/main" id="{A5DB7B2B-061B-6EC4-A175-08EF0607A635}"/>
+              </a:ext>
+            </a:extLst>
+          </p:cNvPr>
+          <p:cNvSpPr txBox="1"/>
+          <p:nvPr/>
+        </p:nvSpPr>
+        <p:spPr>
+          <a:xfrm>
+            <a:off x="1397119" y="5983406"/>
+            <a:ext cx="10378422" cy="523220"/>
+          </a:xfrm>
+          <a:prstGeom prst="rect">
+            <a:avLst/>
+          </a:prstGeom>
+          <a:noFill/>
+        </p:spPr>
+        <p:txBody>
+          <a:bodyPr wrap="square" rtlCol="0">
+            <a:spAutoFit/>
+          </a:bodyPr>
+          <a:lstStyle/>
+          <a:p>
+            <a:r>
+              <a:rPr kumimoji="1" lang="ja-JP" altLang="en-US" sz="2800" dirty="0">
+                <a:latin typeface="BIZ UDPゴシック" panose="020B0400000000000000" pitchFamily="50" charset="-128"/>
+                <a:ea typeface="BIZ UDPゴシック" panose="020B0400000000000000" pitchFamily="50" charset="-128"/>
+              </a:rPr>
+              <a:t>モンスター一覧と試合結果について説明をします。</a:t>
+            </a:r>
+          </a:p>
+        </p:txBody>
+      </p:sp>
+      <p:pic>
+        <p:nvPicPr>
+          <p:cNvPr id="4" name="図 3">
+            <a:extLst>
+              <a:ext uri="{FF2B5EF4-FFF2-40B4-BE49-F238E27FC236}">
+                <a16:creationId xmlns:a16="http://schemas.microsoft.com/office/drawing/2014/main" id="{ABA6FB3D-C143-227D-FDAB-1C05812696E6}"/>
+              </a:ext>
+            </a:extLst>
+          </p:cNvPr>
+          <p:cNvPicPr>
+            <a:picLocks noChangeAspect="1"/>
+          </p:cNvPicPr>
+          <p:nvPr/>
+        </p:nvPicPr>
+        <p:blipFill>
+          <a:blip r:embed="rId2">
+            <a:extLst>
+              <a:ext uri="{28A0092B-C50C-407E-A947-70E740481C1C}">
+                <a14:useLocalDpi xmlns:a14="http://schemas.microsoft.com/office/drawing/2010/main" val="0"/>
+              </a:ext>
+            </a:extLst>
+          </a:blip>
+          <a:stretch>
+            <a:fillRect/>
+          </a:stretch>
+        </p:blipFill>
+        <p:spPr>
+          <a:xfrm>
+            <a:off x="2075955" y="0"/>
+            <a:ext cx="7146747" cy="6096000"/>
+          </a:xfrm>
+          <a:prstGeom prst="rect">
+            <a:avLst/>
+          </a:prstGeom>
+        </p:spPr>
+      </p:pic>
+    </p:spTree>
+    <p:extLst>
+      <p:ext uri="{BB962C8B-B14F-4D97-AF65-F5344CB8AC3E}">
+        <p14:creationId xmlns:p14="http://schemas.microsoft.com/office/powerpoint/2010/main" val="4248892246"/>
+      </p:ext>
+    </p:extLst>
+  </p:cSld>
+  <p:clrMapOvr>
+    <a:masterClrMapping/>
+  </p:clrMapOvr>
+</p:sld>
+</file>
+
+<file path=ppt/slides/slide2.xml><?xml version="1.0" encoding="utf-8"?>
+<p:sld xmlns:a="http://schemas.openxmlformats.org/drawingml/2006/main" xmlns:r="http://schemas.openxmlformats.org/officeDocument/2006/relationships" xmlns:p="http://schemas.openxmlformats.org/presentationml/2006/main">
+  <p:cSld>
+    <p:spTree>
+      <p:nvGrpSpPr>
+        <p:cNvPr id="1" name=""/>
+        <p:cNvGrpSpPr/>
+        <p:nvPr/>
+      </p:nvGrpSpPr>
+      <p:grpSpPr>
+        <a:xfrm>
+          <a:off x="0" y="0"/>
+          <a:ext cx="0" cy="0"/>
+          <a:chOff x="0" y="0"/>
+          <a:chExt cx="0" cy="0"/>
+        </a:xfrm>
+      </p:grpSpPr>
+      <p:pic>
+        <p:nvPicPr>
+          <p:cNvPr id="6" name="図 5">
+            <a:extLst>
+              <a:ext uri="{FF2B5EF4-FFF2-40B4-BE49-F238E27FC236}">
+                <a16:creationId xmlns:a16="http://schemas.microsoft.com/office/drawing/2014/main" id="{90E6B434-85E2-E5FC-978B-7173CDC9741A}"/>
+              </a:ext>
+            </a:extLst>
+          </p:cNvPr>
+          <p:cNvPicPr>
+            <a:picLocks noChangeAspect="1"/>
+          </p:cNvPicPr>
+          <p:nvPr/>
+        </p:nvPicPr>
+        <p:blipFill rotWithShape="1">
+          <a:blip r:embed="rId2">
+            <a:extLst>
+              <a:ext uri="{28A0092B-C50C-407E-A947-70E740481C1C}">
+                <a14:useLocalDpi xmlns:a14="http://schemas.microsoft.com/office/drawing/2010/main" val="0"/>
+              </a:ext>
+            </a:extLst>
+          </a:blip>
+          <a:srcRect r="47065" b="64487"/>
+          <a:stretch/>
+        </p:blipFill>
+        <p:spPr>
+          <a:xfrm>
+            <a:off x="291548" y="492793"/>
+            <a:ext cx="10651807" cy="3734650"/>
+          </a:xfrm>
+          <a:prstGeom prst="rect">
+            <a:avLst/>
+          </a:prstGeom>
+        </p:spPr>
+      </p:pic>
+      <p:sp>
+        <p:nvSpPr>
+          <p:cNvPr id="7" name="テキスト ボックス 6">
+            <a:extLst>
+              <a:ext uri="{FF2B5EF4-FFF2-40B4-BE49-F238E27FC236}">
+                <a16:creationId xmlns:a16="http://schemas.microsoft.com/office/drawing/2014/main" id="{2D3C955B-9E16-75FC-EE70-60474D32FFD1}"/>
+              </a:ext>
+            </a:extLst>
+          </p:cNvPr>
+          <p:cNvSpPr txBox="1"/>
+          <p:nvPr/>
+        </p:nvSpPr>
+        <p:spPr>
+          <a:xfrm>
+            <a:off x="2302849" y="4227443"/>
+            <a:ext cx="8007341" cy="2246769"/>
+          </a:xfrm>
+          <a:prstGeom prst="rect">
+            <a:avLst/>
+          </a:prstGeom>
+          <a:noFill/>
+        </p:spPr>
+        <p:txBody>
+          <a:bodyPr wrap="square" rtlCol="0">
+            <a:spAutoFit/>
+          </a:bodyPr>
+          <a:lstStyle/>
+          <a:p>
+            <a:r>
+              <a:rPr kumimoji="1" lang="en-US" altLang="ja-JP" sz="2800" dirty="0">
+                <a:latin typeface="BIZ UDPゴシック" panose="020B0400000000000000" pitchFamily="50" charset="-128"/>
+                <a:ea typeface="BIZ UDPゴシック" panose="020B0400000000000000" pitchFamily="50" charset="-128"/>
+              </a:rPr>
+              <a:t>bash</a:t>
+            </a:r>
+            <a:r>
+              <a:rPr kumimoji="1" lang="ja-JP" altLang="en-US" sz="2800" dirty="0">
+                <a:latin typeface="BIZ UDPゴシック" panose="020B0400000000000000" pitchFamily="50" charset="-128"/>
+                <a:ea typeface="BIZ UDPゴシック" panose="020B0400000000000000" pitchFamily="50" charset="-128"/>
+              </a:rPr>
+              <a:t>を起動し、</a:t>
+            </a:r>
+            <a:endParaRPr kumimoji="1" lang="en-US" altLang="ja-JP" sz="2800" dirty="0">
+              <a:latin typeface="BIZ UDPゴシック" panose="020B0400000000000000" pitchFamily="50" charset="-128"/>
+              <a:ea typeface="BIZ UDPゴシック" panose="020B0400000000000000" pitchFamily="50" charset="-128"/>
+            </a:endParaRPr>
+          </a:p>
+          <a:p>
+            <a:r>
+              <a:rPr kumimoji="1" lang="en-US" altLang="ja-JP" sz="2800" dirty="0" err="1">
+                <a:latin typeface="BIZ UDPゴシック" panose="020B0400000000000000" pitchFamily="50" charset="-128"/>
+                <a:ea typeface="BIZ UDPゴシック" panose="020B0400000000000000" pitchFamily="50" charset="-128"/>
+              </a:rPr>
+              <a:t>ssh</a:t>
+            </a:r>
+            <a:r>
+              <a:rPr kumimoji="1" lang="en-US" altLang="ja-JP" sz="2800" dirty="0">
+                <a:latin typeface="BIZ UDPゴシック" panose="020B0400000000000000" pitchFamily="50" charset="-128"/>
+                <a:ea typeface="BIZ UDPゴシック" panose="020B0400000000000000" pitchFamily="50" charset="-128"/>
+              </a:rPr>
+              <a:t> </a:t>
+            </a:r>
+            <a:r>
+              <a:rPr kumimoji="1" lang="en-US" altLang="ja-JP" sz="2800" dirty="0">
+                <a:latin typeface="BIZ UDPゴシック" panose="020B0400000000000000" pitchFamily="50" charset="-128"/>
+                <a:ea typeface="BIZ UDPゴシック" panose="020B0400000000000000" pitchFamily="50" charset="-128"/>
+                <a:hlinkClick r:id="rId3"/>
+              </a:rPr>
+              <a:t>isdev22@150.89.233.202</a:t>
+            </a:r>
+            <a:endParaRPr kumimoji="1" lang="en-US" altLang="ja-JP" sz="2800" dirty="0">
+              <a:latin typeface="BIZ UDPゴシック" panose="020B0400000000000000" pitchFamily="50" charset="-128"/>
+              <a:ea typeface="BIZ UDPゴシック" panose="020B0400000000000000" pitchFamily="50" charset="-128"/>
+            </a:endParaRPr>
+          </a:p>
+          <a:p>
+            <a:r>
+              <a:rPr kumimoji="1" lang="ja-JP" altLang="en-US" sz="2800" dirty="0">
+                <a:latin typeface="BIZ UDPゴシック" panose="020B0400000000000000" pitchFamily="50" charset="-128"/>
+                <a:ea typeface="BIZ UDPゴシック" panose="020B0400000000000000" pitchFamily="50" charset="-128"/>
+              </a:rPr>
+              <a:t>と入力します。</a:t>
+            </a:r>
+            <a:endParaRPr kumimoji="1" lang="en-US" altLang="ja-JP" sz="2800" dirty="0">
+              <a:latin typeface="BIZ UDPゴシック" panose="020B0400000000000000" pitchFamily="50" charset="-128"/>
+              <a:ea typeface="BIZ UDPゴシック" panose="020B0400000000000000" pitchFamily="50" charset="-128"/>
+            </a:endParaRPr>
+          </a:p>
+          <a:p>
+            <a:r>
+              <a:rPr kumimoji="1" lang="ja-JP" altLang="en-US" sz="2800" dirty="0">
+                <a:latin typeface="BIZ UDPゴシック" panose="020B0400000000000000" pitchFamily="50" charset="-128"/>
+                <a:ea typeface="BIZ UDPゴシック" panose="020B0400000000000000" pitchFamily="50" charset="-128"/>
+              </a:rPr>
+              <a:t>パスワードを求められるので、</a:t>
+            </a:r>
+            <a:endParaRPr kumimoji="1" lang="en-US" altLang="ja-JP" sz="2800" dirty="0">
+              <a:latin typeface="BIZ UDPゴシック" panose="020B0400000000000000" pitchFamily="50" charset="-128"/>
+              <a:ea typeface="BIZ UDPゴシック" panose="020B0400000000000000" pitchFamily="50" charset="-128"/>
+            </a:endParaRPr>
+          </a:p>
+          <a:p>
+            <a:r>
+              <a:rPr kumimoji="1" lang="en-US" altLang="ja-JP" sz="2800" dirty="0">
+                <a:latin typeface="BIZ UDPゴシック" panose="020B0400000000000000" pitchFamily="50" charset="-128"/>
+                <a:ea typeface="BIZ UDPゴシック" panose="020B0400000000000000" pitchFamily="50" charset="-128"/>
+              </a:rPr>
+              <a:t>isDev22?202</a:t>
+            </a:r>
+            <a:r>
+              <a:rPr kumimoji="1" lang="ja-JP" altLang="en-US" sz="2800" dirty="0">
+                <a:latin typeface="BIZ UDPゴシック" panose="020B0400000000000000" pitchFamily="50" charset="-128"/>
+                <a:ea typeface="BIZ UDPゴシック" panose="020B0400000000000000" pitchFamily="50" charset="-128"/>
+              </a:rPr>
+              <a:t>　と入力します。</a:t>
+            </a:r>
+          </a:p>
+        </p:txBody>
+      </p:sp>
+      <p:sp>
+        <p:nvSpPr>
+          <p:cNvPr id="8" name="矢印: 右 7">
+            <a:extLst>
+              <a:ext uri="{FF2B5EF4-FFF2-40B4-BE49-F238E27FC236}">
+                <a16:creationId xmlns:a16="http://schemas.microsoft.com/office/drawing/2014/main" id="{E2A6D2A6-728D-E6D0-22B5-F0E4670CE37E}"/>
+              </a:ext>
+            </a:extLst>
+          </p:cNvPr>
+          <p:cNvSpPr/>
+          <p:nvPr/>
+        </p:nvSpPr>
+        <p:spPr>
+          <a:xfrm rot="15686175">
+            <a:off x="3144817" y="2550190"/>
+            <a:ext cx="1701614" cy="808546"/>
+          </a:xfrm>
+          <a:prstGeom prst="rightArrow">
+            <a:avLst/>
+          </a:prstGeom>
+          <a:solidFill>
+            <a:srgbClr val="00B0F0"/>
+          </a:solidFill>
+        </p:spPr>
+        <p:style>
+          <a:lnRef idx="2">
+            <a:schemeClr val="accent1">
+              <a:shade val="50000"/>
+            </a:schemeClr>
+          </a:lnRef>
+          <a:fillRef idx="1">
+            <a:schemeClr val="accent1"/>
+          </a:fillRef>
+          <a:effectRef idx="0">
+            <a:schemeClr val="accent1"/>
+          </a:effectRef>
+          <a:fontRef idx="minor">
+            <a:schemeClr val="lt1"/>
+          </a:fontRef>
+        </p:style>
+        <p:txBody>
+          <a:bodyPr rtlCol="0" anchor="ctr"/>
+          <a:lstStyle/>
+          <a:p>
+            <a:pPr algn="ctr"/>
+            <a:endParaRPr kumimoji="1" lang="ja-JP" altLang="en-US"/>
+          </a:p>
+        </p:txBody>
+      </p:sp>
+    </p:spTree>
+    <p:extLst>
+      <p:ext uri="{BB962C8B-B14F-4D97-AF65-F5344CB8AC3E}">
+        <p14:creationId xmlns:p14="http://schemas.microsoft.com/office/powerpoint/2010/main" val="2275865286"/>
+      </p:ext>
+    </p:extLst>
+  </p:cSld>
+  <p:clrMapOvr>
+    <a:masterClrMapping/>
+  </p:clrMapOvr>
+</p:sld>
+</file>
+
+<file path=ppt/slides/slide20.xml><?xml version="1.0" encoding="utf-8"?>
+<p:sld xmlns:a="http://schemas.openxmlformats.org/drawingml/2006/main" xmlns:r="http://schemas.openxmlformats.org/officeDocument/2006/relationships" xmlns:p="http://schemas.openxmlformats.org/presentationml/2006/main">
+  <p:cSld>
+    <p:spTree>
+      <p:nvGrpSpPr>
+        <p:cNvPr id="1" name=""/>
+        <p:cNvGrpSpPr/>
+        <p:nvPr/>
+      </p:nvGrpSpPr>
+      <p:grpSpPr>
+        <a:xfrm>
+          <a:off x="0" y="0"/>
+          <a:ext cx="0" cy="0"/>
+          <a:chOff x="0" y="0"/>
+          <a:chExt cx="0" cy="0"/>
+        </a:xfrm>
+      </p:grpSpPr>
+      <p:sp>
+        <p:nvSpPr>
+          <p:cNvPr id="2" name="テキスト ボックス 1">
+            <a:extLst>
+              <a:ext uri="{FF2B5EF4-FFF2-40B4-BE49-F238E27FC236}">
+                <a16:creationId xmlns:a16="http://schemas.microsoft.com/office/drawing/2014/main" id="{A5DB7B2B-061B-6EC4-A175-08EF0607A635}"/>
+              </a:ext>
+            </a:extLst>
+          </p:cNvPr>
+          <p:cNvSpPr txBox="1"/>
+          <p:nvPr/>
+        </p:nvSpPr>
+        <p:spPr>
+          <a:xfrm>
+            <a:off x="1397119" y="5983406"/>
+            <a:ext cx="10378422" cy="523220"/>
+          </a:xfrm>
+          <a:prstGeom prst="rect">
+            <a:avLst/>
+          </a:prstGeom>
+          <a:noFill/>
+        </p:spPr>
+        <p:txBody>
+          <a:bodyPr wrap="square" rtlCol="0">
+            <a:spAutoFit/>
+          </a:bodyPr>
+          <a:lstStyle/>
+          <a:p>
+            <a:r>
+              <a:rPr kumimoji="1" lang="ja-JP" altLang="en-US" sz="2800" dirty="0">
+                <a:latin typeface="BIZ UDPゴシック" panose="020B0400000000000000" pitchFamily="50" charset="-128"/>
+                <a:ea typeface="BIZ UDPゴシック" panose="020B0400000000000000" pitchFamily="50" charset="-128"/>
+              </a:rPr>
+              <a:t>モンスター一覧には、モンスターの詳細情報が表示されています。</a:t>
+            </a:r>
+          </a:p>
+        </p:txBody>
+      </p:sp>
+      <p:pic>
+        <p:nvPicPr>
+          <p:cNvPr id="4" name="図 3">
+            <a:extLst>
+              <a:ext uri="{FF2B5EF4-FFF2-40B4-BE49-F238E27FC236}">
+                <a16:creationId xmlns:a16="http://schemas.microsoft.com/office/drawing/2014/main" id="{9FAEAC47-C61A-234A-2825-A8A8F2C048D2}"/>
+              </a:ext>
+            </a:extLst>
+          </p:cNvPr>
+          <p:cNvPicPr>
+            <a:picLocks noChangeAspect="1"/>
+          </p:cNvPicPr>
+          <p:nvPr/>
+        </p:nvPicPr>
+        <p:blipFill>
+          <a:blip r:embed="rId2">
+            <a:extLst>
+              <a:ext uri="{28A0092B-C50C-407E-A947-70E740481C1C}">
+                <a14:useLocalDpi xmlns:a14="http://schemas.microsoft.com/office/drawing/2010/main" val="0"/>
+              </a:ext>
+            </a:extLst>
+          </a:blip>
+          <a:stretch>
+            <a:fillRect/>
+          </a:stretch>
+        </p:blipFill>
+        <p:spPr>
+          <a:xfrm>
+            <a:off x="2075955" y="0"/>
+            <a:ext cx="7014745" cy="5983406"/>
+          </a:xfrm>
+          <a:prstGeom prst="rect">
+            <a:avLst/>
+          </a:prstGeom>
+        </p:spPr>
+      </p:pic>
+    </p:spTree>
+    <p:extLst>
+      <p:ext uri="{BB962C8B-B14F-4D97-AF65-F5344CB8AC3E}">
+        <p14:creationId xmlns:p14="http://schemas.microsoft.com/office/powerpoint/2010/main" val="2722495399"/>
+      </p:ext>
+    </p:extLst>
+  </p:cSld>
+  <p:clrMapOvr>
+    <a:masterClrMapping/>
+  </p:clrMapOvr>
+</p:sld>
+</file>
+
+<file path=ppt/slides/slide21.xml><?xml version="1.0" encoding="utf-8"?>
+<p:sld xmlns:a="http://schemas.openxmlformats.org/drawingml/2006/main" xmlns:r="http://schemas.openxmlformats.org/officeDocument/2006/relationships" xmlns:p="http://schemas.openxmlformats.org/presentationml/2006/main">
+  <p:cSld>
+    <p:spTree>
+      <p:nvGrpSpPr>
+        <p:cNvPr id="1" name=""/>
+        <p:cNvGrpSpPr/>
+        <p:nvPr/>
+      </p:nvGrpSpPr>
+      <p:grpSpPr>
+        <a:xfrm>
+          <a:off x="0" y="0"/>
+          <a:ext cx="0" cy="0"/>
+          <a:chOff x="0" y="0"/>
+          <a:chExt cx="0" cy="0"/>
+        </a:xfrm>
+      </p:grpSpPr>
+      <p:sp>
+        <p:nvSpPr>
+          <p:cNvPr id="2" name="テキスト ボックス 1">
+            <a:extLst>
+              <a:ext uri="{FF2B5EF4-FFF2-40B4-BE49-F238E27FC236}">
+                <a16:creationId xmlns:a16="http://schemas.microsoft.com/office/drawing/2014/main" id="{A5DB7B2B-061B-6EC4-A175-08EF0607A635}"/>
+              </a:ext>
+            </a:extLst>
+          </p:cNvPr>
+          <p:cNvSpPr txBox="1"/>
+          <p:nvPr/>
+        </p:nvSpPr>
+        <p:spPr>
+          <a:xfrm>
+            <a:off x="1370615" y="5903893"/>
+            <a:ext cx="10378422" cy="954107"/>
+          </a:xfrm>
+          <a:prstGeom prst="rect">
+            <a:avLst/>
+          </a:prstGeom>
+          <a:noFill/>
+        </p:spPr>
+        <p:txBody>
+          <a:bodyPr wrap="square" rtlCol="0">
+            <a:spAutoFit/>
+          </a:bodyPr>
+          <a:lstStyle/>
+          <a:p>
+            <a:r>
+              <a:rPr kumimoji="1" lang="ja-JP" altLang="en-US" sz="2800" dirty="0">
+                <a:latin typeface="BIZ UDPゴシック" panose="020B0400000000000000" pitchFamily="50" charset="-128"/>
+                <a:ea typeface="BIZ UDPゴシック" panose="020B0400000000000000" pitchFamily="50" charset="-128"/>
+              </a:rPr>
+              <a:t>試合結果には、画像のように戦ったモンスター名と、</a:t>
+            </a:r>
+            <a:endParaRPr kumimoji="1" lang="en-US" altLang="ja-JP" sz="2800" dirty="0">
+              <a:latin typeface="BIZ UDPゴシック" panose="020B0400000000000000" pitchFamily="50" charset="-128"/>
+              <a:ea typeface="BIZ UDPゴシック" panose="020B0400000000000000" pitchFamily="50" charset="-128"/>
+            </a:endParaRPr>
+          </a:p>
+          <a:p>
+            <a:r>
+              <a:rPr kumimoji="1" lang="ja-JP" altLang="en-US" sz="2800" dirty="0">
+                <a:latin typeface="BIZ UDPゴシック" panose="020B0400000000000000" pitchFamily="50" charset="-128"/>
+                <a:ea typeface="BIZ UDPゴシック" panose="020B0400000000000000" pitchFamily="50" charset="-128"/>
+              </a:rPr>
+              <a:t>試合の結果が表示されています。</a:t>
+            </a:r>
+          </a:p>
+        </p:txBody>
+      </p:sp>
+      <p:pic>
+        <p:nvPicPr>
+          <p:cNvPr id="4" name="図 3">
+            <a:extLst>
+              <a:ext uri="{FF2B5EF4-FFF2-40B4-BE49-F238E27FC236}">
+                <a16:creationId xmlns:a16="http://schemas.microsoft.com/office/drawing/2014/main" id="{F662D892-94F2-D753-26F8-6EDDE55224DD}"/>
+              </a:ext>
+            </a:extLst>
+          </p:cNvPr>
+          <p:cNvPicPr>
+            <a:picLocks noChangeAspect="1"/>
+          </p:cNvPicPr>
+          <p:nvPr/>
+        </p:nvPicPr>
+        <p:blipFill>
+          <a:blip r:embed="rId2">
+            <a:extLst>
+              <a:ext uri="{28A0092B-C50C-407E-A947-70E740481C1C}">
+                <a14:useLocalDpi xmlns:a14="http://schemas.microsoft.com/office/drawing/2010/main" val="0"/>
+              </a:ext>
+            </a:extLst>
+          </a:blip>
+          <a:stretch>
+            <a:fillRect/>
+          </a:stretch>
+        </p:blipFill>
+        <p:spPr>
+          <a:xfrm>
+            <a:off x="2075955" y="0"/>
+            <a:ext cx="7014745" cy="5983406"/>
+          </a:xfrm>
+          <a:prstGeom prst="rect">
+            <a:avLst/>
+          </a:prstGeom>
+        </p:spPr>
+      </p:pic>
+    </p:spTree>
+    <p:extLst>
+      <p:ext uri="{BB962C8B-B14F-4D97-AF65-F5344CB8AC3E}">
+        <p14:creationId xmlns:p14="http://schemas.microsoft.com/office/powerpoint/2010/main" val="905879706"/>
+      </p:ext>
+    </p:extLst>
+  </p:cSld>
+  <p:clrMapOvr>
+    <a:masterClrMapping/>
+  </p:clrMapOvr>
+</p:sld>
+</file>
+
+<file path=ppt/slides/slide22.xml><?xml version="1.0" encoding="utf-8"?>
+<p:sld xmlns:a="http://schemas.openxmlformats.org/drawingml/2006/main" xmlns:r="http://schemas.openxmlformats.org/officeDocument/2006/relationships" xmlns:p="http://schemas.openxmlformats.org/presentationml/2006/main">
+  <p:cSld>
+    <p:spTree>
+      <p:nvGrpSpPr>
+        <p:cNvPr id="1" name=""/>
+        <p:cNvGrpSpPr/>
+        <p:nvPr/>
+      </p:nvGrpSpPr>
+      <p:grpSpPr>
+        <a:xfrm>
+          <a:off x="0" y="0"/>
+          <a:ext cx="0" cy="0"/>
+          <a:chOff x="0" y="0"/>
+          <a:chExt cx="0" cy="0"/>
+        </a:xfrm>
+      </p:grpSpPr>
+      <p:sp>
+        <p:nvSpPr>
+          <p:cNvPr id="2" name="テキスト ボックス 1">
+            <a:extLst>
+              <a:ext uri="{FF2B5EF4-FFF2-40B4-BE49-F238E27FC236}">
+                <a16:creationId xmlns:a16="http://schemas.microsoft.com/office/drawing/2014/main" id="{A5DB7B2B-061B-6EC4-A175-08EF0607A635}"/>
+              </a:ext>
+            </a:extLst>
+          </p:cNvPr>
+          <p:cNvSpPr txBox="1"/>
+          <p:nvPr/>
+        </p:nvSpPr>
+        <p:spPr>
+          <a:xfrm>
+            <a:off x="2682580" y="2736502"/>
+            <a:ext cx="10378422" cy="1384995"/>
+          </a:xfrm>
+          <a:prstGeom prst="rect">
+            <a:avLst/>
+          </a:prstGeom>
+          <a:noFill/>
+        </p:spPr>
+        <p:txBody>
+          <a:bodyPr wrap="square" rtlCol="0">
+            <a:spAutoFit/>
+          </a:bodyPr>
+          <a:lstStyle/>
+          <a:p>
+            <a:r>
+              <a:rPr kumimoji="1" lang="ja-JP" altLang="en-US" sz="2800" dirty="0">
+                <a:latin typeface="BIZ UDPゴシック" panose="020B0400000000000000" pitchFamily="50" charset="-128"/>
+                <a:ea typeface="BIZ UDPゴシック" panose="020B0400000000000000" pitchFamily="50" charset="-128"/>
+              </a:rPr>
+              <a:t>お疲れさまでした。</a:t>
+            </a:r>
+            <a:endParaRPr kumimoji="1" lang="en-US" altLang="ja-JP" sz="2800" dirty="0">
+              <a:latin typeface="BIZ UDPゴシック" panose="020B0400000000000000" pitchFamily="50" charset="-128"/>
+              <a:ea typeface="BIZ UDPゴシック" panose="020B0400000000000000" pitchFamily="50" charset="-128"/>
+            </a:endParaRPr>
+          </a:p>
+          <a:p>
+            <a:r>
+              <a:rPr kumimoji="1" lang="ja-JP" altLang="en-US" sz="2800" dirty="0">
+                <a:latin typeface="BIZ UDPゴシック" panose="020B0400000000000000" pitchFamily="50" charset="-128"/>
+                <a:ea typeface="BIZ UDPゴシック" panose="020B0400000000000000" pitchFamily="50" charset="-128"/>
+              </a:rPr>
+              <a:t>ユーザマニュアルは以上です。</a:t>
+            </a:r>
+            <a:endParaRPr kumimoji="1" lang="en-US" altLang="ja-JP" sz="2800" dirty="0">
+              <a:latin typeface="BIZ UDPゴシック" panose="020B0400000000000000" pitchFamily="50" charset="-128"/>
+              <a:ea typeface="BIZ UDPゴシック" panose="020B0400000000000000" pitchFamily="50" charset="-128"/>
+            </a:endParaRPr>
+          </a:p>
+          <a:p>
+            <a:r>
+              <a:rPr kumimoji="1" lang="ja-JP" altLang="en-US" sz="2800" dirty="0">
+                <a:latin typeface="BIZ UDPゴシック" panose="020B0400000000000000" pitchFamily="50" charset="-128"/>
+                <a:ea typeface="BIZ UDPゴシック" panose="020B0400000000000000" pitchFamily="50" charset="-128"/>
+              </a:rPr>
+              <a:t>それではゲームを楽しんでください。</a:t>
+            </a:r>
+          </a:p>
+        </p:txBody>
+      </p:sp>
+    </p:spTree>
+    <p:extLst>
+      <p:ext uri="{BB962C8B-B14F-4D97-AF65-F5344CB8AC3E}">
+        <p14:creationId xmlns:p14="http://schemas.microsoft.com/office/powerpoint/2010/main" val="3161558930"/>
+      </p:ext>
+    </p:extLst>
+  </p:cSld>
+  <p:clrMapOvr>
+    <a:masterClrMapping/>
+  </p:clrMapOvr>
+</p:sld>
+</file>
+
+<file path=ppt/slides/slide3.xml><?xml version="1.0" encoding="utf-8"?>
+<p:sld xmlns:a="http://schemas.openxmlformats.org/drawingml/2006/main" xmlns:r="http://schemas.openxmlformats.org/officeDocument/2006/relationships" xmlns:p="http://schemas.openxmlformats.org/presentationml/2006/main">
+  <p:cSld>
+    <p:spTree>
+      <p:nvGrpSpPr>
+        <p:cNvPr id="1" name=""/>
+        <p:cNvGrpSpPr/>
+        <p:nvPr/>
+      </p:nvGrpSpPr>
+      <p:grpSpPr>
+        <a:xfrm>
+          <a:off x="0" y="0"/>
+          <a:ext cx="0" cy="0"/>
+          <a:chOff x="0" y="0"/>
+          <a:chExt cx="0" cy="0"/>
+        </a:xfrm>
+      </p:grpSpPr>
+      <p:pic>
+        <p:nvPicPr>
+          <p:cNvPr id="8" name="図 7">
+            <a:extLst>
+              <a:ext uri="{FF2B5EF4-FFF2-40B4-BE49-F238E27FC236}">
+                <a16:creationId xmlns:a16="http://schemas.microsoft.com/office/drawing/2014/main" id="{F541891A-DE04-7994-2018-1BDFBC1817C9}"/>
+              </a:ext>
+            </a:extLst>
+          </p:cNvPr>
+          <p:cNvPicPr>
+            <a:picLocks noChangeAspect="1"/>
+          </p:cNvPicPr>
+          <p:nvPr/>
+        </p:nvPicPr>
+        <p:blipFill>
+          <a:blip r:embed="rId2">
+            <a:extLst>
+              <a:ext uri="{28A0092B-C50C-407E-A947-70E740481C1C}">
+                <a14:useLocalDpi xmlns:a14="http://schemas.microsoft.com/office/drawing/2010/main" val="0"/>
+              </a:ext>
+            </a:extLst>
+          </a:blip>
+          <a:stretch>
+            <a:fillRect/>
+          </a:stretch>
+        </p:blipFill>
+        <p:spPr>
+          <a:xfrm>
+            <a:off x="145774" y="-22893"/>
+            <a:ext cx="9703093" cy="5171195"/>
+          </a:xfrm>
+          <a:prstGeom prst="rect">
+            <a:avLst/>
+          </a:prstGeom>
+        </p:spPr>
+      </p:pic>
+      <p:sp>
+        <p:nvSpPr>
+          <p:cNvPr id="4" name="矢印: 右 3">
+            <a:extLst>
+              <a:ext uri="{FF2B5EF4-FFF2-40B4-BE49-F238E27FC236}">
+                <a16:creationId xmlns:a16="http://schemas.microsoft.com/office/drawing/2014/main" id="{BD3C999F-3549-06DA-1360-DA263454E37E}"/>
+              </a:ext>
+            </a:extLst>
+          </p:cNvPr>
+          <p:cNvSpPr/>
+          <p:nvPr/>
+        </p:nvSpPr>
+        <p:spPr>
+          <a:xfrm rot="14096305">
+            <a:off x="7568991" y="4189387"/>
+            <a:ext cx="1210581" cy="808546"/>
+          </a:xfrm>
+          <a:prstGeom prst="rightArrow">
+            <a:avLst/>
+          </a:prstGeom>
+          <a:solidFill>
+            <a:srgbClr val="00B0F0"/>
+          </a:solidFill>
+        </p:spPr>
+        <p:style>
+          <a:lnRef idx="2">
+            <a:schemeClr val="accent1">
+              <a:shade val="50000"/>
+            </a:schemeClr>
+          </a:lnRef>
+          <a:fillRef idx="1">
+            <a:schemeClr val="accent1"/>
+          </a:fillRef>
+          <a:effectRef idx="0">
+            <a:schemeClr val="accent1"/>
+          </a:effectRef>
+          <a:fontRef idx="minor">
+            <a:schemeClr val="lt1"/>
+          </a:fontRef>
+        </p:style>
+        <p:txBody>
+          <a:bodyPr rtlCol="0" anchor="ctr"/>
+          <a:lstStyle/>
+          <a:p>
+            <a:pPr algn="ctr"/>
+            <a:endParaRPr kumimoji="1" lang="ja-JP" altLang="en-US"/>
+          </a:p>
+        </p:txBody>
+      </p:sp>
+      <p:sp>
+        <p:nvSpPr>
+          <p:cNvPr id="5" name="テキスト ボックス 4">
+            <a:extLst>
+              <a:ext uri="{FF2B5EF4-FFF2-40B4-BE49-F238E27FC236}">
+                <a16:creationId xmlns:a16="http://schemas.microsoft.com/office/drawing/2014/main" id="{904D47ED-20A3-D098-D3FC-C60EFF9AE7DB}"/>
+              </a:ext>
+            </a:extLst>
+          </p:cNvPr>
+          <p:cNvSpPr txBox="1"/>
+          <p:nvPr/>
+        </p:nvSpPr>
+        <p:spPr>
+          <a:xfrm>
+            <a:off x="1529640" y="5141508"/>
+            <a:ext cx="9132719" cy="1815882"/>
+          </a:xfrm>
+          <a:prstGeom prst="rect">
+            <a:avLst/>
+          </a:prstGeom>
+          <a:noFill/>
+        </p:spPr>
+        <p:txBody>
+          <a:bodyPr wrap="square" rtlCol="0">
+            <a:spAutoFit/>
+          </a:bodyPr>
+          <a:lstStyle/>
+          <a:p>
+            <a:r>
+              <a:rPr kumimoji="1" lang="ja-JP" altLang="en-US" sz="2800" dirty="0">
+                <a:latin typeface="BIZ UDPゴシック" panose="020B0400000000000000" pitchFamily="50" charset="-128"/>
+                <a:ea typeface="BIZ UDPゴシック" panose="020B0400000000000000" pitchFamily="50" charset="-128"/>
+              </a:rPr>
+              <a:t>次に</a:t>
+            </a:r>
+            <a:r>
+              <a:rPr kumimoji="1" lang="en-US" altLang="ja-JP" sz="2800" dirty="0">
+                <a:latin typeface="BIZ UDPゴシック" panose="020B0400000000000000" pitchFamily="50" charset="-128"/>
+                <a:ea typeface="BIZ UDPゴシック" panose="020B0400000000000000" pitchFamily="50" charset="-128"/>
+              </a:rPr>
+              <a:t>Github.com/com/e1b20111/hegemon</a:t>
+            </a:r>
+          </a:p>
+          <a:p>
+            <a:r>
+              <a:rPr kumimoji="1" lang="ja-JP" altLang="en-US" sz="2800" dirty="0">
+                <a:latin typeface="BIZ UDPゴシック" panose="020B0400000000000000" pitchFamily="50" charset="-128"/>
+                <a:ea typeface="BIZ UDPゴシック" panose="020B0400000000000000" pitchFamily="50" charset="-128"/>
+              </a:rPr>
+              <a:t>の</a:t>
+            </a:r>
+            <a:r>
+              <a:rPr kumimoji="1" lang="en-US" altLang="ja-JP" sz="2800" dirty="0">
+                <a:latin typeface="BIZ UDPゴシック" panose="020B0400000000000000" pitchFamily="50" charset="-128"/>
+                <a:ea typeface="BIZ UDPゴシック" panose="020B0400000000000000" pitchFamily="50" charset="-128"/>
+              </a:rPr>
+              <a:t>code</a:t>
+            </a:r>
+            <a:r>
+              <a:rPr kumimoji="1" lang="ja-JP" altLang="en-US" sz="2800" dirty="0">
+                <a:latin typeface="BIZ UDPゴシック" panose="020B0400000000000000" pitchFamily="50" charset="-128"/>
+                <a:ea typeface="BIZ UDPゴシック" panose="020B0400000000000000" pitchFamily="50" charset="-128"/>
+              </a:rPr>
+              <a:t>から</a:t>
+            </a:r>
+            <a:r>
+              <a:rPr kumimoji="1" lang="en-US" altLang="ja-JP" sz="2800" dirty="0" err="1">
+                <a:latin typeface="BIZ UDPゴシック" panose="020B0400000000000000" pitchFamily="50" charset="-128"/>
+                <a:ea typeface="BIZ UDPゴシック" panose="020B0400000000000000" pitchFamily="50" charset="-128"/>
+              </a:rPr>
+              <a:t>ssh</a:t>
+            </a:r>
+            <a:r>
+              <a:rPr kumimoji="1" lang="en-US" altLang="ja-JP" sz="2800" dirty="0">
+                <a:latin typeface="BIZ UDPゴシック" panose="020B0400000000000000" pitchFamily="50" charset="-128"/>
+                <a:ea typeface="BIZ UDPゴシック" panose="020B0400000000000000" pitchFamily="50" charset="-128"/>
+              </a:rPr>
+              <a:t> </a:t>
+            </a:r>
+            <a:r>
+              <a:rPr kumimoji="1" lang="en-US" altLang="ja-JP" sz="2800" dirty="0" err="1">
+                <a:latin typeface="BIZ UDPゴシック" panose="020B0400000000000000" pitchFamily="50" charset="-128"/>
+                <a:ea typeface="BIZ UDPゴシック" panose="020B0400000000000000" pitchFamily="50" charset="-128"/>
+              </a:rPr>
+              <a:t>url</a:t>
+            </a:r>
+            <a:r>
+              <a:rPr kumimoji="1" lang="ja-JP" altLang="en-US" sz="2800" dirty="0">
+                <a:latin typeface="BIZ UDPゴシック" panose="020B0400000000000000" pitchFamily="50" charset="-128"/>
+                <a:ea typeface="BIZ UDPゴシック" panose="020B0400000000000000" pitchFamily="50" charset="-128"/>
+              </a:rPr>
+              <a:t>を取得します。</a:t>
+            </a:r>
+            <a:endParaRPr kumimoji="1" lang="en-US" altLang="ja-JP" sz="2800" dirty="0">
+              <a:latin typeface="BIZ UDPゴシック" panose="020B0400000000000000" pitchFamily="50" charset="-128"/>
+              <a:ea typeface="BIZ UDPゴシック" panose="020B0400000000000000" pitchFamily="50" charset="-128"/>
+            </a:endParaRPr>
+          </a:p>
+          <a:p>
+            <a:r>
+              <a:rPr kumimoji="1" lang="en-US" altLang="ja-JP" sz="2800" dirty="0">
+                <a:latin typeface="BIZ UDPゴシック" panose="020B0400000000000000" pitchFamily="50" charset="-128"/>
+                <a:ea typeface="BIZ UDPゴシック" panose="020B0400000000000000" pitchFamily="50" charset="-128"/>
+                <a:hlinkClick r:id="rId3"/>
+              </a:rPr>
+              <a:t>git@github.com:e1b20111/</a:t>
+            </a:r>
+            <a:r>
+              <a:rPr kumimoji="1" lang="en-US" altLang="ja-JP" sz="2800" dirty="0" err="1">
+                <a:latin typeface="BIZ UDPゴシック" panose="020B0400000000000000" pitchFamily="50" charset="-128"/>
+                <a:ea typeface="BIZ UDPゴシック" panose="020B0400000000000000" pitchFamily="50" charset="-128"/>
+                <a:hlinkClick r:id="rId3"/>
+              </a:rPr>
+              <a:t>hegemon.git</a:t>
+            </a:r>
+            <a:endParaRPr kumimoji="1" lang="en-US" altLang="ja-JP" sz="2800" dirty="0">
+              <a:latin typeface="BIZ UDPゴシック" panose="020B0400000000000000" pitchFamily="50" charset="-128"/>
+              <a:ea typeface="BIZ UDPゴシック" panose="020B0400000000000000" pitchFamily="50" charset="-128"/>
+            </a:endParaRPr>
+          </a:p>
+          <a:p>
+            <a:r>
+              <a:rPr kumimoji="1" lang="ja-JP" altLang="en-US" sz="2800" dirty="0">
+                <a:latin typeface="BIZ UDPゴシック" panose="020B0400000000000000" pitchFamily="50" charset="-128"/>
+                <a:ea typeface="BIZ UDPゴシック" panose="020B0400000000000000" pitchFamily="50" charset="-128"/>
+              </a:rPr>
+              <a:t>です。</a:t>
+            </a:r>
+          </a:p>
+        </p:txBody>
+      </p:sp>
+    </p:spTree>
+    <p:extLst>
+      <p:ext uri="{BB962C8B-B14F-4D97-AF65-F5344CB8AC3E}">
+        <p14:creationId xmlns:p14="http://schemas.microsoft.com/office/powerpoint/2010/main" val="3120684487"/>
+      </p:ext>
+    </p:extLst>
+  </p:cSld>
+  <p:clrMapOvr>
+    <a:masterClrMapping/>
+  </p:clrMapOvr>
+</p:sld>
+</file>
+
+<file path=ppt/slides/slide4.xml><?xml version="1.0" encoding="utf-8"?>
+<p:sld xmlns:a="http://schemas.openxmlformats.org/drawingml/2006/main" xmlns:r="http://schemas.openxmlformats.org/officeDocument/2006/relationships" xmlns:p="http://schemas.openxmlformats.org/presentationml/2006/main">
+  <p:cSld>
+    <p:spTree>
+      <p:nvGrpSpPr>
+        <p:cNvPr id="1" name=""/>
+        <p:cNvGrpSpPr/>
+        <p:nvPr/>
+      </p:nvGrpSpPr>
+      <p:grpSpPr>
+        <a:xfrm>
+          <a:off x="0" y="0"/>
+          <a:ext cx="0" cy="0"/>
+          <a:chOff x="0" y="0"/>
+          <a:chExt cx="0" cy="0"/>
+        </a:xfrm>
+      </p:grpSpPr>
+      <p:sp>
+        <p:nvSpPr>
+          <p:cNvPr id="9" name="テキスト ボックス 8">
+            <a:extLst>
+              <a:ext uri="{FF2B5EF4-FFF2-40B4-BE49-F238E27FC236}">
+                <a16:creationId xmlns:a16="http://schemas.microsoft.com/office/drawing/2014/main" id="{C2F0F8EC-F49A-72BC-52E4-21EDFFBB891B}"/>
+              </a:ext>
+            </a:extLst>
+          </p:cNvPr>
+          <p:cNvSpPr txBox="1"/>
+          <p:nvPr/>
+        </p:nvSpPr>
+        <p:spPr>
+          <a:xfrm>
+            <a:off x="1145673" y="4837042"/>
+            <a:ext cx="10378422" cy="954107"/>
+          </a:xfrm>
+          <a:prstGeom prst="rect">
+            <a:avLst/>
+          </a:prstGeom>
+          <a:noFill/>
+        </p:spPr>
+        <p:txBody>
+          <a:bodyPr wrap="square" rtlCol="0">
+            <a:spAutoFit/>
+          </a:bodyPr>
+          <a:lstStyle/>
+          <a:p>
+            <a:r>
+              <a:rPr kumimoji="1" lang="en-US" altLang="ja-JP" sz="2800" dirty="0">
+                <a:latin typeface="BIZ UDPゴシック" panose="020B0400000000000000" pitchFamily="50" charset="-128"/>
+                <a:ea typeface="BIZ UDPゴシック" panose="020B0400000000000000" pitchFamily="50" charset="-128"/>
+              </a:rPr>
+              <a:t>bash</a:t>
+            </a:r>
+            <a:r>
+              <a:rPr kumimoji="1" lang="ja-JP" altLang="en-US" sz="2800" dirty="0">
+                <a:latin typeface="BIZ UDPゴシック" panose="020B0400000000000000" pitchFamily="50" charset="-128"/>
+                <a:ea typeface="BIZ UDPゴシック" panose="020B0400000000000000" pitchFamily="50" charset="-128"/>
+              </a:rPr>
+              <a:t>に戻り、</a:t>
+            </a:r>
+            <a:r>
+              <a:rPr kumimoji="1" lang="en-US" altLang="ja-JP" sz="2800" dirty="0">
+                <a:latin typeface="BIZ UDPゴシック" panose="020B0400000000000000" pitchFamily="50" charset="-128"/>
+                <a:ea typeface="BIZ UDPゴシック" panose="020B0400000000000000" pitchFamily="50" charset="-128"/>
+              </a:rPr>
+              <a:t>git clone </a:t>
+            </a:r>
+            <a:r>
+              <a:rPr kumimoji="1" lang="ja-JP" altLang="en-US" sz="2800" dirty="0">
+                <a:latin typeface="BIZ UDPゴシック" panose="020B0400000000000000" pitchFamily="50" charset="-128"/>
+                <a:ea typeface="BIZ UDPゴシック" panose="020B0400000000000000" pitchFamily="50" charset="-128"/>
+              </a:rPr>
+              <a:t>と入力した後に先ほどの</a:t>
+            </a:r>
+            <a:endParaRPr kumimoji="1" lang="en-US" altLang="ja-JP" sz="2800" dirty="0">
+              <a:latin typeface="BIZ UDPゴシック" panose="020B0400000000000000" pitchFamily="50" charset="-128"/>
+              <a:ea typeface="BIZ UDPゴシック" panose="020B0400000000000000" pitchFamily="50" charset="-128"/>
+            </a:endParaRPr>
+          </a:p>
+          <a:p>
+            <a:r>
+              <a:rPr kumimoji="1" lang="en-US" altLang="ja-JP" sz="2800" dirty="0" err="1">
+                <a:latin typeface="BIZ UDPゴシック" panose="020B0400000000000000" pitchFamily="50" charset="-128"/>
+                <a:ea typeface="BIZ UDPゴシック" panose="020B0400000000000000" pitchFamily="50" charset="-128"/>
+              </a:rPr>
+              <a:t>ssh</a:t>
+            </a:r>
+            <a:r>
+              <a:rPr kumimoji="1" lang="en-US" altLang="ja-JP" sz="2800" dirty="0">
+                <a:latin typeface="BIZ UDPゴシック" panose="020B0400000000000000" pitchFamily="50" charset="-128"/>
+                <a:ea typeface="BIZ UDPゴシック" panose="020B0400000000000000" pitchFamily="50" charset="-128"/>
+              </a:rPr>
+              <a:t> </a:t>
+            </a:r>
+            <a:r>
+              <a:rPr kumimoji="1" lang="en-US" altLang="ja-JP" sz="2800" dirty="0" err="1">
+                <a:latin typeface="BIZ UDPゴシック" panose="020B0400000000000000" pitchFamily="50" charset="-128"/>
+                <a:ea typeface="BIZ UDPゴシック" panose="020B0400000000000000" pitchFamily="50" charset="-128"/>
+              </a:rPr>
+              <a:t>url</a:t>
+            </a:r>
+            <a:r>
+              <a:rPr kumimoji="1" lang="ja-JP" altLang="en-US" sz="2800" dirty="0">
+                <a:latin typeface="BIZ UDPゴシック" panose="020B0400000000000000" pitchFamily="50" charset="-128"/>
+                <a:ea typeface="BIZ UDPゴシック" panose="020B0400000000000000" pitchFamily="50" charset="-128"/>
+              </a:rPr>
+              <a:t>を右クリックで貼り付け、</a:t>
+            </a:r>
+            <a:r>
+              <a:rPr kumimoji="1" lang="en-US" altLang="ja-JP" sz="2800" dirty="0">
+                <a:latin typeface="BIZ UDPゴシック" panose="020B0400000000000000" pitchFamily="50" charset="-128"/>
+                <a:ea typeface="BIZ UDPゴシック" panose="020B0400000000000000" pitchFamily="50" charset="-128"/>
+              </a:rPr>
+              <a:t>Enter</a:t>
+            </a:r>
+            <a:r>
+              <a:rPr kumimoji="1" lang="ja-JP" altLang="en-US" sz="2800" dirty="0">
+                <a:latin typeface="BIZ UDPゴシック" panose="020B0400000000000000" pitchFamily="50" charset="-128"/>
+                <a:ea typeface="BIZ UDPゴシック" panose="020B0400000000000000" pitchFamily="50" charset="-128"/>
+              </a:rPr>
+              <a:t>を押します。</a:t>
+            </a:r>
+          </a:p>
+        </p:txBody>
+      </p:sp>
+      <p:pic>
+        <p:nvPicPr>
+          <p:cNvPr id="5" name="図 4">
+            <a:extLst>
+              <a:ext uri="{FF2B5EF4-FFF2-40B4-BE49-F238E27FC236}">
+                <a16:creationId xmlns:a16="http://schemas.microsoft.com/office/drawing/2014/main" id="{204C0044-1CD0-0D12-E661-5A90738A3CF3}"/>
+              </a:ext>
+            </a:extLst>
+          </p:cNvPr>
+          <p:cNvPicPr>
+            <a:picLocks noChangeAspect="1"/>
+          </p:cNvPicPr>
+          <p:nvPr/>
+        </p:nvPicPr>
+        <p:blipFill rotWithShape="1">
+          <a:blip r:embed="rId2">
+            <a:extLst>
+              <a:ext uri="{28A0092B-C50C-407E-A947-70E740481C1C}">
+                <a14:useLocalDpi xmlns:a14="http://schemas.microsoft.com/office/drawing/2010/main" val="0"/>
+              </a:ext>
+            </a:extLst>
+          </a:blip>
+          <a:srcRect b="4182"/>
+          <a:stretch/>
+        </p:blipFill>
+        <p:spPr>
+          <a:xfrm>
+            <a:off x="951671" y="266700"/>
+            <a:ext cx="10572424" cy="3947492"/>
+          </a:xfrm>
+          <a:prstGeom prst="rect">
+            <a:avLst/>
+          </a:prstGeom>
+        </p:spPr>
+      </p:pic>
+    </p:spTree>
+    <p:extLst>
+      <p:ext uri="{BB962C8B-B14F-4D97-AF65-F5344CB8AC3E}">
+        <p14:creationId xmlns:p14="http://schemas.microsoft.com/office/powerpoint/2010/main" val="3132039127"/>
+      </p:ext>
+    </p:extLst>
+  </p:cSld>
+  <p:clrMapOvr>
+    <a:masterClrMapping/>
+  </p:clrMapOvr>
+</p:sld>
+</file>
+
+<file path=ppt/slides/slide5.xml><?xml version="1.0" encoding="utf-8"?>
+<p:sld xmlns:a="http://schemas.openxmlformats.org/drawingml/2006/main" xmlns:r="http://schemas.openxmlformats.org/officeDocument/2006/relationships" xmlns:p="http://schemas.openxmlformats.org/presentationml/2006/main">
+  <p:cSld>
+    <p:spTree>
+      <p:nvGrpSpPr>
+        <p:cNvPr id="1" name=""/>
+        <p:cNvGrpSpPr/>
+        <p:nvPr/>
+      </p:nvGrpSpPr>
+      <p:grpSpPr>
+        <a:xfrm>
+          <a:off x="0" y="0"/>
+          <a:ext cx="0" cy="0"/>
+          <a:chOff x="0" y="0"/>
+          <a:chExt cx="0" cy="0"/>
+        </a:xfrm>
+      </p:grpSpPr>
+      <p:pic>
+        <p:nvPicPr>
+          <p:cNvPr id="16" name="図 15">
+            <a:extLst>
+              <a:ext uri="{FF2B5EF4-FFF2-40B4-BE49-F238E27FC236}">
+                <a16:creationId xmlns:a16="http://schemas.microsoft.com/office/drawing/2014/main" id="{6B2A674A-2155-DC6F-2EC7-A10B67F4EFAE}"/>
+              </a:ext>
+            </a:extLst>
+          </p:cNvPr>
+          <p:cNvPicPr>
+            <a:picLocks noChangeAspect="1"/>
+          </p:cNvPicPr>
+          <p:nvPr/>
+        </p:nvPicPr>
+        <p:blipFill>
+          <a:blip r:embed="rId2">
+            <a:extLst>
+              <a:ext uri="{28A0092B-C50C-407E-A947-70E740481C1C}">
+                <a14:useLocalDpi xmlns:a14="http://schemas.microsoft.com/office/drawing/2010/main" val="0"/>
+              </a:ext>
+            </a:extLst>
+          </a:blip>
+          <a:stretch>
+            <a:fillRect/>
+          </a:stretch>
+        </p:blipFill>
+        <p:spPr>
+          <a:xfrm>
+            <a:off x="1097960" y="266700"/>
+            <a:ext cx="8115300" cy="3162300"/>
+          </a:xfrm>
+          <a:prstGeom prst="rect">
+            <a:avLst/>
+          </a:prstGeom>
+        </p:spPr>
+      </p:pic>
+      <p:sp>
+        <p:nvSpPr>
+          <p:cNvPr id="9" name="テキスト ボックス 8">
+            <a:extLst>
+              <a:ext uri="{FF2B5EF4-FFF2-40B4-BE49-F238E27FC236}">
+                <a16:creationId xmlns:a16="http://schemas.microsoft.com/office/drawing/2014/main" id="{C2F0F8EC-F49A-72BC-52E4-21EDFFBB891B}"/>
+              </a:ext>
+            </a:extLst>
+          </p:cNvPr>
+          <p:cNvSpPr txBox="1"/>
+          <p:nvPr/>
+        </p:nvSpPr>
+        <p:spPr>
+          <a:xfrm>
+            <a:off x="1813578" y="4764327"/>
+            <a:ext cx="10378422" cy="954107"/>
+          </a:xfrm>
+          <a:prstGeom prst="rect">
+            <a:avLst/>
+          </a:prstGeom>
+          <a:noFill/>
+        </p:spPr>
+        <p:txBody>
+          <a:bodyPr wrap="square" rtlCol="0">
+            <a:spAutoFit/>
+          </a:bodyPr>
+          <a:lstStyle/>
+          <a:p>
+            <a:r>
+              <a:rPr kumimoji="1" lang="en-US" altLang="ja-JP" sz="2800" dirty="0">
+                <a:latin typeface="BIZ UDPゴシック" panose="020B0400000000000000" pitchFamily="50" charset="-128"/>
+                <a:ea typeface="BIZ UDPゴシック" panose="020B0400000000000000" pitchFamily="50" charset="-128"/>
+              </a:rPr>
+              <a:t>bash</a:t>
+            </a:r>
+            <a:r>
+              <a:rPr kumimoji="1" lang="ja-JP" altLang="en-US" sz="2800" dirty="0">
+                <a:latin typeface="BIZ UDPゴシック" panose="020B0400000000000000" pitchFamily="50" charset="-128"/>
+                <a:ea typeface="BIZ UDPゴシック" panose="020B0400000000000000" pitchFamily="50" charset="-128"/>
+              </a:rPr>
+              <a:t>を開き、</a:t>
+            </a:r>
+            <a:r>
+              <a:rPr kumimoji="1" lang="en-US" altLang="ja-JP" sz="2800" dirty="0">
+                <a:latin typeface="BIZ UDPゴシック" panose="020B0400000000000000" pitchFamily="50" charset="-128"/>
+                <a:ea typeface="BIZ UDPゴシック" panose="020B0400000000000000" pitchFamily="50" charset="-128"/>
+              </a:rPr>
+              <a:t>cd </a:t>
+            </a:r>
+            <a:r>
+              <a:rPr kumimoji="1" lang="en-US" altLang="ja-JP" sz="2800" dirty="0" err="1">
+                <a:latin typeface="BIZ UDPゴシック" panose="020B0400000000000000" pitchFamily="50" charset="-128"/>
+                <a:ea typeface="BIZ UDPゴシック" panose="020B0400000000000000" pitchFamily="50" charset="-128"/>
+              </a:rPr>
+              <a:t>hogemon</a:t>
+            </a:r>
+            <a:r>
+              <a:rPr kumimoji="1" lang="ja-JP" altLang="en-US" sz="2800" dirty="0">
+                <a:latin typeface="BIZ UDPゴシック" panose="020B0400000000000000" pitchFamily="50" charset="-128"/>
+                <a:ea typeface="BIZ UDPゴシック" panose="020B0400000000000000" pitchFamily="50" charset="-128"/>
+              </a:rPr>
+              <a:t>と入力した後、</a:t>
+            </a:r>
+            <a:endParaRPr kumimoji="1" lang="en-US" altLang="ja-JP" sz="2800" dirty="0">
+              <a:latin typeface="BIZ UDPゴシック" panose="020B0400000000000000" pitchFamily="50" charset="-128"/>
+              <a:ea typeface="BIZ UDPゴシック" panose="020B0400000000000000" pitchFamily="50" charset="-128"/>
+            </a:endParaRPr>
+          </a:p>
+          <a:p>
+            <a:r>
+              <a:rPr kumimoji="1" lang="ja-JP" altLang="en-US" sz="2800" dirty="0">
+                <a:latin typeface="BIZ UDPゴシック" panose="020B0400000000000000" pitchFamily="50" charset="-128"/>
+                <a:ea typeface="BIZ UDPゴシック" panose="020B0400000000000000" pitchFamily="50" charset="-128"/>
+              </a:rPr>
+              <a:t>ｂ</a:t>
+            </a:r>
+            <a:r>
+              <a:rPr kumimoji="1" lang="en-US" altLang="ja-JP" sz="2800" dirty="0">
+                <a:latin typeface="BIZ UDPゴシック" panose="020B0400000000000000" pitchFamily="50" charset="-128"/>
+                <a:ea typeface="BIZ UDPゴシック" panose="020B0400000000000000" pitchFamily="50" charset="-128"/>
+              </a:rPr>
+              <a:t>ash ./</a:t>
+            </a:r>
+            <a:r>
+              <a:rPr kumimoji="1" lang="en-US" altLang="ja-JP" sz="2800" dirty="0" err="1">
+                <a:latin typeface="BIZ UDPゴシック" panose="020B0400000000000000" pitchFamily="50" charset="-128"/>
+                <a:ea typeface="BIZ UDPゴシック" panose="020B0400000000000000" pitchFamily="50" charset="-128"/>
+              </a:rPr>
+              <a:t>gradlew</a:t>
+            </a:r>
+            <a:r>
+              <a:rPr kumimoji="1" lang="en-US" altLang="ja-JP" sz="2800" dirty="0">
+                <a:latin typeface="BIZ UDPゴシック" panose="020B0400000000000000" pitchFamily="50" charset="-128"/>
+                <a:ea typeface="BIZ UDPゴシック" panose="020B0400000000000000" pitchFamily="50" charset="-128"/>
+              </a:rPr>
+              <a:t> </a:t>
+            </a:r>
+            <a:r>
+              <a:rPr kumimoji="1" lang="en-US" altLang="ja-JP" sz="2800" dirty="0" err="1">
+                <a:latin typeface="BIZ UDPゴシック" panose="020B0400000000000000" pitchFamily="50" charset="-128"/>
+                <a:ea typeface="BIZ UDPゴシック" panose="020B0400000000000000" pitchFamily="50" charset="-128"/>
+              </a:rPr>
+              <a:t>bootrun</a:t>
+            </a:r>
+            <a:r>
+              <a:rPr kumimoji="1" lang="ja-JP" altLang="en-US" sz="2800" dirty="0">
+                <a:latin typeface="BIZ UDPゴシック" panose="020B0400000000000000" pitchFamily="50" charset="-128"/>
+                <a:ea typeface="BIZ UDPゴシック" panose="020B0400000000000000" pitchFamily="50" charset="-128"/>
+              </a:rPr>
+              <a:t>と入力します。</a:t>
+            </a:r>
+          </a:p>
+        </p:txBody>
+      </p:sp>
+      <p:sp>
+        <p:nvSpPr>
+          <p:cNvPr id="5" name="矢印: 右 4">
+            <a:extLst>
+              <a:ext uri="{FF2B5EF4-FFF2-40B4-BE49-F238E27FC236}">
+                <a16:creationId xmlns:a16="http://schemas.microsoft.com/office/drawing/2014/main" id="{939CBA58-904F-0A8F-A94F-0C598A2FE144}"/>
+              </a:ext>
+            </a:extLst>
+          </p:cNvPr>
+          <p:cNvSpPr/>
+          <p:nvPr/>
+        </p:nvSpPr>
+        <p:spPr>
+          <a:xfrm rot="15057564">
+            <a:off x="5160891" y="3422351"/>
+            <a:ext cx="1331280" cy="808546"/>
+          </a:xfrm>
+          <a:prstGeom prst="rightArrow">
+            <a:avLst/>
+          </a:prstGeom>
+          <a:solidFill>
+            <a:srgbClr val="00B0F0"/>
+          </a:solidFill>
+        </p:spPr>
+        <p:style>
+          <a:lnRef idx="2">
+            <a:schemeClr val="accent1">
+              <a:shade val="50000"/>
+            </a:schemeClr>
+          </a:lnRef>
+          <a:fillRef idx="1">
+            <a:schemeClr val="accent1"/>
+          </a:fillRef>
+          <a:effectRef idx="0">
+            <a:schemeClr val="accent1"/>
+          </a:effectRef>
+          <a:fontRef idx="minor">
+            <a:schemeClr val="lt1"/>
+          </a:fontRef>
+        </p:style>
+        <p:txBody>
+          <a:bodyPr rtlCol="0" anchor="ctr"/>
+          <a:lstStyle/>
+          <a:p>
+            <a:pPr algn="ctr"/>
+            <a:endParaRPr kumimoji="1" lang="ja-JP" altLang="en-US"/>
+          </a:p>
+        </p:txBody>
+      </p:sp>
+    </p:spTree>
+    <p:extLst>
+      <p:ext uri="{BB962C8B-B14F-4D97-AF65-F5344CB8AC3E}">
+        <p14:creationId xmlns:p14="http://schemas.microsoft.com/office/powerpoint/2010/main" val="1503065280"/>
+      </p:ext>
+    </p:extLst>
+  </p:cSld>
+  <p:clrMapOvr>
+    <a:masterClrMapping/>
+  </p:clrMapOvr>
+</p:sld>
+</file>
+
+<file path=ppt/slides/slide6.xml><?xml version="1.0" encoding="utf-8"?>
+<p:sld xmlns:a="http://schemas.openxmlformats.org/drawingml/2006/main" xmlns:r="http://schemas.openxmlformats.org/officeDocument/2006/relationships" xmlns:p="http://schemas.openxmlformats.org/presentationml/2006/main">
+  <p:cSld>
+    <p:spTree>
+      <p:nvGrpSpPr>
+        <p:cNvPr id="1" name=""/>
+        <p:cNvGrpSpPr/>
+        <p:nvPr/>
+      </p:nvGrpSpPr>
+      <p:grpSpPr>
+        <a:xfrm>
+          <a:off x="0" y="0"/>
+          <a:ext cx="0" cy="0"/>
+          <a:chOff x="0" y="0"/>
+          <a:chExt cx="0" cy="0"/>
+        </a:xfrm>
+      </p:grpSpPr>
+      <p:pic>
+        <p:nvPicPr>
+          <p:cNvPr id="5" name="図 4">
+            <a:extLst>
+              <a:ext uri="{FF2B5EF4-FFF2-40B4-BE49-F238E27FC236}">
+                <a16:creationId xmlns:a16="http://schemas.microsoft.com/office/drawing/2014/main" id="{144D7386-4BE5-4FF9-7BF2-91CD207CADC9}"/>
+              </a:ext>
+            </a:extLst>
+          </p:cNvPr>
+          <p:cNvPicPr>
+            <a:picLocks noChangeAspect="1"/>
+          </p:cNvPicPr>
+          <p:nvPr/>
+        </p:nvPicPr>
+        <p:blipFill>
+          <a:blip r:embed="rId2">
+            <a:extLst>
+              <a:ext uri="{28A0092B-C50C-407E-A947-70E740481C1C}">
+                <a14:useLocalDpi xmlns:a14="http://schemas.microsoft.com/office/drawing/2010/main" val="0"/>
+              </a:ext>
+            </a:extLst>
+          </a:blip>
+          <a:stretch>
+            <a:fillRect/>
+          </a:stretch>
+        </p:blipFill>
+        <p:spPr>
+          <a:xfrm>
+            <a:off x="0" y="243174"/>
+            <a:ext cx="10230678" cy="5346648"/>
+          </a:xfrm>
+          <a:prstGeom prst="rect">
+            <a:avLst/>
+          </a:prstGeom>
+        </p:spPr>
+      </p:pic>
+      <p:sp>
+        <p:nvSpPr>
+          <p:cNvPr id="9" name="テキスト ボックス 8">
+            <a:extLst>
+              <a:ext uri="{FF2B5EF4-FFF2-40B4-BE49-F238E27FC236}">
+                <a16:creationId xmlns:a16="http://schemas.microsoft.com/office/drawing/2014/main" id="{C2F0F8EC-F49A-72BC-52E4-21EDFFBB891B}"/>
+              </a:ext>
+            </a:extLst>
+          </p:cNvPr>
+          <p:cNvSpPr txBox="1"/>
+          <p:nvPr/>
+        </p:nvSpPr>
+        <p:spPr>
+          <a:xfrm>
+            <a:off x="1416012" y="5771493"/>
+            <a:ext cx="10378422" cy="954107"/>
+          </a:xfrm>
+          <a:prstGeom prst="rect">
+            <a:avLst/>
+          </a:prstGeom>
+          <a:noFill/>
+        </p:spPr>
+        <p:txBody>
+          <a:bodyPr wrap="square" rtlCol="0">
+            <a:spAutoFit/>
+          </a:bodyPr>
+          <a:lstStyle/>
+          <a:p>
+            <a:r>
+              <a:rPr kumimoji="1" lang="ja-JP" altLang="en-US" sz="2800" dirty="0">
+                <a:latin typeface="BIZ UDPゴシック" panose="020B0400000000000000" pitchFamily="50" charset="-128"/>
+                <a:ea typeface="BIZ UDPゴシック" panose="020B0400000000000000" pitchFamily="50" charset="-128"/>
+              </a:rPr>
+              <a:t>画像のように</a:t>
+            </a:r>
+            <a:r>
+              <a:rPr kumimoji="1" lang="en-US" altLang="ja-JP" sz="2800" dirty="0">
+                <a:latin typeface="BIZ UDPゴシック" panose="020B0400000000000000" pitchFamily="50" charset="-128"/>
+                <a:ea typeface="BIZ UDPゴシック" panose="020B0400000000000000" pitchFamily="50" charset="-128"/>
+              </a:rPr>
+              <a:t>80%</a:t>
+            </a:r>
+            <a:r>
+              <a:rPr kumimoji="1" lang="ja-JP" altLang="en-US" sz="2800" dirty="0">
+                <a:latin typeface="BIZ UDPゴシック" panose="020B0400000000000000" pitchFamily="50" charset="-128"/>
+                <a:ea typeface="BIZ UDPゴシック" panose="020B0400000000000000" pitchFamily="50" charset="-128"/>
+              </a:rPr>
+              <a:t>と表示されれば成功です。</a:t>
+            </a:r>
+            <a:endParaRPr kumimoji="1" lang="en-US" altLang="ja-JP" sz="2800" dirty="0">
+              <a:latin typeface="BIZ UDPゴシック" panose="020B0400000000000000" pitchFamily="50" charset="-128"/>
+              <a:ea typeface="BIZ UDPゴシック" panose="020B0400000000000000" pitchFamily="50" charset="-128"/>
+            </a:endParaRPr>
+          </a:p>
+          <a:p>
+            <a:r>
+              <a:rPr kumimoji="1" lang="ja-JP" altLang="en-US" sz="2800" dirty="0">
+                <a:latin typeface="BIZ UDPゴシック" panose="020B0400000000000000" pitchFamily="50" charset="-128"/>
+                <a:ea typeface="BIZ UDPゴシック" panose="020B0400000000000000" pitchFamily="50" charset="-128"/>
+              </a:rPr>
+              <a:t>ゲーム中は</a:t>
+            </a:r>
+            <a:r>
+              <a:rPr kumimoji="1" lang="en-US" altLang="ja-JP" sz="2800" dirty="0" err="1">
+                <a:latin typeface="BIZ UDPゴシック" panose="020B0400000000000000" pitchFamily="50" charset="-128"/>
+                <a:ea typeface="BIZ UDPゴシック" panose="020B0400000000000000" pitchFamily="50" charset="-128"/>
+              </a:rPr>
+              <a:t>gradle</a:t>
+            </a:r>
+            <a:r>
+              <a:rPr kumimoji="1" lang="en-US" altLang="ja-JP" sz="2800" dirty="0">
+                <a:latin typeface="BIZ UDPゴシック" panose="020B0400000000000000" pitchFamily="50" charset="-128"/>
+                <a:ea typeface="BIZ UDPゴシック" panose="020B0400000000000000" pitchFamily="50" charset="-128"/>
+              </a:rPr>
+              <a:t> </a:t>
+            </a:r>
+            <a:r>
+              <a:rPr kumimoji="1" lang="en-US" altLang="ja-JP" sz="2800" dirty="0" err="1">
+                <a:latin typeface="BIZ UDPゴシック" panose="020B0400000000000000" pitchFamily="50" charset="-128"/>
+                <a:ea typeface="BIZ UDPゴシック" panose="020B0400000000000000" pitchFamily="50" charset="-128"/>
+              </a:rPr>
+              <a:t>bootrun</a:t>
+            </a:r>
+            <a:r>
+              <a:rPr kumimoji="1" lang="ja-JP" altLang="en-US" sz="2800" dirty="0">
+                <a:latin typeface="BIZ UDPゴシック" panose="020B0400000000000000" pitchFamily="50" charset="-128"/>
+                <a:ea typeface="BIZ UDPゴシック" panose="020B0400000000000000" pitchFamily="50" charset="-128"/>
+              </a:rPr>
+              <a:t>を起動したままにしてください。</a:t>
+            </a:r>
+          </a:p>
+        </p:txBody>
+      </p:sp>
+      <p:sp>
+        <p:nvSpPr>
+          <p:cNvPr id="7" name="矢印: 右 6">
+            <a:extLst>
+              <a:ext uri="{FF2B5EF4-FFF2-40B4-BE49-F238E27FC236}">
+                <a16:creationId xmlns:a16="http://schemas.microsoft.com/office/drawing/2014/main" id="{10B12BA8-3DF1-9C4B-CBCD-7F318A4F3429}"/>
+              </a:ext>
+            </a:extLst>
+          </p:cNvPr>
+          <p:cNvSpPr/>
+          <p:nvPr/>
+        </p:nvSpPr>
+        <p:spPr>
+          <a:xfrm rot="11145170">
+            <a:off x="2732976" y="4926403"/>
+            <a:ext cx="769771" cy="808546"/>
+          </a:xfrm>
+          <a:prstGeom prst="rightArrow">
+            <a:avLst/>
+          </a:prstGeom>
+          <a:solidFill>
+            <a:srgbClr val="00B0F0"/>
+          </a:solidFill>
+        </p:spPr>
+        <p:style>
+          <a:lnRef idx="2">
+            <a:schemeClr val="accent1">
+              <a:shade val="50000"/>
+            </a:schemeClr>
+          </a:lnRef>
+          <a:fillRef idx="1">
+            <a:schemeClr val="accent1"/>
+          </a:fillRef>
+          <a:effectRef idx="0">
+            <a:schemeClr val="accent1"/>
+          </a:effectRef>
+          <a:fontRef idx="minor">
+            <a:schemeClr val="lt1"/>
+          </a:fontRef>
+        </p:style>
+        <p:txBody>
+          <a:bodyPr rtlCol="0" anchor="ctr"/>
+          <a:lstStyle/>
+          <a:p>
+            <a:pPr algn="ctr"/>
+            <a:endParaRPr kumimoji="1" lang="ja-JP" altLang="en-US"/>
+          </a:p>
+        </p:txBody>
+      </p:sp>
+    </p:spTree>
+    <p:extLst>
+      <p:ext uri="{BB962C8B-B14F-4D97-AF65-F5344CB8AC3E}">
+        <p14:creationId xmlns:p14="http://schemas.microsoft.com/office/powerpoint/2010/main" val="1915329788"/>
+      </p:ext>
+    </p:extLst>
+  </p:cSld>
+  <p:clrMapOvr>
+    <a:masterClrMapping/>
+  </p:clrMapOvr>
+</p:sld>
+</file>
+
+<file path=ppt/slides/slide7.xml><?xml version="1.0" encoding="utf-8"?>
+<p:sld xmlns:a="http://schemas.openxmlformats.org/drawingml/2006/main" xmlns:r="http://schemas.openxmlformats.org/officeDocument/2006/relationships" xmlns:p="http://schemas.openxmlformats.org/presentationml/2006/main">
+  <p:cSld>
+    <p:spTree>
+      <p:nvGrpSpPr>
+        <p:cNvPr id="1" name=""/>
+        <p:cNvGrpSpPr/>
+        <p:nvPr/>
+      </p:nvGrpSpPr>
+      <p:grpSpPr>
+        <a:xfrm>
+          <a:off x="0" y="0"/>
+          <a:ext cx="0" cy="0"/>
+          <a:chOff x="0" y="0"/>
+          <a:chExt cx="0" cy="0"/>
+        </a:xfrm>
+      </p:grpSpPr>
+      <p:sp>
+        <p:nvSpPr>
+          <p:cNvPr id="9" name="テキスト ボックス 8">
+            <a:extLst>
+              <a:ext uri="{FF2B5EF4-FFF2-40B4-BE49-F238E27FC236}">
+                <a16:creationId xmlns:a16="http://schemas.microsoft.com/office/drawing/2014/main" id="{C2F0F8EC-F49A-72BC-52E4-21EDFFBB891B}"/>
+              </a:ext>
+            </a:extLst>
+          </p:cNvPr>
+          <p:cNvSpPr txBox="1"/>
+          <p:nvPr/>
+        </p:nvSpPr>
+        <p:spPr>
+          <a:xfrm>
+            <a:off x="1813578" y="2087388"/>
+            <a:ext cx="10378422" cy="1200329"/>
+          </a:xfrm>
+          <a:prstGeom prst="rect">
+            <a:avLst/>
+          </a:prstGeom>
+          <a:noFill/>
+        </p:spPr>
+        <p:txBody>
+          <a:bodyPr wrap="square" rtlCol="0">
+            <a:spAutoFit/>
+          </a:bodyPr>
+          <a:lstStyle/>
+          <a:p>
+            <a:r>
+              <a:rPr kumimoji="1" lang="ja-JP" altLang="en-US" sz="3600" dirty="0">
+                <a:latin typeface="BIZ UDPゴシック" panose="020B0400000000000000" pitchFamily="50" charset="-128"/>
+                <a:ea typeface="BIZ UDPゴシック" panose="020B0400000000000000" pitchFamily="50" charset="-128"/>
+              </a:rPr>
+              <a:t>セットアップお疲れさまでした。</a:t>
+            </a:r>
+            <a:endParaRPr kumimoji="1" lang="en-US" altLang="ja-JP" sz="3600" dirty="0">
+              <a:latin typeface="BIZ UDPゴシック" panose="020B0400000000000000" pitchFamily="50" charset="-128"/>
+              <a:ea typeface="BIZ UDPゴシック" panose="020B0400000000000000" pitchFamily="50" charset="-128"/>
+            </a:endParaRPr>
+          </a:p>
+          <a:p>
+            <a:r>
+              <a:rPr kumimoji="1" lang="ja-JP" altLang="en-US" sz="3600" dirty="0">
+                <a:latin typeface="BIZ UDPゴシック" panose="020B0400000000000000" pitchFamily="50" charset="-128"/>
+                <a:ea typeface="BIZ UDPゴシック" panose="020B0400000000000000" pitchFamily="50" charset="-128"/>
+              </a:rPr>
+              <a:t>続いてユーザマニュアルに移ります。</a:t>
+            </a:r>
+            <a:endParaRPr kumimoji="1" lang="en-US" altLang="ja-JP" sz="3600" dirty="0">
+              <a:latin typeface="BIZ UDPゴシック" panose="020B0400000000000000" pitchFamily="50" charset="-128"/>
+              <a:ea typeface="BIZ UDPゴシック" panose="020B0400000000000000" pitchFamily="50" charset="-128"/>
+            </a:endParaRPr>
+          </a:p>
+        </p:txBody>
+      </p:sp>
+    </p:spTree>
+    <p:extLst>
+      <p:ext uri="{BB962C8B-B14F-4D97-AF65-F5344CB8AC3E}">
+        <p14:creationId xmlns:p14="http://schemas.microsoft.com/office/powerpoint/2010/main" val="166092315"/>
+      </p:ext>
+    </p:extLst>
+  </p:cSld>
+  <p:clrMapOvr>
+    <a:masterClrMapping/>
+  </p:clrMapOvr>
+</p:sld>
+</file>
+
+<file path=ppt/slides/slide8.xml><?xml version="1.0" encoding="utf-8"?>
+<p:sld xmlns:a="http://schemas.openxmlformats.org/drawingml/2006/main" xmlns:r="http://schemas.openxmlformats.org/officeDocument/2006/relationships" xmlns:p="http://schemas.openxmlformats.org/presentationml/2006/main">
+  <p:cSld>
+    <p:spTree>
+      <p:nvGrpSpPr>
+        <p:cNvPr id="1" name=""/>
+        <p:cNvGrpSpPr/>
+        <p:nvPr/>
+      </p:nvGrpSpPr>
+      <p:grpSpPr>
+        <a:xfrm>
+          <a:off x="0" y="0"/>
+          <a:ext cx="0" cy="0"/>
+          <a:chOff x="0" y="0"/>
+          <a:chExt cx="0" cy="0"/>
+        </a:xfrm>
+      </p:grpSpPr>
       <p:sp>
         <p:nvSpPr>
           <p:cNvPr id="2" name="テキスト ボックス 1">
@@ -8225,7 +10889,7 @@
 </p:sld>
 </file>
 
-<file path=ppt/slides/slide11.xml><?xml version="1.0" encoding="utf-8"?>
+<file path=ppt/slides/slide9.xml><?xml version="1.0" encoding="utf-8"?>
 <p:sld xmlns:a="http://schemas.openxmlformats.org/drawingml/2006/main" xmlns:r="http://schemas.openxmlformats.org/officeDocument/2006/relationships" xmlns:p="http://schemas.openxmlformats.org/presentationml/2006/main">
   <p:cSld>
     <p:spTree>
@@ -8388,2887 +11052,6 @@
     <p:extLst>
       <p:ext uri="{BB962C8B-B14F-4D97-AF65-F5344CB8AC3E}">
         <p14:creationId xmlns:p14="http://schemas.microsoft.com/office/powerpoint/2010/main" val="3085219799"/>
-      </p:ext>
-    </p:extLst>
-  </p:cSld>
-  <p:clrMapOvr>
-    <a:masterClrMapping/>
-  </p:clrMapOvr>
-</p:sld>
-</file>
-
-<file path=ppt/slides/slide12.xml><?xml version="1.0" encoding="utf-8"?>
-<p:sld xmlns:a="http://schemas.openxmlformats.org/drawingml/2006/main" xmlns:r="http://schemas.openxmlformats.org/officeDocument/2006/relationships" xmlns:p="http://schemas.openxmlformats.org/presentationml/2006/main">
-  <p:cSld>
-    <p:spTree>
-      <p:nvGrpSpPr>
-        <p:cNvPr id="1" name=""/>
-        <p:cNvGrpSpPr/>
-        <p:nvPr/>
-      </p:nvGrpSpPr>
-      <p:grpSpPr>
-        <a:xfrm>
-          <a:off x="0" y="0"/>
-          <a:ext cx="0" cy="0"/>
-          <a:chOff x="0" y="0"/>
-          <a:chExt cx="0" cy="0"/>
-        </a:xfrm>
-      </p:grpSpPr>
-      <p:pic>
-        <p:nvPicPr>
-          <p:cNvPr id="4" name="図 3">
-            <a:extLst>
-              <a:ext uri="{FF2B5EF4-FFF2-40B4-BE49-F238E27FC236}">
-                <a16:creationId xmlns:a16="http://schemas.microsoft.com/office/drawing/2014/main" id="{43F69AE1-47B2-4BC5-6794-10DA0C958F07}"/>
-              </a:ext>
-            </a:extLst>
-          </p:cNvPr>
-          <p:cNvPicPr>
-            <a:picLocks noChangeAspect="1"/>
-          </p:cNvPicPr>
-          <p:nvPr/>
-        </p:nvPicPr>
-        <p:blipFill>
-          <a:blip r:embed="rId2">
-            <a:extLst>
-              <a:ext uri="{28A0092B-C50C-407E-A947-70E740481C1C}">
-                <a14:useLocalDpi xmlns:a14="http://schemas.microsoft.com/office/drawing/2010/main" val="0"/>
-              </a:ext>
-            </a:extLst>
-          </a:blip>
-          <a:stretch>
-            <a:fillRect/>
-          </a:stretch>
-        </p:blipFill>
-        <p:spPr>
-          <a:xfrm>
-            <a:off x="2075955" y="0"/>
-            <a:ext cx="6895767" cy="5881920"/>
-          </a:xfrm>
-          <a:prstGeom prst="rect">
-            <a:avLst/>
-          </a:prstGeom>
-        </p:spPr>
-      </p:pic>
-      <p:sp>
-        <p:nvSpPr>
-          <p:cNvPr id="2" name="テキスト ボックス 1">
-            <a:extLst>
-              <a:ext uri="{FF2B5EF4-FFF2-40B4-BE49-F238E27FC236}">
-                <a16:creationId xmlns:a16="http://schemas.microsoft.com/office/drawing/2014/main" id="{A5DB7B2B-061B-6EC4-A175-08EF0607A635}"/>
-              </a:ext>
-            </a:extLst>
-          </p:cNvPr>
-          <p:cNvSpPr txBox="1"/>
-          <p:nvPr/>
-        </p:nvSpPr>
-        <p:spPr>
-          <a:xfrm>
-            <a:off x="2075955" y="5536096"/>
-            <a:ext cx="10378422" cy="954107"/>
-          </a:xfrm>
-          <a:prstGeom prst="rect">
-            <a:avLst/>
-          </a:prstGeom>
-          <a:noFill/>
-        </p:spPr>
-        <p:txBody>
-          <a:bodyPr wrap="square" rtlCol="0">
-            <a:spAutoFit/>
-          </a:bodyPr>
-          <a:lstStyle/>
-          <a:p>
-            <a:r>
-              <a:rPr kumimoji="1" lang="ja-JP" altLang="en-US" sz="2800" dirty="0">
-                <a:latin typeface="BIZ UDPゴシック" panose="020B0400000000000000" pitchFamily="50" charset="-128"/>
-                <a:ea typeface="BIZ UDPゴシック" panose="020B0400000000000000" pitchFamily="50" charset="-128"/>
-              </a:rPr>
-              <a:t>この画面が表示されたらログイン成功です。</a:t>
-            </a:r>
-            <a:endParaRPr kumimoji="1" lang="en-US" altLang="ja-JP" sz="2800" dirty="0">
-              <a:latin typeface="BIZ UDPゴシック" panose="020B0400000000000000" pitchFamily="50" charset="-128"/>
-              <a:ea typeface="BIZ UDPゴシック" panose="020B0400000000000000" pitchFamily="50" charset="-128"/>
-            </a:endParaRPr>
-          </a:p>
-          <a:p>
-            <a:r>
-              <a:rPr kumimoji="1" lang="ja-JP" altLang="en-US" sz="2800" dirty="0">
-                <a:latin typeface="BIZ UDPゴシック" panose="020B0400000000000000" pitchFamily="50" charset="-128"/>
-                <a:ea typeface="BIZ UDPゴシック" panose="020B0400000000000000" pitchFamily="50" charset="-128"/>
-              </a:rPr>
-              <a:t>ゲームをお楽しみください。</a:t>
-            </a:r>
-          </a:p>
-        </p:txBody>
-      </p:sp>
-    </p:spTree>
-    <p:extLst>
-      <p:ext uri="{BB962C8B-B14F-4D97-AF65-F5344CB8AC3E}">
-        <p14:creationId xmlns:p14="http://schemas.microsoft.com/office/powerpoint/2010/main" val="3437822726"/>
-      </p:ext>
-    </p:extLst>
-  </p:cSld>
-  <p:clrMapOvr>
-    <a:masterClrMapping/>
-  </p:clrMapOvr>
-</p:sld>
-</file>
-
-<file path=ppt/slides/slide13.xml><?xml version="1.0" encoding="utf-8"?>
-<p:sld xmlns:a="http://schemas.openxmlformats.org/drawingml/2006/main" xmlns:r="http://schemas.openxmlformats.org/officeDocument/2006/relationships" xmlns:p="http://schemas.openxmlformats.org/presentationml/2006/main">
-  <p:cSld>
-    <p:spTree>
-      <p:nvGrpSpPr>
-        <p:cNvPr id="1" name=""/>
-        <p:cNvGrpSpPr/>
-        <p:nvPr/>
-      </p:nvGrpSpPr>
-      <p:grpSpPr>
-        <a:xfrm>
-          <a:off x="0" y="0"/>
-          <a:ext cx="0" cy="0"/>
-          <a:chOff x="0" y="0"/>
-          <a:chExt cx="0" cy="0"/>
-        </a:xfrm>
-      </p:grpSpPr>
-      <p:pic>
-        <p:nvPicPr>
-          <p:cNvPr id="4" name="図 3">
-            <a:extLst>
-              <a:ext uri="{FF2B5EF4-FFF2-40B4-BE49-F238E27FC236}">
-                <a16:creationId xmlns:a16="http://schemas.microsoft.com/office/drawing/2014/main" id="{F60BEB1C-2CE5-AD8C-7EFF-023E8BDEA769}"/>
-              </a:ext>
-            </a:extLst>
-          </p:cNvPr>
-          <p:cNvPicPr>
-            <a:picLocks noChangeAspect="1"/>
-          </p:cNvPicPr>
-          <p:nvPr/>
-        </p:nvPicPr>
-        <p:blipFill>
-          <a:blip r:embed="rId2">
-            <a:extLst>
-              <a:ext uri="{28A0092B-C50C-407E-A947-70E740481C1C}">
-                <a14:useLocalDpi xmlns:a14="http://schemas.microsoft.com/office/drawing/2010/main" val="0"/>
-              </a:ext>
-            </a:extLst>
-          </a:blip>
-          <a:stretch>
-            <a:fillRect/>
-          </a:stretch>
-        </p:blipFill>
-        <p:spPr>
-          <a:xfrm>
-            <a:off x="2075955" y="0"/>
-            <a:ext cx="8040090" cy="6858000"/>
-          </a:xfrm>
-          <a:prstGeom prst="rect">
-            <a:avLst/>
-          </a:prstGeom>
-        </p:spPr>
-      </p:pic>
-      <p:sp>
-        <p:nvSpPr>
-          <p:cNvPr id="2" name="テキスト ボックス 1">
-            <a:extLst>
-              <a:ext uri="{FF2B5EF4-FFF2-40B4-BE49-F238E27FC236}">
-                <a16:creationId xmlns:a16="http://schemas.microsoft.com/office/drawing/2014/main" id="{A5DB7B2B-061B-6EC4-A175-08EF0607A635}"/>
-              </a:ext>
-            </a:extLst>
-          </p:cNvPr>
-          <p:cNvSpPr txBox="1"/>
-          <p:nvPr/>
-        </p:nvSpPr>
-        <p:spPr>
-          <a:xfrm>
-            <a:off x="1940458" y="3637771"/>
-            <a:ext cx="10378422" cy="1384995"/>
-          </a:xfrm>
-          <a:prstGeom prst="rect">
-            <a:avLst/>
-          </a:prstGeom>
-          <a:noFill/>
-        </p:spPr>
-        <p:txBody>
-          <a:bodyPr wrap="square" rtlCol="0">
-            <a:spAutoFit/>
-          </a:bodyPr>
-          <a:lstStyle/>
-          <a:p>
-            <a:r>
-              <a:rPr kumimoji="1" lang="ja-JP" altLang="en-US" sz="2800" dirty="0">
-                <a:latin typeface="BIZ UDPゴシック" panose="020B0400000000000000" pitchFamily="50" charset="-128"/>
-                <a:ea typeface="BIZ UDPゴシック" panose="020B0400000000000000" pitchFamily="50" charset="-128"/>
-              </a:rPr>
-              <a:t>戦闘をクリックすると、モンスター選択画面が表示されます。</a:t>
-            </a:r>
-            <a:endParaRPr kumimoji="1" lang="en-US" altLang="ja-JP" sz="2800" dirty="0">
-              <a:latin typeface="BIZ UDPゴシック" panose="020B0400000000000000" pitchFamily="50" charset="-128"/>
-              <a:ea typeface="BIZ UDPゴシック" panose="020B0400000000000000" pitchFamily="50" charset="-128"/>
-            </a:endParaRPr>
-          </a:p>
-          <a:p>
-            <a:r>
-              <a:rPr kumimoji="1" lang="ja-JP" altLang="en-US" sz="2800" dirty="0">
-                <a:latin typeface="BIZ UDPゴシック" panose="020B0400000000000000" pitchFamily="50" charset="-128"/>
-                <a:ea typeface="BIZ UDPゴシック" panose="020B0400000000000000" pitchFamily="50" charset="-128"/>
-              </a:rPr>
-              <a:t>１～３のどれかを選び、詳細表示をクリックすることで、</a:t>
-            </a:r>
-            <a:endParaRPr kumimoji="1" lang="en-US" altLang="ja-JP" sz="2800" dirty="0">
-              <a:latin typeface="BIZ UDPゴシック" panose="020B0400000000000000" pitchFamily="50" charset="-128"/>
-              <a:ea typeface="BIZ UDPゴシック" panose="020B0400000000000000" pitchFamily="50" charset="-128"/>
-            </a:endParaRPr>
-          </a:p>
-          <a:p>
-            <a:r>
-              <a:rPr kumimoji="1" lang="ja-JP" altLang="en-US" sz="2800" dirty="0">
-                <a:latin typeface="BIZ UDPゴシック" panose="020B0400000000000000" pitchFamily="50" charset="-128"/>
-                <a:ea typeface="BIZ UDPゴシック" panose="020B0400000000000000" pitchFamily="50" charset="-128"/>
-              </a:rPr>
-              <a:t>エントリーが完了します。</a:t>
-            </a:r>
-            <a:endParaRPr kumimoji="1" lang="en-US" altLang="ja-JP" sz="2800" dirty="0">
-              <a:latin typeface="BIZ UDPゴシック" panose="020B0400000000000000" pitchFamily="50" charset="-128"/>
-              <a:ea typeface="BIZ UDPゴシック" panose="020B0400000000000000" pitchFamily="50" charset="-128"/>
-            </a:endParaRPr>
-          </a:p>
-        </p:txBody>
-      </p:sp>
-    </p:spTree>
-    <p:extLst>
-      <p:ext uri="{BB962C8B-B14F-4D97-AF65-F5344CB8AC3E}">
-        <p14:creationId xmlns:p14="http://schemas.microsoft.com/office/powerpoint/2010/main" val="1202511982"/>
-      </p:ext>
-    </p:extLst>
-  </p:cSld>
-  <p:clrMapOvr>
-    <a:masterClrMapping/>
-  </p:clrMapOvr>
-</p:sld>
-</file>
-
-<file path=ppt/slides/slide14.xml><?xml version="1.0" encoding="utf-8"?>
-<p:sld xmlns:a="http://schemas.openxmlformats.org/drawingml/2006/main" xmlns:r="http://schemas.openxmlformats.org/officeDocument/2006/relationships" xmlns:p="http://schemas.openxmlformats.org/presentationml/2006/main">
-  <p:cSld>
-    <p:spTree>
-      <p:nvGrpSpPr>
-        <p:cNvPr id="1" name=""/>
-        <p:cNvGrpSpPr/>
-        <p:nvPr/>
-      </p:nvGrpSpPr>
-      <p:grpSpPr>
-        <a:xfrm>
-          <a:off x="0" y="0"/>
-          <a:ext cx="0" cy="0"/>
-          <a:chOff x="0" y="0"/>
-          <a:chExt cx="0" cy="0"/>
-        </a:xfrm>
-      </p:grpSpPr>
-      <p:pic>
-        <p:nvPicPr>
-          <p:cNvPr id="4" name="図 3">
-            <a:extLst>
-              <a:ext uri="{FF2B5EF4-FFF2-40B4-BE49-F238E27FC236}">
-                <a16:creationId xmlns:a16="http://schemas.microsoft.com/office/drawing/2014/main" id="{83EB71E4-B4E1-77F3-3DF0-6160B9D260C3}"/>
-              </a:ext>
-            </a:extLst>
-          </p:cNvPr>
-          <p:cNvPicPr>
-            <a:picLocks noChangeAspect="1"/>
-          </p:cNvPicPr>
-          <p:nvPr/>
-        </p:nvPicPr>
-        <p:blipFill>
-          <a:blip r:embed="rId2">
-            <a:extLst>
-              <a:ext uri="{28A0092B-C50C-407E-A947-70E740481C1C}">
-                <a14:useLocalDpi xmlns:a14="http://schemas.microsoft.com/office/drawing/2010/main" val="0"/>
-              </a:ext>
-            </a:extLst>
-          </a:blip>
-          <a:stretch>
-            <a:fillRect/>
-          </a:stretch>
-        </p:blipFill>
-        <p:spPr>
-          <a:xfrm>
-            <a:off x="2849942" y="0"/>
-            <a:ext cx="6492115" cy="6858000"/>
-          </a:xfrm>
-          <a:prstGeom prst="rect">
-            <a:avLst/>
-          </a:prstGeom>
-        </p:spPr>
-      </p:pic>
-      <p:sp>
-        <p:nvSpPr>
-          <p:cNvPr id="2" name="テキスト ボックス 1">
-            <a:extLst>
-              <a:ext uri="{FF2B5EF4-FFF2-40B4-BE49-F238E27FC236}">
-                <a16:creationId xmlns:a16="http://schemas.microsoft.com/office/drawing/2014/main" id="{A5DB7B2B-061B-6EC4-A175-08EF0607A635}"/>
-              </a:ext>
-            </a:extLst>
-          </p:cNvPr>
-          <p:cNvSpPr txBox="1"/>
-          <p:nvPr/>
-        </p:nvSpPr>
-        <p:spPr>
-          <a:xfrm>
-            <a:off x="3027136" y="4976240"/>
-            <a:ext cx="5467507" cy="954107"/>
-          </a:xfrm>
-          <a:prstGeom prst="rect">
-            <a:avLst/>
-          </a:prstGeom>
-          <a:noFill/>
-        </p:spPr>
-        <p:txBody>
-          <a:bodyPr wrap="square" rtlCol="0">
-            <a:spAutoFit/>
-          </a:bodyPr>
-          <a:lstStyle/>
-          <a:p>
-            <a:r>
-              <a:rPr kumimoji="1" lang="ja-JP" altLang="en-US" sz="2800" dirty="0">
-                <a:latin typeface="BIZ UDPゴシック" panose="020B0400000000000000" pitchFamily="50" charset="-128"/>
-                <a:ea typeface="BIZ UDPゴシック" panose="020B0400000000000000" pitchFamily="50" charset="-128"/>
-              </a:rPr>
-              <a:t>対戦相手がまだ来ていない場合は、対戦相手を選びます。</a:t>
-            </a:r>
-          </a:p>
-        </p:txBody>
-      </p:sp>
-    </p:spTree>
-    <p:extLst>
-      <p:ext uri="{BB962C8B-B14F-4D97-AF65-F5344CB8AC3E}">
-        <p14:creationId xmlns:p14="http://schemas.microsoft.com/office/powerpoint/2010/main" val="767542833"/>
-      </p:ext>
-    </p:extLst>
-  </p:cSld>
-  <p:clrMapOvr>
-    <a:masterClrMapping/>
-  </p:clrMapOvr>
-</p:sld>
-</file>
-
-<file path=ppt/slides/slide15.xml><?xml version="1.0" encoding="utf-8"?>
-<p:sld xmlns:a="http://schemas.openxmlformats.org/drawingml/2006/main" xmlns:r="http://schemas.openxmlformats.org/officeDocument/2006/relationships" xmlns:p="http://schemas.openxmlformats.org/presentationml/2006/main">
-  <p:cSld>
-    <p:spTree>
-      <p:nvGrpSpPr>
-        <p:cNvPr id="1" name=""/>
-        <p:cNvGrpSpPr/>
-        <p:nvPr/>
-      </p:nvGrpSpPr>
-      <p:grpSpPr>
-        <a:xfrm>
-          <a:off x="0" y="0"/>
-          <a:ext cx="0" cy="0"/>
-          <a:chOff x="0" y="0"/>
-          <a:chExt cx="0" cy="0"/>
-        </a:xfrm>
-      </p:grpSpPr>
-      <p:pic>
-        <p:nvPicPr>
-          <p:cNvPr id="5" name="図 4">
-            <a:extLst>
-              <a:ext uri="{FF2B5EF4-FFF2-40B4-BE49-F238E27FC236}">
-                <a16:creationId xmlns:a16="http://schemas.microsoft.com/office/drawing/2014/main" id="{6EAB845D-46D5-0CD9-B7C1-B18A2C39E1DF}"/>
-              </a:ext>
-            </a:extLst>
-          </p:cNvPr>
-          <p:cNvPicPr>
-            <a:picLocks noChangeAspect="1"/>
-          </p:cNvPicPr>
-          <p:nvPr/>
-        </p:nvPicPr>
-        <p:blipFill>
-          <a:blip r:embed="rId2">
-            <a:extLst>
-              <a:ext uri="{28A0092B-C50C-407E-A947-70E740481C1C}">
-                <a14:useLocalDpi xmlns:a14="http://schemas.microsoft.com/office/drawing/2010/main" val="0"/>
-              </a:ext>
-            </a:extLst>
-          </a:blip>
-          <a:stretch>
-            <a:fillRect/>
-          </a:stretch>
-        </p:blipFill>
-        <p:spPr>
-          <a:xfrm>
-            <a:off x="2849942" y="0"/>
-            <a:ext cx="6492115" cy="6858000"/>
-          </a:xfrm>
-          <a:prstGeom prst="rect">
-            <a:avLst/>
-          </a:prstGeom>
-        </p:spPr>
-      </p:pic>
-      <p:sp>
-        <p:nvSpPr>
-          <p:cNvPr id="2" name="テキスト ボックス 1">
-            <a:extLst>
-              <a:ext uri="{FF2B5EF4-FFF2-40B4-BE49-F238E27FC236}">
-                <a16:creationId xmlns:a16="http://schemas.microsoft.com/office/drawing/2014/main" id="{A5DB7B2B-061B-6EC4-A175-08EF0607A635}"/>
-              </a:ext>
-            </a:extLst>
-          </p:cNvPr>
-          <p:cNvSpPr txBox="1"/>
-          <p:nvPr/>
-        </p:nvSpPr>
-        <p:spPr>
-          <a:xfrm>
-            <a:off x="2510302" y="4711197"/>
-            <a:ext cx="10378422" cy="523220"/>
-          </a:xfrm>
-          <a:prstGeom prst="rect">
-            <a:avLst/>
-          </a:prstGeom>
-          <a:noFill/>
-        </p:spPr>
-        <p:txBody>
-          <a:bodyPr wrap="square" rtlCol="0">
-            <a:spAutoFit/>
-          </a:bodyPr>
-          <a:lstStyle/>
-          <a:p>
-            <a:r>
-              <a:rPr kumimoji="1" lang="ja-JP" altLang="en-US" sz="2800" dirty="0">
-                <a:latin typeface="BIZ UDPゴシック" panose="020B0400000000000000" pitchFamily="50" charset="-128"/>
-                <a:ea typeface="BIZ UDPゴシック" panose="020B0400000000000000" pitchFamily="50" charset="-128"/>
-              </a:rPr>
-              <a:t>対戦相手がまだ来ていない場合は、この画面が表示されます。</a:t>
-            </a:r>
-          </a:p>
-        </p:txBody>
-      </p:sp>
-    </p:spTree>
-    <p:extLst>
-      <p:ext uri="{BB962C8B-B14F-4D97-AF65-F5344CB8AC3E}">
-        <p14:creationId xmlns:p14="http://schemas.microsoft.com/office/powerpoint/2010/main" val="485777945"/>
-      </p:ext>
-    </p:extLst>
-  </p:cSld>
-  <p:clrMapOvr>
-    <a:masterClrMapping/>
-  </p:clrMapOvr>
-</p:sld>
-</file>
-
-<file path=ppt/slides/slide16.xml><?xml version="1.0" encoding="utf-8"?>
-<p:sld xmlns:a="http://schemas.openxmlformats.org/drawingml/2006/main" xmlns:r="http://schemas.openxmlformats.org/officeDocument/2006/relationships" xmlns:p="http://schemas.openxmlformats.org/presentationml/2006/main">
-  <p:cSld>
-    <p:spTree>
-      <p:nvGrpSpPr>
-        <p:cNvPr id="1" name=""/>
-        <p:cNvGrpSpPr/>
-        <p:nvPr/>
-      </p:nvGrpSpPr>
-      <p:grpSpPr>
-        <a:xfrm>
-          <a:off x="0" y="0"/>
-          <a:ext cx="0" cy="0"/>
-          <a:chOff x="0" y="0"/>
-          <a:chExt cx="0" cy="0"/>
-        </a:xfrm>
-      </p:grpSpPr>
-      <p:sp>
-        <p:nvSpPr>
-          <p:cNvPr id="2" name="テキスト ボックス 1">
-            <a:extLst>
-              <a:ext uri="{FF2B5EF4-FFF2-40B4-BE49-F238E27FC236}">
-                <a16:creationId xmlns:a16="http://schemas.microsoft.com/office/drawing/2014/main" id="{A5DB7B2B-061B-6EC4-A175-08EF0607A635}"/>
-              </a:ext>
-            </a:extLst>
-          </p:cNvPr>
-          <p:cNvSpPr txBox="1"/>
-          <p:nvPr/>
-        </p:nvSpPr>
-        <p:spPr>
-          <a:xfrm>
-            <a:off x="1251345" y="5937073"/>
-            <a:ext cx="10378422" cy="954107"/>
-          </a:xfrm>
-          <a:prstGeom prst="rect">
-            <a:avLst/>
-          </a:prstGeom>
-          <a:noFill/>
-        </p:spPr>
-        <p:txBody>
-          <a:bodyPr wrap="square" rtlCol="0">
-            <a:spAutoFit/>
-          </a:bodyPr>
-          <a:lstStyle/>
-          <a:p>
-            <a:r>
-              <a:rPr kumimoji="1" lang="ja-JP" altLang="en-US" sz="2800" dirty="0">
-                <a:latin typeface="BIZ UDPゴシック" panose="020B0400000000000000" pitchFamily="50" charset="-128"/>
-                <a:ea typeface="BIZ UDPゴシック" panose="020B0400000000000000" pitchFamily="50" charset="-128"/>
-              </a:rPr>
-              <a:t>対戦申請がすでに来ている場合も同様に、</a:t>
-            </a:r>
-            <a:endParaRPr kumimoji="1" lang="en-US" altLang="ja-JP" sz="2800" dirty="0">
-              <a:latin typeface="BIZ UDPゴシック" panose="020B0400000000000000" pitchFamily="50" charset="-128"/>
-              <a:ea typeface="BIZ UDPゴシック" panose="020B0400000000000000" pitchFamily="50" charset="-128"/>
-            </a:endParaRPr>
-          </a:p>
-          <a:p>
-            <a:r>
-              <a:rPr kumimoji="1" lang="ja-JP" altLang="en-US" sz="2800" dirty="0">
-                <a:latin typeface="BIZ UDPゴシック" panose="020B0400000000000000" pitchFamily="50" charset="-128"/>
-                <a:ea typeface="BIZ UDPゴシック" panose="020B0400000000000000" pitchFamily="50" charset="-128"/>
-              </a:rPr>
-              <a:t>モンスターを選択したら詳細表示をクリックしてください。</a:t>
-            </a:r>
-          </a:p>
-        </p:txBody>
-      </p:sp>
-      <p:pic>
-        <p:nvPicPr>
-          <p:cNvPr id="4" name="図 3">
-            <a:extLst>
-              <a:ext uri="{FF2B5EF4-FFF2-40B4-BE49-F238E27FC236}">
-                <a16:creationId xmlns:a16="http://schemas.microsoft.com/office/drawing/2014/main" id="{8C554F8F-14EB-CA2C-126B-9D4B945BD4E5}"/>
-              </a:ext>
-            </a:extLst>
-          </p:cNvPr>
-          <p:cNvPicPr>
-            <a:picLocks noChangeAspect="1"/>
-          </p:cNvPicPr>
-          <p:nvPr/>
-        </p:nvPicPr>
-        <p:blipFill>
-          <a:blip r:embed="rId2">
-            <a:extLst>
-              <a:ext uri="{28A0092B-C50C-407E-A947-70E740481C1C}">
-                <a14:useLocalDpi xmlns:a14="http://schemas.microsoft.com/office/drawing/2010/main" val="0"/>
-              </a:ext>
-            </a:extLst>
-          </a:blip>
-          <a:stretch>
-            <a:fillRect/>
-          </a:stretch>
-        </p:blipFill>
-        <p:spPr>
-          <a:xfrm>
-            <a:off x="2849943" y="0"/>
-            <a:ext cx="5664182" cy="5983406"/>
-          </a:xfrm>
-          <a:prstGeom prst="rect">
-            <a:avLst/>
-          </a:prstGeom>
-        </p:spPr>
-      </p:pic>
-    </p:spTree>
-    <p:extLst>
-      <p:ext uri="{BB962C8B-B14F-4D97-AF65-F5344CB8AC3E}">
-        <p14:creationId xmlns:p14="http://schemas.microsoft.com/office/powerpoint/2010/main" val="1496104876"/>
-      </p:ext>
-    </p:extLst>
-  </p:cSld>
-  <p:clrMapOvr>
-    <a:masterClrMapping/>
-  </p:clrMapOvr>
-</p:sld>
-</file>
-
-<file path=ppt/slides/slide17.xml><?xml version="1.0" encoding="utf-8"?>
-<p:sld xmlns:a="http://schemas.openxmlformats.org/drawingml/2006/main" xmlns:r="http://schemas.openxmlformats.org/officeDocument/2006/relationships" xmlns:p="http://schemas.openxmlformats.org/presentationml/2006/main">
-  <p:cSld>
-    <p:spTree>
-      <p:nvGrpSpPr>
-        <p:cNvPr id="1" name=""/>
-        <p:cNvGrpSpPr/>
-        <p:nvPr/>
-      </p:nvGrpSpPr>
-      <p:grpSpPr>
-        <a:xfrm>
-          <a:off x="0" y="0"/>
-          <a:ext cx="0" cy="0"/>
-          <a:chOff x="0" y="0"/>
-          <a:chExt cx="0" cy="0"/>
-        </a:xfrm>
-      </p:grpSpPr>
-      <p:pic>
-        <p:nvPicPr>
-          <p:cNvPr id="4" name="図 3">
-            <a:extLst>
-              <a:ext uri="{FF2B5EF4-FFF2-40B4-BE49-F238E27FC236}">
-                <a16:creationId xmlns:a16="http://schemas.microsoft.com/office/drawing/2014/main" id="{6888757C-359C-2D30-B553-A90736C024B3}"/>
-              </a:ext>
-            </a:extLst>
-          </p:cNvPr>
-          <p:cNvPicPr>
-            <a:picLocks noChangeAspect="1"/>
-          </p:cNvPicPr>
-          <p:nvPr/>
-        </p:nvPicPr>
-        <p:blipFill>
-          <a:blip r:embed="rId2">
-            <a:extLst>
-              <a:ext uri="{28A0092B-C50C-407E-A947-70E740481C1C}">
-                <a14:useLocalDpi xmlns:a14="http://schemas.microsoft.com/office/drawing/2010/main" val="0"/>
-              </a:ext>
-            </a:extLst>
-          </a:blip>
-          <a:stretch>
-            <a:fillRect/>
-          </a:stretch>
-        </p:blipFill>
-        <p:spPr>
-          <a:xfrm>
-            <a:off x="2075955" y="0"/>
-            <a:ext cx="6829506" cy="5825401"/>
-          </a:xfrm>
-          <a:prstGeom prst="rect">
-            <a:avLst/>
-          </a:prstGeom>
-        </p:spPr>
-      </p:pic>
-      <p:sp>
-        <p:nvSpPr>
-          <p:cNvPr id="2" name="テキスト ボックス 1">
-            <a:extLst>
-              <a:ext uri="{FF2B5EF4-FFF2-40B4-BE49-F238E27FC236}">
-                <a16:creationId xmlns:a16="http://schemas.microsoft.com/office/drawing/2014/main" id="{A5DB7B2B-061B-6EC4-A175-08EF0607A635}"/>
-              </a:ext>
-            </a:extLst>
-          </p:cNvPr>
-          <p:cNvSpPr txBox="1"/>
-          <p:nvPr/>
-        </p:nvSpPr>
-        <p:spPr>
-          <a:xfrm>
-            <a:off x="1291102" y="4167858"/>
-            <a:ext cx="10378422" cy="1815882"/>
-          </a:xfrm>
-          <a:prstGeom prst="rect">
-            <a:avLst/>
-          </a:prstGeom>
-          <a:noFill/>
-        </p:spPr>
-        <p:txBody>
-          <a:bodyPr wrap="square" rtlCol="0">
-            <a:spAutoFit/>
-          </a:bodyPr>
-          <a:lstStyle/>
-          <a:p>
-            <a:r>
-              <a:rPr kumimoji="1" lang="ja-JP" altLang="en-US" sz="2800" dirty="0">
-                <a:latin typeface="BIZ UDPゴシック" panose="020B0400000000000000" pitchFamily="50" charset="-128"/>
-                <a:ea typeface="BIZ UDPゴシック" panose="020B0400000000000000" pitchFamily="50" charset="-128"/>
-              </a:rPr>
-              <a:t>戦闘画面では、手持ちモンスター名と</a:t>
-            </a:r>
-            <a:r>
-              <a:rPr kumimoji="1" lang="en-US" altLang="ja-JP" sz="2800" dirty="0">
-                <a:latin typeface="BIZ UDPゴシック" panose="020B0400000000000000" pitchFamily="50" charset="-128"/>
-                <a:ea typeface="BIZ UDPゴシック" panose="020B0400000000000000" pitchFamily="50" charset="-128"/>
-              </a:rPr>
-              <a:t>HP</a:t>
-            </a:r>
-            <a:r>
-              <a:rPr kumimoji="1" lang="ja-JP" altLang="en-US" sz="2800" dirty="0">
-                <a:latin typeface="BIZ UDPゴシック" panose="020B0400000000000000" pitchFamily="50" charset="-128"/>
-                <a:ea typeface="BIZ UDPゴシック" panose="020B0400000000000000" pitchFamily="50" charset="-128"/>
-              </a:rPr>
-              <a:t>、攻撃力</a:t>
-            </a:r>
-            <a:r>
-              <a:rPr kumimoji="1" lang="en-US" altLang="ja-JP" sz="2800" dirty="0">
-                <a:latin typeface="BIZ UDPゴシック" panose="020B0400000000000000" pitchFamily="50" charset="-128"/>
-                <a:ea typeface="BIZ UDPゴシック" panose="020B0400000000000000" pitchFamily="50" charset="-128"/>
-              </a:rPr>
-              <a:t>(ATK)</a:t>
-            </a:r>
-            <a:r>
-              <a:rPr kumimoji="1" lang="ja-JP" altLang="en-US" sz="2800" dirty="0">
-                <a:latin typeface="BIZ UDPゴシック" panose="020B0400000000000000" pitchFamily="50" charset="-128"/>
-                <a:ea typeface="BIZ UDPゴシック" panose="020B0400000000000000" pitchFamily="50" charset="-128"/>
-              </a:rPr>
-              <a:t>、防御力</a:t>
-            </a:r>
-            <a:r>
-              <a:rPr kumimoji="1" lang="en-US" altLang="ja-JP" sz="2800" dirty="0">
-                <a:latin typeface="BIZ UDPゴシック" panose="020B0400000000000000" pitchFamily="50" charset="-128"/>
-                <a:ea typeface="BIZ UDPゴシック" panose="020B0400000000000000" pitchFamily="50" charset="-128"/>
-              </a:rPr>
-              <a:t>(DEF)</a:t>
-            </a:r>
-            <a:r>
-              <a:rPr kumimoji="1" lang="ja-JP" altLang="en-US" sz="2800" dirty="0">
-                <a:latin typeface="BIZ UDPゴシック" panose="020B0400000000000000" pitchFamily="50" charset="-128"/>
-                <a:ea typeface="BIZ UDPゴシック" panose="020B0400000000000000" pitchFamily="50" charset="-128"/>
-              </a:rPr>
-              <a:t>と４つのスキルが表示されています。</a:t>
-            </a:r>
-            <a:endParaRPr kumimoji="1" lang="en-US" altLang="ja-JP" sz="2800" dirty="0">
-              <a:latin typeface="BIZ UDPゴシック" panose="020B0400000000000000" pitchFamily="50" charset="-128"/>
-              <a:ea typeface="BIZ UDPゴシック" panose="020B0400000000000000" pitchFamily="50" charset="-128"/>
-            </a:endParaRPr>
-          </a:p>
-          <a:p>
-            <a:r>
-              <a:rPr kumimoji="1" lang="ja-JP" altLang="en-US" sz="2800" dirty="0">
-                <a:latin typeface="BIZ UDPゴシック" panose="020B0400000000000000" pitchFamily="50" charset="-128"/>
-                <a:ea typeface="BIZ UDPゴシック" panose="020B0400000000000000" pitchFamily="50" charset="-128"/>
-              </a:rPr>
-              <a:t>スキル名をクリックすることで、相手にダメージを与えることができ、先行と後攻で交互にダメージを与えあいます。</a:t>
-            </a:r>
-          </a:p>
-        </p:txBody>
-      </p:sp>
-    </p:spTree>
-    <p:extLst>
-      <p:ext uri="{BB962C8B-B14F-4D97-AF65-F5344CB8AC3E}">
-        <p14:creationId xmlns:p14="http://schemas.microsoft.com/office/powerpoint/2010/main" val="3502395780"/>
-      </p:ext>
-    </p:extLst>
-  </p:cSld>
-  <p:clrMapOvr>
-    <a:masterClrMapping/>
-  </p:clrMapOvr>
-</p:sld>
-</file>
-
-<file path=ppt/slides/slide18.xml><?xml version="1.0" encoding="utf-8"?>
-<p:sld xmlns:a="http://schemas.openxmlformats.org/drawingml/2006/main" xmlns:r="http://schemas.openxmlformats.org/officeDocument/2006/relationships" xmlns:p="http://schemas.openxmlformats.org/presentationml/2006/main">
-  <p:cSld>
-    <p:spTree>
-      <p:nvGrpSpPr>
-        <p:cNvPr id="1" name=""/>
-        <p:cNvGrpSpPr/>
-        <p:nvPr/>
-      </p:nvGrpSpPr>
-      <p:grpSpPr>
-        <a:xfrm>
-          <a:off x="0" y="0"/>
-          <a:ext cx="0" cy="0"/>
-          <a:chOff x="0" y="0"/>
-          <a:chExt cx="0" cy="0"/>
-        </a:xfrm>
-      </p:grpSpPr>
-      <p:pic>
-        <p:nvPicPr>
-          <p:cNvPr id="4" name="図 3">
-            <a:extLst>
-              <a:ext uri="{FF2B5EF4-FFF2-40B4-BE49-F238E27FC236}">
-                <a16:creationId xmlns:a16="http://schemas.microsoft.com/office/drawing/2014/main" id="{962AF0AE-FA66-A785-73AD-6889F8F443A8}"/>
-              </a:ext>
-            </a:extLst>
-          </p:cNvPr>
-          <p:cNvPicPr>
-            <a:picLocks noChangeAspect="1"/>
-          </p:cNvPicPr>
-          <p:nvPr/>
-        </p:nvPicPr>
-        <p:blipFill>
-          <a:blip r:embed="rId2">
-            <a:extLst>
-              <a:ext uri="{28A0092B-C50C-407E-A947-70E740481C1C}">
-                <a14:useLocalDpi xmlns:a14="http://schemas.microsoft.com/office/drawing/2010/main" val="0"/>
-              </a:ext>
-            </a:extLst>
-          </a:blip>
-          <a:stretch>
-            <a:fillRect/>
-          </a:stretch>
-        </p:blipFill>
-        <p:spPr>
-          <a:xfrm>
-            <a:off x="2075955" y="0"/>
-            <a:ext cx="7014745" cy="5983406"/>
-          </a:xfrm>
-          <a:prstGeom prst="rect">
-            <a:avLst/>
-          </a:prstGeom>
-        </p:spPr>
-      </p:pic>
-      <p:sp>
-        <p:nvSpPr>
-          <p:cNvPr id="2" name="テキスト ボックス 1">
-            <a:extLst>
-              <a:ext uri="{FF2B5EF4-FFF2-40B4-BE49-F238E27FC236}">
-                <a16:creationId xmlns:a16="http://schemas.microsoft.com/office/drawing/2014/main" id="{A5DB7B2B-061B-6EC4-A175-08EF0607A635}"/>
-              </a:ext>
-            </a:extLst>
-          </p:cNvPr>
-          <p:cNvSpPr txBox="1"/>
-          <p:nvPr/>
-        </p:nvSpPr>
-        <p:spPr>
-          <a:xfrm>
-            <a:off x="2075955" y="4326884"/>
-            <a:ext cx="9069123" cy="523220"/>
-          </a:xfrm>
-          <a:prstGeom prst="rect">
-            <a:avLst/>
-          </a:prstGeom>
-          <a:noFill/>
-        </p:spPr>
-        <p:txBody>
-          <a:bodyPr wrap="square" rtlCol="0">
-            <a:spAutoFit/>
-          </a:bodyPr>
-          <a:lstStyle/>
-          <a:p>
-            <a:r>
-              <a:rPr kumimoji="1" lang="ja-JP" altLang="en-US" sz="2800" dirty="0">
-                <a:latin typeface="BIZ UDPゴシック" panose="020B0400000000000000" pitchFamily="50" charset="-128"/>
-                <a:ea typeface="BIZ UDPゴシック" panose="020B0400000000000000" pitchFamily="50" charset="-128"/>
-              </a:rPr>
-              <a:t>攻撃ごとにダメージ履歴が表示されます。</a:t>
-            </a:r>
-          </a:p>
-        </p:txBody>
-      </p:sp>
-    </p:spTree>
-    <p:extLst>
-      <p:ext uri="{BB962C8B-B14F-4D97-AF65-F5344CB8AC3E}">
-        <p14:creationId xmlns:p14="http://schemas.microsoft.com/office/powerpoint/2010/main" val="3270865851"/>
-      </p:ext>
-    </p:extLst>
-  </p:cSld>
-  <p:clrMapOvr>
-    <a:masterClrMapping/>
-  </p:clrMapOvr>
-</p:sld>
-</file>
-
-<file path=ppt/slides/slide19.xml><?xml version="1.0" encoding="utf-8"?>
-<p:sld xmlns:a="http://schemas.openxmlformats.org/drawingml/2006/main" xmlns:r="http://schemas.openxmlformats.org/officeDocument/2006/relationships" xmlns:p="http://schemas.openxmlformats.org/presentationml/2006/main">
-  <p:cSld>
-    <p:spTree>
-      <p:nvGrpSpPr>
-        <p:cNvPr id="1" name=""/>
-        <p:cNvGrpSpPr/>
-        <p:nvPr/>
-      </p:nvGrpSpPr>
-      <p:grpSpPr>
-        <a:xfrm>
-          <a:off x="0" y="0"/>
-          <a:ext cx="0" cy="0"/>
-          <a:chOff x="0" y="0"/>
-          <a:chExt cx="0" cy="0"/>
-        </a:xfrm>
-      </p:grpSpPr>
-      <p:pic>
-        <p:nvPicPr>
-          <p:cNvPr id="4" name="図 3">
-            <a:extLst>
-              <a:ext uri="{FF2B5EF4-FFF2-40B4-BE49-F238E27FC236}">
-                <a16:creationId xmlns:a16="http://schemas.microsoft.com/office/drawing/2014/main" id="{0F9096B9-21E2-FF8D-E54B-5E9B919BF64E}"/>
-              </a:ext>
-            </a:extLst>
-          </p:cNvPr>
-          <p:cNvPicPr>
-            <a:picLocks noChangeAspect="1"/>
-          </p:cNvPicPr>
-          <p:nvPr/>
-        </p:nvPicPr>
-        <p:blipFill>
-          <a:blip r:embed="rId2">
-            <a:extLst>
-              <a:ext uri="{28A0092B-C50C-407E-A947-70E740481C1C}">
-                <a14:useLocalDpi xmlns:a14="http://schemas.microsoft.com/office/drawing/2010/main" val="0"/>
-              </a:ext>
-            </a:extLst>
-          </a:blip>
-          <a:stretch>
-            <a:fillRect/>
-          </a:stretch>
-        </p:blipFill>
-        <p:spPr>
-          <a:xfrm>
-            <a:off x="2849943" y="0"/>
-            <a:ext cx="5664182" cy="5983406"/>
-          </a:xfrm>
-          <a:prstGeom prst="rect">
-            <a:avLst/>
-          </a:prstGeom>
-        </p:spPr>
-      </p:pic>
-      <p:sp>
-        <p:nvSpPr>
-          <p:cNvPr id="2" name="テキスト ボックス 1">
-            <a:extLst>
-              <a:ext uri="{FF2B5EF4-FFF2-40B4-BE49-F238E27FC236}">
-                <a16:creationId xmlns:a16="http://schemas.microsoft.com/office/drawing/2014/main" id="{A5DB7B2B-061B-6EC4-A175-08EF0607A635}"/>
-              </a:ext>
-            </a:extLst>
-          </p:cNvPr>
-          <p:cNvSpPr txBox="1"/>
-          <p:nvPr/>
-        </p:nvSpPr>
-        <p:spPr>
-          <a:xfrm>
-            <a:off x="1715171" y="4446154"/>
-            <a:ext cx="10378422" cy="523220"/>
-          </a:xfrm>
-          <a:prstGeom prst="rect">
-            <a:avLst/>
-          </a:prstGeom>
-          <a:noFill/>
-        </p:spPr>
-        <p:txBody>
-          <a:bodyPr wrap="square" rtlCol="0">
-            <a:spAutoFit/>
-          </a:bodyPr>
-          <a:lstStyle/>
-          <a:p>
-            <a:r>
-              <a:rPr kumimoji="1" lang="ja-JP" altLang="en-US" sz="2800" dirty="0">
-                <a:latin typeface="BIZ UDPゴシック" panose="020B0400000000000000" pitchFamily="50" charset="-128"/>
-                <a:ea typeface="BIZ UDPゴシック" panose="020B0400000000000000" pitchFamily="50" charset="-128"/>
-              </a:rPr>
-              <a:t>相手の手を待っている間はこのような画面になります。</a:t>
-            </a:r>
-          </a:p>
-        </p:txBody>
-      </p:sp>
-    </p:spTree>
-    <p:extLst>
-      <p:ext uri="{BB962C8B-B14F-4D97-AF65-F5344CB8AC3E}">
-        <p14:creationId xmlns:p14="http://schemas.microsoft.com/office/powerpoint/2010/main" val="3647995512"/>
-      </p:ext>
-    </p:extLst>
-  </p:cSld>
-  <p:clrMapOvr>
-    <a:masterClrMapping/>
-  </p:clrMapOvr>
-</p:sld>
-</file>
-
-<file path=ppt/slides/slide2.xml><?xml version="1.0" encoding="utf-8"?>
-<p:sld xmlns:a="http://schemas.openxmlformats.org/drawingml/2006/main" xmlns:r="http://schemas.openxmlformats.org/officeDocument/2006/relationships" xmlns:p="http://schemas.openxmlformats.org/presentationml/2006/main">
-  <p:cSld>
-    <p:spTree>
-      <p:nvGrpSpPr>
-        <p:cNvPr id="1" name=""/>
-        <p:cNvGrpSpPr/>
-        <p:nvPr/>
-      </p:nvGrpSpPr>
-      <p:grpSpPr>
-        <a:xfrm>
-          <a:off x="0" y="0"/>
-          <a:ext cx="0" cy="0"/>
-          <a:chOff x="0" y="0"/>
-          <a:chExt cx="0" cy="0"/>
-        </a:xfrm>
-      </p:grpSpPr>
-      <p:sp>
-        <p:nvSpPr>
-          <p:cNvPr id="2" name="タイトル 1">
-            <a:extLst>
-              <a:ext uri="{FF2B5EF4-FFF2-40B4-BE49-F238E27FC236}">
-                <a16:creationId xmlns:a16="http://schemas.microsoft.com/office/drawing/2014/main" id="{C552B570-9879-534B-F39C-62B7BF03AF27}"/>
-              </a:ext>
-            </a:extLst>
-          </p:cNvPr>
-          <p:cNvSpPr>
-            <a:spLocks noGrp="1"/>
-          </p:cNvSpPr>
-          <p:nvPr>
-            <p:ph type="ctrTitle"/>
-          </p:nvPr>
-        </p:nvSpPr>
-        <p:spPr/>
-        <p:txBody>
-          <a:bodyPr/>
-          <a:lstStyle/>
-          <a:p>
-            <a:endParaRPr kumimoji="1" lang="ja-JP" altLang="en-US"/>
-          </a:p>
-        </p:txBody>
-      </p:sp>
-      <p:sp>
-        <p:nvSpPr>
-          <p:cNvPr id="3" name="字幕 2">
-            <a:extLst>
-              <a:ext uri="{FF2B5EF4-FFF2-40B4-BE49-F238E27FC236}">
-                <a16:creationId xmlns:a16="http://schemas.microsoft.com/office/drawing/2014/main" id="{521CD2C3-ADCD-E54C-C67B-ADCFAC0842E0}"/>
-              </a:ext>
-            </a:extLst>
-          </p:cNvPr>
-          <p:cNvSpPr>
-            <a:spLocks noGrp="1"/>
-          </p:cNvSpPr>
-          <p:nvPr>
-            <p:ph type="subTitle" idx="1"/>
-          </p:nvPr>
-        </p:nvSpPr>
-        <p:spPr/>
-        <p:txBody>
-          <a:bodyPr/>
-          <a:lstStyle/>
-          <a:p>
-            <a:endParaRPr kumimoji="1" lang="ja-JP" altLang="en-US"/>
-          </a:p>
-        </p:txBody>
-      </p:sp>
-      <p:pic>
-        <p:nvPicPr>
-          <p:cNvPr id="5" name="図 4">
-            <a:extLst>
-              <a:ext uri="{FF2B5EF4-FFF2-40B4-BE49-F238E27FC236}">
-                <a16:creationId xmlns:a16="http://schemas.microsoft.com/office/drawing/2014/main" id="{53F730BF-CF61-9F17-683A-CC283242EC0B}"/>
-              </a:ext>
-            </a:extLst>
-          </p:cNvPr>
-          <p:cNvPicPr>
-            <a:picLocks noChangeAspect="1"/>
-          </p:cNvPicPr>
-          <p:nvPr/>
-        </p:nvPicPr>
-        <p:blipFill>
-          <a:blip r:embed="rId2">
-            <a:extLst>
-              <a:ext uri="{28A0092B-C50C-407E-A947-70E740481C1C}">
-                <a14:useLocalDpi xmlns:a14="http://schemas.microsoft.com/office/drawing/2010/main" val="0"/>
-              </a:ext>
-            </a:extLst>
-          </a:blip>
-          <a:stretch>
-            <a:fillRect/>
-          </a:stretch>
-        </p:blipFill>
-        <p:spPr>
-          <a:xfrm>
-            <a:off x="0" y="-74463"/>
-            <a:ext cx="12192000" cy="6497640"/>
-          </a:xfrm>
-          <a:prstGeom prst="rect">
-            <a:avLst/>
-          </a:prstGeom>
-        </p:spPr>
-      </p:pic>
-      <p:sp>
-        <p:nvSpPr>
-          <p:cNvPr id="7" name="テキスト ボックス 6">
-            <a:extLst>
-              <a:ext uri="{FF2B5EF4-FFF2-40B4-BE49-F238E27FC236}">
-                <a16:creationId xmlns:a16="http://schemas.microsoft.com/office/drawing/2014/main" id="{2D3C955B-9E16-75FC-EE70-60474D32FFD1}"/>
-              </a:ext>
-            </a:extLst>
-          </p:cNvPr>
-          <p:cNvSpPr txBox="1"/>
-          <p:nvPr/>
-        </p:nvSpPr>
-        <p:spPr>
-          <a:xfrm>
-            <a:off x="2589213" y="3809521"/>
-            <a:ext cx="5658678" cy="954107"/>
-          </a:xfrm>
-          <a:prstGeom prst="rect">
-            <a:avLst/>
-          </a:prstGeom>
-          <a:noFill/>
-        </p:spPr>
-        <p:txBody>
-          <a:bodyPr wrap="square" rtlCol="0">
-            <a:spAutoFit/>
-          </a:bodyPr>
-          <a:lstStyle/>
-          <a:p>
-            <a:r>
-              <a:rPr kumimoji="1" lang="en-US" altLang="ja-JP" sz="2800" dirty="0">
-                <a:latin typeface="BIZ UDPゴシック" panose="020B0400000000000000" pitchFamily="50" charset="-128"/>
-                <a:ea typeface="BIZ UDPゴシック" panose="020B0400000000000000" pitchFamily="50" charset="-128"/>
-              </a:rPr>
-              <a:t>T2</a:t>
-            </a:r>
-            <a:r>
-              <a:rPr kumimoji="1" lang="ja-JP" altLang="en-US" sz="2800" dirty="0">
-                <a:latin typeface="BIZ UDPゴシック" panose="020B0400000000000000" pitchFamily="50" charset="-128"/>
-                <a:ea typeface="BIZ UDPゴシック" panose="020B0400000000000000" pitchFamily="50" charset="-128"/>
-              </a:rPr>
-              <a:t>フォルダ内にある</a:t>
-            </a:r>
-            <a:r>
-              <a:rPr kumimoji="1" lang="en-US" altLang="ja-JP" sz="2800" dirty="0">
-                <a:latin typeface="BIZ UDPゴシック" panose="020B0400000000000000" pitchFamily="50" charset="-128"/>
-                <a:ea typeface="BIZ UDPゴシック" panose="020B0400000000000000" pitchFamily="50" charset="-128"/>
-              </a:rPr>
-              <a:t>hogemon</a:t>
-            </a:r>
-            <a:r>
-              <a:rPr kumimoji="1" lang="ja-JP" altLang="en-US" sz="2800" dirty="0">
-                <a:latin typeface="BIZ UDPゴシック" panose="020B0400000000000000" pitchFamily="50" charset="-128"/>
-                <a:ea typeface="BIZ UDPゴシック" panose="020B0400000000000000" pitchFamily="50" charset="-128"/>
-              </a:rPr>
-              <a:t>をダウンロードします。</a:t>
-            </a:r>
-          </a:p>
-        </p:txBody>
-      </p:sp>
-      <p:sp>
-        <p:nvSpPr>
-          <p:cNvPr id="8" name="矢印: 右 7">
-            <a:extLst>
-              <a:ext uri="{FF2B5EF4-FFF2-40B4-BE49-F238E27FC236}">
-                <a16:creationId xmlns:a16="http://schemas.microsoft.com/office/drawing/2014/main" id="{E2A6D2A6-728D-E6D0-22B5-F0E4670CE37E}"/>
-              </a:ext>
-            </a:extLst>
-          </p:cNvPr>
-          <p:cNvSpPr/>
-          <p:nvPr/>
-        </p:nvSpPr>
-        <p:spPr>
-          <a:xfrm rot="12781201">
-            <a:off x="4177461" y="2842785"/>
-            <a:ext cx="769771" cy="808546"/>
-          </a:xfrm>
-          <a:prstGeom prst="rightArrow">
-            <a:avLst/>
-          </a:prstGeom>
-          <a:solidFill>
-            <a:srgbClr val="00B0F0"/>
-          </a:solidFill>
-        </p:spPr>
-        <p:style>
-          <a:lnRef idx="2">
-            <a:schemeClr val="accent1">
-              <a:shade val="50000"/>
-            </a:schemeClr>
-          </a:lnRef>
-          <a:fillRef idx="1">
-            <a:schemeClr val="accent1"/>
-          </a:fillRef>
-          <a:effectRef idx="0">
-            <a:schemeClr val="accent1"/>
-          </a:effectRef>
-          <a:fontRef idx="minor">
-            <a:schemeClr val="lt1"/>
-          </a:fontRef>
-        </p:style>
-        <p:txBody>
-          <a:bodyPr rtlCol="0" anchor="ctr"/>
-          <a:lstStyle/>
-          <a:p>
-            <a:pPr algn="ctr"/>
-            <a:endParaRPr kumimoji="1" lang="ja-JP" altLang="en-US"/>
-          </a:p>
-        </p:txBody>
-      </p:sp>
-    </p:spTree>
-    <p:extLst>
-      <p:ext uri="{BB962C8B-B14F-4D97-AF65-F5344CB8AC3E}">
-        <p14:creationId xmlns:p14="http://schemas.microsoft.com/office/powerpoint/2010/main" val="2275865286"/>
-      </p:ext>
-    </p:extLst>
-  </p:cSld>
-  <p:clrMapOvr>
-    <a:masterClrMapping/>
-  </p:clrMapOvr>
-</p:sld>
-</file>
-
-<file path=ppt/slides/slide20.xml><?xml version="1.0" encoding="utf-8"?>
-<p:sld xmlns:a="http://schemas.openxmlformats.org/drawingml/2006/main" xmlns:r="http://schemas.openxmlformats.org/officeDocument/2006/relationships" xmlns:p="http://schemas.openxmlformats.org/presentationml/2006/main">
-  <p:cSld>
-    <p:spTree>
-      <p:nvGrpSpPr>
-        <p:cNvPr id="1" name=""/>
-        <p:cNvGrpSpPr/>
-        <p:nvPr/>
-      </p:nvGrpSpPr>
-      <p:grpSpPr>
-        <a:xfrm>
-          <a:off x="0" y="0"/>
-          <a:ext cx="0" cy="0"/>
-          <a:chOff x="0" y="0"/>
-          <a:chExt cx="0" cy="0"/>
-        </a:xfrm>
-      </p:grpSpPr>
-      <p:pic>
-        <p:nvPicPr>
-          <p:cNvPr id="4" name="図 3">
-            <a:extLst>
-              <a:ext uri="{FF2B5EF4-FFF2-40B4-BE49-F238E27FC236}">
-                <a16:creationId xmlns:a16="http://schemas.microsoft.com/office/drawing/2014/main" id="{5431D6C9-62A0-C40E-98BC-7DAFFB7926EB}"/>
-              </a:ext>
-            </a:extLst>
-          </p:cNvPr>
-          <p:cNvPicPr>
-            <a:picLocks noChangeAspect="1"/>
-          </p:cNvPicPr>
-          <p:nvPr/>
-        </p:nvPicPr>
-        <p:blipFill>
-          <a:blip r:embed="rId2">
-            <a:extLst>
-              <a:ext uri="{28A0092B-C50C-407E-A947-70E740481C1C}">
-                <a14:useLocalDpi xmlns:a14="http://schemas.microsoft.com/office/drawing/2010/main" val="0"/>
-              </a:ext>
-            </a:extLst>
-          </a:blip>
-          <a:stretch>
-            <a:fillRect/>
-          </a:stretch>
-        </p:blipFill>
-        <p:spPr>
-          <a:xfrm>
-            <a:off x="2075955" y="0"/>
-            <a:ext cx="6882515" cy="5870617"/>
-          </a:xfrm>
-          <a:prstGeom prst="rect">
-            <a:avLst/>
-          </a:prstGeom>
-        </p:spPr>
-      </p:pic>
-      <p:sp>
-        <p:nvSpPr>
-          <p:cNvPr id="2" name="テキスト ボックス 1">
-            <a:extLst>
-              <a:ext uri="{FF2B5EF4-FFF2-40B4-BE49-F238E27FC236}">
-                <a16:creationId xmlns:a16="http://schemas.microsoft.com/office/drawing/2014/main" id="{A5DB7B2B-061B-6EC4-A175-08EF0607A635}"/>
-              </a:ext>
-            </a:extLst>
-          </p:cNvPr>
-          <p:cNvSpPr txBox="1"/>
-          <p:nvPr/>
-        </p:nvSpPr>
-        <p:spPr>
-          <a:xfrm>
-            <a:off x="2075955" y="3743789"/>
-            <a:ext cx="10378422" cy="954107"/>
-          </a:xfrm>
-          <a:prstGeom prst="rect">
-            <a:avLst/>
-          </a:prstGeom>
-          <a:noFill/>
-        </p:spPr>
-        <p:txBody>
-          <a:bodyPr wrap="square" rtlCol="0">
-            <a:spAutoFit/>
-          </a:bodyPr>
-          <a:lstStyle/>
-          <a:p>
-            <a:r>
-              <a:rPr kumimoji="1" lang="ja-JP" altLang="en-US" sz="2800" dirty="0">
-                <a:latin typeface="BIZ UDPゴシック" panose="020B0400000000000000" pitchFamily="50" charset="-128"/>
-                <a:ea typeface="BIZ UDPゴシック" panose="020B0400000000000000" pitchFamily="50" charset="-128"/>
-              </a:rPr>
-              <a:t>どちらかのモンスターの</a:t>
-            </a:r>
-            <a:r>
-              <a:rPr kumimoji="1" lang="en-US" altLang="ja-JP" sz="2800" dirty="0">
-                <a:latin typeface="BIZ UDPゴシック" panose="020B0400000000000000" pitchFamily="50" charset="-128"/>
-                <a:ea typeface="BIZ UDPゴシック" panose="020B0400000000000000" pitchFamily="50" charset="-128"/>
-              </a:rPr>
-              <a:t>HP</a:t>
-            </a:r>
-            <a:r>
-              <a:rPr kumimoji="1" lang="ja-JP" altLang="en-US" sz="2800" dirty="0">
-                <a:latin typeface="BIZ UDPゴシック" panose="020B0400000000000000" pitchFamily="50" charset="-128"/>
-                <a:ea typeface="BIZ UDPゴシック" panose="020B0400000000000000" pitchFamily="50" charset="-128"/>
-              </a:rPr>
-              <a:t>がなくなると、勝敗が表示されます。</a:t>
-            </a:r>
-            <a:endParaRPr kumimoji="1" lang="en-US" altLang="ja-JP" sz="2800" dirty="0">
-              <a:latin typeface="BIZ UDPゴシック" panose="020B0400000000000000" pitchFamily="50" charset="-128"/>
-              <a:ea typeface="BIZ UDPゴシック" panose="020B0400000000000000" pitchFamily="50" charset="-128"/>
-            </a:endParaRPr>
-          </a:p>
-          <a:p>
-            <a:r>
-              <a:rPr kumimoji="1" lang="ja-JP" altLang="en-US" sz="2800" dirty="0">
-                <a:latin typeface="BIZ UDPゴシック" panose="020B0400000000000000" pitchFamily="50" charset="-128"/>
-                <a:ea typeface="BIZ UDPゴシック" panose="020B0400000000000000" pitchFamily="50" charset="-128"/>
-              </a:rPr>
-              <a:t>この画面になったら、メニューに戻るをクリックしましょう。</a:t>
-            </a:r>
-          </a:p>
-        </p:txBody>
-      </p:sp>
-    </p:spTree>
-    <p:extLst>
-      <p:ext uri="{BB962C8B-B14F-4D97-AF65-F5344CB8AC3E}">
-        <p14:creationId xmlns:p14="http://schemas.microsoft.com/office/powerpoint/2010/main" val="3561849517"/>
-      </p:ext>
-    </p:extLst>
-  </p:cSld>
-  <p:clrMapOvr>
-    <a:masterClrMapping/>
-  </p:clrMapOvr>
-</p:sld>
-</file>
-
-<file path=ppt/slides/slide21.xml><?xml version="1.0" encoding="utf-8"?>
-<p:sld xmlns:a="http://schemas.openxmlformats.org/drawingml/2006/main" xmlns:r="http://schemas.openxmlformats.org/officeDocument/2006/relationships" xmlns:p="http://schemas.openxmlformats.org/presentationml/2006/main">
-  <p:cSld>
-    <p:spTree>
-      <p:nvGrpSpPr>
-        <p:cNvPr id="1" name=""/>
-        <p:cNvGrpSpPr/>
-        <p:nvPr/>
-      </p:nvGrpSpPr>
-      <p:grpSpPr>
-        <a:xfrm>
-          <a:off x="0" y="0"/>
-          <a:ext cx="0" cy="0"/>
-          <a:chOff x="0" y="0"/>
-          <a:chExt cx="0" cy="0"/>
-        </a:xfrm>
-      </p:grpSpPr>
-      <p:sp>
-        <p:nvSpPr>
-          <p:cNvPr id="2" name="テキスト ボックス 1">
-            <a:extLst>
-              <a:ext uri="{FF2B5EF4-FFF2-40B4-BE49-F238E27FC236}">
-                <a16:creationId xmlns:a16="http://schemas.microsoft.com/office/drawing/2014/main" id="{A5DB7B2B-061B-6EC4-A175-08EF0607A635}"/>
-              </a:ext>
-            </a:extLst>
-          </p:cNvPr>
-          <p:cNvSpPr txBox="1"/>
-          <p:nvPr/>
-        </p:nvSpPr>
-        <p:spPr>
-          <a:xfrm>
-            <a:off x="1397119" y="5983406"/>
-            <a:ext cx="10378422" cy="523220"/>
-          </a:xfrm>
-          <a:prstGeom prst="rect">
-            <a:avLst/>
-          </a:prstGeom>
-          <a:noFill/>
-        </p:spPr>
-        <p:txBody>
-          <a:bodyPr wrap="square" rtlCol="0">
-            <a:spAutoFit/>
-          </a:bodyPr>
-          <a:lstStyle/>
-          <a:p>
-            <a:r>
-              <a:rPr kumimoji="1" lang="ja-JP" altLang="en-US" sz="2800" dirty="0">
-                <a:latin typeface="BIZ UDPゴシック" panose="020B0400000000000000" pitchFamily="50" charset="-128"/>
-                <a:ea typeface="BIZ UDPゴシック" panose="020B0400000000000000" pitchFamily="50" charset="-128"/>
-              </a:rPr>
-              <a:t>モンスター一覧と試合結果について説明をします。</a:t>
-            </a:r>
-          </a:p>
-        </p:txBody>
-      </p:sp>
-      <p:pic>
-        <p:nvPicPr>
-          <p:cNvPr id="4" name="図 3">
-            <a:extLst>
-              <a:ext uri="{FF2B5EF4-FFF2-40B4-BE49-F238E27FC236}">
-                <a16:creationId xmlns:a16="http://schemas.microsoft.com/office/drawing/2014/main" id="{ABA6FB3D-C143-227D-FDAB-1C05812696E6}"/>
-              </a:ext>
-            </a:extLst>
-          </p:cNvPr>
-          <p:cNvPicPr>
-            <a:picLocks noChangeAspect="1"/>
-          </p:cNvPicPr>
-          <p:nvPr/>
-        </p:nvPicPr>
-        <p:blipFill>
-          <a:blip r:embed="rId2">
-            <a:extLst>
-              <a:ext uri="{28A0092B-C50C-407E-A947-70E740481C1C}">
-                <a14:useLocalDpi xmlns:a14="http://schemas.microsoft.com/office/drawing/2010/main" val="0"/>
-              </a:ext>
-            </a:extLst>
-          </a:blip>
-          <a:stretch>
-            <a:fillRect/>
-          </a:stretch>
-        </p:blipFill>
-        <p:spPr>
-          <a:xfrm>
-            <a:off x="2075955" y="0"/>
-            <a:ext cx="7146747" cy="6096000"/>
-          </a:xfrm>
-          <a:prstGeom prst="rect">
-            <a:avLst/>
-          </a:prstGeom>
-        </p:spPr>
-      </p:pic>
-    </p:spTree>
-    <p:extLst>
-      <p:ext uri="{BB962C8B-B14F-4D97-AF65-F5344CB8AC3E}">
-        <p14:creationId xmlns:p14="http://schemas.microsoft.com/office/powerpoint/2010/main" val="4248892246"/>
-      </p:ext>
-    </p:extLst>
-  </p:cSld>
-  <p:clrMapOvr>
-    <a:masterClrMapping/>
-  </p:clrMapOvr>
-</p:sld>
-</file>
-
-<file path=ppt/slides/slide22.xml><?xml version="1.0" encoding="utf-8"?>
-<p:sld xmlns:a="http://schemas.openxmlformats.org/drawingml/2006/main" xmlns:r="http://schemas.openxmlformats.org/officeDocument/2006/relationships" xmlns:p="http://schemas.openxmlformats.org/presentationml/2006/main">
-  <p:cSld>
-    <p:spTree>
-      <p:nvGrpSpPr>
-        <p:cNvPr id="1" name=""/>
-        <p:cNvGrpSpPr/>
-        <p:nvPr/>
-      </p:nvGrpSpPr>
-      <p:grpSpPr>
-        <a:xfrm>
-          <a:off x="0" y="0"/>
-          <a:ext cx="0" cy="0"/>
-          <a:chOff x="0" y="0"/>
-          <a:chExt cx="0" cy="0"/>
-        </a:xfrm>
-      </p:grpSpPr>
-      <p:sp>
-        <p:nvSpPr>
-          <p:cNvPr id="2" name="テキスト ボックス 1">
-            <a:extLst>
-              <a:ext uri="{FF2B5EF4-FFF2-40B4-BE49-F238E27FC236}">
-                <a16:creationId xmlns:a16="http://schemas.microsoft.com/office/drawing/2014/main" id="{A5DB7B2B-061B-6EC4-A175-08EF0607A635}"/>
-              </a:ext>
-            </a:extLst>
-          </p:cNvPr>
-          <p:cNvSpPr txBox="1"/>
-          <p:nvPr/>
-        </p:nvSpPr>
-        <p:spPr>
-          <a:xfrm>
-            <a:off x="1397119" y="5983406"/>
-            <a:ext cx="10378422" cy="523220"/>
-          </a:xfrm>
-          <a:prstGeom prst="rect">
-            <a:avLst/>
-          </a:prstGeom>
-          <a:noFill/>
-        </p:spPr>
-        <p:txBody>
-          <a:bodyPr wrap="square" rtlCol="0">
-            <a:spAutoFit/>
-          </a:bodyPr>
-          <a:lstStyle/>
-          <a:p>
-            <a:r>
-              <a:rPr kumimoji="1" lang="ja-JP" altLang="en-US" sz="2800" dirty="0">
-                <a:latin typeface="BIZ UDPゴシック" panose="020B0400000000000000" pitchFamily="50" charset="-128"/>
-                <a:ea typeface="BIZ UDPゴシック" panose="020B0400000000000000" pitchFamily="50" charset="-128"/>
-              </a:rPr>
-              <a:t>モンスター一覧には、モンスターの詳細情報が表示されています。</a:t>
-            </a:r>
-          </a:p>
-        </p:txBody>
-      </p:sp>
-      <p:pic>
-        <p:nvPicPr>
-          <p:cNvPr id="4" name="図 3">
-            <a:extLst>
-              <a:ext uri="{FF2B5EF4-FFF2-40B4-BE49-F238E27FC236}">
-                <a16:creationId xmlns:a16="http://schemas.microsoft.com/office/drawing/2014/main" id="{9FAEAC47-C61A-234A-2825-A8A8F2C048D2}"/>
-              </a:ext>
-            </a:extLst>
-          </p:cNvPr>
-          <p:cNvPicPr>
-            <a:picLocks noChangeAspect="1"/>
-          </p:cNvPicPr>
-          <p:nvPr/>
-        </p:nvPicPr>
-        <p:blipFill>
-          <a:blip r:embed="rId2">
-            <a:extLst>
-              <a:ext uri="{28A0092B-C50C-407E-A947-70E740481C1C}">
-                <a14:useLocalDpi xmlns:a14="http://schemas.microsoft.com/office/drawing/2010/main" val="0"/>
-              </a:ext>
-            </a:extLst>
-          </a:blip>
-          <a:stretch>
-            <a:fillRect/>
-          </a:stretch>
-        </p:blipFill>
-        <p:spPr>
-          <a:xfrm>
-            <a:off x="2075955" y="0"/>
-            <a:ext cx="7014745" cy="5983406"/>
-          </a:xfrm>
-          <a:prstGeom prst="rect">
-            <a:avLst/>
-          </a:prstGeom>
-        </p:spPr>
-      </p:pic>
-    </p:spTree>
-    <p:extLst>
-      <p:ext uri="{BB962C8B-B14F-4D97-AF65-F5344CB8AC3E}">
-        <p14:creationId xmlns:p14="http://schemas.microsoft.com/office/powerpoint/2010/main" val="2722495399"/>
-      </p:ext>
-    </p:extLst>
-  </p:cSld>
-  <p:clrMapOvr>
-    <a:masterClrMapping/>
-  </p:clrMapOvr>
-</p:sld>
-</file>
-
-<file path=ppt/slides/slide23.xml><?xml version="1.0" encoding="utf-8"?>
-<p:sld xmlns:a="http://schemas.openxmlformats.org/drawingml/2006/main" xmlns:r="http://schemas.openxmlformats.org/officeDocument/2006/relationships" xmlns:p="http://schemas.openxmlformats.org/presentationml/2006/main">
-  <p:cSld>
-    <p:spTree>
-      <p:nvGrpSpPr>
-        <p:cNvPr id="1" name=""/>
-        <p:cNvGrpSpPr/>
-        <p:nvPr/>
-      </p:nvGrpSpPr>
-      <p:grpSpPr>
-        <a:xfrm>
-          <a:off x="0" y="0"/>
-          <a:ext cx="0" cy="0"/>
-          <a:chOff x="0" y="0"/>
-          <a:chExt cx="0" cy="0"/>
-        </a:xfrm>
-      </p:grpSpPr>
-      <p:sp>
-        <p:nvSpPr>
-          <p:cNvPr id="2" name="テキスト ボックス 1">
-            <a:extLst>
-              <a:ext uri="{FF2B5EF4-FFF2-40B4-BE49-F238E27FC236}">
-                <a16:creationId xmlns:a16="http://schemas.microsoft.com/office/drawing/2014/main" id="{A5DB7B2B-061B-6EC4-A175-08EF0607A635}"/>
-              </a:ext>
-            </a:extLst>
-          </p:cNvPr>
-          <p:cNvSpPr txBox="1"/>
-          <p:nvPr/>
-        </p:nvSpPr>
-        <p:spPr>
-          <a:xfrm>
-            <a:off x="1370615" y="5903893"/>
-            <a:ext cx="10378422" cy="954107"/>
-          </a:xfrm>
-          <a:prstGeom prst="rect">
-            <a:avLst/>
-          </a:prstGeom>
-          <a:noFill/>
-        </p:spPr>
-        <p:txBody>
-          <a:bodyPr wrap="square" rtlCol="0">
-            <a:spAutoFit/>
-          </a:bodyPr>
-          <a:lstStyle/>
-          <a:p>
-            <a:r>
-              <a:rPr kumimoji="1" lang="ja-JP" altLang="en-US" sz="2800" dirty="0">
-                <a:latin typeface="BIZ UDPゴシック" panose="020B0400000000000000" pitchFamily="50" charset="-128"/>
-                <a:ea typeface="BIZ UDPゴシック" panose="020B0400000000000000" pitchFamily="50" charset="-128"/>
-              </a:rPr>
-              <a:t>試合結果には、画像のように戦ったモンスター名と、</a:t>
-            </a:r>
-            <a:endParaRPr kumimoji="1" lang="en-US" altLang="ja-JP" sz="2800" dirty="0">
-              <a:latin typeface="BIZ UDPゴシック" panose="020B0400000000000000" pitchFamily="50" charset="-128"/>
-              <a:ea typeface="BIZ UDPゴシック" panose="020B0400000000000000" pitchFamily="50" charset="-128"/>
-            </a:endParaRPr>
-          </a:p>
-          <a:p>
-            <a:r>
-              <a:rPr kumimoji="1" lang="ja-JP" altLang="en-US" sz="2800" dirty="0">
-                <a:latin typeface="BIZ UDPゴシック" panose="020B0400000000000000" pitchFamily="50" charset="-128"/>
-                <a:ea typeface="BIZ UDPゴシック" panose="020B0400000000000000" pitchFamily="50" charset="-128"/>
-              </a:rPr>
-              <a:t>試合の結果が表示されています。</a:t>
-            </a:r>
-          </a:p>
-        </p:txBody>
-      </p:sp>
-      <p:pic>
-        <p:nvPicPr>
-          <p:cNvPr id="4" name="図 3">
-            <a:extLst>
-              <a:ext uri="{FF2B5EF4-FFF2-40B4-BE49-F238E27FC236}">
-                <a16:creationId xmlns:a16="http://schemas.microsoft.com/office/drawing/2014/main" id="{F662D892-94F2-D753-26F8-6EDDE55224DD}"/>
-              </a:ext>
-            </a:extLst>
-          </p:cNvPr>
-          <p:cNvPicPr>
-            <a:picLocks noChangeAspect="1"/>
-          </p:cNvPicPr>
-          <p:nvPr/>
-        </p:nvPicPr>
-        <p:blipFill>
-          <a:blip r:embed="rId2">
-            <a:extLst>
-              <a:ext uri="{28A0092B-C50C-407E-A947-70E740481C1C}">
-                <a14:useLocalDpi xmlns:a14="http://schemas.microsoft.com/office/drawing/2010/main" val="0"/>
-              </a:ext>
-            </a:extLst>
-          </a:blip>
-          <a:stretch>
-            <a:fillRect/>
-          </a:stretch>
-        </p:blipFill>
-        <p:spPr>
-          <a:xfrm>
-            <a:off x="2075955" y="0"/>
-            <a:ext cx="7014745" cy="5983406"/>
-          </a:xfrm>
-          <a:prstGeom prst="rect">
-            <a:avLst/>
-          </a:prstGeom>
-        </p:spPr>
-      </p:pic>
-    </p:spTree>
-    <p:extLst>
-      <p:ext uri="{BB962C8B-B14F-4D97-AF65-F5344CB8AC3E}">
-        <p14:creationId xmlns:p14="http://schemas.microsoft.com/office/powerpoint/2010/main" val="905879706"/>
-      </p:ext>
-    </p:extLst>
-  </p:cSld>
-  <p:clrMapOvr>
-    <a:masterClrMapping/>
-  </p:clrMapOvr>
-</p:sld>
-</file>
-
-<file path=ppt/slides/slide24.xml><?xml version="1.0" encoding="utf-8"?>
-<p:sld xmlns:a="http://schemas.openxmlformats.org/drawingml/2006/main" xmlns:r="http://schemas.openxmlformats.org/officeDocument/2006/relationships" xmlns:p="http://schemas.openxmlformats.org/presentationml/2006/main">
-  <p:cSld>
-    <p:spTree>
-      <p:nvGrpSpPr>
-        <p:cNvPr id="1" name=""/>
-        <p:cNvGrpSpPr/>
-        <p:nvPr/>
-      </p:nvGrpSpPr>
-      <p:grpSpPr>
-        <a:xfrm>
-          <a:off x="0" y="0"/>
-          <a:ext cx="0" cy="0"/>
-          <a:chOff x="0" y="0"/>
-          <a:chExt cx="0" cy="0"/>
-        </a:xfrm>
-      </p:grpSpPr>
-      <p:sp>
-        <p:nvSpPr>
-          <p:cNvPr id="2" name="テキスト ボックス 1">
-            <a:extLst>
-              <a:ext uri="{FF2B5EF4-FFF2-40B4-BE49-F238E27FC236}">
-                <a16:creationId xmlns:a16="http://schemas.microsoft.com/office/drawing/2014/main" id="{A5DB7B2B-061B-6EC4-A175-08EF0607A635}"/>
-              </a:ext>
-            </a:extLst>
-          </p:cNvPr>
-          <p:cNvSpPr txBox="1"/>
-          <p:nvPr/>
-        </p:nvSpPr>
-        <p:spPr>
-          <a:xfrm>
-            <a:off x="2682580" y="2736502"/>
-            <a:ext cx="10378422" cy="1384995"/>
-          </a:xfrm>
-          <a:prstGeom prst="rect">
-            <a:avLst/>
-          </a:prstGeom>
-          <a:noFill/>
-        </p:spPr>
-        <p:txBody>
-          <a:bodyPr wrap="square" rtlCol="0">
-            <a:spAutoFit/>
-          </a:bodyPr>
-          <a:lstStyle/>
-          <a:p>
-            <a:r>
-              <a:rPr kumimoji="1" lang="ja-JP" altLang="en-US" sz="2800" dirty="0">
-                <a:latin typeface="BIZ UDPゴシック" panose="020B0400000000000000" pitchFamily="50" charset="-128"/>
-                <a:ea typeface="BIZ UDPゴシック" panose="020B0400000000000000" pitchFamily="50" charset="-128"/>
-              </a:rPr>
-              <a:t>お疲れさまでした。</a:t>
-            </a:r>
-            <a:endParaRPr kumimoji="1" lang="en-US" altLang="ja-JP" sz="2800" dirty="0">
-              <a:latin typeface="BIZ UDPゴシック" panose="020B0400000000000000" pitchFamily="50" charset="-128"/>
-              <a:ea typeface="BIZ UDPゴシック" panose="020B0400000000000000" pitchFamily="50" charset="-128"/>
-            </a:endParaRPr>
-          </a:p>
-          <a:p>
-            <a:r>
-              <a:rPr kumimoji="1" lang="ja-JP" altLang="en-US" sz="2800" dirty="0">
-                <a:latin typeface="BIZ UDPゴシック" panose="020B0400000000000000" pitchFamily="50" charset="-128"/>
-                <a:ea typeface="BIZ UDPゴシック" panose="020B0400000000000000" pitchFamily="50" charset="-128"/>
-              </a:rPr>
-              <a:t>ユーザマニュアルは以上です。</a:t>
-            </a:r>
-            <a:endParaRPr kumimoji="1" lang="en-US" altLang="ja-JP" sz="2800" dirty="0">
-              <a:latin typeface="BIZ UDPゴシック" panose="020B0400000000000000" pitchFamily="50" charset="-128"/>
-              <a:ea typeface="BIZ UDPゴシック" panose="020B0400000000000000" pitchFamily="50" charset="-128"/>
-            </a:endParaRPr>
-          </a:p>
-          <a:p>
-            <a:r>
-              <a:rPr kumimoji="1" lang="ja-JP" altLang="en-US" sz="2800" dirty="0">
-                <a:latin typeface="BIZ UDPゴシック" panose="020B0400000000000000" pitchFamily="50" charset="-128"/>
-                <a:ea typeface="BIZ UDPゴシック" panose="020B0400000000000000" pitchFamily="50" charset="-128"/>
-              </a:rPr>
-              <a:t>それではゲームを楽しんでください。</a:t>
-            </a:r>
-          </a:p>
-        </p:txBody>
-      </p:sp>
-    </p:spTree>
-    <p:extLst>
-      <p:ext uri="{BB962C8B-B14F-4D97-AF65-F5344CB8AC3E}">
-        <p14:creationId xmlns:p14="http://schemas.microsoft.com/office/powerpoint/2010/main" val="3161558930"/>
-      </p:ext>
-    </p:extLst>
-  </p:cSld>
-  <p:clrMapOvr>
-    <a:masterClrMapping/>
-  </p:clrMapOvr>
-</p:sld>
-</file>
-
-<file path=ppt/slides/slide3.xml><?xml version="1.0" encoding="utf-8"?>
-<p:sld xmlns:a="http://schemas.openxmlformats.org/drawingml/2006/main" xmlns:r="http://schemas.openxmlformats.org/officeDocument/2006/relationships" xmlns:p="http://schemas.openxmlformats.org/presentationml/2006/main">
-  <p:cSld>
-    <p:spTree>
-      <p:nvGrpSpPr>
-        <p:cNvPr id="1" name=""/>
-        <p:cNvGrpSpPr/>
-        <p:nvPr/>
-      </p:nvGrpSpPr>
-      <p:grpSpPr>
-        <a:xfrm>
-          <a:off x="0" y="0"/>
-          <a:ext cx="0" cy="0"/>
-          <a:chOff x="0" y="0"/>
-          <a:chExt cx="0" cy="0"/>
-        </a:xfrm>
-      </p:grpSpPr>
-      <p:pic>
-        <p:nvPicPr>
-          <p:cNvPr id="3" name="図 2">
-            <a:extLst>
-              <a:ext uri="{FF2B5EF4-FFF2-40B4-BE49-F238E27FC236}">
-                <a16:creationId xmlns:a16="http://schemas.microsoft.com/office/drawing/2014/main" id="{52E44A64-50A1-4796-0C16-B3904C442978}"/>
-              </a:ext>
-            </a:extLst>
-          </p:cNvPr>
-          <p:cNvPicPr>
-            <a:picLocks noChangeAspect="1"/>
-          </p:cNvPicPr>
-          <p:nvPr/>
-        </p:nvPicPr>
-        <p:blipFill>
-          <a:blip r:embed="rId2">
-            <a:extLst>
-              <a:ext uri="{28A0092B-C50C-407E-A947-70E740481C1C}">
-                <a14:useLocalDpi xmlns:a14="http://schemas.microsoft.com/office/drawing/2010/main" val="0"/>
-              </a:ext>
-            </a:extLst>
-          </a:blip>
-          <a:stretch>
-            <a:fillRect/>
-          </a:stretch>
-        </p:blipFill>
-        <p:spPr>
-          <a:xfrm>
-            <a:off x="0" y="180180"/>
-            <a:ext cx="12192000" cy="6497640"/>
-          </a:xfrm>
-          <a:prstGeom prst="rect">
-            <a:avLst/>
-          </a:prstGeom>
-        </p:spPr>
-      </p:pic>
-      <p:sp>
-        <p:nvSpPr>
-          <p:cNvPr id="4" name="矢印: 右 3">
-            <a:extLst>
-              <a:ext uri="{FF2B5EF4-FFF2-40B4-BE49-F238E27FC236}">
-                <a16:creationId xmlns:a16="http://schemas.microsoft.com/office/drawing/2014/main" id="{BD3C999F-3549-06DA-1360-DA263454E37E}"/>
-              </a:ext>
-            </a:extLst>
-          </p:cNvPr>
-          <p:cNvSpPr/>
-          <p:nvPr/>
-        </p:nvSpPr>
-        <p:spPr>
-          <a:xfrm rot="12781201">
-            <a:off x="4084697" y="2272942"/>
-            <a:ext cx="769771" cy="808546"/>
-          </a:xfrm>
-          <a:prstGeom prst="rightArrow">
-            <a:avLst/>
-          </a:prstGeom>
-          <a:solidFill>
-            <a:srgbClr val="00B0F0"/>
-          </a:solidFill>
-        </p:spPr>
-        <p:style>
-          <a:lnRef idx="2">
-            <a:schemeClr val="accent1">
-              <a:shade val="50000"/>
-            </a:schemeClr>
-          </a:lnRef>
-          <a:fillRef idx="1">
-            <a:schemeClr val="accent1"/>
-          </a:fillRef>
-          <a:effectRef idx="0">
-            <a:schemeClr val="accent1"/>
-          </a:effectRef>
-          <a:fontRef idx="minor">
-            <a:schemeClr val="lt1"/>
-          </a:fontRef>
-        </p:style>
-        <p:txBody>
-          <a:bodyPr rtlCol="0" anchor="ctr"/>
-          <a:lstStyle/>
-          <a:p>
-            <a:pPr algn="ctr"/>
-            <a:endParaRPr kumimoji="1" lang="ja-JP" altLang="en-US"/>
-          </a:p>
-        </p:txBody>
-      </p:sp>
-      <p:sp>
-        <p:nvSpPr>
-          <p:cNvPr id="5" name="テキスト ボックス 4">
-            <a:extLst>
-              <a:ext uri="{FF2B5EF4-FFF2-40B4-BE49-F238E27FC236}">
-                <a16:creationId xmlns:a16="http://schemas.microsoft.com/office/drawing/2014/main" id="{904D47ED-20A3-D098-D3FC-C60EFF9AE7DB}"/>
-              </a:ext>
-            </a:extLst>
-          </p:cNvPr>
-          <p:cNvSpPr txBox="1"/>
-          <p:nvPr/>
-        </p:nvSpPr>
-        <p:spPr>
-          <a:xfrm>
-            <a:off x="2264151" y="3953563"/>
-            <a:ext cx="9132719" cy="523220"/>
-          </a:xfrm>
-          <a:prstGeom prst="rect">
-            <a:avLst/>
-          </a:prstGeom>
-          <a:noFill/>
-        </p:spPr>
-        <p:txBody>
-          <a:bodyPr wrap="square" rtlCol="0">
-            <a:spAutoFit/>
-          </a:bodyPr>
-          <a:lstStyle/>
-          <a:p>
-            <a:r>
-              <a:rPr kumimoji="1" lang="en-US" altLang="ja-JP" sz="2800" dirty="0">
-                <a:latin typeface="BIZ UDPゴシック" panose="020B0400000000000000" pitchFamily="50" charset="-128"/>
-                <a:ea typeface="BIZ UDPゴシック" panose="020B0400000000000000" pitchFamily="50" charset="-128"/>
-              </a:rPr>
-              <a:t>Zip</a:t>
-            </a:r>
-            <a:r>
-              <a:rPr kumimoji="1" lang="ja-JP" altLang="en-US" sz="2800" dirty="0">
-                <a:latin typeface="BIZ UDPゴシック" panose="020B0400000000000000" pitchFamily="50" charset="-128"/>
-                <a:ea typeface="BIZ UDPゴシック" panose="020B0400000000000000" pitchFamily="50" charset="-128"/>
-              </a:rPr>
-              <a:t>ファイルを開き、</a:t>
-            </a:r>
-            <a:r>
-              <a:rPr kumimoji="1" lang="en-US" altLang="ja-JP" sz="2800" dirty="0">
-                <a:latin typeface="BIZ UDPゴシック" panose="020B0400000000000000" pitchFamily="50" charset="-128"/>
-                <a:ea typeface="BIZ UDPゴシック" panose="020B0400000000000000" pitchFamily="50" charset="-128"/>
-              </a:rPr>
-              <a:t>hogemon</a:t>
-            </a:r>
-            <a:r>
-              <a:rPr kumimoji="1" lang="ja-JP" altLang="en-US" sz="2800" dirty="0">
-                <a:latin typeface="BIZ UDPゴシック" panose="020B0400000000000000" pitchFamily="50" charset="-128"/>
-                <a:ea typeface="BIZ UDPゴシック" panose="020B0400000000000000" pitchFamily="50" charset="-128"/>
-              </a:rPr>
-              <a:t>をダブルクリックします。</a:t>
-            </a:r>
-          </a:p>
-        </p:txBody>
-      </p:sp>
-    </p:spTree>
-    <p:extLst>
-      <p:ext uri="{BB962C8B-B14F-4D97-AF65-F5344CB8AC3E}">
-        <p14:creationId xmlns:p14="http://schemas.microsoft.com/office/powerpoint/2010/main" val="3120684487"/>
-      </p:ext>
-    </p:extLst>
-  </p:cSld>
-  <p:clrMapOvr>
-    <a:masterClrMapping/>
-  </p:clrMapOvr>
-</p:sld>
-</file>
-
-<file path=ppt/slides/slide4.xml><?xml version="1.0" encoding="utf-8"?>
-<p:sld xmlns:a="http://schemas.openxmlformats.org/drawingml/2006/main" xmlns:r="http://schemas.openxmlformats.org/officeDocument/2006/relationships" xmlns:p="http://schemas.openxmlformats.org/presentationml/2006/main">
-  <p:cSld>
-    <p:spTree>
-      <p:nvGrpSpPr>
-        <p:cNvPr id="1" name=""/>
-        <p:cNvGrpSpPr/>
-        <p:nvPr/>
-      </p:nvGrpSpPr>
-      <p:grpSpPr>
-        <a:xfrm>
-          <a:off x="0" y="0"/>
-          <a:ext cx="0" cy="0"/>
-          <a:chOff x="0" y="0"/>
-          <a:chExt cx="0" cy="0"/>
-        </a:xfrm>
-      </p:grpSpPr>
-      <p:pic>
-        <p:nvPicPr>
-          <p:cNvPr id="6" name="図 5">
-            <a:extLst>
-              <a:ext uri="{FF2B5EF4-FFF2-40B4-BE49-F238E27FC236}">
-                <a16:creationId xmlns:a16="http://schemas.microsoft.com/office/drawing/2014/main" id="{A44DC680-8F5B-68B2-824B-C55DF11790FE}"/>
-              </a:ext>
-            </a:extLst>
-          </p:cNvPr>
-          <p:cNvPicPr>
-            <a:picLocks noChangeAspect="1"/>
-          </p:cNvPicPr>
-          <p:nvPr/>
-        </p:nvPicPr>
-        <p:blipFill>
-          <a:blip r:embed="rId2">
-            <a:extLst>
-              <a:ext uri="{28A0092B-C50C-407E-A947-70E740481C1C}">
-                <a14:useLocalDpi xmlns:a14="http://schemas.microsoft.com/office/drawing/2010/main" val="0"/>
-              </a:ext>
-            </a:extLst>
-          </a:blip>
-          <a:stretch>
-            <a:fillRect/>
-          </a:stretch>
-        </p:blipFill>
-        <p:spPr>
-          <a:xfrm>
-            <a:off x="1363004" y="152437"/>
-            <a:ext cx="8307989" cy="5492988"/>
-          </a:xfrm>
-          <a:prstGeom prst="rect">
-            <a:avLst/>
-          </a:prstGeom>
-        </p:spPr>
-      </p:pic>
-      <p:sp>
-        <p:nvSpPr>
-          <p:cNvPr id="9" name="テキスト ボックス 8">
-            <a:extLst>
-              <a:ext uri="{FF2B5EF4-FFF2-40B4-BE49-F238E27FC236}">
-                <a16:creationId xmlns:a16="http://schemas.microsoft.com/office/drawing/2014/main" id="{C2F0F8EC-F49A-72BC-52E4-21EDFFBB891B}"/>
-              </a:ext>
-            </a:extLst>
-          </p:cNvPr>
-          <p:cNvSpPr txBox="1"/>
-          <p:nvPr/>
-        </p:nvSpPr>
-        <p:spPr>
-          <a:xfrm>
-            <a:off x="1363004" y="5645425"/>
-            <a:ext cx="10378422" cy="954107"/>
-          </a:xfrm>
-          <a:prstGeom prst="rect">
-            <a:avLst/>
-          </a:prstGeom>
-          <a:noFill/>
-        </p:spPr>
-        <p:txBody>
-          <a:bodyPr wrap="square" rtlCol="0">
-            <a:spAutoFit/>
-          </a:bodyPr>
-          <a:lstStyle/>
-          <a:p>
-            <a:r>
-              <a:rPr kumimoji="1" lang="en-US" altLang="ja-JP" sz="2800" dirty="0">
-                <a:latin typeface="BIZ UDPゴシック" panose="020B0400000000000000" pitchFamily="50" charset="-128"/>
-                <a:ea typeface="BIZ UDPゴシック" panose="020B0400000000000000" pitchFamily="50" charset="-128"/>
-              </a:rPr>
-              <a:t>C:\Users\USER\oithomes\isdev\kadai\isdev22</a:t>
-            </a:r>
-          </a:p>
-          <a:p>
-            <a:r>
-              <a:rPr kumimoji="1" lang="ja-JP" altLang="en-US" sz="2800" dirty="0">
-                <a:latin typeface="BIZ UDPゴシック" panose="020B0400000000000000" pitchFamily="50" charset="-128"/>
-                <a:ea typeface="BIZ UDPゴシック" panose="020B0400000000000000" pitchFamily="50" charset="-128"/>
-              </a:rPr>
-              <a:t>を展開先に指定します。</a:t>
-            </a:r>
-          </a:p>
-        </p:txBody>
-      </p:sp>
-    </p:spTree>
-    <p:extLst>
-      <p:ext uri="{BB962C8B-B14F-4D97-AF65-F5344CB8AC3E}">
-        <p14:creationId xmlns:p14="http://schemas.microsoft.com/office/powerpoint/2010/main" val="3132039127"/>
-      </p:ext>
-    </p:extLst>
-  </p:cSld>
-  <p:clrMapOvr>
-    <a:masterClrMapping/>
-  </p:clrMapOvr>
-</p:sld>
-</file>
-
-<file path=ppt/slides/slide5.xml><?xml version="1.0" encoding="utf-8"?>
-<p:sld xmlns:a="http://schemas.openxmlformats.org/drawingml/2006/main" xmlns:r="http://schemas.openxmlformats.org/officeDocument/2006/relationships" xmlns:p="http://schemas.openxmlformats.org/presentationml/2006/main">
-  <p:cSld>
-    <p:spTree>
-      <p:nvGrpSpPr>
-        <p:cNvPr id="1" name=""/>
-        <p:cNvGrpSpPr/>
-        <p:nvPr/>
-      </p:nvGrpSpPr>
-      <p:grpSpPr>
-        <a:xfrm>
-          <a:off x="0" y="0"/>
-          <a:ext cx="0" cy="0"/>
-          <a:chOff x="0" y="0"/>
-          <a:chExt cx="0" cy="0"/>
-        </a:xfrm>
-      </p:grpSpPr>
-      <p:sp>
-        <p:nvSpPr>
-          <p:cNvPr id="9" name="テキスト ボックス 8">
-            <a:extLst>
-              <a:ext uri="{FF2B5EF4-FFF2-40B4-BE49-F238E27FC236}">
-                <a16:creationId xmlns:a16="http://schemas.microsoft.com/office/drawing/2014/main" id="{C2F0F8EC-F49A-72BC-52E4-21EDFFBB891B}"/>
-              </a:ext>
-            </a:extLst>
-          </p:cNvPr>
-          <p:cNvSpPr txBox="1"/>
-          <p:nvPr/>
-        </p:nvSpPr>
-        <p:spPr>
-          <a:xfrm>
-            <a:off x="1416012" y="5771493"/>
-            <a:ext cx="10378422" cy="523220"/>
-          </a:xfrm>
-          <a:prstGeom prst="rect">
-            <a:avLst/>
-          </a:prstGeom>
-          <a:noFill/>
-        </p:spPr>
-        <p:txBody>
-          <a:bodyPr wrap="square" rtlCol="0">
-            <a:spAutoFit/>
-          </a:bodyPr>
-          <a:lstStyle/>
-          <a:p>
-            <a:r>
-              <a:rPr kumimoji="1" lang="en-US" altLang="ja-JP" sz="2800" dirty="0">
-                <a:latin typeface="BIZ UDPゴシック" panose="020B0400000000000000" pitchFamily="50" charset="-128"/>
-                <a:ea typeface="BIZ UDPゴシック" panose="020B0400000000000000" pitchFamily="50" charset="-128"/>
-              </a:rPr>
-              <a:t>bash</a:t>
-            </a:r>
-            <a:r>
-              <a:rPr kumimoji="1" lang="ja-JP" altLang="en-US" sz="2800" dirty="0">
-                <a:latin typeface="BIZ UDPゴシック" panose="020B0400000000000000" pitchFamily="50" charset="-128"/>
-                <a:ea typeface="BIZ UDPゴシック" panose="020B0400000000000000" pitchFamily="50" charset="-128"/>
-              </a:rPr>
-              <a:t>を開き、</a:t>
-            </a:r>
-            <a:r>
-              <a:rPr kumimoji="1" lang="en-US" altLang="ja-JP" sz="2800" dirty="0">
-                <a:latin typeface="BIZ UDPゴシック" panose="020B0400000000000000" pitchFamily="50" charset="-128"/>
-                <a:ea typeface="BIZ UDPゴシック" panose="020B0400000000000000" pitchFamily="50" charset="-128"/>
-              </a:rPr>
-              <a:t>cd </a:t>
-            </a:r>
-            <a:r>
-              <a:rPr kumimoji="1" lang="en-US" altLang="ja-JP" sz="2800" dirty="0" err="1">
-                <a:latin typeface="BIZ UDPゴシック" panose="020B0400000000000000" pitchFamily="50" charset="-128"/>
-                <a:ea typeface="BIZ UDPゴシック" panose="020B0400000000000000" pitchFamily="50" charset="-128"/>
-              </a:rPr>
-              <a:t>kadai</a:t>
-            </a:r>
-            <a:r>
-              <a:rPr kumimoji="1" lang="en-US" altLang="ja-JP" sz="2800" dirty="0">
-                <a:latin typeface="BIZ UDPゴシック" panose="020B0400000000000000" pitchFamily="50" charset="-128"/>
-                <a:ea typeface="BIZ UDPゴシック" panose="020B0400000000000000" pitchFamily="50" charset="-128"/>
-              </a:rPr>
-              <a:t>/isdev22/hogemon</a:t>
-            </a:r>
-            <a:r>
-              <a:rPr kumimoji="1" lang="ja-JP" altLang="en-US" sz="2800" dirty="0">
-                <a:latin typeface="BIZ UDPゴシック" panose="020B0400000000000000" pitchFamily="50" charset="-128"/>
-                <a:ea typeface="BIZ UDPゴシック" panose="020B0400000000000000" pitchFamily="50" charset="-128"/>
-              </a:rPr>
-              <a:t>と入力します。</a:t>
-            </a:r>
-          </a:p>
-        </p:txBody>
-      </p:sp>
-      <p:pic>
-        <p:nvPicPr>
-          <p:cNvPr id="3" name="図 2">
-            <a:extLst>
-              <a:ext uri="{FF2B5EF4-FFF2-40B4-BE49-F238E27FC236}">
-                <a16:creationId xmlns:a16="http://schemas.microsoft.com/office/drawing/2014/main" id="{102B4968-53D6-EBF1-A97C-93359F8999C5}"/>
-              </a:ext>
-            </a:extLst>
-          </p:cNvPr>
-          <p:cNvPicPr>
-            <a:picLocks noChangeAspect="1"/>
-          </p:cNvPicPr>
-          <p:nvPr/>
-        </p:nvPicPr>
-        <p:blipFill>
-          <a:blip r:embed="rId2">
-            <a:extLst>
-              <a:ext uri="{28A0092B-C50C-407E-A947-70E740481C1C}">
-                <a14:useLocalDpi xmlns:a14="http://schemas.microsoft.com/office/drawing/2010/main" val="0"/>
-              </a:ext>
-            </a:extLst>
-          </a:blip>
-          <a:stretch>
-            <a:fillRect/>
-          </a:stretch>
-        </p:blipFill>
-        <p:spPr>
-          <a:xfrm>
-            <a:off x="1555888" y="122997"/>
-            <a:ext cx="9080224" cy="5648496"/>
-          </a:xfrm>
-          <a:prstGeom prst="rect">
-            <a:avLst/>
-          </a:prstGeom>
-        </p:spPr>
-      </p:pic>
-      <p:sp>
-        <p:nvSpPr>
-          <p:cNvPr id="5" name="矢印: 右 4">
-            <a:extLst>
-              <a:ext uri="{FF2B5EF4-FFF2-40B4-BE49-F238E27FC236}">
-                <a16:creationId xmlns:a16="http://schemas.microsoft.com/office/drawing/2014/main" id="{939CBA58-904F-0A8F-A94F-0C598A2FE144}"/>
-              </a:ext>
-            </a:extLst>
-          </p:cNvPr>
-          <p:cNvSpPr/>
-          <p:nvPr/>
-        </p:nvSpPr>
-        <p:spPr>
-          <a:xfrm rot="12730887">
-            <a:off x="4243725" y="1070041"/>
-            <a:ext cx="769771" cy="808546"/>
-          </a:xfrm>
-          <a:prstGeom prst="rightArrow">
-            <a:avLst/>
-          </a:prstGeom>
-          <a:solidFill>
-            <a:srgbClr val="00B0F0"/>
-          </a:solidFill>
-        </p:spPr>
-        <p:style>
-          <a:lnRef idx="2">
-            <a:schemeClr val="accent1">
-              <a:shade val="50000"/>
-            </a:schemeClr>
-          </a:lnRef>
-          <a:fillRef idx="1">
-            <a:schemeClr val="accent1"/>
-          </a:fillRef>
-          <a:effectRef idx="0">
-            <a:schemeClr val="accent1"/>
-          </a:effectRef>
-          <a:fontRef idx="minor">
-            <a:schemeClr val="lt1"/>
-          </a:fontRef>
-        </p:style>
-        <p:txBody>
-          <a:bodyPr rtlCol="0" anchor="ctr"/>
-          <a:lstStyle/>
-          <a:p>
-            <a:pPr algn="ctr"/>
-            <a:endParaRPr kumimoji="1" lang="ja-JP" altLang="en-US"/>
-          </a:p>
-        </p:txBody>
-      </p:sp>
-    </p:spTree>
-    <p:extLst>
-      <p:ext uri="{BB962C8B-B14F-4D97-AF65-F5344CB8AC3E}">
-        <p14:creationId xmlns:p14="http://schemas.microsoft.com/office/powerpoint/2010/main" val="1503065280"/>
-      </p:ext>
-    </p:extLst>
-  </p:cSld>
-  <p:clrMapOvr>
-    <a:masterClrMapping/>
-  </p:clrMapOvr>
-</p:sld>
-</file>
-
-<file path=ppt/slides/slide6.xml><?xml version="1.0" encoding="utf-8"?>
-<p:sld xmlns:a="http://schemas.openxmlformats.org/drawingml/2006/main" xmlns:r="http://schemas.openxmlformats.org/officeDocument/2006/relationships" xmlns:p="http://schemas.openxmlformats.org/presentationml/2006/main">
-  <p:cSld>
-    <p:spTree>
-      <p:nvGrpSpPr>
-        <p:cNvPr id="1" name=""/>
-        <p:cNvGrpSpPr/>
-        <p:nvPr/>
-      </p:nvGrpSpPr>
-      <p:grpSpPr>
-        <a:xfrm>
-          <a:off x="0" y="0"/>
-          <a:ext cx="0" cy="0"/>
-          <a:chOff x="0" y="0"/>
-          <a:chExt cx="0" cy="0"/>
-        </a:xfrm>
-      </p:grpSpPr>
-      <p:sp>
-        <p:nvSpPr>
-          <p:cNvPr id="9" name="テキスト ボックス 8">
-            <a:extLst>
-              <a:ext uri="{FF2B5EF4-FFF2-40B4-BE49-F238E27FC236}">
-                <a16:creationId xmlns:a16="http://schemas.microsoft.com/office/drawing/2014/main" id="{C2F0F8EC-F49A-72BC-52E4-21EDFFBB891B}"/>
-              </a:ext>
-            </a:extLst>
-          </p:cNvPr>
-          <p:cNvSpPr txBox="1"/>
-          <p:nvPr/>
-        </p:nvSpPr>
-        <p:spPr>
-          <a:xfrm>
-            <a:off x="1416012" y="5771493"/>
-            <a:ext cx="10378422" cy="523220"/>
-          </a:xfrm>
-          <a:prstGeom prst="rect">
-            <a:avLst/>
-          </a:prstGeom>
-          <a:noFill/>
-        </p:spPr>
-        <p:txBody>
-          <a:bodyPr wrap="square" rtlCol="0">
-            <a:spAutoFit/>
-          </a:bodyPr>
-          <a:lstStyle/>
-          <a:p>
-            <a:r>
-              <a:rPr kumimoji="1" lang="ja-JP" altLang="en-US" sz="2800" dirty="0">
-                <a:latin typeface="BIZ UDPゴシック" panose="020B0400000000000000" pitchFamily="50" charset="-128"/>
-                <a:ea typeface="BIZ UDPゴシック" panose="020B0400000000000000" pitchFamily="50" charset="-128"/>
-              </a:rPr>
-              <a:t>次に</a:t>
-            </a:r>
-            <a:r>
-              <a:rPr kumimoji="1" lang="en-US" altLang="ja-JP" sz="2800" dirty="0" err="1">
-                <a:latin typeface="BIZ UDPゴシック" panose="020B0400000000000000" pitchFamily="50" charset="-128"/>
-                <a:ea typeface="BIZ UDPゴシック" panose="020B0400000000000000" pitchFamily="50" charset="-128"/>
-              </a:rPr>
-              <a:t>gradle</a:t>
-            </a:r>
-            <a:r>
-              <a:rPr kumimoji="1" lang="en-US" altLang="ja-JP" sz="2800" dirty="0">
-                <a:latin typeface="BIZ UDPゴシック" panose="020B0400000000000000" pitchFamily="50" charset="-128"/>
-                <a:ea typeface="BIZ UDPゴシック" panose="020B0400000000000000" pitchFamily="50" charset="-128"/>
-              </a:rPr>
-              <a:t> </a:t>
-            </a:r>
-            <a:r>
-              <a:rPr kumimoji="1" lang="en-US" altLang="ja-JP" sz="2800" dirty="0" err="1">
-                <a:latin typeface="BIZ UDPゴシック" panose="020B0400000000000000" pitchFamily="50" charset="-128"/>
-                <a:ea typeface="BIZ UDPゴシック" panose="020B0400000000000000" pitchFamily="50" charset="-128"/>
-              </a:rPr>
-              <a:t>bootrun</a:t>
-            </a:r>
-            <a:r>
-              <a:rPr kumimoji="1" lang="en-US" altLang="ja-JP" sz="2800" dirty="0">
-                <a:latin typeface="BIZ UDPゴシック" panose="020B0400000000000000" pitchFamily="50" charset="-128"/>
-                <a:ea typeface="BIZ UDPゴシック" panose="020B0400000000000000" pitchFamily="50" charset="-128"/>
-              </a:rPr>
-              <a:t> </a:t>
-            </a:r>
-            <a:r>
-              <a:rPr kumimoji="1" lang="ja-JP" altLang="en-US" sz="2800" dirty="0">
-                <a:latin typeface="BIZ UDPゴシック" panose="020B0400000000000000" pitchFamily="50" charset="-128"/>
-                <a:ea typeface="BIZ UDPゴシック" panose="020B0400000000000000" pitchFamily="50" charset="-128"/>
-              </a:rPr>
-              <a:t>と入力します。</a:t>
-            </a:r>
-          </a:p>
-        </p:txBody>
-      </p:sp>
-      <p:pic>
-        <p:nvPicPr>
-          <p:cNvPr id="6" name="図 5">
-            <a:extLst>
-              <a:ext uri="{FF2B5EF4-FFF2-40B4-BE49-F238E27FC236}">
-                <a16:creationId xmlns:a16="http://schemas.microsoft.com/office/drawing/2014/main" id="{97433EED-C1DB-214A-0D7E-6FC0FF4ED23E}"/>
-              </a:ext>
-            </a:extLst>
-          </p:cNvPr>
-          <p:cNvPicPr>
-            <a:picLocks noChangeAspect="1"/>
-          </p:cNvPicPr>
-          <p:nvPr/>
-        </p:nvPicPr>
-        <p:blipFill>
-          <a:blip r:embed="rId2">
-            <a:extLst>
-              <a:ext uri="{28A0092B-C50C-407E-A947-70E740481C1C}">
-                <a14:useLocalDpi xmlns:a14="http://schemas.microsoft.com/office/drawing/2010/main" val="0"/>
-              </a:ext>
-            </a:extLst>
-          </a:blip>
-          <a:stretch>
-            <a:fillRect/>
-          </a:stretch>
-        </p:blipFill>
-        <p:spPr>
-          <a:xfrm>
-            <a:off x="1535281" y="122995"/>
-            <a:ext cx="9080227" cy="5648498"/>
-          </a:xfrm>
-          <a:prstGeom prst="rect">
-            <a:avLst/>
-          </a:prstGeom>
-        </p:spPr>
-      </p:pic>
-      <p:sp>
-        <p:nvSpPr>
-          <p:cNvPr id="7" name="矢印: 右 6">
-            <a:extLst>
-              <a:ext uri="{FF2B5EF4-FFF2-40B4-BE49-F238E27FC236}">
-                <a16:creationId xmlns:a16="http://schemas.microsoft.com/office/drawing/2014/main" id="{10B12BA8-3DF1-9C4B-CBCD-7F318A4F3429}"/>
-              </a:ext>
-            </a:extLst>
-          </p:cNvPr>
-          <p:cNvSpPr/>
-          <p:nvPr/>
-        </p:nvSpPr>
-        <p:spPr>
-          <a:xfrm rot="11145170">
-            <a:off x="3355828" y="1450765"/>
-            <a:ext cx="769771" cy="808546"/>
-          </a:xfrm>
-          <a:prstGeom prst="rightArrow">
-            <a:avLst/>
-          </a:prstGeom>
-          <a:solidFill>
-            <a:srgbClr val="00B0F0"/>
-          </a:solidFill>
-        </p:spPr>
-        <p:style>
-          <a:lnRef idx="2">
-            <a:schemeClr val="accent1">
-              <a:shade val="50000"/>
-            </a:schemeClr>
-          </a:lnRef>
-          <a:fillRef idx="1">
-            <a:schemeClr val="accent1"/>
-          </a:fillRef>
-          <a:effectRef idx="0">
-            <a:schemeClr val="accent1"/>
-          </a:effectRef>
-          <a:fontRef idx="minor">
-            <a:schemeClr val="lt1"/>
-          </a:fontRef>
-        </p:style>
-        <p:txBody>
-          <a:bodyPr rtlCol="0" anchor="ctr"/>
-          <a:lstStyle/>
-          <a:p>
-            <a:pPr algn="ctr"/>
-            <a:endParaRPr kumimoji="1" lang="ja-JP" altLang="en-US"/>
-          </a:p>
-        </p:txBody>
-      </p:sp>
-    </p:spTree>
-    <p:extLst>
-      <p:ext uri="{BB962C8B-B14F-4D97-AF65-F5344CB8AC3E}">
-        <p14:creationId xmlns:p14="http://schemas.microsoft.com/office/powerpoint/2010/main" val="1915329788"/>
-      </p:ext>
-    </p:extLst>
-  </p:cSld>
-  <p:clrMapOvr>
-    <a:masterClrMapping/>
-  </p:clrMapOvr>
-</p:sld>
-</file>
-
-<file path=ppt/slides/slide7.xml><?xml version="1.0" encoding="utf-8"?>
-<p:sld xmlns:a="http://schemas.openxmlformats.org/drawingml/2006/main" xmlns:r="http://schemas.openxmlformats.org/officeDocument/2006/relationships" xmlns:p="http://schemas.openxmlformats.org/presentationml/2006/main">
-  <p:cSld>
-    <p:spTree>
-      <p:nvGrpSpPr>
-        <p:cNvPr id="1" name=""/>
-        <p:cNvGrpSpPr/>
-        <p:nvPr/>
-      </p:nvGrpSpPr>
-      <p:grpSpPr>
-        <a:xfrm>
-          <a:off x="0" y="0"/>
-          <a:ext cx="0" cy="0"/>
-          <a:chOff x="0" y="0"/>
-          <a:chExt cx="0" cy="0"/>
-        </a:xfrm>
-      </p:grpSpPr>
-      <p:sp>
-        <p:nvSpPr>
-          <p:cNvPr id="9" name="テキスト ボックス 8">
-            <a:extLst>
-              <a:ext uri="{FF2B5EF4-FFF2-40B4-BE49-F238E27FC236}">
-                <a16:creationId xmlns:a16="http://schemas.microsoft.com/office/drawing/2014/main" id="{C2F0F8EC-F49A-72BC-52E4-21EDFFBB891B}"/>
-              </a:ext>
-            </a:extLst>
-          </p:cNvPr>
-          <p:cNvSpPr txBox="1"/>
-          <p:nvPr/>
-        </p:nvSpPr>
-        <p:spPr>
-          <a:xfrm>
-            <a:off x="1323247" y="5506448"/>
-            <a:ext cx="10378422" cy="954107"/>
-          </a:xfrm>
-          <a:prstGeom prst="rect">
-            <a:avLst/>
-          </a:prstGeom>
-          <a:noFill/>
-        </p:spPr>
-        <p:txBody>
-          <a:bodyPr wrap="square" rtlCol="0">
-            <a:spAutoFit/>
-          </a:bodyPr>
-          <a:lstStyle/>
-          <a:p>
-            <a:r>
-              <a:rPr kumimoji="1" lang="ja-JP" altLang="en-US" sz="2800" dirty="0">
-                <a:latin typeface="BIZ UDPゴシック" panose="020B0400000000000000" pitchFamily="50" charset="-128"/>
-                <a:ea typeface="BIZ UDPゴシック" panose="020B0400000000000000" pitchFamily="50" charset="-128"/>
-              </a:rPr>
-              <a:t>画像のように</a:t>
-            </a:r>
-            <a:r>
-              <a:rPr kumimoji="1" lang="en-US" altLang="ja-JP" sz="2800" dirty="0">
-                <a:latin typeface="BIZ UDPゴシック" panose="020B0400000000000000" pitchFamily="50" charset="-128"/>
-                <a:ea typeface="BIZ UDPゴシック" panose="020B0400000000000000" pitchFamily="50" charset="-128"/>
-              </a:rPr>
-              <a:t>80%</a:t>
-            </a:r>
-            <a:r>
-              <a:rPr kumimoji="1" lang="ja-JP" altLang="en-US" sz="2800" dirty="0">
-                <a:latin typeface="BIZ UDPゴシック" panose="020B0400000000000000" pitchFamily="50" charset="-128"/>
-                <a:ea typeface="BIZ UDPゴシック" panose="020B0400000000000000" pitchFamily="50" charset="-128"/>
-              </a:rPr>
-              <a:t>と表示されれば成功です。</a:t>
-            </a:r>
-            <a:endParaRPr kumimoji="1" lang="en-US" altLang="ja-JP" sz="2800" dirty="0">
-              <a:latin typeface="BIZ UDPゴシック" panose="020B0400000000000000" pitchFamily="50" charset="-128"/>
-              <a:ea typeface="BIZ UDPゴシック" panose="020B0400000000000000" pitchFamily="50" charset="-128"/>
-            </a:endParaRPr>
-          </a:p>
-          <a:p>
-            <a:r>
-              <a:rPr kumimoji="1" lang="ja-JP" altLang="en-US" sz="2800" dirty="0">
-                <a:latin typeface="BIZ UDPゴシック" panose="020B0400000000000000" pitchFamily="50" charset="-128"/>
-                <a:ea typeface="BIZ UDPゴシック" panose="020B0400000000000000" pitchFamily="50" charset="-128"/>
-              </a:rPr>
-              <a:t>ゲーム中は</a:t>
-            </a:r>
-            <a:r>
-              <a:rPr kumimoji="1" lang="en-US" altLang="ja-JP" sz="2800" dirty="0" err="1">
-                <a:latin typeface="BIZ UDPゴシック" panose="020B0400000000000000" pitchFamily="50" charset="-128"/>
-                <a:ea typeface="BIZ UDPゴシック" panose="020B0400000000000000" pitchFamily="50" charset="-128"/>
-              </a:rPr>
-              <a:t>gradle</a:t>
-            </a:r>
-            <a:r>
-              <a:rPr kumimoji="1" lang="en-US" altLang="ja-JP" sz="2800" dirty="0">
-                <a:latin typeface="BIZ UDPゴシック" panose="020B0400000000000000" pitchFamily="50" charset="-128"/>
-                <a:ea typeface="BIZ UDPゴシック" panose="020B0400000000000000" pitchFamily="50" charset="-128"/>
-              </a:rPr>
-              <a:t> </a:t>
-            </a:r>
-            <a:r>
-              <a:rPr kumimoji="1" lang="en-US" altLang="ja-JP" sz="2800" dirty="0" err="1">
-                <a:latin typeface="BIZ UDPゴシック" panose="020B0400000000000000" pitchFamily="50" charset="-128"/>
-                <a:ea typeface="BIZ UDPゴシック" panose="020B0400000000000000" pitchFamily="50" charset="-128"/>
-              </a:rPr>
-              <a:t>bootrun</a:t>
-            </a:r>
-            <a:r>
-              <a:rPr kumimoji="1" lang="ja-JP" altLang="en-US" sz="2800" dirty="0">
-                <a:latin typeface="BIZ UDPゴシック" panose="020B0400000000000000" pitchFamily="50" charset="-128"/>
-                <a:ea typeface="BIZ UDPゴシック" panose="020B0400000000000000" pitchFamily="50" charset="-128"/>
-              </a:rPr>
-              <a:t>を起動したままにしてください。</a:t>
-            </a:r>
-          </a:p>
-        </p:txBody>
-      </p:sp>
-      <p:pic>
-        <p:nvPicPr>
-          <p:cNvPr id="3" name="図 2">
-            <a:extLst>
-              <a:ext uri="{FF2B5EF4-FFF2-40B4-BE49-F238E27FC236}">
-                <a16:creationId xmlns:a16="http://schemas.microsoft.com/office/drawing/2014/main" id="{72B34C2E-7D85-373B-5886-F546C717024C}"/>
-              </a:ext>
-            </a:extLst>
-          </p:cNvPr>
-          <p:cNvPicPr>
-            <a:picLocks noChangeAspect="1"/>
-          </p:cNvPicPr>
-          <p:nvPr/>
-        </p:nvPicPr>
-        <p:blipFill>
-          <a:blip r:embed="rId2">
-            <a:extLst>
-              <a:ext uri="{28A0092B-C50C-407E-A947-70E740481C1C}">
-                <a14:useLocalDpi xmlns:a14="http://schemas.microsoft.com/office/drawing/2010/main" val="0"/>
-              </a:ext>
-            </a:extLst>
-          </a:blip>
-          <a:stretch>
-            <a:fillRect/>
-          </a:stretch>
-        </p:blipFill>
-        <p:spPr>
-          <a:xfrm>
-            <a:off x="1508263" y="159026"/>
-            <a:ext cx="8414880" cy="5234609"/>
-          </a:xfrm>
-          <a:prstGeom prst="rect">
-            <a:avLst/>
-          </a:prstGeom>
-        </p:spPr>
-      </p:pic>
-      <p:sp>
-        <p:nvSpPr>
-          <p:cNvPr id="4" name="矢印: 右 3">
-            <a:extLst>
-              <a:ext uri="{FF2B5EF4-FFF2-40B4-BE49-F238E27FC236}">
-                <a16:creationId xmlns:a16="http://schemas.microsoft.com/office/drawing/2014/main" id="{AC557D63-E155-EA8B-D4A6-1EE80C44DE74}"/>
-              </a:ext>
-            </a:extLst>
-          </p:cNvPr>
-          <p:cNvSpPr/>
-          <p:nvPr/>
-        </p:nvSpPr>
-        <p:spPr>
-          <a:xfrm rot="11145170">
-            <a:off x="3673880" y="4727353"/>
-            <a:ext cx="769771" cy="808546"/>
-          </a:xfrm>
-          <a:prstGeom prst="rightArrow">
-            <a:avLst/>
-          </a:prstGeom>
-          <a:solidFill>
-            <a:srgbClr val="00B0F0"/>
-          </a:solidFill>
-        </p:spPr>
-        <p:style>
-          <a:lnRef idx="2">
-            <a:schemeClr val="accent1">
-              <a:shade val="50000"/>
-            </a:schemeClr>
-          </a:lnRef>
-          <a:fillRef idx="1">
-            <a:schemeClr val="accent1"/>
-          </a:fillRef>
-          <a:effectRef idx="0">
-            <a:schemeClr val="accent1"/>
-          </a:effectRef>
-          <a:fontRef idx="minor">
-            <a:schemeClr val="lt1"/>
-          </a:fontRef>
-        </p:style>
-        <p:txBody>
-          <a:bodyPr rtlCol="0" anchor="ctr"/>
-          <a:lstStyle/>
-          <a:p>
-            <a:pPr algn="ctr"/>
-            <a:endParaRPr kumimoji="1" lang="ja-JP" altLang="en-US"/>
-          </a:p>
-        </p:txBody>
-      </p:sp>
-    </p:spTree>
-    <p:extLst>
-      <p:ext uri="{BB962C8B-B14F-4D97-AF65-F5344CB8AC3E}">
-        <p14:creationId xmlns:p14="http://schemas.microsoft.com/office/powerpoint/2010/main" val="3475195320"/>
-      </p:ext>
-    </p:extLst>
-  </p:cSld>
-  <p:clrMapOvr>
-    <a:masterClrMapping/>
-  </p:clrMapOvr>
-</p:sld>
-</file>
-
-<file path=ppt/slides/slide8.xml><?xml version="1.0" encoding="utf-8"?>
-<p:sld xmlns:a="http://schemas.openxmlformats.org/drawingml/2006/main" xmlns:r="http://schemas.openxmlformats.org/officeDocument/2006/relationships" xmlns:p="http://schemas.openxmlformats.org/presentationml/2006/main">
-  <p:cSld>
-    <p:spTree>
-      <p:nvGrpSpPr>
-        <p:cNvPr id="1" name=""/>
-        <p:cNvGrpSpPr/>
-        <p:nvPr/>
-      </p:nvGrpSpPr>
-      <p:grpSpPr>
-        <a:xfrm>
-          <a:off x="0" y="0"/>
-          <a:ext cx="0" cy="0"/>
-          <a:chOff x="0" y="0"/>
-          <a:chExt cx="0" cy="0"/>
-        </a:xfrm>
-      </p:grpSpPr>
-      <p:sp>
-        <p:nvSpPr>
-          <p:cNvPr id="9" name="テキスト ボックス 8">
-            <a:extLst>
-              <a:ext uri="{FF2B5EF4-FFF2-40B4-BE49-F238E27FC236}">
-                <a16:creationId xmlns:a16="http://schemas.microsoft.com/office/drawing/2014/main" id="{C2F0F8EC-F49A-72BC-52E4-21EDFFBB891B}"/>
-              </a:ext>
-            </a:extLst>
-          </p:cNvPr>
-          <p:cNvSpPr txBox="1"/>
-          <p:nvPr/>
-        </p:nvSpPr>
-        <p:spPr>
-          <a:xfrm>
-            <a:off x="1323247" y="5506448"/>
-            <a:ext cx="10378422" cy="954107"/>
-          </a:xfrm>
-          <a:prstGeom prst="rect">
-            <a:avLst/>
-          </a:prstGeom>
-          <a:noFill/>
-        </p:spPr>
-        <p:txBody>
-          <a:bodyPr wrap="square" rtlCol="0">
-            <a:spAutoFit/>
-          </a:bodyPr>
-          <a:lstStyle/>
-          <a:p>
-            <a:r>
-              <a:rPr kumimoji="1" lang="ja-JP" altLang="en-US" sz="2800" dirty="0">
-                <a:latin typeface="BIZ UDPゴシック" panose="020B0400000000000000" pitchFamily="50" charset="-128"/>
-                <a:ea typeface="BIZ UDPゴシック" panose="020B0400000000000000" pitchFamily="50" charset="-128"/>
-              </a:rPr>
-              <a:t>画像のように</a:t>
-            </a:r>
-            <a:r>
-              <a:rPr kumimoji="1" lang="en-US" altLang="ja-JP" sz="2800" dirty="0">
-                <a:latin typeface="BIZ UDPゴシック" panose="020B0400000000000000" pitchFamily="50" charset="-128"/>
-                <a:ea typeface="BIZ UDPゴシック" panose="020B0400000000000000" pitchFamily="50" charset="-128"/>
-              </a:rPr>
-              <a:t>80%</a:t>
-            </a:r>
-            <a:r>
-              <a:rPr kumimoji="1" lang="ja-JP" altLang="en-US" sz="2800" dirty="0">
-                <a:latin typeface="BIZ UDPゴシック" panose="020B0400000000000000" pitchFamily="50" charset="-128"/>
-                <a:ea typeface="BIZ UDPゴシック" panose="020B0400000000000000" pitchFamily="50" charset="-128"/>
-              </a:rPr>
-              <a:t>と表示されれば成功です。</a:t>
-            </a:r>
-            <a:endParaRPr kumimoji="1" lang="en-US" altLang="ja-JP" sz="2800" dirty="0">
-              <a:latin typeface="BIZ UDPゴシック" panose="020B0400000000000000" pitchFamily="50" charset="-128"/>
-              <a:ea typeface="BIZ UDPゴシック" panose="020B0400000000000000" pitchFamily="50" charset="-128"/>
-            </a:endParaRPr>
-          </a:p>
-          <a:p>
-            <a:r>
-              <a:rPr kumimoji="1" lang="ja-JP" altLang="en-US" sz="2800" dirty="0">
-                <a:latin typeface="BIZ UDPゴシック" panose="020B0400000000000000" pitchFamily="50" charset="-128"/>
-                <a:ea typeface="BIZ UDPゴシック" panose="020B0400000000000000" pitchFamily="50" charset="-128"/>
-              </a:rPr>
-              <a:t>ゲーム中は</a:t>
-            </a:r>
-            <a:r>
-              <a:rPr kumimoji="1" lang="en-US" altLang="ja-JP" sz="2800" dirty="0" err="1">
-                <a:latin typeface="BIZ UDPゴシック" panose="020B0400000000000000" pitchFamily="50" charset="-128"/>
-                <a:ea typeface="BIZ UDPゴシック" panose="020B0400000000000000" pitchFamily="50" charset="-128"/>
-              </a:rPr>
-              <a:t>gradle</a:t>
-            </a:r>
-            <a:r>
-              <a:rPr kumimoji="1" lang="en-US" altLang="ja-JP" sz="2800" dirty="0">
-                <a:latin typeface="BIZ UDPゴシック" panose="020B0400000000000000" pitchFamily="50" charset="-128"/>
-                <a:ea typeface="BIZ UDPゴシック" panose="020B0400000000000000" pitchFamily="50" charset="-128"/>
-              </a:rPr>
-              <a:t> </a:t>
-            </a:r>
-            <a:r>
-              <a:rPr kumimoji="1" lang="en-US" altLang="ja-JP" sz="2800" dirty="0" err="1">
-                <a:latin typeface="BIZ UDPゴシック" panose="020B0400000000000000" pitchFamily="50" charset="-128"/>
-                <a:ea typeface="BIZ UDPゴシック" panose="020B0400000000000000" pitchFamily="50" charset="-128"/>
-              </a:rPr>
-              <a:t>bootrun</a:t>
-            </a:r>
-            <a:r>
-              <a:rPr kumimoji="1" lang="ja-JP" altLang="en-US" sz="2800" dirty="0">
-                <a:latin typeface="BIZ UDPゴシック" panose="020B0400000000000000" pitchFamily="50" charset="-128"/>
-                <a:ea typeface="BIZ UDPゴシック" panose="020B0400000000000000" pitchFamily="50" charset="-128"/>
-              </a:rPr>
-              <a:t>を起動したままにしてください。</a:t>
-            </a:r>
-          </a:p>
-        </p:txBody>
-      </p:sp>
-      <p:pic>
-        <p:nvPicPr>
-          <p:cNvPr id="3" name="図 2">
-            <a:extLst>
-              <a:ext uri="{FF2B5EF4-FFF2-40B4-BE49-F238E27FC236}">
-                <a16:creationId xmlns:a16="http://schemas.microsoft.com/office/drawing/2014/main" id="{72B34C2E-7D85-373B-5886-F546C717024C}"/>
-              </a:ext>
-            </a:extLst>
-          </p:cNvPr>
-          <p:cNvPicPr>
-            <a:picLocks noChangeAspect="1"/>
-          </p:cNvPicPr>
-          <p:nvPr/>
-        </p:nvPicPr>
-        <p:blipFill>
-          <a:blip r:embed="rId2">
-            <a:extLst>
-              <a:ext uri="{28A0092B-C50C-407E-A947-70E740481C1C}">
-                <a14:useLocalDpi xmlns:a14="http://schemas.microsoft.com/office/drawing/2010/main" val="0"/>
-              </a:ext>
-            </a:extLst>
-          </a:blip>
-          <a:stretch>
-            <a:fillRect/>
-          </a:stretch>
-        </p:blipFill>
-        <p:spPr>
-          <a:xfrm>
-            <a:off x="1508263" y="159026"/>
-            <a:ext cx="8414880" cy="5234609"/>
-          </a:xfrm>
-          <a:prstGeom prst="rect">
-            <a:avLst/>
-          </a:prstGeom>
-        </p:spPr>
-      </p:pic>
-      <p:sp>
-        <p:nvSpPr>
-          <p:cNvPr id="4" name="矢印: 右 3">
-            <a:extLst>
-              <a:ext uri="{FF2B5EF4-FFF2-40B4-BE49-F238E27FC236}">
-                <a16:creationId xmlns:a16="http://schemas.microsoft.com/office/drawing/2014/main" id="{AC557D63-E155-EA8B-D4A6-1EE80C44DE74}"/>
-              </a:ext>
-            </a:extLst>
-          </p:cNvPr>
-          <p:cNvSpPr/>
-          <p:nvPr/>
-        </p:nvSpPr>
-        <p:spPr>
-          <a:xfrm rot="11145170">
-            <a:off x="3673880" y="4727353"/>
-            <a:ext cx="769771" cy="808546"/>
-          </a:xfrm>
-          <a:prstGeom prst="rightArrow">
-            <a:avLst/>
-          </a:prstGeom>
-          <a:solidFill>
-            <a:srgbClr val="00B0F0"/>
-          </a:solidFill>
-        </p:spPr>
-        <p:style>
-          <a:lnRef idx="2">
-            <a:schemeClr val="accent1">
-              <a:shade val="50000"/>
-            </a:schemeClr>
-          </a:lnRef>
-          <a:fillRef idx="1">
-            <a:schemeClr val="accent1"/>
-          </a:fillRef>
-          <a:effectRef idx="0">
-            <a:schemeClr val="accent1"/>
-          </a:effectRef>
-          <a:fontRef idx="minor">
-            <a:schemeClr val="lt1"/>
-          </a:fontRef>
-        </p:style>
-        <p:txBody>
-          <a:bodyPr rtlCol="0" anchor="ctr"/>
-          <a:lstStyle/>
-          <a:p>
-            <a:pPr algn="ctr"/>
-            <a:endParaRPr kumimoji="1" lang="ja-JP" altLang="en-US"/>
-          </a:p>
-        </p:txBody>
-      </p:sp>
-    </p:spTree>
-    <p:extLst>
-      <p:ext uri="{BB962C8B-B14F-4D97-AF65-F5344CB8AC3E}">
-        <p14:creationId xmlns:p14="http://schemas.microsoft.com/office/powerpoint/2010/main" val="2011804028"/>
-      </p:ext>
-    </p:extLst>
-  </p:cSld>
-  <p:clrMapOvr>
-    <a:masterClrMapping/>
-  </p:clrMapOvr>
-</p:sld>
-</file>
-
-<file path=ppt/slides/slide9.xml><?xml version="1.0" encoding="utf-8"?>
-<p:sld xmlns:a="http://schemas.openxmlformats.org/drawingml/2006/main" xmlns:r="http://schemas.openxmlformats.org/officeDocument/2006/relationships" xmlns:p="http://schemas.openxmlformats.org/presentationml/2006/main">
-  <p:cSld>
-    <p:spTree>
-      <p:nvGrpSpPr>
-        <p:cNvPr id="1" name=""/>
-        <p:cNvGrpSpPr/>
-        <p:nvPr/>
-      </p:nvGrpSpPr>
-      <p:grpSpPr>
-        <a:xfrm>
-          <a:off x="0" y="0"/>
-          <a:ext cx="0" cy="0"/>
-          <a:chOff x="0" y="0"/>
-          <a:chExt cx="0" cy="0"/>
-        </a:xfrm>
-      </p:grpSpPr>
-      <p:sp>
-        <p:nvSpPr>
-          <p:cNvPr id="9" name="テキスト ボックス 8">
-            <a:extLst>
-              <a:ext uri="{FF2B5EF4-FFF2-40B4-BE49-F238E27FC236}">
-                <a16:creationId xmlns:a16="http://schemas.microsoft.com/office/drawing/2014/main" id="{C2F0F8EC-F49A-72BC-52E4-21EDFFBB891B}"/>
-              </a:ext>
-            </a:extLst>
-          </p:cNvPr>
-          <p:cNvSpPr txBox="1"/>
-          <p:nvPr/>
-        </p:nvSpPr>
-        <p:spPr>
-          <a:xfrm>
-            <a:off x="1813578" y="2087388"/>
-            <a:ext cx="10378422" cy="1200329"/>
-          </a:xfrm>
-          <a:prstGeom prst="rect">
-            <a:avLst/>
-          </a:prstGeom>
-          <a:noFill/>
-        </p:spPr>
-        <p:txBody>
-          <a:bodyPr wrap="square" rtlCol="0">
-            <a:spAutoFit/>
-          </a:bodyPr>
-          <a:lstStyle/>
-          <a:p>
-            <a:r>
-              <a:rPr kumimoji="1" lang="ja-JP" altLang="en-US" sz="3600" dirty="0">
-                <a:latin typeface="BIZ UDPゴシック" panose="020B0400000000000000" pitchFamily="50" charset="-128"/>
-                <a:ea typeface="BIZ UDPゴシック" panose="020B0400000000000000" pitchFamily="50" charset="-128"/>
-              </a:rPr>
-              <a:t>セットアップお疲れさまでした。</a:t>
-            </a:r>
-            <a:endParaRPr kumimoji="1" lang="en-US" altLang="ja-JP" sz="3600" dirty="0">
-              <a:latin typeface="BIZ UDPゴシック" panose="020B0400000000000000" pitchFamily="50" charset="-128"/>
-              <a:ea typeface="BIZ UDPゴシック" panose="020B0400000000000000" pitchFamily="50" charset="-128"/>
-            </a:endParaRPr>
-          </a:p>
-          <a:p>
-            <a:r>
-              <a:rPr kumimoji="1" lang="ja-JP" altLang="en-US" sz="3600" dirty="0">
-                <a:latin typeface="BIZ UDPゴシック" panose="020B0400000000000000" pitchFamily="50" charset="-128"/>
-                <a:ea typeface="BIZ UDPゴシック" panose="020B0400000000000000" pitchFamily="50" charset="-128"/>
-              </a:rPr>
-              <a:t>続いてユーザマニュアルに移ります。</a:t>
-            </a:r>
-            <a:endParaRPr kumimoji="1" lang="en-US" altLang="ja-JP" sz="3600" dirty="0">
-              <a:latin typeface="BIZ UDPゴシック" panose="020B0400000000000000" pitchFamily="50" charset="-128"/>
-              <a:ea typeface="BIZ UDPゴシック" panose="020B0400000000000000" pitchFamily="50" charset="-128"/>
-            </a:endParaRPr>
-          </a:p>
-        </p:txBody>
-      </p:sp>
-    </p:spTree>
-    <p:extLst>
-      <p:ext uri="{BB962C8B-B14F-4D97-AF65-F5344CB8AC3E}">
-        <p14:creationId xmlns:p14="http://schemas.microsoft.com/office/powerpoint/2010/main" val="166092315"/>
       </p:ext>
     </p:extLst>
   </p:cSld>

--- a/hogemonマニュアル.pptx
+++ b/hogemonマニュアル.pptx
@@ -6,27 +6,26 @@
   </p:sldMasterIdLst>
   <p:sldIdLst>
     <p:sldId id="268" r:id="rId2"/>
-    <p:sldId id="256" r:id="rId3"/>
-    <p:sldId id="260" r:id="rId4"/>
-    <p:sldId id="257" r:id="rId5"/>
-    <p:sldId id="263" r:id="rId6"/>
-    <p:sldId id="264" r:id="rId7"/>
-    <p:sldId id="267" r:id="rId8"/>
-    <p:sldId id="270" r:id="rId9"/>
-    <p:sldId id="271" r:id="rId10"/>
-    <p:sldId id="272" r:id="rId11"/>
-    <p:sldId id="273" r:id="rId12"/>
-    <p:sldId id="275" r:id="rId13"/>
-    <p:sldId id="276" r:id="rId14"/>
-    <p:sldId id="274" r:id="rId15"/>
-    <p:sldId id="278" r:id="rId16"/>
-    <p:sldId id="277" r:id="rId17"/>
-    <p:sldId id="279" r:id="rId18"/>
-    <p:sldId id="280" r:id="rId19"/>
-    <p:sldId id="281" r:id="rId20"/>
-    <p:sldId id="283" r:id="rId21"/>
-    <p:sldId id="282" r:id="rId22"/>
-    <p:sldId id="284" r:id="rId23"/>
+    <p:sldId id="285" r:id="rId3"/>
+    <p:sldId id="257" r:id="rId4"/>
+    <p:sldId id="263" r:id="rId5"/>
+    <p:sldId id="264" r:id="rId6"/>
+    <p:sldId id="267" r:id="rId7"/>
+    <p:sldId id="270" r:id="rId8"/>
+    <p:sldId id="271" r:id="rId9"/>
+    <p:sldId id="272" r:id="rId10"/>
+    <p:sldId id="273" r:id="rId11"/>
+    <p:sldId id="275" r:id="rId12"/>
+    <p:sldId id="276" r:id="rId13"/>
+    <p:sldId id="274" r:id="rId14"/>
+    <p:sldId id="278" r:id="rId15"/>
+    <p:sldId id="277" r:id="rId16"/>
+    <p:sldId id="279" r:id="rId17"/>
+    <p:sldId id="280" r:id="rId18"/>
+    <p:sldId id="281" r:id="rId19"/>
+    <p:sldId id="283" r:id="rId20"/>
+    <p:sldId id="282" r:id="rId21"/>
+    <p:sldId id="284" r:id="rId22"/>
   </p:sldIdLst>
   <p:sldSz cx="12192000" cy="6858000"/>
   <p:notesSz cx="6858000" cy="9144000"/>
@@ -8120,7 +8119,7 @@
           <p:cNvPr id="4" name="図 3">
             <a:extLst>
               <a:ext uri="{FF2B5EF4-FFF2-40B4-BE49-F238E27FC236}">
-                <a16:creationId xmlns:a16="http://schemas.microsoft.com/office/drawing/2014/main" id="{43F69AE1-47B2-4BC5-6794-10DA0C958F07}"/>
+                <a16:creationId xmlns:a16="http://schemas.microsoft.com/office/drawing/2014/main" id="{F60BEB1C-2CE5-AD8C-7EFF-023E8BDEA769}"/>
               </a:ext>
             </a:extLst>
           </p:cNvPr>
@@ -8129,7 +8128,7 @@
           </p:cNvPicPr>
           <p:nvPr/>
         </p:nvPicPr>
-        <p:blipFill>
+        <p:blipFill rotWithShape="1">
           <a:blip r:embed="rId2">
             <a:extLst>
               <a:ext uri="{28A0092B-C50C-407E-A947-70E740481C1C}">
@@ -8137,14 +8136,13 @@
               </a:ext>
             </a:extLst>
           </a:blip>
-          <a:stretch>
-            <a:fillRect/>
-          </a:stretch>
+          <a:srcRect r="46540"/>
+          <a:stretch/>
         </p:blipFill>
         <p:spPr>
           <a:xfrm>
-            <a:off x="2075955" y="0"/>
-            <a:ext cx="6895767" cy="5881920"/>
+            <a:off x="2011479" y="0"/>
+            <a:ext cx="6644249" cy="6991034"/>
           </a:xfrm>
           <a:prstGeom prst="rect">
             <a:avLst/>
@@ -8165,8 +8163,8 @@
         </p:nvSpPr>
         <p:spPr>
           <a:xfrm>
-            <a:off x="2075955" y="5536096"/>
-            <a:ext cx="10378422" cy="954107"/>
+            <a:off x="1940458" y="3637771"/>
+            <a:ext cx="10378422" cy="1384995"/>
           </a:xfrm>
           <a:prstGeom prst="rect">
             <a:avLst/>
@@ -8184,7 +8182,7 @@
                 <a:latin typeface="BIZ UDPゴシック" panose="020B0400000000000000" pitchFamily="50" charset="-128"/>
                 <a:ea typeface="BIZ UDPゴシック" panose="020B0400000000000000" pitchFamily="50" charset="-128"/>
               </a:rPr>
-              <a:t>この画面が表示されたらログイン成功です。</a:t>
+              <a:t>戦闘をクリックすると、モンスター選択画面が表示されます。</a:t>
             </a:r>
             <a:endParaRPr kumimoji="1" lang="en-US" altLang="ja-JP" sz="2800" dirty="0">
               <a:latin typeface="BIZ UDPゴシック" panose="020B0400000000000000" pitchFamily="50" charset="-128"/>
@@ -8197,15 +8195,32 @@
                 <a:latin typeface="BIZ UDPゴシック" panose="020B0400000000000000" pitchFamily="50" charset="-128"/>
                 <a:ea typeface="BIZ UDPゴシック" panose="020B0400000000000000" pitchFamily="50" charset="-128"/>
               </a:rPr>
-              <a:t>ゲームをお楽しみください。</a:t>
-            </a:r>
+              <a:t>１～３のどれかを選び、詳細表示をクリックすることで、</a:t>
+            </a:r>
+            <a:endParaRPr kumimoji="1" lang="en-US" altLang="ja-JP" sz="2800" dirty="0">
+              <a:latin typeface="BIZ UDPゴシック" panose="020B0400000000000000" pitchFamily="50" charset="-128"/>
+              <a:ea typeface="BIZ UDPゴシック" panose="020B0400000000000000" pitchFamily="50" charset="-128"/>
+            </a:endParaRPr>
+          </a:p>
+          <a:p>
+            <a:r>
+              <a:rPr kumimoji="1" lang="ja-JP" altLang="en-US" sz="2800" dirty="0">
+                <a:latin typeface="BIZ UDPゴシック" panose="020B0400000000000000" pitchFamily="50" charset="-128"/>
+                <a:ea typeface="BIZ UDPゴシック" panose="020B0400000000000000" pitchFamily="50" charset="-128"/>
+              </a:rPr>
+              <a:t>エントリーが完了します。</a:t>
+            </a:r>
+            <a:endParaRPr kumimoji="1" lang="en-US" altLang="ja-JP" sz="2800" dirty="0">
+              <a:latin typeface="BIZ UDPゴシック" panose="020B0400000000000000" pitchFamily="50" charset="-128"/>
+              <a:ea typeface="BIZ UDPゴシック" panose="020B0400000000000000" pitchFamily="50" charset="-128"/>
+            </a:endParaRPr>
           </a:p>
         </p:txBody>
       </p:sp>
     </p:spTree>
     <p:extLst>
       <p:ext uri="{BB962C8B-B14F-4D97-AF65-F5344CB8AC3E}">
-        <p14:creationId xmlns:p14="http://schemas.microsoft.com/office/powerpoint/2010/main" val="3437822726"/>
+        <p14:creationId xmlns:p14="http://schemas.microsoft.com/office/powerpoint/2010/main" val="1202511982"/>
       </p:ext>
     </p:extLst>
   </p:cSld>
@@ -8237,140 +8252,6 @@
           <p:cNvPr id="4" name="図 3">
             <a:extLst>
               <a:ext uri="{FF2B5EF4-FFF2-40B4-BE49-F238E27FC236}">
-                <a16:creationId xmlns:a16="http://schemas.microsoft.com/office/drawing/2014/main" id="{F60BEB1C-2CE5-AD8C-7EFF-023E8BDEA769}"/>
-              </a:ext>
-            </a:extLst>
-          </p:cNvPr>
-          <p:cNvPicPr>
-            <a:picLocks noChangeAspect="1"/>
-          </p:cNvPicPr>
-          <p:nvPr/>
-        </p:nvPicPr>
-        <p:blipFill>
-          <a:blip r:embed="rId2">
-            <a:extLst>
-              <a:ext uri="{28A0092B-C50C-407E-A947-70E740481C1C}">
-                <a14:useLocalDpi xmlns:a14="http://schemas.microsoft.com/office/drawing/2010/main" val="0"/>
-              </a:ext>
-            </a:extLst>
-          </a:blip>
-          <a:stretch>
-            <a:fillRect/>
-          </a:stretch>
-        </p:blipFill>
-        <p:spPr>
-          <a:xfrm>
-            <a:off x="2075955" y="0"/>
-            <a:ext cx="8040090" cy="6858000"/>
-          </a:xfrm>
-          <a:prstGeom prst="rect">
-            <a:avLst/>
-          </a:prstGeom>
-        </p:spPr>
-      </p:pic>
-      <p:sp>
-        <p:nvSpPr>
-          <p:cNvPr id="2" name="テキスト ボックス 1">
-            <a:extLst>
-              <a:ext uri="{FF2B5EF4-FFF2-40B4-BE49-F238E27FC236}">
-                <a16:creationId xmlns:a16="http://schemas.microsoft.com/office/drawing/2014/main" id="{A5DB7B2B-061B-6EC4-A175-08EF0607A635}"/>
-              </a:ext>
-            </a:extLst>
-          </p:cNvPr>
-          <p:cNvSpPr txBox="1"/>
-          <p:nvPr/>
-        </p:nvSpPr>
-        <p:spPr>
-          <a:xfrm>
-            <a:off x="1940458" y="3637771"/>
-            <a:ext cx="10378422" cy="1384995"/>
-          </a:xfrm>
-          <a:prstGeom prst="rect">
-            <a:avLst/>
-          </a:prstGeom>
-          <a:noFill/>
-        </p:spPr>
-        <p:txBody>
-          <a:bodyPr wrap="square" rtlCol="0">
-            <a:spAutoFit/>
-          </a:bodyPr>
-          <a:lstStyle/>
-          <a:p>
-            <a:r>
-              <a:rPr kumimoji="1" lang="ja-JP" altLang="en-US" sz="2800" dirty="0">
-                <a:latin typeface="BIZ UDPゴシック" panose="020B0400000000000000" pitchFamily="50" charset="-128"/>
-                <a:ea typeface="BIZ UDPゴシック" panose="020B0400000000000000" pitchFamily="50" charset="-128"/>
-              </a:rPr>
-              <a:t>戦闘をクリックすると、モンスター選択画面が表示されます。</a:t>
-            </a:r>
-            <a:endParaRPr kumimoji="1" lang="en-US" altLang="ja-JP" sz="2800" dirty="0">
-              <a:latin typeface="BIZ UDPゴシック" panose="020B0400000000000000" pitchFamily="50" charset="-128"/>
-              <a:ea typeface="BIZ UDPゴシック" panose="020B0400000000000000" pitchFamily="50" charset="-128"/>
-            </a:endParaRPr>
-          </a:p>
-          <a:p>
-            <a:r>
-              <a:rPr kumimoji="1" lang="ja-JP" altLang="en-US" sz="2800" dirty="0">
-                <a:latin typeface="BIZ UDPゴシック" panose="020B0400000000000000" pitchFamily="50" charset="-128"/>
-                <a:ea typeface="BIZ UDPゴシック" panose="020B0400000000000000" pitchFamily="50" charset="-128"/>
-              </a:rPr>
-              <a:t>１～３のどれかを選び、詳細表示をクリックすることで、</a:t>
-            </a:r>
-            <a:endParaRPr kumimoji="1" lang="en-US" altLang="ja-JP" sz="2800" dirty="0">
-              <a:latin typeface="BIZ UDPゴシック" panose="020B0400000000000000" pitchFamily="50" charset="-128"/>
-              <a:ea typeface="BIZ UDPゴシック" panose="020B0400000000000000" pitchFamily="50" charset="-128"/>
-            </a:endParaRPr>
-          </a:p>
-          <a:p>
-            <a:r>
-              <a:rPr kumimoji="1" lang="ja-JP" altLang="en-US" sz="2800" dirty="0">
-                <a:latin typeface="BIZ UDPゴシック" panose="020B0400000000000000" pitchFamily="50" charset="-128"/>
-                <a:ea typeface="BIZ UDPゴシック" panose="020B0400000000000000" pitchFamily="50" charset="-128"/>
-              </a:rPr>
-              <a:t>エントリーが完了します。</a:t>
-            </a:r>
-            <a:endParaRPr kumimoji="1" lang="en-US" altLang="ja-JP" sz="2800" dirty="0">
-              <a:latin typeface="BIZ UDPゴシック" panose="020B0400000000000000" pitchFamily="50" charset="-128"/>
-              <a:ea typeface="BIZ UDPゴシック" panose="020B0400000000000000" pitchFamily="50" charset="-128"/>
-            </a:endParaRPr>
-          </a:p>
-        </p:txBody>
-      </p:sp>
-    </p:spTree>
-    <p:extLst>
-      <p:ext uri="{BB962C8B-B14F-4D97-AF65-F5344CB8AC3E}">
-        <p14:creationId xmlns:p14="http://schemas.microsoft.com/office/powerpoint/2010/main" val="1202511982"/>
-      </p:ext>
-    </p:extLst>
-  </p:cSld>
-  <p:clrMapOvr>
-    <a:masterClrMapping/>
-  </p:clrMapOvr>
-</p:sld>
-</file>
-
-<file path=ppt/slides/slide12.xml><?xml version="1.0" encoding="utf-8"?>
-<p:sld xmlns:a="http://schemas.openxmlformats.org/drawingml/2006/main" xmlns:r="http://schemas.openxmlformats.org/officeDocument/2006/relationships" xmlns:p="http://schemas.openxmlformats.org/presentationml/2006/main">
-  <p:cSld>
-    <p:spTree>
-      <p:nvGrpSpPr>
-        <p:cNvPr id="1" name=""/>
-        <p:cNvGrpSpPr/>
-        <p:nvPr/>
-      </p:nvGrpSpPr>
-      <p:grpSpPr>
-        <a:xfrm>
-          <a:off x="0" y="0"/>
-          <a:ext cx="0" cy="0"/>
-          <a:chOff x="0" y="0"/>
-          <a:chExt cx="0" cy="0"/>
-        </a:xfrm>
-      </p:grpSpPr>
-      <p:pic>
-        <p:nvPicPr>
-          <p:cNvPr id="4" name="図 3">
-            <a:extLst>
-              <a:ext uri="{FF2B5EF4-FFF2-40B4-BE49-F238E27FC236}">
                 <a16:creationId xmlns:a16="http://schemas.microsoft.com/office/drawing/2014/main" id="{83EB71E4-B4E1-77F3-3DF0-6160B9D260C3}"/>
               </a:ext>
             </a:extLst>
@@ -8380,7 +8261,7 @@
           </p:cNvPicPr>
           <p:nvPr/>
         </p:nvPicPr>
-        <p:blipFill>
+        <p:blipFill rotWithShape="1">
           <a:blip r:embed="rId2">
             <a:extLst>
               <a:ext uri="{28A0092B-C50C-407E-A947-70E740481C1C}">
@@ -8388,14 +8269,13 @@
               </a:ext>
             </a:extLst>
           </a:blip>
-          <a:stretch>
-            <a:fillRect/>
-          </a:stretch>
+          <a:srcRect r="39329"/>
+          <a:stretch/>
         </p:blipFill>
         <p:spPr>
           <a:xfrm>
-            <a:off x="2849942" y="0"/>
-            <a:ext cx="6492115" cy="6858000"/>
+            <a:off x="2814431" y="526002"/>
+            <a:ext cx="6262306" cy="5805995"/>
           </a:xfrm>
           <a:prstGeom prst="rect">
             <a:avLst/>
@@ -8453,7 +8333,7 @@
 </p:sld>
 </file>
 
-<file path=ppt/slides/slide13.xml><?xml version="1.0" encoding="utf-8"?>
+<file path=ppt/slides/slide12.xml><?xml version="1.0" encoding="utf-8"?>
 <p:sld xmlns:a="http://schemas.openxmlformats.org/drawingml/2006/main" xmlns:r="http://schemas.openxmlformats.org/officeDocument/2006/relationships" xmlns:p="http://schemas.openxmlformats.org/presentationml/2006/main">
   <p:cSld>
     <p:spTree>
@@ -8484,7 +8364,7 @@
           </p:cNvPicPr>
           <p:nvPr/>
         </p:nvPicPr>
-        <p:blipFill>
+        <p:blipFill rotWithShape="1">
           <a:blip r:embed="rId2">
             <a:extLst>
               <a:ext uri="{28A0092B-C50C-407E-A947-70E740481C1C}">
@@ -8492,14 +8372,13 @@
               </a:ext>
             </a:extLst>
           </a:blip>
-          <a:stretch>
-            <a:fillRect/>
-          </a:stretch>
+          <a:srcRect r="51095"/>
+          <a:stretch/>
         </p:blipFill>
         <p:spPr>
           <a:xfrm>
-            <a:off x="2849942" y="0"/>
-            <a:ext cx="6492115" cy="6858000"/>
+            <a:off x="2510302" y="0"/>
+            <a:ext cx="5962441" cy="6858000"/>
           </a:xfrm>
           <a:prstGeom prst="rect">
             <a:avLst/>
@@ -8548,6 +8427,122 @@
     <p:extLst>
       <p:ext uri="{BB962C8B-B14F-4D97-AF65-F5344CB8AC3E}">
         <p14:creationId xmlns:p14="http://schemas.microsoft.com/office/powerpoint/2010/main" val="485777945"/>
+      </p:ext>
+    </p:extLst>
+  </p:cSld>
+  <p:clrMapOvr>
+    <a:masterClrMapping/>
+  </p:clrMapOvr>
+</p:sld>
+</file>
+
+<file path=ppt/slides/slide13.xml><?xml version="1.0" encoding="utf-8"?>
+<p:sld xmlns:a="http://schemas.openxmlformats.org/drawingml/2006/main" xmlns:r="http://schemas.openxmlformats.org/officeDocument/2006/relationships" xmlns:p="http://schemas.openxmlformats.org/presentationml/2006/main">
+  <p:cSld>
+    <p:spTree>
+      <p:nvGrpSpPr>
+        <p:cNvPr id="1" name=""/>
+        <p:cNvGrpSpPr/>
+        <p:nvPr/>
+      </p:nvGrpSpPr>
+      <p:grpSpPr>
+        <a:xfrm>
+          <a:off x="0" y="0"/>
+          <a:ext cx="0" cy="0"/>
+          <a:chOff x="0" y="0"/>
+          <a:chExt cx="0" cy="0"/>
+        </a:xfrm>
+      </p:grpSpPr>
+      <p:sp>
+        <p:nvSpPr>
+          <p:cNvPr id="2" name="テキスト ボックス 1">
+            <a:extLst>
+              <a:ext uri="{FF2B5EF4-FFF2-40B4-BE49-F238E27FC236}">
+                <a16:creationId xmlns:a16="http://schemas.microsoft.com/office/drawing/2014/main" id="{A5DB7B2B-061B-6EC4-A175-08EF0607A635}"/>
+              </a:ext>
+            </a:extLst>
+          </p:cNvPr>
+          <p:cNvSpPr txBox="1"/>
+          <p:nvPr/>
+        </p:nvSpPr>
+        <p:spPr>
+          <a:xfrm>
+            <a:off x="1251345" y="5937073"/>
+            <a:ext cx="10378422" cy="954107"/>
+          </a:xfrm>
+          <a:prstGeom prst="rect">
+            <a:avLst/>
+          </a:prstGeom>
+          <a:noFill/>
+        </p:spPr>
+        <p:txBody>
+          <a:bodyPr wrap="square" rtlCol="0">
+            <a:spAutoFit/>
+          </a:bodyPr>
+          <a:lstStyle/>
+          <a:p>
+            <a:r>
+              <a:rPr kumimoji="1" lang="ja-JP" altLang="en-US" sz="2800" dirty="0">
+                <a:latin typeface="BIZ UDPゴシック" panose="020B0400000000000000" pitchFamily="50" charset="-128"/>
+                <a:ea typeface="BIZ UDPゴシック" panose="020B0400000000000000" pitchFamily="50" charset="-128"/>
+              </a:rPr>
+              <a:t>対戦申請がすでに来ている場合も同様に、</a:t>
+            </a:r>
+            <a:endParaRPr kumimoji="1" lang="en-US" altLang="ja-JP" sz="2800" dirty="0">
+              <a:latin typeface="BIZ UDPゴシック" panose="020B0400000000000000" pitchFamily="50" charset="-128"/>
+              <a:ea typeface="BIZ UDPゴシック" panose="020B0400000000000000" pitchFamily="50" charset="-128"/>
+            </a:endParaRPr>
+          </a:p>
+          <a:p>
+            <a:r>
+              <a:rPr kumimoji="1" lang="ja-JP" altLang="en-US" sz="2800" dirty="0">
+                <a:latin typeface="BIZ UDPゴシック" panose="020B0400000000000000" pitchFamily="50" charset="-128"/>
+                <a:ea typeface="BIZ UDPゴシック" panose="020B0400000000000000" pitchFamily="50" charset="-128"/>
+              </a:rPr>
+              <a:t>モンスターを選択したら詳細表示をクリックしてください。</a:t>
+            </a:r>
+          </a:p>
+        </p:txBody>
+      </p:sp>
+      <p:pic>
+        <p:nvPicPr>
+          <p:cNvPr id="4" name="図 3">
+            <a:extLst>
+              <a:ext uri="{FF2B5EF4-FFF2-40B4-BE49-F238E27FC236}">
+                <a16:creationId xmlns:a16="http://schemas.microsoft.com/office/drawing/2014/main" id="{8C554F8F-14EB-CA2C-126B-9D4B945BD4E5}"/>
+              </a:ext>
+            </a:extLst>
+          </p:cNvPr>
+          <p:cNvPicPr>
+            <a:picLocks noChangeAspect="1"/>
+          </p:cNvPicPr>
+          <p:nvPr/>
+        </p:nvPicPr>
+        <p:blipFill rotWithShape="1">
+          <a:blip r:embed="rId2">
+            <a:extLst>
+              <a:ext uri="{28A0092B-C50C-407E-A947-70E740481C1C}">
+                <a14:useLocalDpi xmlns:a14="http://schemas.microsoft.com/office/drawing/2010/main" val="0"/>
+              </a:ext>
+            </a:extLst>
+          </a:blip>
+          <a:srcRect r="49379"/>
+          <a:stretch/>
+        </p:blipFill>
+        <p:spPr>
+          <a:xfrm>
+            <a:off x="2894332" y="97654"/>
+            <a:ext cx="5113154" cy="5681710"/>
+          </a:xfrm>
+          <a:prstGeom prst="rect">
+            <a:avLst/>
+          </a:prstGeom>
+        </p:spPr>
+      </p:pic>
+    </p:spTree>
+    <p:extLst>
+      <p:ext uri="{BB962C8B-B14F-4D97-AF65-F5344CB8AC3E}">
+        <p14:creationId xmlns:p14="http://schemas.microsoft.com/office/powerpoint/2010/main" val="1496104876"/>
       </p:ext>
     </p:extLst>
   </p:cSld>
@@ -8574,6 +8569,41 @@
           <a:chExt cx="0" cy="0"/>
         </a:xfrm>
       </p:grpSpPr>
+      <p:pic>
+        <p:nvPicPr>
+          <p:cNvPr id="4" name="図 3">
+            <a:extLst>
+              <a:ext uri="{FF2B5EF4-FFF2-40B4-BE49-F238E27FC236}">
+                <a16:creationId xmlns:a16="http://schemas.microsoft.com/office/drawing/2014/main" id="{6888757C-359C-2D30-B553-A90736C024B3}"/>
+              </a:ext>
+            </a:extLst>
+          </p:cNvPr>
+          <p:cNvPicPr>
+            <a:picLocks noChangeAspect="1"/>
+          </p:cNvPicPr>
+          <p:nvPr/>
+        </p:nvPicPr>
+        <p:blipFill rotWithShape="1">
+          <a:blip r:embed="rId2">
+            <a:extLst>
+              <a:ext uri="{28A0092B-C50C-407E-A947-70E740481C1C}">
+                <a14:useLocalDpi xmlns:a14="http://schemas.microsoft.com/office/drawing/2010/main" val="0"/>
+              </a:ext>
+            </a:extLst>
+          </a:blip>
+          <a:srcRect r="37418"/>
+          <a:stretch/>
+        </p:blipFill>
+        <p:spPr>
+          <a:xfrm>
+            <a:off x="1987178" y="0"/>
+            <a:ext cx="7630004" cy="6858000"/>
+          </a:xfrm>
+          <a:prstGeom prst="rect">
+            <a:avLst/>
+          </a:prstGeom>
+        </p:spPr>
+      </p:pic>
       <p:sp>
         <p:nvSpPr>
           <p:cNvPr id="2" name="テキスト ボックス 1">
@@ -8588,8 +8618,8 @@
         </p:nvSpPr>
         <p:spPr>
           <a:xfrm>
-            <a:off x="1251345" y="5937073"/>
-            <a:ext cx="10378422" cy="954107"/>
+            <a:off x="1291102" y="4167858"/>
+            <a:ext cx="10378422" cy="1815882"/>
           </a:xfrm>
           <a:prstGeom prst="rect">
             <a:avLst/>
@@ -8607,7 +8637,49 @@
                 <a:latin typeface="BIZ UDPゴシック" panose="020B0400000000000000" pitchFamily="50" charset="-128"/>
                 <a:ea typeface="BIZ UDPゴシック" panose="020B0400000000000000" pitchFamily="50" charset="-128"/>
               </a:rPr>
-              <a:t>対戦申請がすでに来ている場合も同様に、</a:t>
+              <a:t>戦闘画面では、手持ちモンスター名と</a:t>
+            </a:r>
+            <a:r>
+              <a:rPr kumimoji="1" lang="en-US" altLang="ja-JP" sz="2800" dirty="0">
+                <a:latin typeface="BIZ UDPゴシック" panose="020B0400000000000000" pitchFamily="50" charset="-128"/>
+                <a:ea typeface="BIZ UDPゴシック" panose="020B0400000000000000" pitchFamily="50" charset="-128"/>
+              </a:rPr>
+              <a:t>HP</a:t>
+            </a:r>
+            <a:r>
+              <a:rPr kumimoji="1" lang="ja-JP" altLang="en-US" sz="2800" dirty="0">
+                <a:latin typeface="BIZ UDPゴシック" panose="020B0400000000000000" pitchFamily="50" charset="-128"/>
+                <a:ea typeface="BIZ UDPゴシック" panose="020B0400000000000000" pitchFamily="50" charset="-128"/>
+              </a:rPr>
+              <a:t>、攻撃力</a:t>
+            </a:r>
+            <a:r>
+              <a:rPr kumimoji="1" lang="en-US" altLang="ja-JP" sz="2800" dirty="0">
+                <a:latin typeface="BIZ UDPゴシック" panose="020B0400000000000000" pitchFamily="50" charset="-128"/>
+                <a:ea typeface="BIZ UDPゴシック" panose="020B0400000000000000" pitchFamily="50" charset="-128"/>
+              </a:rPr>
+              <a:t>(ATK)</a:t>
+            </a:r>
+            <a:r>
+              <a:rPr kumimoji="1" lang="ja-JP" altLang="en-US" sz="2800" dirty="0">
+                <a:latin typeface="BIZ UDPゴシック" panose="020B0400000000000000" pitchFamily="50" charset="-128"/>
+                <a:ea typeface="BIZ UDPゴシック" panose="020B0400000000000000" pitchFamily="50" charset="-128"/>
+              </a:rPr>
+              <a:t>、防御力</a:t>
+            </a:r>
+            <a:r>
+              <a:rPr kumimoji="1" lang="en-US" altLang="ja-JP" sz="2800" dirty="0">
+                <a:latin typeface="BIZ UDPゴシック" panose="020B0400000000000000" pitchFamily="50" charset="-128"/>
+                <a:ea typeface="BIZ UDPゴシック" panose="020B0400000000000000" pitchFamily="50" charset="-128"/>
+              </a:rPr>
+              <a:t>(DEF)</a:t>
+            </a:r>
+            <a:r>
+              <a:rPr kumimoji="1" lang="ja-JP" altLang="en-US" sz="2800" dirty="0">
+                <a:latin typeface="BIZ UDPゴシック" panose="020B0400000000000000" pitchFamily="50" charset="-128"/>
+                <a:ea typeface="BIZ UDPゴシック" panose="020B0400000000000000" pitchFamily="50" charset="-128"/>
+              </a:rPr>
+              <a:t>と４つのスキルが表示されています。</a:t>
             </a:r>
             <a:endParaRPr kumimoji="1" lang="en-US" altLang="ja-JP" sz="2800" dirty="0">
               <a:latin typeface="BIZ UDPゴシック" panose="020B0400000000000000" pitchFamily="50" charset="-128"/>
@@ -8620,51 +8692,15 @@
                 <a:latin typeface="BIZ UDPゴシック" panose="020B0400000000000000" pitchFamily="50" charset="-128"/>
                 <a:ea typeface="BIZ UDPゴシック" panose="020B0400000000000000" pitchFamily="50" charset="-128"/>
               </a:rPr>
-              <a:t>モンスターを選択したら詳細表示をクリックしてください。</a:t>
-            </a:r>
-          </a:p>
-        </p:txBody>
-      </p:sp>
-      <p:pic>
-        <p:nvPicPr>
-          <p:cNvPr id="4" name="図 3">
-            <a:extLst>
-              <a:ext uri="{FF2B5EF4-FFF2-40B4-BE49-F238E27FC236}">
-                <a16:creationId xmlns:a16="http://schemas.microsoft.com/office/drawing/2014/main" id="{8C554F8F-14EB-CA2C-126B-9D4B945BD4E5}"/>
-              </a:ext>
-            </a:extLst>
-          </p:cNvPr>
-          <p:cNvPicPr>
-            <a:picLocks noChangeAspect="1"/>
-          </p:cNvPicPr>
-          <p:nvPr/>
-        </p:nvPicPr>
-        <p:blipFill>
-          <a:blip r:embed="rId2">
-            <a:extLst>
-              <a:ext uri="{28A0092B-C50C-407E-A947-70E740481C1C}">
-                <a14:useLocalDpi xmlns:a14="http://schemas.microsoft.com/office/drawing/2010/main" val="0"/>
-              </a:ext>
-            </a:extLst>
-          </a:blip>
-          <a:stretch>
-            <a:fillRect/>
-          </a:stretch>
-        </p:blipFill>
-        <p:spPr>
-          <a:xfrm>
-            <a:off x="2849943" y="0"/>
-            <a:ext cx="5664182" cy="5983406"/>
-          </a:xfrm>
-          <a:prstGeom prst="rect">
-            <a:avLst/>
-          </a:prstGeom>
-        </p:spPr>
-      </p:pic>
+              <a:t>スキル名をクリックすることで、相手にダメージを与えることができ、先行と後攻で交互にダメージを与えあいます。</a:t>
+            </a:r>
+          </a:p>
+        </p:txBody>
+      </p:sp>
     </p:spTree>
     <p:extLst>
       <p:ext uri="{BB962C8B-B14F-4D97-AF65-F5344CB8AC3E}">
-        <p14:creationId xmlns:p14="http://schemas.microsoft.com/office/powerpoint/2010/main" val="1496104876"/>
+        <p14:creationId xmlns:p14="http://schemas.microsoft.com/office/powerpoint/2010/main" val="3502395780"/>
       </p:ext>
     </p:extLst>
   </p:cSld>
@@ -8696,7 +8732,7 @@
           <p:cNvPr id="4" name="図 3">
             <a:extLst>
               <a:ext uri="{FF2B5EF4-FFF2-40B4-BE49-F238E27FC236}">
-                <a16:creationId xmlns:a16="http://schemas.microsoft.com/office/drawing/2014/main" id="{6888757C-359C-2D30-B553-A90736C024B3}"/>
+                <a16:creationId xmlns:a16="http://schemas.microsoft.com/office/drawing/2014/main" id="{962AF0AE-FA66-A785-73AD-6889F8F443A8}"/>
               </a:ext>
             </a:extLst>
           </p:cNvPr>
@@ -8705,7 +8741,7 @@
           </p:cNvPicPr>
           <p:nvPr/>
         </p:nvPicPr>
-        <p:blipFill>
+        <p:blipFill rotWithShape="1">
           <a:blip r:embed="rId2">
             <a:extLst>
               <a:ext uri="{28A0092B-C50C-407E-A947-70E740481C1C}">
@@ -8713,14 +8749,13 @@
               </a:ext>
             </a:extLst>
           </a:blip>
-          <a:stretch>
-            <a:fillRect/>
-          </a:stretch>
+          <a:srcRect r="44548"/>
+          <a:stretch/>
         </p:blipFill>
         <p:spPr>
           <a:xfrm>
-            <a:off x="2075955" y="0"/>
-            <a:ext cx="6829506" cy="5825401"/>
+            <a:off x="1960544" y="0"/>
+            <a:ext cx="6760747" cy="6858000"/>
           </a:xfrm>
           <a:prstGeom prst="rect">
             <a:avLst/>
@@ -8741,8 +8776,8 @@
         </p:nvSpPr>
         <p:spPr>
           <a:xfrm>
-            <a:off x="1291102" y="4167858"/>
-            <a:ext cx="10378422" cy="1815882"/>
+            <a:off x="2075955" y="4326884"/>
+            <a:ext cx="9069123" cy="523220"/>
           </a:xfrm>
           <a:prstGeom prst="rect">
             <a:avLst/>
@@ -8760,62 +8795,7 @@
                 <a:latin typeface="BIZ UDPゴシック" panose="020B0400000000000000" pitchFamily="50" charset="-128"/>
                 <a:ea typeface="BIZ UDPゴシック" panose="020B0400000000000000" pitchFamily="50" charset="-128"/>
               </a:rPr>
-              <a:t>戦闘画面では、手持ちモンスター名と</a:t>
-            </a:r>
-            <a:r>
-              <a:rPr kumimoji="1" lang="en-US" altLang="ja-JP" sz="2800" dirty="0">
-                <a:latin typeface="BIZ UDPゴシック" panose="020B0400000000000000" pitchFamily="50" charset="-128"/>
-                <a:ea typeface="BIZ UDPゴシック" panose="020B0400000000000000" pitchFamily="50" charset="-128"/>
-              </a:rPr>
-              <a:t>HP</a:t>
-            </a:r>
-            <a:r>
-              <a:rPr kumimoji="1" lang="ja-JP" altLang="en-US" sz="2800" dirty="0">
-                <a:latin typeface="BIZ UDPゴシック" panose="020B0400000000000000" pitchFamily="50" charset="-128"/>
-                <a:ea typeface="BIZ UDPゴシック" panose="020B0400000000000000" pitchFamily="50" charset="-128"/>
-              </a:rPr>
-              <a:t>、攻撃力</a:t>
-            </a:r>
-            <a:r>
-              <a:rPr kumimoji="1" lang="en-US" altLang="ja-JP" sz="2800" dirty="0">
-                <a:latin typeface="BIZ UDPゴシック" panose="020B0400000000000000" pitchFamily="50" charset="-128"/>
-                <a:ea typeface="BIZ UDPゴシック" panose="020B0400000000000000" pitchFamily="50" charset="-128"/>
-              </a:rPr>
-              <a:t>(ATK)</a:t>
-            </a:r>
-            <a:r>
-              <a:rPr kumimoji="1" lang="ja-JP" altLang="en-US" sz="2800" dirty="0">
-                <a:latin typeface="BIZ UDPゴシック" panose="020B0400000000000000" pitchFamily="50" charset="-128"/>
-                <a:ea typeface="BIZ UDPゴシック" panose="020B0400000000000000" pitchFamily="50" charset="-128"/>
-              </a:rPr>
-              <a:t>、防御力</a:t>
-            </a:r>
-            <a:r>
-              <a:rPr kumimoji="1" lang="en-US" altLang="ja-JP" sz="2800" dirty="0">
-                <a:latin typeface="BIZ UDPゴシック" panose="020B0400000000000000" pitchFamily="50" charset="-128"/>
-                <a:ea typeface="BIZ UDPゴシック" panose="020B0400000000000000" pitchFamily="50" charset="-128"/>
-              </a:rPr>
-              <a:t>(DEF)</a:t>
-            </a:r>
-            <a:r>
-              <a:rPr kumimoji="1" lang="ja-JP" altLang="en-US" sz="2800" dirty="0">
-                <a:latin typeface="BIZ UDPゴシック" panose="020B0400000000000000" pitchFamily="50" charset="-128"/>
-                <a:ea typeface="BIZ UDPゴシック" panose="020B0400000000000000" pitchFamily="50" charset="-128"/>
-              </a:rPr>
-              <a:t>と４つのスキルが表示されています。</a:t>
-            </a:r>
-            <a:endParaRPr kumimoji="1" lang="en-US" altLang="ja-JP" sz="2800" dirty="0">
-              <a:latin typeface="BIZ UDPゴシック" panose="020B0400000000000000" pitchFamily="50" charset="-128"/>
-              <a:ea typeface="BIZ UDPゴシック" panose="020B0400000000000000" pitchFamily="50" charset="-128"/>
-            </a:endParaRPr>
-          </a:p>
-          <a:p>
-            <a:r>
-              <a:rPr kumimoji="1" lang="ja-JP" altLang="en-US" sz="2800" dirty="0">
-                <a:latin typeface="BIZ UDPゴシック" panose="020B0400000000000000" pitchFamily="50" charset="-128"/>
-                <a:ea typeface="BIZ UDPゴシック" panose="020B0400000000000000" pitchFamily="50" charset="-128"/>
-              </a:rPr>
-              <a:t>スキル名をクリックすることで、相手にダメージを与えることができ、先行と後攻で交互にダメージを与えあいます。</a:t>
+              <a:t>攻撃ごとにダメージ履歴が表示されます。</a:t>
             </a:r>
           </a:p>
         </p:txBody>
@@ -8823,7 +8803,7 @@
     </p:spTree>
     <p:extLst>
       <p:ext uri="{BB962C8B-B14F-4D97-AF65-F5344CB8AC3E}">
-        <p14:creationId xmlns:p14="http://schemas.microsoft.com/office/powerpoint/2010/main" val="3502395780"/>
+        <p14:creationId xmlns:p14="http://schemas.microsoft.com/office/powerpoint/2010/main" val="3270865851"/>
       </p:ext>
     </p:extLst>
   </p:cSld>
@@ -8855,7 +8835,7 @@
           <p:cNvPr id="4" name="図 3">
             <a:extLst>
               <a:ext uri="{FF2B5EF4-FFF2-40B4-BE49-F238E27FC236}">
-                <a16:creationId xmlns:a16="http://schemas.microsoft.com/office/drawing/2014/main" id="{962AF0AE-FA66-A785-73AD-6889F8F443A8}"/>
+                <a16:creationId xmlns:a16="http://schemas.microsoft.com/office/drawing/2014/main" id="{0F9096B9-21E2-FF8D-E54B-5E9B919BF64E}"/>
               </a:ext>
             </a:extLst>
           </p:cNvPr>
@@ -8864,7 +8844,7 @@
           </p:cNvPicPr>
           <p:nvPr/>
         </p:nvPicPr>
-        <p:blipFill>
+        <p:blipFill rotWithShape="1">
           <a:blip r:embed="rId2">
             <a:extLst>
               <a:ext uri="{28A0092B-C50C-407E-A947-70E740481C1C}">
@@ -8872,14 +8852,13 @@
               </a:ext>
             </a:extLst>
           </a:blip>
-          <a:stretch>
-            <a:fillRect/>
-          </a:stretch>
+          <a:srcRect r="54238"/>
+          <a:stretch/>
         </p:blipFill>
         <p:spPr>
           <a:xfrm>
-            <a:off x="2075955" y="0"/>
-            <a:ext cx="7014745" cy="5983406"/>
+            <a:off x="2885454" y="0"/>
+            <a:ext cx="5779152" cy="7103580"/>
           </a:xfrm>
           <a:prstGeom prst="rect">
             <a:avLst/>
@@ -8900,8 +8879,8 @@
         </p:nvSpPr>
         <p:spPr>
           <a:xfrm>
-            <a:off x="2075955" y="4326884"/>
-            <a:ext cx="9069123" cy="523220"/>
+            <a:off x="1715171" y="4446154"/>
+            <a:ext cx="10378422" cy="523220"/>
           </a:xfrm>
           <a:prstGeom prst="rect">
             <a:avLst/>
@@ -8919,7 +8898,7 @@
                 <a:latin typeface="BIZ UDPゴシック" panose="020B0400000000000000" pitchFamily="50" charset="-128"/>
                 <a:ea typeface="BIZ UDPゴシック" panose="020B0400000000000000" pitchFamily="50" charset="-128"/>
               </a:rPr>
-              <a:t>攻撃ごとにダメージ履歴が表示されます。</a:t>
+              <a:t>相手の手を待っている間はこのような画面になります。</a:t>
             </a:r>
           </a:p>
         </p:txBody>
@@ -8927,7 +8906,7 @@
     </p:spTree>
     <p:extLst>
       <p:ext uri="{BB962C8B-B14F-4D97-AF65-F5344CB8AC3E}">
-        <p14:creationId xmlns:p14="http://schemas.microsoft.com/office/powerpoint/2010/main" val="3270865851"/>
+        <p14:creationId xmlns:p14="http://schemas.microsoft.com/office/powerpoint/2010/main" val="3647995512"/>
       </p:ext>
     </p:extLst>
   </p:cSld>
@@ -8959,7 +8938,7 @@
           <p:cNvPr id="4" name="図 3">
             <a:extLst>
               <a:ext uri="{FF2B5EF4-FFF2-40B4-BE49-F238E27FC236}">
-                <a16:creationId xmlns:a16="http://schemas.microsoft.com/office/drawing/2014/main" id="{0F9096B9-21E2-FF8D-E54B-5E9B919BF64E}"/>
+                <a16:creationId xmlns:a16="http://schemas.microsoft.com/office/drawing/2014/main" id="{5431D6C9-62A0-C40E-98BC-7DAFFB7926EB}"/>
               </a:ext>
             </a:extLst>
           </p:cNvPr>
@@ -8968,7 +8947,7 @@
           </p:cNvPicPr>
           <p:nvPr/>
         </p:nvPicPr>
-        <p:blipFill>
+        <p:blipFill rotWithShape="1">
           <a:blip r:embed="rId2">
             <a:extLst>
               <a:ext uri="{28A0092B-C50C-407E-A947-70E740481C1C}">
@@ -8976,14 +8955,13 @@
               </a:ext>
             </a:extLst>
           </a:blip>
-          <a:stretch>
-            <a:fillRect/>
-          </a:stretch>
+          <a:srcRect r="28004"/>
+          <a:stretch/>
         </p:blipFill>
         <p:spPr>
           <a:xfrm>
-            <a:off x="2849943" y="0"/>
-            <a:ext cx="5664182" cy="5983406"/>
+            <a:off x="2075955" y="111834"/>
+            <a:ext cx="7992657" cy="6244578"/>
           </a:xfrm>
           <a:prstGeom prst="rect">
             <a:avLst/>
@@ -9004,8 +8982,8 @@
         </p:nvSpPr>
         <p:spPr>
           <a:xfrm>
-            <a:off x="1715171" y="4446154"/>
-            <a:ext cx="10378422" cy="523220"/>
+            <a:off x="2075955" y="3743789"/>
+            <a:ext cx="10378422" cy="954107"/>
           </a:xfrm>
           <a:prstGeom prst="rect">
             <a:avLst/>
@@ -9023,7 +9001,34 @@
                 <a:latin typeface="BIZ UDPゴシック" panose="020B0400000000000000" pitchFamily="50" charset="-128"/>
                 <a:ea typeface="BIZ UDPゴシック" panose="020B0400000000000000" pitchFamily="50" charset="-128"/>
               </a:rPr>
-              <a:t>相手の手を待っている間はこのような画面になります。</a:t>
+              <a:t>どちらかのモンスターの</a:t>
+            </a:r>
+            <a:r>
+              <a:rPr kumimoji="1" lang="en-US" altLang="ja-JP" sz="2800" dirty="0">
+                <a:latin typeface="BIZ UDPゴシック" panose="020B0400000000000000" pitchFamily="50" charset="-128"/>
+                <a:ea typeface="BIZ UDPゴシック" panose="020B0400000000000000" pitchFamily="50" charset="-128"/>
+              </a:rPr>
+              <a:t>HP</a:t>
+            </a:r>
+            <a:r>
+              <a:rPr kumimoji="1" lang="ja-JP" altLang="en-US" sz="2800" dirty="0">
+                <a:latin typeface="BIZ UDPゴシック" panose="020B0400000000000000" pitchFamily="50" charset="-128"/>
+                <a:ea typeface="BIZ UDPゴシック" panose="020B0400000000000000" pitchFamily="50" charset="-128"/>
+              </a:rPr>
+              <a:t>がなくなると、勝敗が表示されます。</a:t>
+            </a:r>
+            <a:endParaRPr kumimoji="1" lang="en-US" altLang="ja-JP" sz="2800" dirty="0">
+              <a:latin typeface="BIZ UDPゴシック" panose="020B0400000000000000" pitchFamily="50" charset="-128"/>
+              <a:ea typeface="BIZ UDPゴシック" panose="020B0400000000000000" pitchFamily="50" charset="-128"/>
+            </a:endParaRPr>
+          </a:p>
+          <a:p>
+            <a:r>
+              <a:rPr kumimoji="1" lang="ja-JP" altLang="en-US" sz="2800" dirty="0">
+                <a:latin typeface="BIZ UDPゴシック" panose="020B0400000000000000" pitchFamily="50" charset="-128"/>
+                <a:ea typeface="BIZ UDPゴシック" panose="020B0400000000000000" pitchFamily="50" charset="-128"/>
+              </a:rPr>
+              <a:t>この画面になったら、メニューに戻るをクリックしましょう。</a:t>
             </a:r>
           </a:p>
         </p:txBody>
@@ -9031,7 +9036,7 @@
     </p:spTree>
     <p:extLst>
       <p:ext uri="{BB962C8B-B14F-4D97-AF65-F5344CB8AC3E}">
-        <p14:creationId xmlns:p14="http://schemas.microsoft.com/office/powerpoint/2010/main" val="3647995512"/>
+        <p14:creationId xmlns:p14="http://schemas.microsoft.com/office/powerpoint/2010/main" val="3561849517"/>
       </p:ext>
     </p:extLst>
   </p:cSld>
@@ -9058,42 +9063,6 @@
           <a:chExt cx="0" cy="0"/>
         </a:xfrm>
       </p:grpSpPr>
-      <p:pic>
-        <p:nvPicPr>
-          <p:cNvPr id="4" name="図 3">
-            <a:extLst>
-              <a:ext uri="{FF2B5EF4-FFF2-40B4-BE49-F238E27FC236}">
-                <a16:creationId xmlns:a16="http://schemas.microsoft.com/office/drawing/2014/main" id="{5431D6C9-62A0-C40E-98BC-7DAFFB7926EB}"/>
-              </a:ext>
-            </a:extLst>
-          </p:cNvPr>
-          <p:cNvPicPr>
-            <a:picLocks noChangeAspect="1"/>
-          </p:cNvPicPr>
-          <p:nvPr/>
-        </p:nvPicPr>
-        <p:blipFill>
-          <a:blip r:embed="rId2">
-            <a:extLst>
-              <a:ext uri="{28A0092B-C50C-407E-A947-70E740481C1C}">
-                <a14:useLocalDpi xmlns:a14="http://schemas.microsoft.com/office/drawing/2010/main" val="0"/>
-              </a:ext>
-            </a:extLst>
-          </a:blip>
-          <a:stretch>
-            <a:fillRect/>
-          </a:stretch>
-        </p:blipFill>
-        <p:spPr>
-          <a:xfrm>
-            <a:off x="2075955" y="0"/>
-            <a:ext cx="6882515" cy="5870617"/>
-          </a:xfrm>
-          <a:prstGeom prst="rect">
-            <a:avLst/>
-          </a:prstGeom>
-        </p:spPr>
-      </p:pic>
       <p:sp>
         <p:nvSpPr>
           <p:cNvPr id="2" name="テキスト ボックス 1">
@@ -9108,8 +9077,8 @@
         </p:nvSpPr>
         <p:spPr>
           <a:xfrm>
-            <a:off x="2075955" y="3743789"/>
-            <a:ext cx="10378422" cy="954107"/>
+            <a:off x="1397119" y="5983406"/>
+            <a:ext cx="10378422" cy="523220"/>
           </a:xfrm>
           <a:prstGeom prst="rect">
             <a:avLst/>
@@ -9127,42 +9096,50 @@
                 <a:latin typeface="BIZ UDPゴシック" panose="020B0400000000000000" pitchFamily="50" charset="-128"/>
                 <a:ea typeface="BIZ UDPゴシック" panose="020B0400000000000000" pitchFamily="50" charset="-128"/>
               </a:rPr>
-              <a:t>どちらかのモンスターの</a:t>
-            </a:r>
-            <a:r>
-              <a:rPr kumimoji="1" lang="en-US" altLang="ja-JP" sz="2800" dirty="0">
-                <a:latin typeface="BIZ UDPゴシック" panose="020B0400000000000000" pitchFamily="50" charset="-128"/>
-                <a:ea typeface="BIZ UDPゴシック" panose="020B0400000000000000" pitchFamily="50" charset="-128"/>
-              </a:rPr>
-              <a:t>HP</a:t>
-            </a:r>
-            <a:r>
-              <a:rPr kumimoji="1" lang="ja-JP" altLang="en-US" sz="2800" dirty="0">
-                <a:latin typeface="BIZ UDPゴシック" panose="020B0400000000000000" pitchFamily="50" charset="-128"/>
-                <a:ea typeface="BIZ UDPゴシック" panose="020B0400000000000000" pitchFamily="50" charset="-128"/>
-              </a:rPr>
-              <a:t>がなくなると、勝敗が表示されます。</a:t>
-            </a:r>
-            <a:endParaRPr kumimoji="1" lang="en-US" altLang="ja-JP" sz="2800" dirty="0">
-              <a:latin typeface="BIZ UDPゴシック" panose="020B0400000000000000" pitchFamily="50" charset="-128"/>
-              <a:ea typeface="BIZ UDPゴシック" panose="020B0400000000000000" pitchFamily="50" charset="-128"/>
-            </a:endParaRPr>
-          </a:p>
-          <a:p>
-            <a:r>
-              <a:rPr kumimoji="1" lang="ja-JP" altLang="en-US" sz="2800" dirty="0">
-                <a:latin typeface="BIZ UDPゴシック" panose="020B0400000000000000" pitchFamily="50" charset="-128"/>
-                <a:ea typeface="BIZ UDPゴシック" panose="020B0400000000000000" pitchFamily="50" charset="-128"/>
-              </a:rPr>
-              <a:t>この画面になったら、メニューに戻るをクリックしましょう。</a:t>
-            </a:r>
-          </a:p>
-        </p:txBody>
-      </p:sp>
+              <a:t>モンスター一覧と試合結果について説明をします。</a:t>
+            </a:r>
+          </a:p>
+        </p:txBody>
+      </p:sp>
+      <p:pic>
+        <p:nvPicPr>
+          <p:cNvPr id="4" name="図 3">
+            <a:extLst>
+              <a:ext uri="{FF2B5EF4-FFF2-40B4-BE49-F238E27FC236}">
+                <a16:creationId xmlns:a16="http://schemas.microsoft.com/office/drawing/2014/main" id="{ABA6FB3D-C143-227D-FDAB-1C05812696E6}"/>
+              </a:ext>
+            </a:extLst>
+          </p:cNvPr>
+          <p:cNvPicPr>
+            <a:picLocks noChangeAspect="1"/>
+          </p:cNvPicPr>
+          <p:nvPr/>
+        </p:nvPicPr>
+        <p:blipFill rotWithShape="1">
+          <a:blip r:embed="rId2">
+            <a:extLst>
+              <a:ext uri="{28A0092B-C50C-407E-A947-70E740481C1C}">
+                <a14:useLocalDpi xmlns:a14="http://schemas.microsoft.com/office/drawing/2010/main" val="0"/>
+              </a:ext>
+            </a:extLst>
+          </a:blip>
+          <a:srcRect r="37210"/>
+          <a:stretch/>
+        </p:blipFill>
+        <p:spPr>
+          <a:xfrm>
+            <a:off x="2368918" y="218210"/>
+            <a:ext cx="6296867" cy="5641053"/>
+          </a:xfrm>
+          <a:prstGeom prst="rect">
+            <a:avLst/>
+          </a:prstGeom>
+        </p:spPr>
+      </p:pic>
     </p:spTree>
     <p:extLst>
       <p:ext uri="{BB962C8B-B14F-4D97-AF65-F5344CB8AC3E}">
-        <p14:creationId xmlns:p14="http://schemas.microsoft.com/office/powerpoint/2010/main" val="3561849517"/>
+        <p14:creationId xmlns:p14="http://schemas.microsoft.com/office/powerpoint/2010/main" val="4248892246"/>
       </p:ext>
     </p:extLst>
   </p:cSld>
@@ -9222,7 +9199,7 @@
                 <a:latin typeface="BIZ UDPゴシック" panose="020B0400000000000000" pitchFamily="50" charset="-128"/>
                 <a:ea typeface="BIZ UDPゴシック" panose="020B0400000000000000" pitchFamily="50" charset="-128"/>
               </a:rPr>
-              <a:t>モンスター一覧と試合結果について説明をします。</a:t>
+              <a:t>モンスター一覧には、モンスターの詳細情報が表示されています。</a:t>
             </a:r>
           </a:p>
         </p:txBody>
@@ -9232,73 +9209,7 @@
           <p:cNvPr id="4" name="図 3">
             <a:extLst>
               <a:ext uri="{FF2B5EF4-FFF2-40B4-BE49-F238E27FC236}">
-                <a16:creationId xmlns:a16="http://schemas.microsoft.com/office/drawing/2014/main" id="{ABA6FB3D-C143-227D-FDAB-1C05812696E6}"/>
-              </a:ext>
-            </a:extLst>
-          </p:cNvPr>
-          <p:cNvPicPr>
-            <a:picLocks noChangeAspect="1"/>
-          </p:cNvPicPr>
-          <p:nvPr/>
-        </p:nvPicPr>
-        <p:blipFill>
-          <a:blip r:embed="rId2">
-            <a:extLst>
-              <a:ext uri="{28A0092B-C50C-407E-A947-70E740481C1C}">
-                <a14:useLocalDpi xmlns:a14="http://schemas.microsoft.com/office/drawing/2010/main" val="0"/>
-              </a:ext>
-            </a:extLst>
-          </a:blip>
-          <a:stretch>
-            <a:fillRect/>
-          </a:stretch>
-        </p:blipFill>
-        <p:spPr>
-          <a:xfrm>
-            <a:off x="2075955" y="0"/>
-            <a:ext cx="7146747" cy="6096000"/>
-          </a:xfrm>
-          <a:prstGeom prst="rect">
-            <a:avLst/>
-          </a:prstGeom>
-        </p:spPr>
-      </p:pic>
-    </p:spTree>
-    <p:extLst>
-      <p:ext uri="{BB962C8B-B14F-4D97-AF65-F5344CB8AC3E}">
-        <p14:creationId xmlns:p14="http://schemas.microsoft.com/office/powerpoint/2010/main" val="4248892246"/>
-      </p:ext>
-    </p:extLst>
-  </p:cSld>
-  <p:clrMapOvr>
-    <a:masterClrMapping/>
-  </p:clrMapOvr>
-</p:sld>
-</file>
-
-<file path=ppt/slides/slide2.xml><?xml version="1.0" encoding="utf-8"?>
-<p:sld xmlns:a="http://schemas.openxmlformats.org/drawingml/2006/main" xmlns:r="http://schemas.openxmlformats.org/officeDocument/2006/relationships" xmlns:p="http://schemas.openxmlformats.org/presentationml/2006/main">
-  <p:cSld>
-    <p:spTree>
-      <p:nvGrpSpPr>
-        <p:cNvPr id="1" name=""/>
-        <p:cNvGrpSpPr/>
-        <p:nvPr/>
-      </p:nvGrpSpPr>
-      <p:grpSpPr>
-        <a:xfrm>
-          <a:off x="0" y="0"/>
-          <a:ext cx="0" cy="0"/>
-          <a:chOff x="0" y="0"/>
-          <a:chExt cx="0" cy="0"/>
-        </a:xfrm>
-      </p:grpSpPr>
-      <p:pic>
-        <p:nvPicPr>
-          <p:cNvPr id="6" name="図 5">
-            <a:extLst>
-              <a:ext uri="{FF2B5EF4-FFF2-40B4-BE49-F238E27FC236}">
-                <a16:creationId xmlns:a16="http://schemas.microsoft.com/office/drawing/2014/main" id="{90E6B434-85E2-E5FC-978B-7173CDC9741A}"/>
+                <a16:creationId xmlns:a16="http://schemas.microsoft.com/office/drawing/2014/main" id="{9FAEAC47-C61A-234A-2825-A8A8F2C048D2}"/>
               </a:ext>
             </a:extLst>
           </p:cNvPr>
@@ -9315,285 +9226,13 @@
               </a:ext>
             </a:extLst>
           </a:blip>
-          <a:srcRect r="47065" b="64487"/>
+          <a:srcRect r="34929"/>
           <a:stretch/>
         </p:blipFill>
         <p:spPr>
           <a:xfrm>
-            <a:off x="291548" y="492793"/>
-            <a:ext cx="10651807" cy="3734650"/>
-          </a:xfrm>
-          <a:prstGeom prst="rect">
-            <a:avLst/>
-          </a:prstGeom>
-        </p:spPr>
-      </p:pic>
-      <p:sp>
-        <p:nvSpPr>
-          <p:cNvPr id="7" name="テキスト ボックス 6">
-            <a:extLst>
-              <a:ext uri="{FF2B5EF4-FFF2-40B4-BE49-F238E27FC236}">
-                <a16:creationId xmlns:a16="http://schemas.microsoft.com/office/drawing/2014/main" id="{2D3C955B-9E16-75FC-EE70-60474D32FFD1}"/>
-              </a:ext>
-            </a:extLst>
-          </p:cNvPr>
-          <p:cNvSpPr txBox="1"/>
-          <p:nvPr/>
-        </p:nvSpPr>
-        <p:spPr>
-          <a:xfrm>
-            <a:off x="2302849" y="4227443"/>
-            <a:ext cx="8007341" cy="2246769"/>
-          </a:xfrm>
-          <a:prstGeom prst="rect">
-            <a:avLst/>
-          </a:prstGeom>
-          <a:noFill/>
-        </p:spPr>
-        <p:txBody>
-          <a:bodyPr wrap="square" rtlCol="0">
-            <a:spAutoFit/>
-          </a:bodyPr>
-          <a:lstStyle/>
-          <a:p>
-            <a:r>
-              <a:rPr kumimoji="1" lang="en-US" altLang="ja-JP" sz="2800" dirty="0">
-                <a:latin typeface="BIZ UDPゴシック" panose="020B0400000000000000" pitchFamily="50" charset="-128"/>
-                <a:ea typeface="BIZ UDPゴシック" panose="020B0400000000000000" pitchFamily="50" charset="-128"/>
-              </a:rPr>
-              <a:t>bash</a:t>
-            </a:r>
-            <a:r>
-              <a:rPr kumimoji="1" lang="ja-JP" altLang="en-US" sz="2800" dirty="0">
-                <a:latin typeface="BIZ UDPゴシック" panose="020B0400000000000000" pitchFamily="50" charset="-128"/>
-                <a:ea typeface="BIZ UDPゴシック" panose="020B0400000000000000" pitchFamily="50" charset="-128"/>
-              </a:rPr>
-              <a:t>を起動し、</a:t>
-            </a:r>
-            <a:endParaRPr kumimoji="1" lang="en-US" altLang="ja-JP" sz="2800" dirty="0">
-              <a:latin typeface="BIZ UDPゴシック" panose="020B0400000000000000" pitchFamily="50" charset="-128"/>
-              <a:ea typeface="BIZ UDPゴシック" panose="020B0400000000000000" pitchFamily="50" charset="-128"/>
-            </a:endParaRPr>
-          </a:p>
-          <a:p>
-            <a:r>
-              <a:rPr kumimoji="1" lang="en-US" altLang="ja-JP" sz="2800" dirty="0" err="1">
-                <a:latin typeface="BIZ UDPゴシック" panose="020B0400000000000000" pitchFamily="50" charset="-128"/>
-                <a:ea typeface="BIZ UDPゴシック" panose="020B0400000000000000" pitchFamily="50" charset="-128"/>
-              </a:rPr>
-              <a:t>ssh</a:t>
-            </a:r>
-            <a:r>
-              <a:rPr kumimoji="1" lang="en-US" altLang="ja-JP" sz="2800" dirty="0">
-                <a:latin typeface="BIZ UDPゴシック" panose="020B0400000000000000" pitchFamily="50" charset="-128"/>
-                <a:ea typeface="BIZ UDPゴシック" panose="020B0400000000000000" pitchFamily="50" charset="-128"/>
-              </a:rPr>
-              <a:t> </a:t>
-            </a:r>
-            <a:r>
-              <a:rPr kumimoji="1" lang="en-US" altLang="ja-JP" sz="2800" dirty="0">
-                <a:latin typeface="BIZ UDPゴシック" panose="020B0400000000000000" pitchFamily="50" charset="-128"/>
-                <a:ea typeface="BIZ UDPゴシック" panose="020B0400000000000000" pitchFamily="50" charset="-128"/>
-                <a:hlinkClick r:id="rId3"/>
-              </a:rPr>
-              <a:t>isdev22@150.89.233.202</a:t>
-            </a:r>
-            <a:endParaRPr kumimoji="1" lang="en-US" altLang="ja-JP" sz="2800" dirty="0">
-              <a:latin typeface="BIZ UDPゴシック" panose="020B0400000000000000" pitchFamily="50" charset="-128"/>
-              <a:ea typeface="BIZ UDPゴシック" panose="020B0400000000000000" pitchFamily="50" charset="-128"/>
-            </a:endParaRPr>
-          </a:p>
-          <a:p>
-            <a:r>
-              <a:rPr kumimoji="1" lang="ja-JP" altLang="en-US" sz="2800" dirty="0">
-                <a:latin typeface="BIZ UDPゴシック" panose="020B0400000000000000" pitchFamily="50" charset="-128"/>
-                <a:ea typeface="BIZ UDPゴシック" panose="020B0400000000000000" pitchFamily="50" charset="-128"/>
-              </a:rPr>
-              <a:t>と入力します。</a:t>
-            </a:r>
-            <a:endParaRPr kumimoji="1" lang="en-US" altLang="ja-JP" sz="2800" dirty="0">
-              <a:latin typeface="BIZ UDPゴシック" panose="020B0400000000000000" pitchFamily="50" charset="-128"/>
-              <a:ea typeface="BIZ UDPゴシック" panose="020B0400000000000000" pitchFamily="50" charset="-128"/>
-            </a:endParaRPr>
-          </a:p>
-          <a:p>
-            <a:r>
-              <a:rPr kumimoji="1" lang="ja-JP" altLang="en-US" sz="2800" dirty="0">
-                <a:latin typeface="BIZ UDPゴシック" panose="020B0400000000000000" pitchFamily="50" charset="-128"/>
-                <a:ea typeface="BIZ UDPゴシック" panose="020B0400000000000000" pitchFamily="50" charset="-128"/>
-              </a:rPr>
-              <a:t>パスワードを求められるので、</a:t>
-            </a:r>
-            <a:endParaRPr kumimoji="1" lang="en-US" altLang="ja-JP" sz="2800" dirty="0">
-              <a:latin typeface="BIZ UDPゴシック" panose="020B0400000000000000" pitchFamily="50" charset="-128"/>
-              <a:ea typeface="BIZ UDPゴシック" panose="020B0400000000000000" pitchFamily="50" charset="-128"/>
-            </a:endParaRPr>
-          </a:p>
-          <a:p>
-            <a:r>
-              <a:rPr kumimoji="1" lang="en-US" altLang="ja-JP" sz="2800" dirty="0">
-                <a:latin typeface="BIZ UDPゴシック" panose="020B0400000000000000" pitchFamily="50" charset="-128"/>
-                <a:ea typeface="BIZ UDPゴシック" panose="020B0400000000000000" pitchFamily="50" charset="-128"/>
-              </a:rPr>
-              <a:t>isDev22?202</a:t>
-            </a:r>
-            <a:r>
-              <a:rPr kumimoji="1" lang="ja-JP" altLang="en-US" sz="2800" dirty="0">
-                <a:latin typeface="BIZ UDPゴシック" panose="020B0400000000000000" pitchFamily="50" charset="-128"/>
-                <a:ea typeface="BIZ UDPゴシック" panose="020B0400000000000000" pitchFamily="50" charset="-128"/>
-              </a:rPr>
-              <a:t>　と入力します。</a:t>
-            </a:r>
-          </a:p>
-        </p:txBody>
-      </p:sp>
-      <p:sp>
-        <p:nvSpPr>
-          <p:cNvPr id="8" name="矢印: 右 7">
-            <a:extLst>
-              <a:ext uri="{FF2B5EF4-FFF2-40B4-BE49-F238E27FC236}">
-                <a16:creationId xmlns:a16="http://schemas.microsoft.com/office/drawing/2014/main" id="{E2A6D2A6-728D-E6D0-22B5-F0E4670CE37E}"/>
-              </a:ext>
-            </a:extLst>
-          </p:cNvPr>
-          <p:cNvSpPr/>
-          <p:nvPr/>
-        </p:nvSpPr>
-        <p:spPr>
-          <a:xfrm rot="15686175">
-            <a:off x="3144817" y="2550190"/>
-            <a:ext cx="1701614" cy="808546"/>
-          </a:xfrm>
-          <a:prstGeom prst="rightArrow">
-            <a:avLst/>
-          </a:prstGeom>
-          <a:solidFill>
-            <a:srgbClr val="00B0F0"/>
-          </a:solidFill>
-        </p:spPr>
-        <p:style>
-          <a:lnRef idx="2">
-            <a:schemeClr val="accent1">
-              <a:shade val="50000"/>
-            </a:schemeClr>
-          </a:lnRef>
-          <a:fillRef idx="1">
-            <a:schemeClr val="accent1"/>
-          </a:fillRef>
-          <a:effectRef idx="0">
-            <a:schemeClr val="accent1"/>
-          </a:effectRef>
-          <a:fontRef idx="minor">
-            <a:schemeClr val="lt1"/>
-          </a:fontRef>
-        </p:style>
-        <p:txBody>
-          <a:bodyPr rtlCol="0" anchor="ctr"/>
-          <a:lstStyle/>
-          <a:p>
-            <a:pPr algn="ctr"/>
-            <a:endParaRPr kumimoji="1" lang="ja-JP" altLang="en-US"/>
-          </a:p>
-        </p:txBody>
-      </p:sp>
-    </p:spTree>
-    <p:extLst>
-      <p:ext uri="{BB962C8B-B14F-4D97-AF65-F5344CB8AC3E}">
-        <p14:creationId xmlns:p14="http://schemas.microsoft.com/office/powerpoint/2010/main" val="2275865286"/>
-      </p:ext>
-    </p:extLst>
-  </p:cSld>
-  <p:clrMapOvr>
-    <a:masterClrMapping/>
-  </p:clrMapOvr>
-</p:sld>
-</file>
-
-<file path=ppt/slides/slide20.xml><?xml version="1.0" encoding="utf-8"?>
-<p:sld xmlns:a="http://schemas.openxmlformats.org/drawingml/2006/main" xmlns:r="http://schemas.openxmlformats.org/officeDocument/2006/relationships" xmlns:p="http://schemas.openxmlformats.org/presentationml/2006/main">
-  <p:cSld>
-    <p:spTree>
-      <p:nvGrpSpPr>
-        <p:cNvPr id="1" name=""/>
-        <p:cNvGrpSpPr/>
-        <p:nvPr/>
-      </p:nvGrpSpPr>
-      <p:grpSpPr>
-        <a:xfrm>
-          <a:off x="0" y="0"/>
-          <a:ext cx="0" cy="0"/>
-          <a:chOff x="0" y="0"/>
-          <a:chExt cx="0" cy="0"/>
-        </a:xfrm>
-      </p:grpSpPr>
-      <p:sp>
-        <p:nvSpPr>
-          <p:cNvPr id="2" name="テキスト ボックス 1">
-            <a:extLst>
-              <a:ext uri="{FF2B5EF4-FFF2-40B4-BE49-F238E27FC236}">
-                <a16:creationId xmlns:a16="http://schemas.microsoft.com/office/drawing/2014/main" id="{A5DB7B2B-061B-6EC4-A175-08EF0607A635}"/>
-              </a:ext>
-            </a:extLst>
-          </p:cNvPr>
-          <p:cNvSpPr txBox="1"/>
-          <p:nvPr/>
-        </p:nvSpPr>
-        <p:spPr>
-          <a:xfrm>
-            <a:off x="1397119" y="5983406"/>
-            <a:ext cx="10378422" cy="523220"/>
-          </a:xfrm>
-          <a:prstGeom prst="rect">
-            <a:avLst/>
-          </a:prstGeom>
-          <a:noFill/>
-        </p:spPr>
-        <p:txBody>
-          <a:bodyPr wrap="square" rtlCol="0">
-            <a:spAutoFit/>
-          </a:bodyPr>
-          <a:lstStyle/>
-          <a:p>
-            <a:r>
-              <a:rPr kumimoji="1" lang="ja-JP" altLang="en-US" sz="2800" dirty="0">
-                <a:latin typeface="BIZ UDPゴシック" panose="020B0400000000000000" pitchFamily="50" charset="-128"/>
-                <a:ea typeface="BIZ UDPゴシック" panose="020B0400000000000000" pitchFamily="50" charset="-128"/>
-              </a:rPr>
-              <a:t>モンスター一覧には、モンスターの詳細情報が表示されています。</a:t>
-            </a:r>
-          </a:p>
-        </p:txBody>
-      </p:sp>
-      <p:pic>
-        <p:nvPicPr>
-          <p:cNvPr id="4" name="図 3">
-            <a:extLst>
-              <a:ext uri="{FF2B5EF4-FFF2-40B4-BE49-F238E27FC236}">
-                <a16:creationId xmlns:a16="http://schemas.microsoft.com/office/drawing/2014/main" id="{9FAEAC47-C61A-234A-2825-A8A8F2C048D2}"/>
-              </a:ext>
-            </a:extLst>
-          </p:cNvPr>
-          <p:cNvPicPr>
-            <a:picLocks noChangeAspect="1"/>
-          </p:cNvPicPr>
-          <p:nvPr/>
-        </p:nvPicPr>
-        <p:blipFill>
-          <a:blip r:embed="rId2">
-            <a:extLst>
-              <a:ext uri="{28A0092B-C50C-407E-A947-70E740481C1C}">
-                <a14:useLocalDpi xmlns:a14="http://schemas.microsoft.com/office/drawing/2010/main" val="0"/>
-              </a:ext>
-            </a:extLst>
-          </a:blip>
-          <a:stretch>
-            <a:fillRect/>
-          </a:stretch>
-        </p:blipFill>
-        <p:spPr>
-          <a:xfrm>
-            <a:off x="2075955" y="0"/>
-            <a:ext cx="7014745" cy="5983406"/>
+            <a:off x="2431062" y="351374"/>
+            <a:ext cx="6135889" cy="5304137"/>
           </a:xfrm>
           <a:prstGeom prst="rect">
             <a:avLst/>
@@ -9613,218 +9252,7 @@
 </p:sld>
 </file>
 
-<file path=ppt/slides/slide21.xml><?xml version="1.0" encoding="utf-8"?>
-<p:sld xmlns:a="http://schemas.openxmlformats.org/drawingml/2006/main" xmlns:r="http://schemas.openxmlformats.org/officeDocument/2006/relationships" xmlns:p="http://schemas.openxmlformats.org/presentationml/2006/main">
-  <p:cSld>
-    <p:spTree>
-      <p:nvGrpSpPr>
-        <p:cNvPr id="1" name=""/>
-        <p:cNvGrpSpPr/>
-        <p:nvPr/>
-      </p:nvGrpSpPr>
-      <p:grpSpPr>
-        <a:xfrm>
-          <a:off x="0" y="0"/>
-          <a:ext cx="0" cy="0"/>
-          <a:chOff x="0" y="0"/>
-          <a:chExt cx="0" cy="0"/>
-        </a:xfrm>
-      </p:grpSpPr>
-      <p:sp>
-        <p:nvSpPr>
-          <p:cNvPr id="2" name="テキスト ボックス 1">
-            <a:extLst>
-              <a:ext uri="{FF2B5EF4-FFF2-40B4-BE49-F238E27FC236}">
-                <a16:creationId xmlns:a16="http://schemas.microsoft.com/office/drawing/2014/main" id="{A5DB7B2B-061B-6EC4-A175-08EF0607A635}"/>
-              </a:ext>
-            </a:extLst>
-          </p:cNvPr>
-          <p:cNvSpPr txBox="1"/>
-          <p:nvPr/>
-        </p:nvSpPr>
-        <p:spPr>
-          <a:xfrm>
-            <a:off x="1370615" y="5903893"/>
-            <a:ext cx="10378422" cy="954107"/>
-          </a:xfrm>
-          <a:prstGeom prst="rect">
-            <a:avLst/>
-          </a:prstGeom>
-          <a:noFill/>
-        </p:spPr>
-        <p:txBody>
-          <a:bodyPr wrap="square" rtlCol="0">
-            <a:spAutoFit/>
-          </a:bodyPr>
-          <a:lstStyle/>
-          <a:p>
-            <a:r>
-              <a:rPr kumimoji="1" lang="ja-JP" altLang="en-US" sz="2800" dirty="0">
-                <a:latin typeface="BIZ UDPゴシック" panose="020B0400000000000000" pitchFamily="50" charset="-128"/>
-                <a:ea typeface="BIZ UDPゴシック" panose="020B0400000000000000" pitchFamily="50" charset="-128"/>
-              </a:rPr>
-              <a:t>試合結果には、画像のように戦ったモンスター名と、</a:t>
-            </a:r>
-            <a:endParaRPr kumimoji="1" lang="en-US" altLang="ja-JP" sz="2800" dirty="0">
-              <a:latin typeface="BIZ UDPゴシック" panose="020B0400000000000000" pitchFamily="50" charset="-128"/>
-              <a:ea typeface="BIZ UDPゴシック" panose="020B0400000000000000" pitchFamily="50" charset="-128"/>
-            </a:endParaRPr>
-          </a:p>
-          <a:p>
-            <a:r>
-              <a:rPr kumimoji="1" lang="ja-JP" altLang="en-US" sz="2800" dirty="0">
-                <a:latin typeface="BIZ UDPゴシック" panose="020B0400000000000000" pitchFamily="50" charset="-128"/>
-                <a:ea typeface="BIZ UDPゴシック" panose="020B0400000000000000" pitchFamily="50" charset="-128"/>
-              </a:rPr>
-              <a:t>試合の結果が表示されています。</a:t>
-            </a:r>
-          </a:p>
-        </p:txBody>
-      </p:sp>
-      <p:pic>
-        <p:nvPicPr>
-          <p:cNvPr id="4" name="図 3">
-            <a:extLst>
-              <a:ext uri="{FF2B5EF4-FFF2-40B4-BE49-F238E27FC236}">
-                <a16:creationId xmlns:a16="http://schemas.microsoft.com/office/drawing/2014/main" id="{F662D892-94F2-D753-26F8-6EDDE55224DD}"/>
-              </a:ext>
-            </a:extLst>
-          </p:cNvPr>
-          <p:cNvPicPr>
-            <a:picLocks noChangeAspect="1"/>
-          </p:cNvPicPr>
-          <p:nvPr/>
-        </p:nvPicPr>
-        <p:blipFill>
-          <a:blip r:embed="rId2">
-            <a:extLst>
-              <a:ext uri="{28A0092B-C50C-407E-A947-70E740481C1C}">
-                <a14:useLocalDpi xmlns:a14="http://schemas.microsoft.com/office/drawing/2010/main" val="0"/>
-              </a:ext>
-            </a:extLst>
-          </a:blip>
-          <a:stretch>
-            <a:fillRect/>
-          </a:stretch>
-        </p:blipFill>
-        <p:spPr>
-          <a:xfrm>
-            <a:off x="2075955" y="0"/>
-            <a:ext cx="7014745" cy="5983406"/>
-          </a:xfrm>
-          <a:prstGeom prst="rect">
-            <a:avLst/>
-          </a:prstGeom>
-        </p:spPr>
-      </p:pic>
-    </p:spTree>
-    <p:extLst>
-      <p:ext uri="{BB962C8B-B14F-4D97-AF65-F5344CB8AC3E}">
-        <p14:creationId xmlns:p14="http://schemas.microsoft.com/office/powerpoint/2010/main" val="905879706"/>
-      </p:ext>
-    </p:extLst>
-  </p:cSld>
-  <p:clrMapOvr>
-    <a:masterClrMapping/>
-  </p:clrMapOvr>
-</p:sld>
-</file>
-
-<file path=ppt/slides/slide22.xml><?xml version="1.0" encoding="utf-8"?>
-<p:sld xmlns:a="http://schemas.openxmlformats.org/drawingml/2006/main" xmlns:r="http://schemas.openxmlformats.org/officeDocument/2006/relationships" xmlns:p="http://schemas.openxmlformats.org/presentationml/2006/main">
-  <p:cSld>
-    <p:spTree>
-      <p:nvGrpSpPr>
-        <p:cNvPr id="1" name=""/>
-        <p:cNvGrpSpPr/>
-        <p:nvPr/>
-      </p:nvGrpSpPr>
-      <p:grpSpPr>
-        <a:xfrm>
-          <a:off x="0" y="0"/>
-          <a:ext cx="0" cy="0"/>
-          <a:chOff x="0" y="0"/>
-          <a:chExt cx="0" cy="0"/>
-        </a:xfrm>
-      </p:grpSpPr>
-      <p:sp>
-        <p:nvSpPr>
-          <p:cNvPr id="2" name="テキスト ボックス 1">
-            <a:extLst>
-              <a:ext uri="{FF2B5EF4-FFF2-40B4-BE49-F238E27FC236}">
-                <a16:creationId xmlns:a16="http://schemas.microsoft.com/office/drawing/2014/main" id="{A5DB7B2B-061B-6EC4-A175-08EF0607A635}"/>
-              </a:ext>
-            </a:extLst>
-          </p:cNvPr>
-          <p:cNvSpPr txBox="1"/>
-          <p:nvPr/>
-        </p:nvSpPr>
-        <p:spPr>
-          <a:xfrm>
-            <a:off x="2682580" y="2736502"/>
-            <a:ext cx="10378422" cy="1384995"/>
-          </a:xfrm>
-          <a:prstGeom prst="rect">
-            <a:avLst/>
-          </a:prstGeom>
-          <a:noFill/>
-        </p:spPr>
-        <p:txBody>
-          <a:bodyPr wrap="square" rtlCol="0">
-            <a:spAutoFit/>
-          </a:bodyPr>
-          <a:lstStyle/>
-          <a:p>
-            <a:r>
-              <a:rPr kumimoji="1" lang="ja-JP" altLang="en-US" sz="2800" dirty="0">
-                <a:latin typeface="BIZ UDPゴシック" panose="020B0400000000000000" pitchFamily="50" charset="-128"/>
-                <a:ea typeface="BIZ UDPゴシック" panose="020B0400000000000000" pitchFamily="50" charset="-128"/>
-              </a:rPr>
-              <a:t>お疲れさまでした。</a:t>
-            </a:r>
-            <a:endParaRPr kumimoji="1" lang="en-US" altLang="ja-JP" sz="2800" dirty="0">
-              <a:latin typeface="BIZ UDPゴシック" panose="020B0400000000000000" pitchFamily="50" charset="-128"/>
-              <a:ea typeface="BIZ UDPゴシック" panose="020B0400000000000000" pitchFamily="50" charset="-128"/>
-            </a:endParaRPr>
-          </a:p>
-          <a:p>
-            <a:r>
-              <a:rPr kumimoji="1" lang="ja-JP" altLang="en-US" sz="2800" dirty="0">
-                <a:latin typeface="BIZ UDPゴシック" panose="020B0400000000000000" pitchFamily="50" charset="-128"/>
-                <a:ea typeface="BIZ UDPゴシック" panose="020B0400000000000000" pitchFamily="50" charset="-128"/>
-              </a:rPr>
-              <a:t>ユーザマニュアルは以上です。</a:t>
-            </a:r>
-            <a:endParaRPr kumimoji="1" lang="en-US" altLang="ja-JP" sz="2800" dirty="0">
-              <a:latin typeface="BIZ UDPゴシック" panose="020B0400000000000000" pitchFamily="50" charset="-128"/>
-              <a:ea typeface="BIZ UDPゴシック" panose="020B0400000000000000" pitchFamily="50" charset="-128"/>
-            </a:endParaRPr>
-          </a:p>
-          <a:p>
-            <a:r>
-              <a:rPr kumimoji="1" lang="ja-JP" altLang="en-US" sz="2800" dirty="0">
-                <a:latin typeface="BIZ UDPゴシック" panose="020B0400000000000000" pitchFamily="50" charset="-128"/>
-                <a:ea typeface="BIZ UDPゴシック" panose="020B0400000000000000" pitchFamily="50" charset="-128"/>
-              </a:rPr>
-              <a:t>それではゲームを楽しんでください。</a:t>
-            </a:r>
-          </a:p>
-        </p:txBody>
-      </p:sp>
-    </p:spTree>
-    <p:extLst>
-      <p:ext uri="{BB962C8B-B14F-4D97-AF65-F5344CB8AC3E}">
-        <p14:creationId xmlns:p14="http://schemas.microsoft.com/office/powerpoint/2010/main" val="3161558930"/>
-      </p:ext>
-    </p:extLst>
-  </p:cSld>
-  <p:clrMapOvr>
-    <a:masterClrMapping/>
-  </p:clrMapOvr>
-</p:sld>
-</file>
-
-<file path=ppt/slides/slide3.xml><?xml version="1.0" encoding="utf-8"?>
+<file path=ppt/slides/slide2.xml><?xml version="1.0" encoding="utf-8"?>
 <p:sld xmlns:a="http://schemas.openxmlformats.org/drawingml/2006/main" xmlns:r="http://schemas.openxmlformats.org/officeDocument/2006/relationships" xmlns:p="http://schemas.openxmlformats.org/presentationml/2006/main">
   <p:cSld>
     <p:spTree>
@@ -9941,7 +9369,7 @@
         <p:spPr>
           <a:xfrm>
             <a:off x="1529640" y="5141508"/>
-            <a:ext cx="9132719" cy="1815882"/>
+            <a:ext cx="9398772" cy="1815882"/>
           </a:xfrm>
           <a:prstGeom prst="rect">
             <a:avLst/>
@@ -9955,21 +9383,20 @@
           <a:lstStyle/>
           <a:p>
             <a:r>
-              <a:rPr kumimoji="1" lang="ja-JP" altLang="en-US" sz="2800" dirty="0">
+              <a:rPr kumimoji="1" lang="en-US" altLang="ja-JP" sz="2800" dirty="0">
                 <a:latin typeface="BIZ UDPゴシック" panose="020B0400000000000000" pitchFamily="50" charset="-128"/>
                 <a:ea typeface="BIZ UDPゴシック" panose="020B0400000000000000" pitchFamily="50" charset="-128"/>
+                <a:hlinkClick r:id="rId3"/>
               </a:rPr>
-              <a:t>次に</a:t>
+              <a:t>https://github.com/e1b20111/hogemon</a:t>
             </a:r>
             <a:r>
               <a:rPr kumimoji="1" lang="en-US" altLang="ja-JP" sz="2800" dirty="0">
                 <a:latin typeface="BIZ UDPゴシック" panose="020B0400000000000000" pitchFamily="50" charset="-128"/>
                 <a:ea typeface="BIZ UDPゴシック" panose="020B0400000000000000" pitchFamily="50" charset="-128"/>
               </a:rPr>
-              <a:t>Github.com/com/e1b20111/hegemon</a:t>
-            </a:r>
-          </a:p>
-          <a:p>
+              <a:t> </a:t>
+            </a:r>
             <a:r>
               <a:rPr kumimoji="1" lang="ja-JP" altLang="en-US" sz="2800" dirty="0">
                 <a:latin typeface="BIZ UDPゴシック" panose="020B0400000000000000" pitchFamily="50" charset="-128"/>
@@ -9978,6 +9405,26 @@
               <a:t>の</a:t>
             </a:r>
             <a:r>
+              <a:rPr kumimoji="1" lang="en-US" altLang="ja-JP" sz="2800" dirty="0" err="1">
+                <a:latin typeface="BIZ UDPゴシック" panose="020B0400000000000000" pitchFamily="50" charset="-128"/>
+                <a:ea typeface="BIZ UDPゴシック" panose="020B0400000000000000" pitchFamily="50" charset="-128"/>
+              </a:rPr>
+              <a:t>url</a:t>
+            </a:r>
+            <a:r>
+              <a:rPr kumimoji="1" lang="ja-JP" altLang="en-US" sz="2800" dirty="0">
+                <a:latin typeface="BIZ UDPゴシック" panose="020B0400000000000000" pitchFamily="50" charset="-128"/>
+                <a:ea typeface="BIZ UDPゴシック" panose="020B0400000000000000" pitchFamily="50" charset="-128"/>
+              </a:rPr>
+              <a:t>で</a:t>
+            </a:r>
+            <a:endParaRPr kumimoji="1" lang="en-US" altLang="ja-JP" sz="2800" dirty="0">
+              <a:latin typeface="BIZ UDPゴシック" panose="020B0400000000000000" pitchFamily="50" charset="-128"/>
+              <a:ea typeface="BIZ UDPゴシック" panose="020B0400000000000000" pitchFamily="50" charset="-128"/>
+            </a:endParaRPr>
+          </a:p>
+          <a:p>
+            <a:r>
               <a:rPr kumimoji="1" lang="en-US" altLang="ja-JP" sz="2800" dirty="0">
                 <a:latin typeface="BIZ UDPゴシック" panose="020B0400000000000000" pitchFamily="50" charset="-128"/>
                 <a:ea typeface="BIZ UDPゴシック" panose="020B0400000000000000" pitchFamily="50" charset="-128"/>
@@ -9992,11 +9439,74 @@
               <a:t>から</a:t>
             </a:r>
             <a:r>
+              <a:rPr kumimoji="1" lang="en-US" altLang="ja-JP" sz="2800" dirty="0">
+                <a:latin typeface="BIZ UDPゴシック" panose="020B0400000000000000" pitchFamily="50" charset="-128"/>
+                <a:ea typeface="BIZ UDPゴシック" panose="020B0400000000000000" pitchFamily="50" charset="-128"/>
+              </a:rPr>
+              <a:t>https</a:t>
+            </a:r>
+            <a:r>
+              <a:rPr kumimoji="1" lang="ja-JP" altLang="en-US" sz="2800" dirty="0">
+                <a:latin typeface="BIZ UDPゴシック" panose="020B0400000000000000" pitchFamily="50" charset="-128"/>
+                <a:ea typeface="BIZ UDPゴシック" panose="020B0400000000000000" pitchFamily="50" charset="-128"/>
+              </a:rPr>
+              <a:t>の</a:t>
+            </a:r>
+            <a:r>
               <a:rPr kumimoji="1" lang="en-US" altLang="ja-JP" sz="2800" dirty="0" err="1">
                 <a:latin typeface="BIZ UDPゴシック" panose="020B0400000000000000" pitchFamily="50" charset="-128"/>
                 <a:ea typeface="BIZ UDPゴシック" panose="020B0400000000000000" pitchFamily="50" charset="-128"/>
               </a:rPr>
-              <a:t>ssh</a:t>
+              <a:t>url</a:t>
+            </a:r>
+            <a:r>
+              <a:rPr kumimoji="1" lang="ja-JP" altLang="en-US" sz="2800" dirty="0">
+                <a:latin typeface="BIZ UDPゴシック" panose="020B0400000000000000" pitchFamily="50" charset="-128"/>
+                <a:ea typeface="BIZ UDPゴシック" panose="020B0400000000000000" pitchFamily="50" charset="-128"/>
+              </a:rPr>
+              <a:t>を取得します。</a:t>
+            </a:r>
+            <a:r>
+              <a:rPr kumimoji="1" lang="en-US" altLang="ja-JP" sz="2800" dirty="0">
+                <a:latin typeface="BIZ UDPゴシック" panose="020B0400000000000000" pitchFamily="50" charset="-128"/>
+                <a:ea typeface="BIZ UDPゴシック" panose="020B0400000000000000" pitchFamily="50" charset="-128"/>
+              </a:rPr>
+              <a:t>https</a:t>
+            </a:r>
+            <a:r>
+              <a:rPr kumimoji="1" lang="ja-JP" altLang="en-US" sz="2800" dirty="0">
+                <a:latin typeface="BIZ UDPゴシック" panose="020B0400000000000000" pitchFamily="50" charset="-128"/>
+                <a:ea typeface="BIZ UDPゴシック" panose="020B0400000000000000" pitchFamily="50" charset="-128"/>
+              </a:rPr>
+              <a:t>の</a:t>
+            </a:r>
+            <a:r>
+              <a:rPr kumimoji="1" lang="en-US" altLang="ja-JP" sz="2800" dirty="0" err="1">
+                <a:latin typeface="BIZ UDPゴシック" panose="020B0400000000000000" pitchFamily="50" charset="-128"/>
+                <a:ea typeface="BIZ UDPゴシック" panose="020B0400000000000000" pitchFamily="50" charset="-128"/>
+              </a:rPr>
+              <a:t>url</a:t>
+            </a:r>
+            <a:r>
+              <a:rPr kumimoji="1" lang="ja-JP" altLang="en-US" sz="2800" dirty="0">
+                <a:latin typeface="BIZ UDPゴシック" panose="020B0400000000000000" pitchFamily="50" charset="-128"/>
+                <a:ea typeface="BIZ UDPゴシック" panose="020B0400000000000000" pitchFamily="50" charset="-128"/>
+              </a:rPr>
+              <a:t>は</a:t>
+            </a:r>
+            <a:endParaRPr kumimoji="1" lang="en-US" altLang="ja-JP" sz="2800" dirty="0">
+              <a:latin typeface="BIZ UDPゴシック" panose="020B0400000000000000" pitchFamily="50" charset="-128"/>
+              <a:ea typeface="BIZ UDPゴシック" panose="020B0400000000000000" pitchFamily="50" charset="-128"/>
+            </a:endParaRPr>
+          </a:p>
+          <a:p>
+            <a:r>
+              <a:rPr kumimoji="1" lang="en-US" altLang="ja-JP" sz="2800" dirty="0">
+                <a:latin typeface="BIZ UDPゴシック" panose="020B0400000000000000" pitchFamily="50" charset="-128"/>
+                <a:ea typeface="BIZ UDPゴシック" panose="020B0400000000000000" pitchFamily="50" charset="-128"/>
+                <a:hlinkClick r:id="rId4"/>
+              </a:rPr>
+              <a:t>https://github.com/e1b20111/hogemon.git</a:t>
             </a:r>
             <a:r>
               <a:rPr kumimoji="1" lang="en-US" altLang="ja-JP" sz="2800" dirty="0">
@@ -10005,54 +9515,14 @@
               </a:rPr>
               <a:t> </a:t>
             </a:r>
-            <a:r>
-              <a:rPr kumimoji="1" lang="en-US" altLang="ja-JP" sz="2800" dirty="0" err="1">
-                <a:latin typeface="BIZ UDPゴシック" panose="020B0400000000000000" pitchFamily="50" charset="-128"/>
-                <a:ea typeface="BIZ UDPゴシック" panose="020B0400000000000000" pitchFamily="50" charset="-128"/>
-              </a:rPr>
-              <a:t>url</a:t>
-            </a:r>
+          </a:p>
+          <a:p>
             <a:r>
               <a:rPr kumimoji="1" lang="ja-JP" altLang="en-US" sz="2800" dirty="0">
                 <a:latin typeface="BIZ UDPゴシック" panose="020B0400000000000000" pitchFamily="50" charset="-128"/>
                 <a:ea typeface="BIZ UDPゴシック" panose="020B0400000000000000" pitchFamily="50" charset="-128"/>
               </a:rPr>
-              <a:t>を取得します。</a:t>
-            </a:r>
-            <a:endParaRPr kumimoji="1" lang="en-US" altLang="ja-JP" sz="2800" dirty="0">
-              <a:latin typeface="BIZ UDPゴシック" panose="020B0400000000000000" pitchFamily="50" charset="-128"/>
-              <a:ea typeface="BIZ UDPゴシック" panose="020B0400000000000000" pitchFamily="50" charset="-128"/>
-            </a:endParaRPr>
-          </a:p>
-          <a:p>
-            <a:r>
-              <a:rPr kumimoji="1" lang="en-US" altLang="ja-JP" sz="2800" dirty="0">
-                <a:latin typeface="BIZ UDPゴシック" panose="020B0400000000000000" pitchFamily="50" charset="-128"/>
-                <a:ea typeface="BIZ UDPゴシック" panose="020B0400000000000000" pitchFamily="50" charset="-128"/>
-                <a:hlinkClick r:id="rId3"/>
-              </a:rPr>
-              <a:t>git@github.com:e1b20111/</a:t>
-            </a:r>
-            <a:r>
-              <a:rPr kumimoji="1" lang="en-US" altLang="ja-JP" sz="2800" dirty="0" err="1">
-                <a:latin typeface="BIZ UDPゴシック" panose="020B0400000000000000" pitchFamily="50" charset="-128"/>
-                <a:ea typeface="BIZ UDPゴシック" panose="020B0400000000000000" pitchFamily="50" charset="-128"/>
-                <a:hlinkClick r:id="rId3"/>
-              </a:rPr>
-              <a:t>hegemon.git</a:t>
-            </a:r>
-            <a:endParaRPr kumimoji="1" lang="en-US" altLang="ja-JP" sz="2800" dirty="0">
-              <a:latin typeface="BIZ UDPゴシック" panose="020B0400000000000000" pitchFamily="50" charset="-128"/>
-              <a:ea typeface="BIZ UDPゴシック" panose="020B0400000000000000" pitchFamily="50" charset="-128"/>
-            </a:endParaRPr>
-          </a:p>
-          <a:p>
-            <a:r>
-              <a:rPr kumimoji="1" lang="ja-JP" altLang="en-US" sz="2800" dirty="0">
-                <a:latin typeface="BIZ UDPゴシック" panose="020B0400000000000000" pitchFamily="50" charset="-128"/>
-                <a:ea typeface="BIZ UDPゴシック" panose="020B0400000000000000" pitchFamily="50" charset="-128"/>
-              </a:rPr>
-              <a:t>です。</a:t>
+              <a:t>です。 </a:t>
             </a:r>
           </a:p>
         </p:txBody>
@@ -10060,7 +9530,7 @@
     </p:spTree>
     <p:extLst>
       <p:ext uri="{BB962C8B-B14F-4D97-AF65-F5344CB8AC3E}">
-        <p14:creationId xmlns:p14="http://schemas.microsoft.com/office/powerpoint/2010/main" val="3120684487"/>
+        <p14:creationId xmlns:p14="http://schemas.microsoft.com/office/powerpoint/2010/main" val="1875161174"/>
       </p:ext>
     </p:extLst>
   </p:cSld>
@@ -10070,7 +9540,7 @@
 </p:sld>
 </file>
 
-<file path=ppt/slides/slide4.xml><?xml version="1.0" encoding="utf-8"?>
+<file path=ppt/slides/slide20.xml><?xml version="1.0" encoding="utf-8"?>
 <p:sld xmlns:a="http://schemas.openxmlformats.org/drawingml/2006/main" xmlns:r="http://schemas.openxmlformats.org/officeDocument/2006/relationships" xmlns:p="http://schemas.openxmlformats.org/presentationml/2006/main">
   <p:cSld>
     <p:spTree>
@@ -10089,6 +9559,216 @@
       </p:grpSpPr>
       <p:sp>
         <p:nvSpPr>
+          <p:cNvPr id="2" name="テキスト ボックス 1">
+            <a:extLst>
+              <a:ext uri="{FF2B5EF4-FFF2-40B4-BE49-F238E27FC236}">
+                <a16:creationId xmlns:a16="http://schemas.microsoft.com/office/drawing/2014/main" id="{A5DB7B2B-061B-6EC4-A175-08EF0607A635}"/>
+              </a:ext>
+            </a:extLst>
+          </p:cNvPr>
+          <p:cNvSpPr txBox="1"/>
+          <p:nvPr/>
+        </p:nvSpPr>
+        <p:spPr>
+          <a:xfrm>
+            <a:off x="1370615" y="5903893"/>
+            <a:ext cx="10378422" cy="954107"/>
+          </a:xfrm>
+          <a:prstGeom prst="rect">
+            <a:avLst/>
+          </a:prstGeom>
+          <a:noFill/>
+        </p:spPr>
+        <p:txBody>
+          <a:bodyPr wrap="square" rtlCol="0">
+            <a:spAutoFit/>
+          </a:bodyPr>
+          <a:lstStyle/>
+          <a:p>
+            <a:r>
+              <a:rPr kumimoji="1" lang="ja-JP" altLang="en-US" sz="2800" dirty="0">
+                <a:latin typeface="BIZ UDPゴシック" panose="020B0400000000000000" pitchFamily="50" charset="-128"/>
+                <a:ea typeface="BIZ UDPゴシック" panose="020B0400000000000000" pitchFamily="50" charset="-128"/>
+              </a:rPr>
+              <a:t>試合結果には、画像のように戦ったモンスター名と、</a:t>
+            </a:r>
+            <a:endParaRPr kumimoji="1" lang="en-US" altLang="ja-JP" sz="2800" dirty="0">
+              <a:latin typeface="BIZ UDPゴシック" panose="020B0400000000000000" pitchFamily="50" charset="-128"/>
+              <a:ea typeface="BIZ UDPゴシック" panose="020B0400000000000000" pitchFamily="50" charset="-128"/>
+            </a:endParaRPr>
+          </a:p>
+          <a:p>
+            <a:r>
+              <a:rPr kumimoji="1" lang="ja-JP" altLang="en-US" sz="2800" dirty="0">
+                <a:latin typeface="BIZ UDPゴシック" panose="020B0400000000000000" pitchFamily="50" charset="-128"/>
+                <a:ea typeface="BIZ UDPゴシック" panose="020B0400000000000000" pitchFamily="50" charset="-128"/>
+              </a:rPr>
+              <a:t>試合の結果が表示されています。</a:t>
+            </a:r>
+          </a:p>
+        </p:txBody>
+      </p:sp>
+      <p:pic>
+        <p:nvPicPr>
+          <p:cNvPr id="4" name="図 3">
+            <a:extLst>
+              <a:ext uri="{FF2B5EF4-FFF2-40B4-BE49-F238E27FC236}">
+                <a16:creationId xmlns:a16="http://schemas.microsoft.com/office/drawing/2014/main" id="{F662D892-94F2-D753-26F8-6EDDE55224DD}"/>
+              </a:ext>
+            </a:extLst>
+          </p:cNvPr>
+          <p:cNvPicPr>
+            <a:picLocks noChangeAspect="1"/>
+          </p:cNvPicPr>
+          <p:nvPr/>
+        </p:nvPicPr>
+        <p:blipFill rotWithShape="1">
+          <a:blip r:embed="rId2">
+            <a:extLst>
+              <a:ext uri="{28A0092B-C50C-407E-A947-70E740481C1C}">
+                <a14:useLocalDpi xmlns:a14="http://schemas.microsoft.com/office/drawing/2010/main" val="0"/>
+              </a:ext>
+            </a:extLst>
+          </a:blip>
+          <a:srcRect r="31766"/>
+          <a:stretch/>
+        </p:blipFill>
+        <p:spPr>
+          <a:xfrm>
+            <a:off x="2191366" y="139917"/>
+            <a:ext cx="6550220" cy="5399750"/>
+          </a:xfrm>
+          <a:prstGeom prst="rect">
+            <a:avLst/>
+          </a:prstGeom>
+        </p:spPr>
+      </p:pic>
+    </p:spTree>
+    <p:extLst>
+      <p:ext uri="{BB962C8B-B14F-4D97-AF65-F5344CB8AC3E}">
+        <p14:creationId xmlns:p14="http://schemas.microsoft.com/office/powerpoint/2010/main" val="905879706"/>
+      </p:ext>
+    </p:extLst>
+  </p:cSld>
+  <p:clrMapOvr>
+    <a:masterClrMapping/>
+  </p:clrMapOvr>
+</p:sld>
+</file>
+
+<file path=ppt/slides/slide21.xml><?xml version="1.0" encoding="utf-8"?>
+<p:sld xmlns:a="http://schemas.openxmlformats.org/drawingml/2006/main" xmlns:r="http://schemas.openxmlformats.org/officeDocument/2006/relationships" xmlns:p="http://schemas.openxmlformats.org/presentationml/2006/main">
+  <p:cSld>
+    <p:spTree>
+      <p:nvGrpSpPr>
+        <p:cNvPr id="1" name=""/>
+        <p:cNvGrpSpPr/>
+        <p:nvPr/>
+      </p:nvGrpSpPr>
+      <p:grpSpPr>
+        <a:xfrm>
+          <a:off x="0" y="0"/>
+          <a:ext cx="0" cy="0"/>
+          <a:chOff x="0" y="0"/>
+          <a:chExt cx="0" cy="0"/>
+        </a:xfrm>
+      </p:grpSpPr>
+      <p:sp>
+        <p:nvSpPr>
+          <p:cNvPr id="2" name="テキスト ボックス 1">
+            <a:extLst>
+              <a:ext uri="{FF2B5EF4-FFF2-40B4-BE49-F238E27FC236}">
+                <a16:creationId xmlns:a16="http://schemas.microsoft.com/office/drawing/2014/main" id="{A5DB7B2B-061B-6EC4-A175-08EF0607A635}"/>
+              </a:ext>
+            </a:extLst>
+          </p:cNvPr>
+          <p:cNvSpPr txBox="1"/>
+          <p:nvPr/>
+        </p:nvSpPr>
+        <p:spPr>
+          <a:xfrm>
+            <a:off x="2682580" y="2736502"/>
+            <a:ext cx="10378422" cy="1384995"/>
+          </a:xfrm>
+          <a:prstGeom prst="rect">
+            <a:avLst/>
+          </a:prstGeom>
+          <a:noFill/>
+        </p:spPr>
+        <p:txBody>
+          <a:bodyPr wrap="square" rtlCol="0">
+            <a:spAutoFit/>
+          </a:bodyPr>
+          <a:lstStyle/>
+          <a:p>
+            <a:r>
+              <a:rPr kumimoji="1" lang="ja-JP" altLang="en-US" sz="2800" dirty="0">
+                <a:latin typeface="BIZ UDPゴシック" panose="020B0400000000000000" pitchFamily="50" charset="-128"/>
+                <a:ea typeface="BIZ UDPゴシック" panose="020B0400000000000000" pitchFamily="50" charset="-128"/>
+              </a:rPr>
+              <a:t>お疲れさまでした。</a:t>
+            </a:r>
+            <a:endParaRPr kumimoji="1" lang="en-US" altLang="ja-JP" sz="2800" dirty="0">
+              <a:latin typeface="BIZ UDPゴシック" panose="020B0400000000000000" pitchFamily="50" charset="-128"/>
+              <a:ea typeface="BIZ UDPゴシック" panose="020B0400000000000000" pitchFamily="50" charset="-128"/>
+            </a:endParaRPr>
+          </a:p>
+          <a:p>
+            <a:r>
+              <a:rPr kumimoji="1" lang="ja-JP" altLang="en-US" sz="2800" dirty="0">
+                <a:latin typeface="BIZ UDPゴシック" panose="020B0400000000000000" pitchFamily="50" charset="-128"/>
+                <a:ea typeface="BIZ UDPゴシック" panose="020B0400000000000000" pitchFamily="50" charset="-128"/>
+              </a:rPr>
+              <a:t>ユーザマニュアルは以上です。</a:t>
+            </a:r>
+            <a:endParaRPr kumimoji="1" lang="en-US" altLang="ja-JP" sz="2800" dirty="0">
+              <a:latin typeface="BIZ UDPゴシック" panose="020B0400000000000000" pitchFamily="50" charset="-128"/>
+              <a:ea typeface="BIZ UDPゴシック" panose="020B0400000000000000" pitchFamily="50" charset="-128"/>
+            </a:endParaRPr>
+          </a:p>
+          <a:p>
+            <a:r>
+              <a:rPr kumimoji="1" lang="ja-JP" altLang="en-US" sz="2800" dirty="0">
+                <a:latin typeface="BIZ UDPゴシック" panose="020B0400000000000000" pitchFamily="50" charset="-128"/>
+                <a:ea typeface="BIZ UDPゴシック" panose="020B0400000000000000" pitchFamily="50" charset="-128"/>
+              </a:rPr>
+              <a:t>それではゲームを楽しんでください。</a:t>
+            </a:r>
+          </a:p>
+        </p:txBody>
+      </p:sp>
+    </p:spTree>
+    <p:extLst>
+      <p:ext uri="{BB962C8B-B14F-4D97-AF65-F5344CB8AC3E}">
+        <p14:creationId xmlns:p14="http://schemas.microsoft.com/office/powerpoint/2010/main" val="3161558930"/>
+      </p:ext>
+    </p:extLst>
+  </p:cSld>
+  <p:clrMapOvr>
+    <a:masterClrMapping/>
+  </p:clrMapOvr>
+</p:sld>
+</file>
+
+<file path=ppt/slides/slide3.xml><?xml version="1.0" encoding="utf-8"?>
+<p:sld xmlns:a="http://schemas.openxmlformats.org/drawingml/2006/main" xmlns:r="http://schemas.openxmlformats.org/officeDocument/2006/relationships" xmlns:p="http://schemas.openxmlformats.org/presentationml/2006/main">
+  <p:cSld>
+    <p:spTree>
+      <p:nvGrpSpPr>
+        <p:cNvPr id="1" name=""/>
+        <p:cNvGrpSpPr/>
+        <p:nvPr/>
+      </p:nvGrpSpPr>
+      <p:grpSpPr>
+        <a:xfrm>
+          <a:off x="0" y="0"/>
+          <a:ext cx="0" cy="0"/>
+          <a:chOff x="0" y="0"/>
+          <a:chExt cx="0" cy="0"/>
+        </a:xfrm>
+      </p:grpSpPr>
+      <p:sp>
+        <p:nvSpPr>
           <p:cNvPr id="9" name="テキスト ボックス 8">
             <a:extLst>
               <a:ext uri="{FF2B5EF4-FFF2-40B4-BE49-F238E27FC236}">
@@ -10101,8 +9781,8 @@
         </p:nvSpPr>
         <p:spPr>
           <a:xfrm>
-            <a:off x="1145673" y="4837042"/>
-            <a:ext cx="10378422" cy="954107"/>
+            <a:off x="1145673" y="4961329"/>
+            <a:ext cx="10378422" cy="1815882"/>
           </a:xfrm>
           <a:prstGeom prst="rect">
             <a:avLst/>
@@ -10150,11 +9830,25 @@
           </a:p>
           <a:p>
             <a:r>
+              <a:rPr kumimoji="1" lang="en-US" altLang="ja-JP" sz="2800" dirty="0">
+                <a:latin typeface="BIZ UDPゴシック" panose="020B0400000000000000" pitchFamily="50" charset="-128"/>
+                <a:ea typeface="BIZ UDPゴシック" panose="020B0400000000000000" pitchFamily="50" charset="-128"/>
+              </a:rPr>
+              <a:t>http</a:t>
+            </a:r>
+            <a:r>
+              <a:rPr kumimoji="1" lang="ja-JP" altLang="en-US" sz="2800" dirty="0">
+                <a:latin typeface="BIZ UDPゴシック" panose="020B0400000000000000" pitchFamily="50" charset="-128"/>
+                <a:ea typeface="BIZ UDPゴシック" panose="020B0400000000000000" pitchFamily="50" charset="-128"/>
+              </a:rPr>
+              <a:t>の</a:t>
+            </a:r>
+            <a:r>
               <a:rPr kumimoji="1" lang="en-US" altLang="ja-JP" sz="2800" dirty="0" err="1">
                 <a:latin typeface="BIZ UDPゴシック" panose="020B0400000000000000" pitchFamily="50" charset="-128"/>
                 <a:ea typeface="BIZ UDPゴシック" panose="020B0400000000000000" pitchFamily="50" charset="-128"/>
               </a:rPr>
-              <a:t>ssh</a:t>
+              <a:t>url</a:t>
             </a:r>
             <a:r>
               <a:rPr kumimoji="1" lang="en-US" altLang="ja-JP" sz="2800" dirty="0">
@@ -10164,12 +9858,22 @@
               <a:t> </a:t>
             </a:r>
             <a:r>
-              <a:rPr kumimoji="1" lang="en-US" altLang="ja-JP" sz="2800" dirty="0" err="1">
+              <a:rPr kumimoji="1" lang="en-US" altLang="ja-JP" sz="2800" dirty="0">
+                <a:latin typeface="BIZ UDPゴシック" panose="020B0400000000000000" pitchFamily="50" charset="-128"/>
+                <a:ea typeface="BIZ UDPゴシック" panose="020B0400000000000000" pitchFamily="50" charset="-128"/>
+                <a:hlinkClick r:id="rId2"/>
+              </a:rPr>
+              <a:t>https://github.com/e1b20111/hogemon.git</a:t>
+            </a:r>
+            <a:r>
+              <a:rPr kumimoji="1" lang="en-US" altLang="ja-JP" sz="2800" dirty="0">
                 <a:latin typeface="BIZ UDPゴシック" panose="020B0400000000000000" pitchFamily="50" charset="-128"/>
                 <a:ea typeface="BIZ UDPゴシック" panose="020B0400000000000000" pitchFamily="50" charset="-128"/>
               </a:rPr>
-              <a:t>url</a:t>
-            </a:r>
+              <a:t> </a:t>
+            </a:r>
+          </a:p>
+          <a:p>
             <a:r>
               <a:rPr kumimoji="1" lang="ja-JP" altLang="en-US" sz="2800" dirty="0">
                 <a:latin typeface="BIZ UDPゴシック" panose="020B0400000000000000" pitchFamily="50" charset="-128"/>
@@ -10209,7 +9913,7 @@
           <p:nvPr/>
         </p:nvPicPr>
         <p:blipFill rotWithShape="1">
-          <a:blip r:embed="rId2">
+          <a:blip r:embed="rId3">
             <a:extLst>
               <a:ext uri="{28A0092B-C50C-407E-A947-70E740481C1C}">
                 <a14:useLocalDpi xmlns:a14="http://schemas.microsoft.com/office/drawing/2010/main" val="0"/>
@@ -10242,7 +9946,7 @@
 </p:sld>
 </file>
 
-<file path=ppt/slides/slide5.xml><?xml version="1.0" encoding="utf-8"?>
+<file path=ppt/slides/slide4.xml><?xml version="1.0" encoding="utf-8"?>
 <p:sld xmlns:a="http://schemas.openxmlformats.org/drawingml/2006/main" xmlns:r="http://schemas.openxmlformats.org/officeDocument/2006/relationships" xmlns:p="http://schemas.openxmlformats.org/presentationml/2006/main">
   <p:cSld>
     <p:spTree>
@@ -10287,7 +9991,7 @@
         </p:blipFill>
         <p:spPr>
           <a:xfrm>
-            <a:off x="1097960" y="266700"/>
+            <a:off x="1319902" y="1513731"/>
             <a:ext cx="8115300" cy="3162300"/>
           </a:xfrm>
           <a:prstGeom prst="rect">
@@ -10310,7 +10014,7 @@
         <p:spPr>
           <a:xfrm>
             <a:off x="1813578" y="4764327"/>
-            <a:ext cx="10378422" cy="954107"/>
+            <a:ext cx="10378422" cy="1815882"/>
           </a:xfrm>
           <a:prstGeom prst="rect">
             <a:avLst/>
@@ -10335,7 +10039,49 @@
                 <a:latin typeface="BIZ UDPゴシック" panose="020B0400000000000000" pitchFamily="50" charset="-128"/>
                 <a:ea typeface="BIZ UDPゴシック" panose="020B0400000000000000" pitchFamily="50" charset="-128"/>
               </a:rPr>
-              <a:t>を開き、</a:t>
+              <a:t>の</a:t>
+            </a:r>
+            <a:r>
+              <a:rPr kumimoji="1" lang="en-US" altLang="ja-JP" sz="2800" dirty="0">
+                <a:latin typeface="BIZ UDPゴシック" panose="020B0400000000000000" pitchFamily="50" charset="-128"/>
+                <a:ea typeface="BIZ UDPゴシック" panose="020B0400000000000000" pitchFamily="50" charset="-128"/>
+              </a:rPr>
+              <a:t>ls</a:t>
+            </a:r>
+            <a:r>
+              <a:rPr kumimoji="1" lang="ja-JP" altLang="en-US" sz="2800" dirty="0">
+                <a:latin typeface="BIZ UDPゴシック" panose="020B0400000000000000" pitchFamily="50" charset="-128"/>
+                <a:ea typeface="BIZ UDPゴシック" panose="020B0400000000000000" pitchFamily="50" charset="-128"/>
+              </a:rPr>
+              <a:t>コマンドでフォルダ内に</a:t>
+            </a:r>
+            <a:r>
+              <a:rPr kumimoji="1" lang="en-US" altLang="ja-JP" sz="2800" dirty="0" err="1">
+                <a:latin typeface="BIZ UDPゴシック" panose="020B0400000000000000" pitchFamily="50" charset="-128"/>
+                <a:ea typeface="BIZ UDPゴシック" panose="020B0400000000000000" pitchFamily="50" charset="-128"/>
+              </a:rPr>
+              <a:t>hogemon</a:t>
+            </a:r>
+            <a:r>
+              <a:rPr kumimoji="1" lang="ja-JP" altLang="en-US" sz="2800" dirty="0">
+                <a:latin typeface="BIZ UDPゴシック" panose="020B0400000000000000" pitchFamily="50" charset="-128"/>
+                <a:ea typeface="BIZ UDPゴシック" panose="020B0400000000000000" pitchFamily="50" charset="-128"/>
+              </a:rPr>
+              <a:t>フォルダがあることを確認してください。ない場合は、</a:t>
+            </a:r>
+            <a:r>
+              <a:rPr kumimoji="1" lang="en-US" altLang="ja-JP" sz="2800" dirty="0" err="1">
+                <a:latin typeface="BIZ UDPゴシック" panose="020B0400000000000000" pitchFamily="50" charset="-128"/>
+                <a:ea typeface="BIZ UDPゴシック" panose="020B0400000000000000" pitchFamily="50" charset="-128"/>
+              </a:rPr>
+              <a:t>url</a:t>
+            </a:r>
+            <a:r>
+              <a:rPr kumimoji="1" lang="ja-JP" altLang="en-US" sz="2800" dirty="0">
+                <a:latin typeface="BIZ UDPゴシック" panose="020B0400000000000000" pitchFamily="50" charset="-128"/>
+                <a:ea typeface="BIZ UDPゴシック" panose="020B0400000000000000" pitchFamily="50" charset="-128"/>
+              </a:rPr>
+              <a:t>が間違っている可能性があります。</a:t>
             </a:r>
             <a:r>
               <a:rPr kumimoji="1" lang="en-US" altLang="ja-JP" sz="2800" dirty="0">
@@ -10356,20 +10102,21 @@
                 <a:latin typeface="BIZ UDPゴシック" panose="020B0400000000000000" pitchFamily="50" charset="-128"/>
                 <a:ea typeface="BIZ UDPゴシック" panose="020B0400000000000000" pitchFamily="50" charset="-128"/>
               </a:rPr>
-              <a:t>と入力した後、</a:t>
-            </a:r>
-            <a:endParaRPr kumimoji="1" lang="en-US" altLang="ja-JP" sz="2800" dirty="0">
-              <a:latin typeface="BIZ UDPゴシック" panose="020B0400000000000000" pitchFamily="50" charset="-128"/>
-              <a:ea typeface="BIZ UDPゴシック" panose="020B0400000000000000" pitchFamily="50" charset="-128"/>
-            </a:endParaRPr>
-          </a:p>
-          <a:p>
+              <a:t>と入力し、</a:t>
+            </a:r>
+            <a:r>
+              <a:rPr kumimoji="1" lang="en-US" altLang="ja-JP" sz="2800" dirty="0" err="1">
+                <a:latin typeface="BIZ UDPゴシック" panose="020B0400000000000000" pitchFamily="50" charset="-128"/>
+                <a:ea typeface="BIZ UDPゴシック" panose="020B0400000000000000" pitchFamily="50" charset="-128"/>
+              </a:rPr>
+              <a:t>hogemon</a:t>
+            </a:r>
             <a:r>
               <a:rPr kumimoji="1" lang="ja-JP" altLang="en-US" sz="2800" dirty="0">
                 <a:latin typeface="BIZ UDPゴシック" panose="020B0400000000000000" pitchFamily="50" charset="-128"/>
                 <a:ea typeface="BIZ UDPゴシック" panose="020B0400000000000000" pitchFamily="50" charset="-128"/>
               </a:rPr>
-              <a:t>ｂ</a:t>
+              <a:t>フォルダ内に移動したのち、ｂ</a:t>
             </a:r>
             <a:r>
               <a:rPr kumimoji="1" lang="en-US" altLang="ja-JP" sz="2800" dirty="0">
@@ -10423,8 +10170,8 @@
         </p:nvSpPr>
         <p:spPr>
           <a:xfrm rot="15057564">
-            <a:off x="5160891" y="3422351"/>
-            <a:ext cx="1331280" cy="808546"/>
+            <a:off x="4714826" y="4138061"/>
+            <a:ext cx="328623" cy="808546"/>
           </a:xfrm>
           <a:prstGeom prst="rightArrow">
             <a:avLst/>
@@ -10458,6 +10205,41 @@
           </a:p>
         </p:txBody>
       </p:sp>
+      <p:pic>
+        <p:nvPicPr>
+          <p:cNvPr id="6" name="図 5" descr="グラフィカル ユーザー インターフェイス&#10;&#10;低い精度で自動的に生成された説明">
+            <a:extLst>
+              <a:ext uri="{FF2B5EF4-FFF2-40B4-BE49-F238E27FC236}">
+                <a16:creationId xmlns:a16="http://schemas.microsoft.com/office/drawing/2014/main" id="{7B1891A0-2703-492A-A3D6-43D28AB2DBE0}"/>
+              </a:ext>
+            </a:extLst>
+          </p:cNvPr>
+          <p:cNvPicPr>
+            <a:picLocks noChangeAspect="1"/>
+          </p:cNvPicPr>
+          <p:nvPr/>
+        </p:nvPicPr>
+        <p:blipFill rotWithShape="1">
+          <a:blip r:embed="rId3">
+            <a:extLst>
+              <a:ext uri="{28A0092B-C50C-407E-A947-70E740481C1C}">
+                <a14:useLocalDpi xmlns:a14="http://schemas.microsoft.com/office/drawing/2010/main" val="0"/>
+              </a:ext>
+            </a:extLst>
+          </a:blip>
+          <a:srcRect l="23665" t="69471" r="57840" b="24013"/>
+          <a:stretch/>
+        </p:blipFill>
+        <p:spPr>
+          <a:xfrm>
+            <a:off x="1411548" y="248453"/>
+            <a:ext cx="5939163" cy="1176982"/>
+          </a:xfrm>
+          <a:prstGeom prst="rect">
+            <a:avLst/>
+          </a:prstGeom>
+        </p:spPr>
+      </p:pic>
     </p:spTree>
     <p:extLst>
       <p:ext uri="{BB962C8B-B14F-4D97-AF65-F5344CB8AC3E}">
@@ -10471,7 +10253,7 @@
 </p:sld>
 </file>
 
-<file path=ppt/slides/slide6.xml><?xml version="1.0" encoding="utf-8"?>
+<file path=ppt/slides/slide5.xml><?xml version="1.0" encoding="utf-8"?>
 <p:sld xmlns:a="http://schemas.openxmlformats.org/drawingml/2006/main" xmlns:r="http://schemas.openxmlformats.org/officeDocument/2006/relationships" xmlns:p="http://schemas.openxmlformats.org/presentationml/2006/main">
   <p:cSld>
     <p:spTree>
@@ -10516,7 +10298,7 @@
         </p:blipFill>
         <p:spPr>
           <a:xfrm>
-            <a:off x="0" y="243174"/>
+            <a:off x="390618" y="0"/>
             <a:ext cx="10230678" cy="5346648"/>
           </a:xfrm>
           <a:prstGeom prst="rect">
@@ -10538,8 +10320,8 @@
         </p:nvSpPr>
         <p:spPr>
           <a:xfrm>
-            <a:off x="1416012" y="5771493"/>
-            <a:ext cx="10378422" cy="954107"/>
+            <a:off x="1398256" y="5346648"/>
+            <a:ext cx="10378422" cy="1384995"/>
           </a:xfrm>
           <a:prstGeom prst="rect">
             <a:avLst/>
@@ -10613,6 +10395,19 @@
                 <a:ea typeface="BIZ UDPゴシック" panose="020B0400000000000000" pitchFamily="50" charset="-128"/>
               </a:rPr>
               <a:t>を起動したままにしてください。</a:t>
+            </a:r>
+            <a:endParaRPr kumimoji="1" lang="en-US" altLang="ja-JP" sz="2800" dirty="0">
+              <a:latin typeface="BIZ UDPゴシック" panose="020B0400000000000000" pitchFamily="50" charset="-128"/>
+              <a:ea typeface="BIZ UDPゴシック" panose="020B0400000000000000" pitchFamily="50" charset="-128"/>
+            </a:endParaRPr>
+          </a:p>
+          <a:p>
+            <a:r>
+              <a:rPr kumimoji="1" lang="ja-JP" altLang="en-US" sz="2800" dirty="0">
+                <a:latin typeface="BIZ UDPゴシック" panose="020B0400000000000000" pitchFamily="50" charset="-128"/>
+                <a:ea typeface="BIZ UDPゴシック" panose="020B0400000000000000" pitchFamily="50" charset="-128"/>
+              </a:rPr>
+              <a:t>初回は時間がかかる可能性があります。</a:t>
             </a:r>
           </a:p>
         </p:txBody>
@@ -10631,7 +10426,7 @@
         </p:nvSpPr>
         <p:spPr>
           <a:xfrm rot="11145170">
-            <a:off x="2732976" y="4926403"/>
+            <a:off x="3088084" y="4713980"/>
             <a:ext cx="769771" cy="808546"/>
           </a:xfrm>
           <a:prstGeom prst="rightArrow">
@@ -10670,6 +10465,91 @@
     <p:extLst>
       <p:ext uri="{BB962C8B-B14F-4D97-AF65-F5344CB8AC3E}">
         <p14:creationId xmlns:p14="http://schemas.microsoft.com/office/powerpoint/2010/main" val="1915329788"/>
+      </p:ext>
+    </p:extLst>
+  </p:cSld>
+  <p:clrMapOvr>
+    <a:masterClrMapping/>
+  </p:clrMapOvr>
+</p:sld>
+</file>
+
+<file path=ppt/slides/slide6.xml><?xml version="1.0" encoding="utf-8"?>
+<p:sld xmlns:a="http://schemas.openxmlformats.org/drawingml/2006/main" xmlns:r="http://schemas.openxmlformats.org/officeDocument/2006/relationships" xmlns:p="http://schemas.openxmlformats.org/presentationml/2006/main">
+  <p:cSld>
+    <p:spTree>
+      <p:nvGrpSpPr>
+        <p:cNvPr id="1" name=""/>
+        <p:cNvGrpSpPr/>
+        <p:nvPr/>
+      </p:nvGrpSpPr>
+      <p:grpSpPr>
+        <a:xfrm>
+          <a:off x="0" y="0"/>
+          <a:ext cx="0" cy="0"/>
+          <a:chOff x="0" y="0"/>
+          <a:chExt cx="0" cy="0"/>
+        </a:xfrm>
+      </p:grpSpPr>
+      <p:sp>
+        <p:nvSpPr>
+          <p:cNvPr id="9" name="テキスト ボックス 8">
+            <a:extLst>
+              <a:ext uri="{FF2B5EF4-FFF2-40B4-BE49-F238E27FC236}">
+                <a16:creationId xmlns:a16="http://schemas.microsoft.com/office/drawing/2014/main" id="{C2F0F8EC-F49A-72BC-52E4-21EDFFBB891B}"/>
+              </a:ext>
+            </a:extLst>
+          </p:cNvPr>
+          <p:cNvSpPr txBox="1"/>
+          <p:nvPr/>
+        </p:nvSpPr>
+        <p:spPr>
+          <a:xfrm>
+            <a:off x="1813578" y="2087388"/>
+            <a:ext cx="10378422" cy="1200329"/>
+          </a:xfrm>
+          <a:prstGeom prst="rect">
+            <a:avLst/>
+          </a:prstGeom>
+          <a:noFill/>
+        </p:spPr>
+        <p:txBody>
+          <a:bodyPr wrap="square" rtlCol="0">
+            <a:spAutoFit/>
+          </a:bodyPr>
+          <a:lstStyle/>
+          <a:p>
+            <a:r>
+              <a:rPr kumimoji="1" lang="ja-JP" altLang="en-US" sz="3600" dirty="0">
+                <a:latin typeface="BIZ UDPゴシック" panose="020B0400000000000000" pitchFamily="50" charset="-128"/>
+                <a:ea typeface="BIZ UDPゴシック" panose="020B0400000000000000" pitchFamily="50" charset="-128"/>
+              </a:rPr>
+              <a:t>セットアップお疲れさまでした。</a:t>
+            </a:r>
+            <a:endParaRPr kumimoji="1" lang="en-US" altLang="ja-JP" sz="3600" dirty="0">
+              <a:latin typeface="BIZ UDPゴシック" panose="020B0400000000000000" pitchFamily="50" charset="-128"/>
+              <a:ea typeface="BIZ UDPゴシック" panose="020B0400000000000000" pitchFamily="50" charset="-128"/>
+            </a:endParaRPr>
+          </a:p>
+          <a:p>
+            <a:r>
+              <a:rPr kumimoji="1" lang="ja-JP" altLang="en-US" sz="3600" dirty="0">
+                <a:latin typeface="BIZ UDPゴシック" panose="020B0400000000000000" pitchFamily="50" charset="-128"/>
+                <a:ea typeface="BIZ UDPゴシック" panose="020B0400000000000000" pitchFamily="50" charset="-128"/>
+              </a:rPr>
+              <a:t>続いてユーザマニュアルに移ります。</a:t>
+            </a:r>
+            <a:endParaRPr kumimoji="1" lang="en-US" altLang="ja-JP" sz="3600" dirty="0">
+              <a:latin typeface="BIZ UDPゴシック" panose="020B0400000000000000" pitchFamily="50" charset="-128"/>
+              <a:ea typeface="BIZ UDPゴシック" panose="020B0400000000000000" pitchFamily="50" charset="-128"/>
+            </a:endParaRPr>
+          </a:p>
+        </p:txBody>
+      </p:sp>
+    </p:spTree>
+    <p:extLst>
+      <p:ext uri="{BB962C8B-B14F-4D97-AF65-F5344CB8AC3E}">
+        <p14:creationId xmlns:p14="http://schemas.microsoft.com/office/powerpoint/2010/main" val="166092315"/>
       </p:ext>
     </p:extLst>
   </p:cSld>
@@ -10698,10 +10578,10 @@
       </p:grpSpPr>
       <p:sp>
         <p:nvSpPr>
-          <p:cNvPr id="9" name="テキスト ボックス 8">
+          <p:cNvPr id="2" name="テキスト ボックス 1">
             <a:extLst>
               <a:ext uri="{FF2B5EF4-FFF2-40B4-BE49-F238E27FC236}">
-                <a16:creationId xmlns:a16="http://schemas.microsoft.com/office/drawing/2014/main" id="{C2F0F8EC-F49A-72BC-52E4-21EDFFBB891B}"/>
+                <a16:creationId xmlns:a16="http://schemas.microsoft.com/office/drawing/2014/main" id="{A5DB7B2B-061B-6EC4-A175-08EF0607A635}"/>
               </a:ext>
             </a:extLst>
           </p:cNvPr>
@@ -10710,8 +10590,8 @@
         </p:nvSpPr>
         <p:spPr>
           <a:xfrm>
-            <a:off x="1813578" y="2087388"/>
-            <a:ext cx="10378422" cy="1200329"/>
+            <a:off x="1663450" y="4429814"/>
+            <a:ext cx="10378422" cy="2246769"/>
           </a:xfrm>
           <a:prstGeom prst="rect">
             <a:avLst/>
@@ -10725,36 +10605,133 @@
           <a:lstStyle/>
           <a:p>
             <a:r>
-              <a:rPr kumimoji="1" lang="ja-JP" altLang="en-US" sz="3600" dirty="0">
+              <a:rPr kumimoji="1" lang="ja-JP" altLang="en-US" sz="2800" dirty="0">
                 <a:latin typeface="BIZ UDPゴシック" panose="020B0400000000000000" pitchFamily="50" charset="-128"/>
                 <a:ea typeface="BIZ UDPゴシック" panose="020B0400000000000000" pitchFamily="50" charset="-128"/>
               </a:rPr>
-              <a:t>セットアップお疲れさまでした。</a:t>
-            </a:r>
-            <a:endParaRPr kumimoji="1" lang="en-US" altLang="ja-JP" sz="3600" dirty="0">
+              <a:t>ブラウザ上で各自の</a:t>
+            </a:r>
+            <a:r>
+              <a:rPr kumimoji="1" lang="en-US" altLang="ja-JP" sz="2800" dirty="0">
+                <a:latin typeface="BIZ UDPゴシック" panose="020B0400000000000000" pitchFamily="50" charset="-128"/>
+                <a:ea typeface="BIZ UDPゴシック" panose="020B0400000000000000" pitchFamily="50" charset="-128"/>
+              </a:rPr>
+              <a:t>IP</a:t>
+            </a:r>
+            <a:r>
+              <a:rPr kumimoji="1" lang="ja-JP" altLang="en-US" sz="2800" dirty="0">
+                <a:latin typeface="BIZ UDPゴシック" panose="020B0400000000000000" pitchFamily="50" charset="-128"/>
+                <a:ea typeface="BIZ UDPゴシック" panose="020B0400000000000000" pitchFamily="50" charset="-128"/>
+              </a:rPr>
+              <a:t>アドレスで立てている仮想サーバにアクセスしてください。以下ユーザマニュアルでは</a:t>
+            </a:r>
+            <a:r>
+              <a:rPr kumimoji="1" lang="en-US" altLang="ja-JP" sz="2800" dirty="0">
+                <a:latin typeface="BIZ UDPゴシック" panose="020B0400000000000000" pitchFamily="50" charset="-128"/>
+                <a:ea typeface="BIZ UDPゴシック" panose="020B0400000000000000" pitchFamily="50" charset="-128"/>
+              </a:rPr>
+              <a:t>150.89.233.202</a:t>
+            </a:r>
+            <a:r>
+              <a:rPr kumimoji="1" lang="ja-JP" altLang="en-US" sz="2800" dirty="0">
+                <a:latin typeface="BIZ UDPゴシック" panose="020B0400000000000000" pitchFamily="50" charset="-128"/>
+                <a:ea typeface="BIZ UDPゴシック" panose="020B0400000000000000" pitchFamily="50" charset="-128"/>
+              </a:rPr>
+              <a:t>のサーバで起動しています。</a:t>
+            </a:r>
+            <a:endParaRPr kumimoji="1" lang="en-US" altLang="ja-JP" sz="2800" dirty="0">
               <a:latin typeface="BIZ UDPゴシック" panose="020B0400000000000000" pitchFamily="50" charset="-128"/>
               <a:ea typeface="BIZ UDPゴシック" panose="020B0400000000000000" pitchFamily="50" charset="-128"/>
             </a:endParaRPr>
           </a:p>
           <a:p>
             <a:r>
-              <a:rPr kumimoji="1" lang="ja-JP" altLang="en-US" sz="3600" dirty="0">
+              <a:rPr kumimoji="1" lang="en-US" altLang="ja-JP" sz="2800" dirty="0">
+                <a:latin typeface="BIZ UDPゴシック" panose="020B0400000000000000" pitchFamily="50" charset="-128"/>
+                <a:ea typeface="BIZ UDPゴシック" panose="020B0400000000000000" pitchFamily="50" charset="-128"/>
+                <a:hlinkClick r:id="rId2"/>
+              </a:rPr>
+              <a:t>http://150.89.233.202/</a:t>
+            </a:r>
+            <a:r>
+              <a:rPr kumimoji="1" lang="ja-JP" altLang="en-US" sz="2800" dirty="0">
                 <a:latin typeface="BIZ UDPゴシック" panose="020B0400000000000000" pitchFamily="50" charset="-128"/>
                 <a:ea typeface="BIZ UDPゴシック" panose="020B0400000000000000" pitchFamily="50" charset="-128"/>
               </a:rPr>
-              <a:t>続いてユーザマニュアルに移ります。</a:t>
-            </a:r>
-            <a:endParaRPr kumimoji="1" lang="en-US" altLang="ja-JP" sz="3600" dirty="0">
-              <a:latin typeface="BIZ UDPゴシック" panose="020B0400000000000000" pitchFamily="50" charset="-128"/>
-              <a:ea typeface="BIZ UDPゴシック" panose="020B0400000000000000" pitchFamily="50" charset="-128"/>
-            </a:endParaRPr>
-          </a:p>
-        </p:txBody>
-      </p:sp>
+              <a:t>（各自の</a:t>
+            </a:r>
+            <a:r>
+              <a:rPr kumimoji="1" lang="en-US" altLang="ja-JP" sz="2800" dirty="0">
+                <a:latin typeface="BIZ UDPゴシック" panose="020B0400000000000000" pitchFamily="50" charset="-128"/>
+                <a:ea typeface="BIZ UDPゴシック" panose="020B0400000000000000" pitchFamily="50" charset="-128"/>
+              </a:rPr>
+              <a:t>IP</a:t>
+            </a:r>
+            <a:r>
+              <a:rPr kumimoji="1" lang="ja-JP" altLang="en-US" sz="2800" dirty="0">
+                <a:latin typeface="BIZ UDPゴシック" panose="020B0400000000000000" pitchFamily="50" charset="-128"/>
+                <a:ea typeface="BIZ UDPゴシック" panose="020B0400000000000000" pitchFamily="50" charset="-128"/>
+              </a:rPr>
+              <a:t>アドレスにより異なる</a:t>
+            </a:r>
+            <a:r>
+              <a:rPr kumimoji="1" lang="en-US" altLang="ja-JP" sz="2800" dirty="0">
+                <a:latin typeface="BIZ UDPゴシック" panose="020B0400000000000000" pitchFamily="50" charset="-128"/>
+                <a:ea typeface="BIZ UDPゴシック" panose="020B0400000000000000" pitchFamily="50" charset="-128"/>
+              </a:rPr>
+              <a:t>)</a:t>
+            </a:r>
+          </a:p>
+          <a:p>
+            <a:r>
+              <a:rPr kumimoji="1" lang="ja-JP" altLang="en-US" sz="2800" dirty="0">
+                <a:latin typeface="BIZ UDPゴシック" panose="020B0400000000000000" pitchFamily="50" charset="-128"/>
+                <a:ea typeface="BIZ UDPゴシック" panose="020B0400000000000000" pitchFamily="50" charset="-128"/>
+              </a:rPr>
+              <a:t>を入力し、アクセスしてください</a:t>
+            </a:r>
+          </a:p>
+        </p:txBody>
+      </p:sp>
+      <p:pic>
+        <p:nvPicPr>
+          <p:cNvPr id="6" name="図 5">
+            <a:extLst>
+              <a:ext uri="{FF2B5EF4-FFF2-40B4-BE49-F238E27FC236}">
+                <a16:creationId xmlns:a16="http://schemas.microsoft.com/office/drawing/2014/main" id="{250BB2CA-BB22-6906-58D7-092A3A4BF603}"/>
+              </a:ext>
+            </a:extLst>
+          </p:cNvPr>
+          <p:cNvPicPr>
+            <a:picLocks noChangeAspect="1"/>
+          </p:cNvPicPr>
+          <p:nvPr/>
+        </p:nvPicPr>
+        <p:blipFill rotWithShape="1">
+          <a:blip r:embed="rId3">
+            <a:extLst>
+              <a:ext uri="{28A0092B-C50C-407E-A947-70E740481C1C}">
+                <a14:useLocalDpi xmlns:a14="http://schemas.microsoft.com/office/drawing/2010/main" val="0"/>
+              </a:ext>
+            </a:extLst>
+          </a:blip>
+          <a:srcRect r="53351" b="49612"/>
+          <a:stretch/>
+        </p:blipFill>
+        <p:spPr>
+          <a:xfrm>
+            <a:off x="2976510" y="417637"/>
+            <a:ext cx="6238979" cy="3790765"/>
+          </a:xfrm>
+          <a:prstGeom prst="rect">
+            <a:avLst/>
+          </a:prstGeom>
+        </p:spPr>
+      </p:pic>
     </p:spTree>
     <p:extLst>
       <p:ext uri="{BB962C8B-B14F-4D97-AF65-F5344CB8AC3E}">
-        <p14:creationId xmlns:p14="http://schemas.microsoft.com/office/powerpoint/2010/main" val="166092315"/>
+        <p14:creationId xmlns:p14="http://schemas.microsoft.com/office/powerpoint/2010/main" val="3014020727"/>
       </p:ext>
     </p:extLst>
   </p:cSld>
@@ -10781,6 +10758,41 @@
           <a:chExt cx="0" cy="0"/>
         </a:xfrm>
       </p:grpSpPr>
+      <p:pic>
+        <p:nvPicPr>
+          <p:cNvPr id="4" name="図 3">
+            <a:extLst>
+              <a:ext uri="{FF2B5EF4-FFF2-40B4-BE49-F238E27FC236}">
+                <a16:creationId xmlns:a16="http://schemas.microsoft.com/office/drawing/2014/main" id="{561E74DE-D179-19AD-7E20-581A505EC1CF}"/>
+              </a:ext>
+            </a:extLst>
+          </p:cNvPr>
+          <p:cNvPicPr>
+            <a:picLocks noChangeAspect="1"/>
+          </p:cNvPicPr>
+          <p:nvPr/>
+        </p:nvPicPr>
+        <p:blipFill rotWithShape="1">
+          <a:blip r:embed="rId2">
+            <a:extLst>
+              <a:ext uri="{28A0092B-C50C-407E-A947-70E740481C1C}">
+                <a14:useLocalDpi xmlns:a14="http://schemas.microsoft.com/office/drawing/2010/main" val="0"/>
+              </a:ext>
+            </a:extLst>
+          </a:blip>
+          <a:srcRect r="5591" b="33558"/>
+          <a:stretch/>
+        </p:blipFill>
+        <p:spPr>
+          <a:xfrm>
+            <a:off x="1783378" y="397560"/>
+            <a:ext cx="8280000" cy="3277795"/>
+          </a:xfrm>
+          <a:prstGeom prst="rect">
+            <a:avLst/>
+          </a:prstGeom>
+        </p:spPr>
+      </p:pic>
       <p:sp>
         <p:nvSpPr>
           <p:cNvPr id="2" name="テキスト ボックス 1">
@@ -10795,8 +10807,8 @@
         </p:nvSpPr>
         <p:spPr>
           <a:xfrm>
-            <a:off x="1397119" y="5983406"/>
-            <a:ext cx="10378422" cy="523220"/>
+            <a:off x="1783378" y="3675355"/>
+            <a:ext cx="9384731" cy="954107"/>
           </a:xfrm>
           <a:prstGeom prst="rect">
             <a:avLst/>
@@ -10810,76 +10822,195 @@
           <a:lstStyle/>
           <a:p>
             <a:r>
-              <a:rPr kumimoji="1" lang="en-US" altLang="ja-JP" sz="2800" dirty="0">
-                <a:latin typeface="BIZ UDPゴシック" panose="020B0400000000000000" pitchFamily="50" charset="-128"/>
-                <a:ea typeface="BIZ UDPゴシック" panose="020B0400000000000000" pitchFamily="50" charset="-128"/>
-              </a:rPr>
-              <a:t>Chrome</a:t>
-            </a:r>
-            <a:r>
               <a:rPr kumimoji="1" lang="ja-JP" altLang="en-US" sz="2800" dirty="0">
                 <a:latin typeface="BIZ UDPゴシック" panose="020B0400000000000000" pitchFamily="50" charset="-128"/>
                 <a:ea typeface="BIZ UDPゴシック" panose="020B0400000000000000" pitchFamily="50" charset="-128"/>
               </a:rPr>
-              <a:t>で</a:t>
-            </a:r>
-            <a:r>
-              <a:rPr kumimoji="1" lang="en-US" altLang="ja-JP" sz="2800" dirty="0">
-                <a:latin typeface="BIZ UDPゴシック" panose="020B0400000000000000" pitchFamily="50" charset="-128"/>
-                <a:ea typeface="BIZ UDPゴシック" panose="020B0400000000000000" pitchFamily="50" charset="-128"/>
-              </a:rPr>
-              <a:t>localhost</a:t>
-            </a:r>
+              <a:t>ログインページが表示されるのでログインしてください</a:t>
+            </a:r>
+            <a:endParaRPr kumimoji="1" lang="en-US" altLang="ja-JP" sz="2800" dirty="0">
+              <a:latin typeface="BIZ UDPゴシック" panose="020B0400000000000000" pitchFamily="50" charset="-128"/>
+              <a:ea typeface="BIZ UDPゴシック" panose="020B0400000000000000" pitchFamily="50" charset="-128"/>
+            </a:endParaRPr>
+          </a:p>
+          <a:p>
             <a:r>
               <a:rPr kumimoji="1" lang="ja-JP" altLang="en-US" sz="2800" dirty="0">
                 <a:latin typeface="BIZ UDPゴシック" panose="020B0400000000000000" pitchFamily="50" charset="-128"/>
                 <a:ea typeface="BIZ UDPゴシック" panose="020B0400000000000000" pitchFamily="50" charset="-128"/>
               </a:rPr>
-              <a:t>と入力し、アクセスしてください</a:t>
-            </a:r>
-          </a:p>
-        </p:txBody>
-      </p:sp>
-      <p:pic>
-        <p:nvPicPr>
-          <p:cNvPr id="6" name="図 5">
+              <a:t>ユーザーネームとパスワードは以下の通りです。</a:t>
+            </a:r>
+            <a:endParaRPr kumimoji="1" lang="en-US" altLang="ja-JP" sz="2800" dirty="0">
+              <a:latin typeface="BIZ UDPゴシック" panose="020B0400000000000000" pitchFamily="50" charset="-128"/>
+              <a:ea typeface="BIZ UDPゴシック" panose="020B0400000000000000" pitchFamily="50" charset="-128"/>
+            </a:endParaRPr>
+          </a:p>
+        </p:txBody>
+      </p:sp>
+      <p:graphicFrame>
+        <p:nvGraphicFramePr>
+          <p:cNvPr id="3" name="表 4">
             <a:extLst>
               <a:ext uri="{FF2B5EF4-FFF2-40B4-BE49-F238E27FC236}">
-                <a16:creationId xmlns:a16="http://schemas.microsoft.com/office/drawing/2014/main" id="{250BB2CA-BB22-6906-58D7-092A3A4BF603}"/>
+                <a16:creationId xmlns:a16="http://schemas.microsoft.com/office/drawing/2014/main" id="{130776A1-F620-4732-BAE8-B20B916F68B0}"/>
               </a:ext>
             </a:extLst>
           </p:cNvPr>
-          <p:cNvPicPr>
-            <a:picLocks noChangeAspect="1"/>
-          </p:cNvPicPr>
-          <p:nvPr/>
-        </p:nvPicPr>
-        <p:blipFill>
-          <a:blip r:embed="rId2">
-            <a:extLst>
-              <a:ext uri="{28A0092B-C50C-407E-A947-70E740481C1C}">
-                <a14:useLocalDpi xmlns:a14="http://schemas.microsoft.com/office/drawing/2010/main" val="0"/>
-              </a:ext>
-            </a:extLst>
-          </a:blip>
-          <a:stretch>
-            <a:fillRect/>
-          </a:stretch>
-        </p:blipFill>
-        <p:spPr>
-          <a:xfrm>
-            <a:off x="1879839" y="0"/>
-            <a:ext cx="6800335" cy="5800519"/>
-          </a:xfrm>
-          <a:prstGeom prst="rect">
-            <a:avLst/>
-          </a:prstGeom>
-        </p:spPr>
-      </p:pic>
+          <p:cNvGraphicFramePr>
+            <a:graphicFrameLocks noGrp="1"/>
+          </p:cNvGraphicFramePr>
+          <p:nvPr>
+            <p:extLst>
+              <p:ext uri="{D42A27DB-BD31-4B8C-83A1-F6EECF244321}">
+                <p14:modId xmlns:p14="http://schemas.microsoft.com/office/powerpoint/2010/main" val="572946811"/>
+              </p:ext>
+            </p:extLst>
+          </p:nvPr>
+        </p:nvGraphicFramePr>
+        <p:xfrm>
+          <a:off x="2032000" y="5127519"/>
+          <a:ext cx="8128000" cy="1332921"/>
+        </p:xfrm>
+        <a:graphic>
+          <a:graphicData uri="http://schemas.openxmlformats.org/drawingml/2006/table">
+            <a:tbl>
+              <a:tblPr firstRow="1" bandRow="1">
+                <a:tableStyleId>{5C22544A-7EE6-4342-B048-85BDC9FD1C3A}</a:tableStyleId>
+              </a:tblPr>
+              <a:tblGrid>
+                <a:gridCol w="4064000">
+                  <a:extLst>
+                    <a:ext uri="{9D8B030D-6E8A-4147-A177-3AD203B41FA5}">
+                      <a16:colId xmlns:a16="http://schemas.microsoft.com/office/drawing/2014/main" val="70866398"/>
+                    </a:ext>
+                  </a:extLst>
+                </a:gridCol>
+                <a:gridCol w="4064000">
+                  <a:extLst>
+                    <a:ext uri="{9D8B030D-6E8A-4147-A177-3AD203B41FA5}">
+                      <a16:colId xmlns:a16="http://schemas.microsoft.com/office/drawing/2014/main" val="3761976696"/>
+                    </a:ext>
+                  </a:extLst>
+                </a:gridCol>
+              </a:tblGrid>
+              <a:tr h="444307">
+                <a:tc>
+                  <a:txBody>
+                    <a:bodyPr/>
+                    <a:lstStyle/>
+                    <a:p>
+                      <a:pPr algn="ctr"/>
+                      <a:r>
+                        <a:rPr kumimoji="1" lang="ja-JP" altLang="en-US" dirty="0"/>
+                        <a:t>ユーザーネーム</a:t>
+                      </a:r>
+                    </a:p>
+                  </a:txBody>
+                  <a:tcPr/>
+                </a:tc>
+                <a:tc>
+                  <a:txBody>
+                    <a:bodyPr/>
+                    <a:lstStyle/>
+                    <a:p>
+                      <a:pPr algn="ctr"/>
+                      <a:r>
+                        <a:rPr kumimoji="1" lang="ja-JP" altLang="en-US" dirty="0"/>
+                        <a:t>パスワード</a:t>
+                      </a:r>
+                    </a:p>
+                  </a:txBody>
+                  <a:tcPr/>
+                </a:tc>
+                <a:extLst>
+                  <a:ext uri="{0D108BD9-81ED-4DB2-BD59-A6C34878D82A}">
+                    <a16:rowId xmlns:a16="http://schemas.microsoft.com/office/drawing/2014/main" val="3804281850"/>
+                  </a:ext>
+                </a:extLst>
+              </a:tr>
+              <a:tr h="444307">
+                <a:tc>
+                  <a:txBody>
+                    <a:bodyPr/>
+                    <a:lstStyle/>
+                    <a:p>
+                      <a:pPr algn="ctr"/>
+                      <a:r>
+                        <a:rPr kumimoji="1" lang="en-US" altLang="ja-JP" dirty="0"/>
+                        <a:t>user1</a:t>
+                      </a:r>
+                      <a:endParaRPr kumimoji="1" lang="ja-JP" altLang="en-US" dirty="0"/>
+                    </a:p>
+                  </a:txBody>
+                  <a:tcPr/>
+                </a:tc>
+                <a:tc>
+                  <a:txBody>
+                    <a:bodyPr/>
+                    <a:lstStyle/>
+                    <a:p>
+                      <a:pPr algn="ctr"/>
+                      <a:r>
+                        <a:rPr kumimoji="1" lang="en-US" altLang="ja-JP" dirty="0" err="1"/>
+                        <a:t>p@ss</a:t>
+                      </a:r>
+                      <a:endParaRPr kumimoji="1" lang="ja-JP" altLang="en-US" dirty="0"/>
+                    </a:p>
+                  </a:txBody>
+                  <a:tcPr/>
+                </a:tc>
+                <a:extLst>
+                  <a:ext uri="{0D108BD9-81ED-4DB2-BD59-A6C34878D82A}">
+                    <a16:rowId xmlns:a16="http://schemas.microsoft.com/office/drawing/2014/main" val="722482888"/>
+                  </a:ext>
+                </a:extLst>
+              </a:tr>
+              <a:tr h="444307">
+                <a:tc>
+                  <a:txBody>
+                    <a:bodyPr/>
+                    <a:lstStyle/>
+                    <a:p>
+                      <a:pPr algn="ctr"/>
+                      <a:r>
+                        <a:rPr kumimoji="1" lang="en-US" altLang="ja-JP" dirty="0"/>
+                        <a:t>user2</a:t>
+                      </a:r>
+                      <a:endParaRPr kumimoji="1" lang="ja-JP" altLang="en-US" dirty="0"/>
+                    </a:p>
+                  </a:txBody>
+                  <a:tcPr/>
+                </a:tc>
+                <a:tc>
+                  <a:txBody>
+                    <a:bodyPr/>
+                    <a:lstStyle/>
+                    <a:p>
+                      <a:pPr algn="ctr"/>
+                      <a:r>
+                        <a:rPr kumimoji="1" lang="en-US" altLang="ja-JP" dirty="0" err="1"/>
+                        <a:t>p@ss</a:t>
+                      </a:r>
+                      <a:endParaRPr kumimoji="1" lang="ja-JP" altLang="en-US" dirty="0"/>
+                    </a:p>
+                  </a:txBody>
+                  <a:tcPr/>
+                </a:tc>
+                <a:extLst>
+                  <a:ext uri="{0D108BD9-81ED-4DB2-BD59-A6C34878D82A}">
+                    <a16:rowId xmlns:a16="http://schemas.microsoft.com/office/drawing/2014/main" val="3390036482"/>
+                  </a:ext>
+                </a:extLst>
+              </a:tr>
+            </a:tbl>
+          </a:graphicData>
+        </a:graphic>
+      </p:graphicFrame>
     </p:spTree>
     <p:extLst>
       <p:ext uri="{BB962C8B-B14F-4D97-AF65-F5344CB8AC3E}">
-        <p14:creationId xmlns:p14="http://schemas.microsoft.com/office/powerpoint/2010/main" val="3014020727"/>
+        <p14:creationId xmlns:p14="http://schemas.microsoft.com/office/powerpoint/2010/main" val="3085219799"/>
       </p:ext>
     </p:extLst>
   </p:cSld>
@@ -10911,7 +11042,7 @@
           <p:cNvPr id="4" name="図 3">
             <a:extLst>
               <a:ext uri="{FF2B5EF4-FFF2-40B4-BE49-F238E27FC236}">
-                <a16:creationId xmlns:a16="http://schemas.microsoft.com/office/drawing/2014/main" id="{561E74DE-D179-19AD-7E20-581A505EC1CF}"/>
+                <a16:creationId xmlns:a16="http://schemas.microsoft.com/office/drawing/2014/main" id="{43F69AE1-47B2-4BC5-6794-10DA0C958F07}"/>
               </a:ext>
             </a:extLst>
           </p:cNvPr>
@@ -10920,7 +11051,7 @@
           </p:cNvPicPr>
           <p:nvPr/>
         </p:nvPicPr>
-        <p:blipFill>
+        <p:blipFill rotWithShape="1">
           <a:blip r:embed="rId2">
             <a:extLst>
               <a:ext uri="{28A0092B-C50C-407E-A947-70E740481C1C}">
@@ -10928,14 +11059,13 @@
               </a:ext>
             </a:extLst>
           </a:blip>
-          <a:stretch>
-            <a:fillRect/>
-          </a:stretch>
+          <a:srcRect r="41702" b="27072"/>
+          <a:stretch/>
         </p:blipFill>
         <p:spPr>
           <a:xfrm>
-            <a:off x="1996442" y="0"/>
-            <a:ext cx="6893780" cy="5738191"/>
+            <a:off x="2075955" y="554228"/>
+            <a:ext cx="6630703" cy="4665842"/>
           </a:xfrm>
           <a:prstGeom prst="rect">
             <a:avLst/>
@@ -10956,8 +11086,8 @@
         </p:nvSpPr>
         <p:spPr>
           <a:xfrm>
-            <a:off x="2314494" y="5208106"/>
-            <a:ext cx="7044515" cy="1384995"/>
+            <a:off x="2075955" y="5536096"/>
+            <a:ext cx="10378422" cy="954107"/>
           </a:xfrm>
           <a:prstGeom prst="rect">
             <a:avLst/>
@@ -10975,7 +11105,7 @@
                 <a:latin typeface="BIZ UDPゴシック" panose="020B0400000000000000" pitchFamily="50" charset="-128"/>
                 <a:ea typeface="BIZ UDPゴシック" panose="020B0400000000000000" pitchFamily="50" charset="-128"/>
               </a:rPr>
-              <a:t>ログインページが表示されるので、</a:t>
+              <a:t>この画面が表示されたらログイン成功です。</a:t>
             </a:r>
             <a:endParaRPr kumimoji="1" lang="en-US" altLang="ja-JP" sz="2800" dirty="0">
               <a:latin typeface="BIZ UDPゴシック" panose="020B0400000000000000" pitchFamily="50" charset="-128"/>
@@ -10988,62 +11118,7 @@
                 <a:latin typeface="BIZ UDPゴシック" panose="020B0400000000000000" pitchFamily="50" charset="-128"/>
                 <a:ea typeface="BIZ UDPゴシック" panose="020B0400000000000000" pitchFamily="50" charset="-128"/>
               </a:rPr>
-              <a:t>ユーザーネームを</a:t>
-            </a:r>
-            <a:r>
-              <a:rPr kumimoji="1" lang="en-US" altLang="ja-JP" sz="2800" dirty="0">
-                <a:latin typeface="BIZ UDPゴシック" panose="020B0400000000000000" pitchFamily="50" charset="-128"/>
-                <a:ea typeface="BIZ UDPゴシック" panose="020B0400000000000000" pitchFamily="50" charset="-128"/>
-              </a:rPr>
-              <a:t>user1</a:t>
-            </a:r>
-            <a:r>
-              <a:rPr kumimoji="1" lang="ja-JP" altLang="en-US" sz="2800" dirty="0">
-                <a:latin typeface="BIZ UDPゴシック" panose="020B0400000000000000" pitchFamily="50" charset="-128"/>
-                <a:ea typeface="BIZ UDPゴシック" panose="020B0400000000000000" pitchFamily="50" charset="-128"/>
-              </a:rPr>
-              <a:t>もしくは</a:t>
-            </a:r>
-            <a:r>
-              <a:rPr kumimoji="1" lang="en-US" altLang="ja-JP" sz="2800" dirty="0">
-                <a:latin typeface="BIZ UDPゴシック" panose="020B0400000000000000" pitchFamily="50" charset="-128"/>
-                <a:ea typeface="BIZ UDPゴシック" panose="020B0400000000000000" pitchFamily="50" charset="-128"/>
-              </a:rPr>
-              <a:t>user2</a:t>
-            </a:r>
-            <a:r>
-              <a:rPr kumimoji="1" lang="ja-JP" altLang="en-US" sz="2800" dirty="0">
-                <a:latin typeface="BIZ UDPゴシック" panose="020B0400000000000000" pitchFamily="50" charset="-128"/>
-                <a:ea typeface="BIZ UDPゴシック" panose="020B0400000000000000" pitchFamily="50" charset="-128"/>
-              </a:rPr>
-              <a:t>、</a:t>
-            </a:r>
-            <a:endParaRPr kumimoji="1" lang="en-US" altLang="ja-JP" sz="2800" dirty="0">
-              <a:latin typeface="BIZ UDPゴシック" panose="020B0400000000000000" pitchFamily="50" charset="-128"/>
-              <a:ea typeface="BIZ UDPゴシック" panose="020B0400000000000000" pitchFamily="50" charset="-128"/>
-            </a:endParaRPr>
-          </a:p>
-          <a:p>
-            <a:r>
-              <a:rPr kumimoji="1" lang="ja-JP" altLang="en-US" sz="2800" dirty="0">
-                <a:latin typeface="BIZ UDPゴシック" panose="020B0400000000000000" pitchFamily="50" charset="-128"/>
-                <a:ea typeface="BIZ UDPゴシック" panose="020B0400000000000000" pitchFamily="50" charset="-128"/>
-              </a:rPr>
-              <a:t>パスワードを</a:t>
-            </a:r>
-            <a:r>
-              <a:rPr kumimoji="1" lang="en-US" altLang="ja-JP" sz="2800" dirty="0" err="1">
-                <a:latin typeface="BIZ UDPゴシック" panose="020B0400000000000000" pitchFamily="50" charset="-128"/>
-                <a:ea typeface="BIZ UDPゴシック" panose="020B0400000000000000" pitchFamily="50" charset="-128"/>
-              </a:rPr>
-              <a:t>p@ss</a:t>
-            </a:r>
-            <a:r>
-              <a:rPr kumimoji="1" lang="ja-JP" altLang="en-US" sz="2800" dirty="0">
-                <a:latin typeface="BIZ UDPゴシック" panose="020B0400000000000000" pitchFamily="50" charset="-128"/>
-                <a:ea typeface="BIZ UDPゴシック" panose="020B0400000000000000" pitchFamily="50" charset="-128"/>
-              </a:rPr>
-              <a:t>と入力してください。</a:t>
+              <a:t>ゲームをお楽しみください。</a:t>
             </a:r>
           </a:p>
         </p:txBody>
@@ -11051,7 +11126,7 @@
     </p:spTree>
     <p:extLst>
       <p:ext uri="{BB962C8B-B14F-4D97-AF65-F5344CB8AC3E}">
-        <p14:creationId xmlns:p14="http://schemas.microsoft.com/office/powerpoint/2010/main" val="3085219799"/>
+        <p14:creationId xmlns:p14="http://schemas.microsoft.com/office/powerpoint/2010/main" val="3437822726"/>
       </p:ext>
     </p:extLst>
   </p:cSld>
